--- a/wine+quality/Wine_Quality_Presentation.pptx
+++ b/wine+quality/Wine_Quality_Presentation.pptx
@@ -4,18 +4,24 @@
   <p:sldMasterIdLst>
     <p:sldMasterId id="2147483678" r:id="rId1"/>
   </p:sldMasterIdLst>
+  <p:notesMasterIdLst>
+    <p:notesMasterId r:id="rId16"/>
+  </p:notesMasterIdLst>
   <p:sldIdLst>
     <p:sldId id="256" r:id="rId2"/>
     <p:sldId id="257" r:id="rId3"/>
     <p:sldId id="258" r:id="rId4"/>
-    <p:sldId id="259" r:id="rId5"/>
-    <p:sldId id="260" r:id="rId6"/>
-    <p:sldId id="261" r:id="rId7"/>
-    <p:sldId id="262" r:id="rId8"/>
-    <p:sldId id="263" r:id="rId9"/>
-    <p:sldId id="264" r:id="rId10"/>
-    <p:sldId id="265" r:id="rId11"/>
-    <p:sldId id="266" r:id="rId12"/>
+    <p:sldId id="267" r:id="rId5"/>
+    <p:sldId id="263" r:id="rId6"/>
+    <p:sldId id="259" r:id="rId7"/>
+    <p:sldId id="260" r:id="rId8"/>
+    <p:sldId id="261" r:id="rId9"/>
+    <p:sldId id="268" r:id="rId10"/>
+    <p:sldId id="269" r:id="rId11"/>
+    <p:sldId id="262" r:id="rId12"/>
+    <p:sldId id="270" r:id="rId13"/>
+    <p:sldId id="265" r:id="rId14"/>
+    <p:sldId id="266" r:id="rId15"/>
   </p:sldIdLst>
   <p:sldSz cx="9144000" cy="6858000" type="screen4x3"/>
   <p:notesSz cx="6858000" cy="9144000"/>
@@ -133,3047 +139,437 @@
 </p:presentation>
 </file>
 
-<file path=ppt/diagrams/colors1.xml><?xml version="1.0" encoding="utf-8"?>
-<dgm:colorsDef xmlns:dgm="http://schemas.openxmlformats.org/drawingml/2006/diagram" xmlns:a="http://schemas.openxmlformats.org/drawingml/2006/main" uniqueId="urn:microsoft.com/office/officeart/2018/5/colors/Iconchunking_neutralbg_colorful1">
-  <dgm:title val=""/>
-  <dgm:desc val=""/>
-  <dgm:catLst>
-    <dgm:cat type="colorful" pri="10100"/>
-  </dgm:catLst>
-  <dgm:styleLbl name="node0">
-    <dgm:fillClrLst meth="repeat">
-      <a:schemeClr val="accent1"/>
-    </dgm:fillClrLst>
-    <dgm:linClrLst meth="repeat">
-      <a:schemeClr val="lt1"/>
-    </dgm:linClrLst>
-    <dgm:effectClrLst/>
-    <dgm:txLinClrLst/>
-    <dgm:txFillClrLst/>
-    <dgm:txEffectClrLst/>
-  </dgm:styleLbl>
-  <dgm:styleLbl name="node1">
-    <dgm:fillClrLst meth="repeat">
-      <a:schemeClr val="accent2"/>
-      <a:schemeClr val="accent3"/>
-      <a:schemeClr val="accent4"/>
-      <a:schemeClr val="accent5"/>
-      <a:schemeClr val="accent6"/>
-    </dgm:fillClrLst>
-    <dgm:linClrLst meth="repeat">
-      <a:schemeClr val="lt1">
-        <a:alpha val="0"/>
-      </a:schemeClr>
-    </dgm:linClrLst>
-    <dgm:effectClrLst/>
-    <dgm:txLinClrLst/>
-    <dgm:txFillClrLst/>
-    <dgm:txEffectClrLst/>
-  </dgm:styleLbl>
-  <dgm:styleLbl name="alignNode1">
-    <dgm:fillClrLst meth="repeat">
-      <a:schemeClr val="accent2"/>
-      <a:schemeClr val="accent3"/>
-      <a:schemeClr val="accent4"/>
-      <a:schemeClr val="accent5"/>
-      <a:schemeClr val="accent6"/>
-    </dgm:fillClrLst>
-    <dgm:linClrLst meth="repeat">
-      <a:schemeClr val="accent2"/>
-      <a:schemeClr val="accent3"/>
-      <a:schemeClr val="accent4"/>
-      <a:schemeClr val="accent5"/>
-      <a:schemeClr val="accent6"/>
-    </dgm:linClrLst>
-    <dgm:effectClrLst/>
-    <dgm:txLinClrLst/>
-    <dgm:txFillClrLst/>
-    <dgm:txEffectClrLst/>
-  </dgm:styleLbl>
-  <dgm:styleLbl name="lnNode1">
-    <dgm:fillClrLst meth="repeat">
-      <a:schemeClr val="accent2"/>
-      <a:schemeClr val="accent3"/>
-      <a:schemeClr val="accent4"/>
-      <a:schemeClr val="accent5"/>
-      <a:schemeClr val="accent6"/>
-    </dgm:fillClrLst>
-    <dgm:linClrLst meth="repeat">
-      <a:schemeClr val="lt1"/>
-    </dgm:linClrLst>
-    <dgm:effectClrLst/>
-    <dgm:txLinClrLst/>
-    <dgm:txFillClrLst/>
-    <dgm:txEffectClrLst/>
-  </dgm:styleLbl>
-  <dgm:styleLbl name="vennNode1">
-    <dgm:fillClrLst meth="repeat">
-      <a:schemeClr val="accent2">
-        <a:alpha val="50000"/>
-      </a:schemeClr>
-      <a:schemeClr val="accent3">
-        <a:alpha val="50000"/>
-      </a:schemeClr>
-      <a:schemeClr val="accent4">
-        <a:alpha val="50000"/>
-      </a:schemeClr>
-      <a:schemeClr val="accent5">
-        <a:alpha val="50000"/>
-      </a:schemeClr>
-      <a:schemeClr val="accent6">
-        <a:alpha val="50000"/>
-      </a:schemeClr>
-    </dgm:fillClrLst>
-    <dgm:linClrLst meth="repeat">
-      <a:schemeClr val="lt1"/>
-    </dgm:linClrLst>
-    <dgm:effectClrLst/>
-    <dgm:txLinClrLst/>
-    <dgm:txFillClrLst/>
-    <dgm:txEffectClrLst/>
-  </dgm:styleLbl>
-  <dgm:styleLbl name="node2">
-    <dgm:fillClrLst>
-      <a:schemeClr val="accent2"/>
-    </dgm:fillClrLst>
-    <dgm:linClrLst meth="repeat">
-      <a:schemeClr val="lt1"/>
-    </dgm:linClrLst>
-    <dgm:effectClrLst/>
-    <dgm:txLinClrLst/>
-    <dgm:txFillClrLst/>
-    <dgm:txEffectClrLst/>
-  </dgm:styleLbl>
-  <dgm:styleLbl name="node3">
-    <dgm:fillClrLst>
-      <a:schemeClr val="accent3"/>
-    </dgm:fillClrLst>
-    <dgm:linClrLst meth="repeat">
-      <a:schemeClr val="lt1"/>
-    </dgm:linClrLst>
-    <dgm:effectClrLst/>
-    <dgm:txLinClrLst/>
-    <dgm:txFillClrLst/>
-    <dgm:txEffectClrLst/>
-  </dgm:styleLbl>
-  <dgm:styleLbl name="node4">
-    <dgm:fillClrLst>
-      <a:schemeClr val="accent4"/>
-    </dgm:fillClrLst>
-    <dgm:linClrLst meth="repeat">
-      <a:schemeClr val="lt1"/>
-    </dgm:linClrLst>
-    <dgm:effectClrLst/>
-    <dgm:txLinClrLst/>
-    <dgm:txFillClrLst/>
-    <dgm:txEffectClrLst/>
-  </dgm:styleLbl>
-  <dgm:styleLbl name="fgImgPlace1">
-    <dgm:fillClrLst meth="repeat">
-      <a:schemeClr val="accent2">
-        <a:tint val="50000"/>
-      </a:schemeClr>
-      <a:schemeClr val="accent3">
-        <a:tint val="50000"/>
-      </a:schemeClr>
-      <a:schemeClr val="accent4">
-        <a:tint val="50000"/>
-      </a:schemeClr>
-      <a:schemeClr val="accent5">
-        <a:tint val="50000"/>
-      </a:schemeClr>
-      <a:schemeClr val="accent6">
-        <a:tint val="50000"/>
-      </a:schemeClr>
-    </dgm:fillClrLst>
-    <dgm:linClrLst meth="repeat">
-      <a:schemeClr val="lt1"/>
-    </dgm:linClrLst>
-    <dgm:effectClrLst/>
-    <dgm:txLinClrLst/>
-    <dgm:txFillClrLst meth="repeat">
-      <a:schemeClr val="lt1"/>
-    </dgm:txFillClrLst>
-    <dgm:txEffectClrLst/>
-  </dgm:styleLbl>
-  <dgm:styleLbl name="alignImgPlace1">
-    <dgm:fillClrLst>
-      <a:schemeClr val="accent1">
-        <a:tint val="50000"/>
-      </a:schemeClr>
-      <a:schemeClr val="accent2">
-        <a:tint val="20000"/>
-      </a:schemeClr>
-    </dgm:fillClrLst>
-    <dgm:linClrLst meth="repeat">
-      <a:schemeClr val="lt1"/>
-    </dgm:linClrLst>
-    <dgm:effectClrLst/>
-    <dgm:txLinClrLst/>
-    <dgm:txFillClrLst meth="repeat">
-      <a:schemeClr val="lt1"/>
-    </dgm:txFillClrLst>
-    <dgm:txEffectClrLst/>
-  </dgm:styleLbl>
-  <dgm:styleLbl name="bgImgPlace1">
-    <dgm:fillClrLst>
-      <a:schemeClr val="accent1">
-        <a:tint val="50000"/>
-      </a:schemeClr>
-      <a:schemeClr val="accent2">
-        <a:tint val="20000"/>
-      </a:schemeClr>
-    </dgm:fillClrLst>
-    <dgm:linClrLst meth="repeat">
-      <a:schemeClr val="lt1"/>
-    </dgm:linClrLst>
-    <dgm:effectClrLst/>
-    <dgm:txLinClrLst/>
-    <dgm:txFillClrLst meth="repeat">
-      <a:schemeClr val="lt1"/>
-    </dgm:txFillClrLst>
-    <dgm:txEffectClrLst/>
-  </dgm:styleLbl>
-  <dgm:styleLbl name="sibTrans2D1">
-    <dgm:fillClrLst meth="repeat">
-      <a:schemeClr val="accent2"/>
-      <a:schemeClr val="accent3"/>
-      <a:schemeClr val="accent4"/>
-      <a:schemeClr val="accent5"/>
-      <a:schemeClr val="accent6"/>
-    </dgm:fillClrLst>
-    <dgm:linClrLst meth="cycle">
-      <a:schemeClr val="lt1"/>
-    </dgm:linClrLst>
-    <dgm:effectClrLst/>
-    <dgm:txLinClrLst/>
-    <dgm:txFillClrLst/>
-    <dgm:txEffectClrLst/>
-  </dgm:styleLbl>
-  <dgm:styleLbl name="fgSibTrans2D1">
-    <dgm:fillClrLst meth="repeat">
-      <a:schemeClr val="accent2"/>
-      <a:schemeClr val="accent3"/>
-      <a:schemeClr val="accent4"/>
-      <a:schemeClr val="accent5"/>
-      <a:schemeClr val="accent6"/>
-    </dgm:fillClrLst>
-    <dgm:linClrLst meth="cycle">
-      <a:schemeClr val="lt1"/>
-    </dgm:linClrLst>
-    <dgm:effectClrLst/>
-    <dgm:txLinClrLst/>
-    <dgm:txFillClrLst meth="repeat">
-      <a:schemeClr val="lt1"/>
-    </dgm:txFillClrLst>
-    <dgm:txEffectClrLst/>
-  </dgm:styleLbl>
-  <dgm:styleLbl name="bgSibTrans2D1">
-    <dgm:fillClrLst meth="repeat">
-      <a:schemeClr val="accent2"/>
-      <a:schemeClr val="accent3"/>
-      <a:schemeClr val="accent4"/>
-      <a:schemeClr val="accent5"/>
-      <a:schemeClr val="accent6"/>
-    </dgm:fillClrLst>
-    <dgm:linClrLst meth="cycle">
-      <a:schemeClr val="lt1"/>
-    </dgm:linClrLst>
-    <dgm:effectClrLst/>
-    <dgm:txLinClrLst/>
-    <dgm:txFillClrLst meth="repeat">
-      <a:schemeClr val="lt1"/>
-    </dgm:txFillClrLst>
-    <dgm:txEffectClrLst/>
-  </dgm:styleLbl>
-  <dgm:styleLbl name="sibTrans1D1">
-    <dgm:fillClrLst meth="repeat">
-      <a:schemeClr val="accent2"/>
-      <a:schemeClr val="accent3"/>
-      <a:schemeClr val="accent4"/>
-      <a:schemeClr val="accent5"/>
-      <a:schemeClr val="accent6"/>
-    </dgm:fillClrLst>
-    <dgm:linClrLst meth="repeat">
-      <a:schemeClr val="accent2"/>
-      <a:schemeClr val="accent3"/>
-      <a:schemeClr val="accent4"/>
-      <a:schemeClr val="accent5"/>
-      <a:schemeClr val="accent6"/>
-    </dgm:linClrLst>
-    <dgm:effectClrLst/>
-    <dgm:txLinClrLst/>
-    <dgm:txFillClrLst meth="repeat">
-      <a:schemeClr val="tx1"/>
-    </dgm:txFillClrLst>
-    <dgm:txEffectClrLst/>
-  </dgm:styleLbl>
-  <dgm:styleLbl name="callout">
-    <dgm:fillClrLst meth="repeat">
-      <a:schemeClr val="accent2"/>
-    </dgm:fillClrLst>
-    <dgm:linClrLst meth="repeat">
-      <a:schemeClr val="accent2">
-        <a:tint val="50000"/>
-      </a:schemeClr>
-    </dgm:linClrLst>
-    <dgm:effectClrLst/>
-    <dgm:txLinClrLst/>
-    <dgm:txFillClrLst meth="repeat">
-      <a:schemeClr val="tx1"/>
-    </dgm:txFillClrLst>
-    <dgm:txEffectClrLst/>
-  </dgm:styleLbl>
-  <dgm:styleLbl name="asst0">
-    <dgm:fillClrLst meth="repeat">
-      <a:schemeClr val="accent1"/>
-    </dgm:fillClrLst>
-    <dgm:linClrLst meth="repeat">
-      <a:schemeClr val="lt1"/>
-    </dgm:linClrLst>
-    <dgm:effectClrLst/>
-    <dgm:txLinClrLst/>
-    <dgm:txFillClrLst/>
-    <dgm:txEffectClrLst/>
-  </dgm:styleLbl>
-  <dgm:styleLbl name="asst1">
-    <dgm:fillClrLst meth="repeat">
-      <a:schemeClr val="accent2"/>
-    </dgm:fillClrLst>
-    <dgm:linClrLst meth="repeat">
-      <a:schemeClr val="lt1"/>
-    </dgm:linClrLst>
-    <dgm:effectClrLst/>
-    <dgm:txLinClrLst/>
-    <dgm:txFillClrLst/>
-    <dgm:txEffectClrLst/>
-  </dgm:styleLbl>
-  <dgm:styleLbl name="asst2">
-    <dgm:fillClrLst>
-      <a:schemeClr val="accent3"/>
-    </dgm:fillClrLst>
-    <dgm:linClrLst meth="repeat">
-      <a:schemeClr val="lt1"/>
-    </dgm:linClrLst>
-    <dgm:effectClrLst/>
-    <dgm:txLinClrLst/>
-    <dgm:txFillClrLst/>
-    <dgm:txEffectClrLst/>
-  </dgm:styleLbl>
-  <dgm:styleLbl name="asst3">
-    <dgm:fillClrLst>
-      <a:schemeClr val="accent4"/>
-    </dgm:fillClrLst>
-    <dgm:linClrLst meth="repeat">
-      <a:schemeClr val="lt1"/>
-    </dgm:linClrLst>
-    <dgm:effectClrLst/>
-    <dgm:txLinClrLst/>
-    <dgm:txFillClrLst/>
-    <dgm:txEffectClrLst/>
-  </dgm:styleLbl>
-  <dgm:styleLbl name="asst4">
-    <dgm:fillClrLst>
-      <a:schemeClr val="accent5"/>
-    </dgm:fillClrLst>
-    <dgm:linClrLst meth="repeat">
-      <a:schemeClr val="lt1"/>
-    </dgm:linClrLst>
-    <dgm:effectClrLst/>
-    <dgm:txLinClrLst/>
-    <dgm:txFillClrLst/>
-    <dgm:txEffectClrLst/>
-  </dgm:styleLbl>
-  <dgm:styleLbl name="parChTrans2D1">
-    <dgm:fillClrLst meth="repeat">
-      <a:schemeClr val="accent2"/>
-    </dgm:fillClrLst>
-    <dgm:linClrLst meth="repeat">
-      <a:schemeClr val="lt1"/>
-    </dgm:linClrLst>
-    <dgm:effectClrLst/>
-    <dgm:txLinClrLst/>
-    <dgm:txFillClrLst meth="repeat">
-      <a:schemeClr val="lt1"/>
-    </dgm:txFillClrLst>
-    <dgm:txEffectClrLst/>
-  </dgm:styleLbl>
-  <dgm:styleLbl name="parChTrans2D2">
-    <dgm:fillClrLst meth="repeat">
-      <a:schemeClr val="accent3"/>
-    </dgm:fillClrLst>
-    <dgm:linClrLst meth="repeat">
-      <a:schemeClr val="lt1"/>
-    </dgm:linClrLst>
-    <dgm:effectClrLst/>
-    <dgm:txLinClrLst/>
-    <dgm:txFillClrLst/>
-    <dgm:txEffectClrLst/>
-  </dgm:styleLbl>
-  <dgm:styleLbl name="parChTrans2D3">
-    <dgm:fillClrLst meth="repeat">
-      <a:schemeClr val="accent4"/>
-    </dgm:fillClrLst>
-    <dgm:linClrLst meth="repeat">
-      <a:schemeClr val="lt1"/>
-    </dgm:linClrLst>
-    <dgm:effectClrLst/>
-    <dgm:txLinClrLst/>
-    <dgm:txFillClrLst/>
-    <dgm:txEffectClrLst/>
-  </dgm:styleLbl>
-  <dgm:styleLbl name="parChTrans2D4">
-    <dgm:fillClrLst meth="repeat">
-      <a:schemeClr val="accent5"/>
-    </dgm:fillClrLst>
-    <dgm:linClrLst meth="repeat">
-      <a:schemeClr val="lt1"/>
-    </dgm:linClrLst>
-    <dgm:effectClrLst/>
-    <dgm:txLinClrLst/>
-    <dgm:txFillClrLst meth="repeat">
-      <a:schemeClr val="lt1"/>
-    </dgm:txFillClrLst>
-    <dgm:txEffectClrLst/>
-  </dgm:styleLbl>
-  <dgm:styleLbl name="parChTrans1D1">
-    <dgm:fillClrLst meth="repeat">
-      <a:schemeClr val="accent2"/>
-    </dgm:fillClrLst>
-    <dgm:linClrLst meth="repeat">
-      <a:schemeClr val="accent1"/>
-    </dgm:linClrLst>
-    <dgm:effectClrLst/>
-    <dgm:txLinClrLst/>
-    <dgm:txFillClrLst meth="repeat">
-      <a:schemeClr val="tx1"/>
-    </dgm:txFillClrLst>
-    <dgm:txEffectClrLst/>
-  </dgm:styleLbl>
-  <dgm:styleLbl name="parChTrans1D2">
-    <dgm:fillClrLst meth="repeat">
-      <a:schemeClr val="accent3">
-        <a:tint val="90000"/>
-      </a:schemeClr>
-    </dgm:fillClrLst>
-    <dgm:linClrLst meth="repeat">
-      <a:schemeClr val="accent2"/>
-    </dgm:linClrLst>
-    <dgm:effectClrLst/>
-    <dgm:txLinClrLst/>
-    <dgm:txFillClrLst meth="repeat">
-      <a:schemeClr val="tx1"/>
-    </dgm:txFillClrLst>
-    <dgm:txEffectClrLst/>
-  </dgm:styleLbl>
-  <dgm:styleLbl name="parChTrans1D3">
-    <dgm:fillClrLst meth="repeat">
-      <a:schemeClr val="accent4">
-        <a:tint val="70000"/>
-      </a:schemeClr>
-    </dgm:fillClrLst>
-    <dgm:linClrLst meth="repeat">
-      <a:schemeClr val="accent3"/>
-    </dgm:linClrLst>
-    <dgm:effectClrLst/>
-    <dgm:txLinClrLst/>
-    <dgm:txFillClrLst meth="repeat">
-      <a:schemeClr val="tx1"/>
-    </dgm:txFillClrLst>
-    <dgm:txEffectClrLst/>
-  </dgm:styleLbl>
-  <dgm:styleLbl name="parChTrans1D4">
-    <dgm:fillClrLst meth="repeat">
-      <a:schemeClr val="accent5">
-        <a:tint val="50000"/>
-      </a:schemeClr>
-    </dgm:fillClrLst>
-    <dgm:linClrLst meth="repeat">
-      <a:schemeClr val="accent4"/>
-    </dgm:linClrLst>
-    <dgm:effectClrLst/>
-    <dgm:txLinClrLst/>
-    <dgm:txFillClrLst meth="repeat">
-      <a:schemeClr val="tx1"/>
-    </dgm:txFillClrLst>
-    <dgm:txEffectClrLst/>
-  </dgm:styleLbl>
-  <dgm:styleLbl name="fgAcc1">
-    <dgm:fillClrLst meth="repeat">
-      <a:schemeClr val="lt1">
-        <a:alpha val="90000"/>
-      </a:schemeClr>
-    </dgm:fillClrLst>
-    <dgm:linClrLst meth="repeat">
-      <a:schemeClr val="accent2"/>
-      <a:schemeClr val="accent3"/>
-      <a:schemeClr val="accent4"/>
-      <a:schemeClr val="accent5"/>
-      <a:schemeClr val="accent6"/>
-    </dgm:linClrLst>
-    <dgm:effectClrLst/>
-    <dgm:txLinClrLst/>
-    <dgm:txFillClrLst meth="repeat">
-      <a:schemeClr val="dk1"/>
-    </dgm:txFillClrLst>
-    <dgm:txEffectClrLst/>
-  </dgm:styleLbl>
-  <dgm:styleLbl name="conFgAcc1">
-    <dgm:fillClrLst meth="repeat">
-      <a:schemeClr val="lt1">
-        <a:alpha val="90000"/>
-      </a:schemeClr>
-    </dgm:fillClrLst>
-    <dgm:linClrLst meth="repeat">
-      <a:schemeClr val="accent2"/>
-      <a:schemeClr val="accent3"/>
-      <a:schemeClr val="accent4"/>
-      <a:schemeClr val="accent5"/>
-      <a:schemeClr val="accent6"/>
-    </dgm:linClrLst>
-    <dgm:effectClrLst/>
-    <dgm:txLinClrLst/>
-    <dgm:txFillClrLst meth="repeat">
-      <a:schemeClr val="dk1"/>
-    </dgm:txFillClrLst>
-    <dgm:txEffectClrLst/>
-  </dgm:styleLbl>
-  <dgm:styleLbl name="alignAcc1">
-    <dgm:fillClrLst meth="repeat">
-      <a:schemeClr val="lt1">
-        <a:alpha val="90000"/>
-      </a:schemeClr>
-    </dgm:fillClrLst>
-    <dgm:linClrLst meth="repeat">
-      <a:schemeClr val="accent2"/>
-      <a:schemeClr val="accent3"/>
-      <a:schemeClr val="accent4"/>
-      <a:schemeClr val="accent5"/>
-      <a:schemeClr val="accent6"/>
-    </dgm:linClrLst>
-    <dgm:effectClrLst/>
-    <dgm:txLinClrLst/>
-    <dgm:txFillClrLst meth="repeat">
-      <a:schemeClr val="dk1"/>
-    </dgm:txFillClrLst>
-    <dgm:txEffectClrLst/>
-  </dgm:styleLbl>
-  <dgm:styleLbl name="trAlignAcc1">
-    <dgm:fillClrLst meth="repeat">
-      <a:schemeClr val="lt1">
-        <a:alpha val="40000"/>
-      </a:schemeClr>
-    </dgm:fillClrLst>
-    <dgm:linClrLst meth="repeat">
-      <a:schemeClr val="accent1"/>
-    </dgm:linClrLst>
-    <dgm:effectClrLst/>
-    <dgm:txLinClrLst/>
-    <dgm:txFillClrLst meth="repeat">
-      <a:schemeClr val="dk1"/>
-    </dgm:txFillClrLst>
-    <dgm:txEffectClrLst/>
-  </dgm:styleLbl>
-  <dgm:styleLbl name="bgAcc1">
-    <dgm:fillClrLst meth="repeat">
-      <a:schemeClr val="lt1">
-        <a:alpha val="90000"/>
-      </a:schemeClr>
-    </dgm:fillClrLst>
-    <dgm:linClrLst meth="repeat">
-      <a:schemeClr val="accent2"/>
-      <a:schemeClr val="accent3"/>
-      <a:schemeClr val="accent4"/>
-      <a:schemeClr val="accent5"/>
-      <a:schemeClr val="accent6"/>
-    </dgm:linClrLst>
-    <dgm:effectClrLst/>
-    <dgm:txLinClrLst/>
-    <dgm:txFillClrLst meth="repeat">
-      <a:schemeClr val="dk1"/>
-    </dgm:txFillClrLst>
-    <dgm:txEffectClrLst/>
-  </dgm:styleLbl>
-  <dgm:styleLbl name="solidFgAcc1">
-    <dgm:fillClrLst meth="repeat">
-      <a:schemeClr val="lt1"/>
-    </dgm:fillClrLst>
-    <dgm:linClrLst meth="repeat">
-      <a:schemeClr val="accent2"/>
-      <a:schemeClr val="accent3"/>
-      <a:schemeClr val="accent4"/>
-      <a:schemeClr val="accent5"/>
-      <a:schemeClr val="accent6"/>
-    </dgm:linClrLst>
-    <dgm:effectClrLst/>
-    <dgm:txLinClrLst/>
-    <dgm:txFillClrLst meth="repeat">
-      <a:schemeClr val="dk1"/>
-    </dgm:txFillClrLst>
-    <dgm:txEffectClrLst/>
-  </dgm:styleLbl>
-  <dgm:styleLbl name="solidAlignAcc1">
-    <dgm:fillClrLst meth="repeat">
-      <a:schemeClr val="lt1"/>
-    </dgm:fillClrLst>
-    <dgm:linClrLst meth="repeat">
-      <a:schemeClr val="accent2"/>
-      <a:schemeClr val="accent3"/>
-      <a:schemeClr val="accent4"/>
-      <a:schemeClr val="accent5"/>
-      <a:schemeClr val="accent6"/>
-    </dgm:linClrLst>
-    <dgm:effectClrLst/>
-    <dgm:txLinClrLst/>
-    <dgm:txFillClrLst meth="repeat">
-      <a:schemeClr val="dk1"/>
-    </dgm:txFillClrLst>
-    <dgm:txEffectClrLst/>
-  </dgm:styleLbl>
-  <dgm:styleLbl name="solidBgAcc1">
-    <dgm:fillClrLst meth="repeat">
-      <a:schemeClr val="lt1"/>
-    </dgm:fillClrLst>
-    <dgm:linClrLst meth="repeat">
-      <a:schemeClr val="accent2"/>
-      <a:schemeClr val="accent3"/>
-      <a:schemeClr val="accent4"/>
-      <a:schemeClr val="accent5"/>
-      <a:schemeClr val="accent6"/>
-    </dgm:linClrLst>
-    <dgm:effectClrLst/>
-    <dgm:txLinClrLst/>
-    <dgm:txFillClrLst meth="repeat">
-      <a:schemeClr val="dk1"/>
-    </dgm:txFillClrLst>
-    <dgm:txEffectClrLst/>
-  </dgm:styleLbl>
-  <dgm:styleLbl name="fgAccFollowNode1">
-    <dgm:fillClrLst meth="repeat">
-      <a:schemeClr val="accent2">
-        <a:tint val="40000"/>
-        <a:alpha val="90000"/>
-      </a:schemeClr>
-      <a:schemeClr val="accent3">
-        <a:tint val="40000"/>
-        <a:alpha val="90000"/>
-      </a:schemeClr>
-      <a:schemeClr val="accent4">
-        <a:tint val="40000"/>
-        <a:alpha val="90000"/>
-      </a:schemeClr>
-      <a:schemeClr val="accent5">
-        <a:tint val="40000"/>
-        <a:alpha val="90000"/>
-      </a:schemeClr>
-      <a:schemeClr val="accent6">
-        <a:tint val="40000"/>
-        <a:alpha val="90000"/>
-      </a:schemeClr>
-    </dgm:fillClrLst>
-    <dgm:linClrLst meth="repeat">
-      <a:schemeClr val="accent2">
-        <a:tint val="40000"/>
-        <a:alpha val="90000"/>
-      </a:schemeClr>
-      <a:schemeClr val="accent3">
-        <a:tint val="40000"/>
-        <a:alpha val="90000"/>
-      </a:schemeClr>
-      <a:schemeClr val="accent4">
-        <a:tint val="40000"/>
-        <a:alpha val="90000"/>
-      </a:schemeClr>
-      <a:schemeClr val="accent5">
-        <a:tint val="40000"/>
-        <a:alpha val="90000"/>
-      </a:schemeClr>
-      <a:schemeClr val="accent6">
-        <a:tint val="40000"/>
-        <a:alpha val="90000"/>
-      </a:schemeClr>
-    </dgm:linClrLst>
-    <dgm:effectClrLst/>
-    <dgm:txLinClrLst/>
-    <dgm:txFillClrLst meth="repeat">
-      <a:schemeClr val="dk1"/>
-    </dgm:txFillClrLst>
-    <dgm:txEffectClrLst/>
-  </dgm:styleLbl>
-  <dgm:styleLbl name="alignAccFollowNode1">
-    <dgm:fillClrLst meth="repeat">
-      <a:schemeClr val="accent2">
-        <a:tint val="40000"/>
-        <a:alpha val="90000"/>
-      </a:schemeClr>
-      <a:schemeClr val="accent3">
-        <a:tint val="40000"/>
-        <a:alpha val="90000"/>
-      </a:schemeClr>
-      <a:schemeClr val="accent4">
-        <a:tint val="40000"/>
-        <a:alpha val="90000"/>
-      </a:schemeClr>
-      <a:schemeClr val="accent5">
-        <a:tint val="40000"/>
-        <a:alpha val="90000"/>
-      </a:schemeClr>
-      <a:schemeClr val="accent6">
-        <a:tint val="40000"/>
-        <a:alpha val="90000"/>
-      </a:schemeClr>
-    </dgm:fillClrLst>
-    <dgm:linClrLst meth="repeat">
-      <a:schemeClr val="accent2">
-        <a:tint val="40000"/>
-        <a:alpha val="90000"/>
-      </a:schemeClr>
-      <a:schemeClr val="accent3">
-        <a:tint val="40000"/>
-        <a:alpha val="90000"/>
-      </a:schemeClr>
-      <a:schemeClr val="accent4">
-        <a:tint val="40000"/>
-        <a:alpha val="90000"/>
-      </a:schemeClr>
-      <a:schemeClr val="accent5">
-        <a:tint val="40000"/>
-        <a:alpha val="90000"/>
-      </a:schemeClr>
-      <a:schemeClr val="accent6">
-        <a:tint val="40000"/>
-        <a:alpha val="90000"/>
-      </a:schemeClr>
-    </dgm:linClrLst>
-    <dgm:effectClrLst/>
-    <dgm:txLinClrLst/>
-    <dgm:txFillClrLst meth="repeat">
-      <a:schemeClr val="dk1"/>
-    </dgm:txFillClrLst>
-    <dgm:txEffectClrLst/>
-  </dgm:styleLbl>
-  <dgm:styleLbl name="bgAccFollowNode1">
-    <dgm:fillClrLst meth="repeat">
-      <a:schemeClr val="accent2">
-        <a:tint val="40000"/>
-        <a:alpha val="90000"/>
-      </a:schemeClr>
-      <a:schemeClr val="accent3">
-        <a:tint val="40000"/>
-        <a:alpha val="90000"/>
-      </a:schemeClr>
-      <a:schemeClr val="accent4">
-        <a:tint val="40000"/>
-        <a:alpha val="90000"/>
-      </a:schemeClr>
-      <a:schemeClr val="accent5">
-        <a:tint val="40000"/>
-        <a:alpha val="90000"/>
-      </a:schemeClr>
-      <a:schemeClr val="accent6">
-        <a:tint val="40000"/>
-        <a:alpha val="90000"/>
-      </a:schemeClr>
-    </dgm:fillClrLst>
-    <dgm:linClrLst meth="repeat">
-      <a:schemeClr val="accent2">
-        <a:tint val="40000"/>
-        <a:alpha val="90000"/>
-      </a:schemeClr>
-      <a:schemeClr val="accent3">
-        <a:tint val="40000"/>
-        <a:alpha val="90000"/>
-      </a:schemeClr>
-      <a:schemeClr val="accent4">
-        <a:tint val="40000"/>
-        <a:alpha val="90000"/>
-      </a:schemeClr>
-      <a:schemeClr val="accent5">
-        <a:tint val="40000"/>
-        <a:alpha val="90000"/>
-      </a:schemeClr>
-      <a:schemeClr val="accent6">
-        <a:tint val="40000"/>
-        <a:alpha val="90000"/>
-      </a:schemeClr>
-    </dgm:linClrLst>
-    <dgm:effectClrLst/>
-    <dgm:txLinClrLst/>
-    <dgm:txFillClrLst meth="repeat">
-      <a:schemeClr val="dk1"/>
-    </dgm:txFillClrLst>
-    <dgm:txEffectClrLst/>
-  </dgm:styleLbl>
-  <dgm:styleLbl name="fgAcc0">
-    <dgm:fillClrLst meth="repeat">
-      <a:schemeClr val="lt1">
-        <a:alpha val="90000"/>
-      </a:schemeClr>
-    </dgm:fillClrLst>
-    <dgm:linClrLst>
-      <a:schemeClr val="accent1"/>
-    </dgm:linClrLst>
-    <dgm:effectClrLst/>
-    <dgm:txLinClrLst/>
-    <dgm:txFillClrLst meth="repeat">
-      <a:schemeClr val="dk1"/>
-    </dgm:txFillClrLst>
-    <dgm:txEffectClrLst/>
-  </dgm:styleLbl>
-  <dgm:styleLbl name="fgAcc2">
-    <dgm:fillClrLst meth="repeat">
-      <a:schemeClr val="lt1">
-        <a:alpha val="90000"/>
-      </a:schemeClr>
-    </dgm:fillClrLst>
-    <dgm:linClrLst>
-      <a:schemeClr val="accent2"/>
-    </dgm:linClrLst>
-    <dgm:effectClrLst/>
-    <dgm:txLinClrLst/>
-    <dgm:txFillClrLst meth="repeat">
-      <a:schemeClr val="dk1"/>
-    </dgm:txFillClrLst>
-    <dgm:txEffectClrLst/>
-  </dgm:styleLbl>
-  <dgm:styleLbl name="fgAcc3">
-    <dgm:fillClrLst meth="repeat">
-      <a:schemeClr val="lt1">
-        <a:alpha val="90000"/>
-      </a:schemeClr>
-    </dgm:fillClrLst>
-    <dgm:linClrLst>
-      <a:schemeClr val="accent3"/>
-    </dgm:linClrLst>
-    <dgm:effectClrLst/>
-    <dgm:txLinClrLst/>
-    <dgm:txFillClrLst meth="repeat">
-      <a:schemeClr val="dk1"/>
-    </dgm:txFillClrLst>
-    <dgm:txEffectClrLst/>
-  </dgm:styleLbl>
-  <dgm:styleLbl name="fgAcc4">
-    <dgm:fillClrLst meth="repeat">
-      <a:schemeClr val="lt1">
-        <a:alpha val="90000"/>
-      </a:schemeClr>
-    </dgm:fillClrLst>
-    <dgm:linClrLst>
-      <a:schemeClr val="accent4"/>
-    </dgm:linClrLst>
-    <dgm:effectClrLst/>
-    <dgm:txLinClrLst/>
-    <dgm:txFillClrLst meth="repeat">
-      <a:schemeClr val="dk1"/>
-    </dgm:txFillClrLst>
-    <dgm:txEffectClrLst/>
-  </dgm:styleLbl>
-  <dgm:styleLbl name="bgShp">
-    <dgm:fillClrLst meth="repeat">
-      <a:schemeClr val="bg1">
-        <a:lumMod val="95000"/>
-      </a:schemeClr>
-    </dgm:fillClrLst>
-    <dgm:linClrLst meth="repeat">
-      <a:schemeClr val="dk1"/>
-    </dgm:linClrLst>
-    <dgm:effectClrLst/>
-    <dgm:txLinClrLst/>
-    <dgm:txFillClrLst meth="repeat">
-      <a:schemeClr val="dk1"/>
-    </dgm:txFillClrLst>
-    <dgm:txEffectClrLst/>
-  </dgm:styleLbl>
-  <dgm:styleLbl name="dkBgShp">
-    <dgm:fillClrLst meth="repeat">
-      <a:schemeClr val="accent2">
-        <a:shade val="90000"/>
-      </a:schemeClr>
-    </dgm:fillClrLst>
-    <dgm:linClrLst meth="repeat">
-      <a:schemeClr val="dk1"/>
-    </dgm:linClrLst>
-    <dgm:effectClrLst/>
-    <dgm:txLinClrLst/>
-    <dgm:txFillClrLst meth="repeat">
-      <a:schemeClr val="lt1"/>
-    </dgm:txFillClrLst>
-    <dgm:txEffectClrLst/>
-  </dgm:styleLbl>
-  <dgm:styleLbl name="trBgShp">
-    <dgm:fillClrLst meth="repeat">
-      <a:schemeClr val="accent1">
-        <a:tint val="50000"/>
-        <a:alpha val="40000"/>
-      </a:schemeClr>
-    </dgm:fillClrLst>
-    <dgm:linClrLst meth="repeat">
-      <a:schemeClr val="accent2"/>
-    </dgm:linClrLst>
-    <dgm:effectClrLst/>
-    <dgm:txLinClrLst/>
-    <dgm:txFillClrLst meth="repeat">
-      <a:schemeClr val="lt1"/>
-    </dgm:txFillClrLst>
-    <dgm:txEffectClrLst/>
-  </dgm:styleLbl>
-  <dgm:styleLbl name="fgShp">
-    <dgm:fillClrLst meth="repeat">
-      <a:schemeClr val="accent2">
-        <a:tint val="40000"/>
-      </a:schemeClr>
-    </dgm:fillClrLst>
-    <dgm:linClrLst meth="repeat">
-      <a:schemeClr val="lt1"/>
-    </dgm:linClrLst>
-    <dgm:effectClrLst/>
-    <dgm:txLinClrLst/>
-    <dgm:txFillClrLst meth="repeat">
-      <a:schemeClr val="dk1"/>
-    </dgm:txFillClrLst>
-    <dgm:txEffectClrLst/>
-  </dgm:styleLbl>
-  <dgm:styleLbl name="revTx">
-    <dgm:fillClrLst meth="repeat">
-      <a:schemeClr val="lt1">
-        <a:alpha val="0"/>
-      </a:schemeClr>
-    </dgm:fillClrLst>
-    <dgm:linClrLst meth="repeat">
-      <a:schemeClr val="dk1">
-        <a:alpha val="0"/>
-      </a:schemeClr>
-    </dgm:linClrLst>
-    <dgm:effectClrLst/>
-    <dgm:txLinClrLst/>
-    <dgm:txFillClrLst meth="repeat">
-      <a:schemeClr val="tx1"/>
-    </dgm:txFillClrLst>
-    <dgm:txEffectClrLst/>
-  </dgm:styleLbl>
-</dgm:colorsDef>
+<file path=ppt/notesMasters/notesMaster1.xml><?xml version="1.0" encoding="utf-8"?>
+<p:notesMaster xmlns:a="http://schemas.openxmlformats.org/drawingml/2006/main" xmlns:r="http://schemas.openxmlformats.org/officeDocument/2006/relationships" xmlns:p="http://schemas.openxmlformats.org/presentationml/2006/main">
+  <p:cSld>
+    <p:bg>
+      <p:bgRef idx="1001">
+        <a:schemeClr val="bg1"/>
+      </p:bgRef>
+    </p:bg>
+    <p:spTree>
+      <p:nvGrpSpPr>
+        <p:cNvPr id="1" name=""/>
+        <p:cNvGrpSpPr/>
+        <p:nvPr/>
+      </p:nvGrpSpPr>
+      <p:grpSpPr>
+        <a:xfrm>
+          <a:off x="0" y="0"/>
+          <a:ext cx="0" cy="0"/>
+          <a:chOff x="0" y="0"/>
+          <a:chExt cx="0" cy="0"/>
+        </a:xfrm>
+      </p:grpSpPr>
+      <p:sp>
+        <p:nvSpPr>
+          <p:cNvPr id="2" name="Header Placeholder 1"/>
+          <p:cNvSpPr>
+            <a:spLocks noGrp="1"/>
+          </p:cNvSpPr>
+          <p:nvPr>
+            <p:ph type="hdr" sz="quarter"/>
+          </p:nvPr>
+        </p:nvSpPr>
+        <p:spPr>
+          <a:xfrm>
+            <a:off x="0" y="0"/>
+            <a:ext cx="2971800" cy="458788"/>
+          </a:xfrm>
+          <a:prstGeom prst="rect">
+            <a:avLst/>
+          </a:prstGeom>
+        </p:spPr>
+        <p:txBody>
+          <a:bodyPr vert="horz" lIns="91440" tIns="45720" rIns="91440" bIns="45720" rtlCol="0"/>
+          <a:lstStyle>
+            <a:lvl1pPr algn="l">
+              <a:defRPr sz="1200"/>
+            </a:lvl1pPr>
+          </a:lstStyle>
+          <a:p>
+            <a:endParaRPr lang="en-US"/>
+          </a:p>
+        </p:txBody>
+      </p:sp>
+      <p:sp>
+        <p:nvSpPr>
+          <p:cNvPr id="3" name="Date Placeholder 2"/>
+          <p:cNvSpPr>
+            <a:spLocks noGrp="1"/>
+          </p:cNvSpPr>
+          <p:nvPr>
+            <p:ph type="dt" idx="1"/>
+          </p:nvPr>
+        </p:nvSpPr>
+        <p:spPr>
+          <a:xfrm>
+            <a:off x="3884613" y="0"/>
+            <a:ext cx="2971800" cy="458788"/>
+          </a:xfrm>
+          <a:prstGeom prst="rect">
+            <a:avLst/>
+          </a:prstGeom>
+        </p:spPr>
+        <p:txBody>
+          <a:bodyPr vert="horz" lIns="91440" tIns="45720" rIns="91440" bIns="45720" rtlCol="0"/>
+          <a:lstStyle>
+            <a:lvl1pPr algn="r">
+              <a:defRPr sz="1200"/>
+            </a:lvl1pPr>
+          </a:lstStyle>
+          <a:p>
+            <a:fld id="{660CF60C-E3C0-4AEE-AC4A-7ED6817D5E56}" type="datetimeFigureOut">
+              <a:rPr lang="en-US" smtClean="0"/>
+              <a:t>5/3/2025</a:t>
+            </a:fld>
+            <a:endParaRPr lang="en-US"/>
+          </a:p>
+        </p:txBody>
+      </p:sp>
+      <p:sp>
+        <p:nvSpPr>
+          <p:cNvPr id="4" name="Slide Image Placeholder 3"/>
+          <p:cNvSpPr>
+            <a:spLocks noGrp="1" noRot="1" noChangeAspect="1"/>
+          </p:cNvSpPr>
+          <p:nvPr>
+            <p:ph type="sldImg" idx="2"/>
+          </p:nvPr>
+        </p:nvSpPr>
+        <p:spPr>
+          <a:xfrm>
+            <a:off x="1371600" y="1143000"/>
+            <a:ext cx="4114800" cy="3086100"/>
+          </a:xfrm>
+          <a:prstGeom prst="rect">
+            <a:avLst/>
+          </a:prstGeom>
+          <a:noFill/>
+          <a:ln w="12700">
+            <a:solidFill>
+              <a:prstClr val="black"/>
+            </a:solidFill>
+          </a:ln>
+        </p:spPr>
+        <p:txBody>
+          <a:bodyPr vert="horz" lIns="91440" tIns="45720" rIns="91440" bIns="45720" rtlCol="0" anchor="ctr"/>
+          <a:lstStyle/>
+          <a:p>
+            <a:endParaRPr lang="en-US"/>
+          </a:p>
+        </p:txBody>
+      </p:sp>
+      <p:sp>
+        <p:nvSpPr>
+          <p:cNvPr id="5" name="Notes Placeholder 4"/>
+          <p:cNvSpPr>
+            <a:spLocks noGrp="1"/>
+          </p:cNvSpPr>
+          <p:nvPr>
+            <p:ph type="body" sz="quarter" idx="3"/>
+          </p:nvPr>
+        </p:nvSpPr>
+        <p:spPr>
+          <a:xfrm>
+            <a:off x="685800" y="4400550"/>
+            <a:ext cx="5486400" cy="3600450"/>
+          </a:xfrm>
+          <a:prstGeom prst="rect">
+            <a:avLst/>
+          </a:prstGeom>
+        </p:spPr>
+        <p:txBody>
+          <a:bodyPr vert="horz" lIns="91440" tIns="45720" rIns="91440" bIns="45720" rtlCol="0"/>
+          <a:lstStyle/>
+          <a:p>
+            <a:pPr lvl="0"/>
+            <a:r>
+              <a:rPr lang="en-US"/>
+              <a:t>Click to edit Master text styles</a:t>
+            </a:r>
+          </a:p>
+          <a:p>
+            <a:pPr lvl="1"/>
+            <a:r>
+              <a:rPr lang="en-US"/>
+              <a:t>Second level</a:t>
+            </a:r>
+          </a:p>
+          <a:p>
+            <a:pPr lvl="2"/>
+            <a:r>
+              <a:rPr lang="en-US"/>
+              <a:t>Third level</a:t>
+            </a:r>
+          </a:p>
+          <a:p>
+            <a:pPr lvl="3"/>
+            <a:r>
+              <a:rPr lang="en-US"/>
+              <a:t>Fourth level</a:t>
+            </a:r>
+          </a:p>
+          <a:p>
+            <a:pPr lvl="4"/>
+            <a:r>
+              <a:rPr lang="en-US"/>
+              <a:t>Fifth level</a:t>
+            </a:r>
+          </a:p>
+        </p:txBody>
+      </p:sp>
+      <p:sp>
+        <p:nvSpPr>
+          <p:cNvPr id="6" name="Footer Placeholder 5"/>
+          <p:cNvSpPr>
+            <a:spLocks noGrp="1"/>
+          </p:cNvSpPr>
+          <p:nvPr>
+            <p:ph type="ftr" sz="quarter" idx="4"/>
+          </p:nvPr>
+        </p:nvSpPr>
+        <p:spPr>
+          <a:xfrm>
+            <a:off x="0" y="8685213"/>
+            <a:ext cx="2971800" cy="458787"/>
+          </a:xfrm>
+          <a:prstGeom prst="rect">
+            <a:avLst/>
+          </a:prstGeom>
+        </p:spPr>
+        <p:txBody>
+          <a:bodyPr vert="horz" lIns="91440" tIns="45720" rIns="91440" bIns="45720" rtlCol="0" anchor="b"/>
+          <a:lstStyle>
+            <a:lvl1pPr algn="l">
+              <a:defRPr sz="1200"/>
+            </a:lvl1pPr>
+          </a:lstStyle>
+          <a:p>
+            <a:endParaRPr lang="en-US"/>
+          </a:p>
+        </p:txBody>
+      </p:sp>
+      <p:sp>
+        <p:nvSpPr>
+          <p:cNvPr id="7" name="Slide Number Placeholder 6"/>
+          <p:cNvSpPr>
+            <a:spLocks noGrp="1"/>
+          </p:cNvSpPr>
+          <p:nvPr>
+            <p:ph type="sldNum" sz="quarter" idx="5"/>
+          </p:nvPr>
+        </p:nvSpPr>
+        <p:spPr>
+          <a:xfrm>
+            <a:off x="3884613" y="8685213"/>
+            <a:ext cx="2971800" cy="458787"/>
+          </a:xfrm>
+          <a:prstGeom prst="rect">
+            <a:avLst/>
+          </a:prstGeom>
+        </p:spPr>
+        <p:txBody>
+          <a:bodyPr vert="horz" lIns="91440" tIns="45720" rIns="91440" bIns="45720" rtlCol="0" anchor="b"/>
+          <a:lstStyle>
+            <a:lvl1pPr algn="r">
+              <a:defRPr sz="1200"/>
+            </a:lvl1pPr>
+          </a:lstStyle>
+          <a:p>
+            <a:fld id="{3548CD8E-B8A6-474A-82BA-24115FF43DF3}" type="slidenum">
+              <a:rPr lang="en-US" smtClean="0"/>
+              <a:t>‹#›</a:t>
+            </a:fld>
+            <a:endParaRPr lang="en-US"/>
+          </a:p>
+        </p:txBody>
+      </p:sp>
+    </p:spTree>
+    <p:extLst>
+      <p:ext uri="{BB962C8B-B14F-4D97-AF65-F5344CB8AC3E}">
+        <p14:creationId xmlns:p14="http://schemas.microsoft.com/office/powerpoint/2010/main" val="2321492130"/>
+      </p:ext>
+    </p:extLst>
+  </p:cSld>
+  <p:clrMap bg1="lt1" tx1="dk1" bg2="lt2" tx2="dk2" accent1="accent1" accent2="accent2" accent3="accent3" accent4="accent4" accent5="accent5" accent6="accent6" hlink="hlink" folHlink="folHlink"/>
+  <p:notesStyle>
+    <a:lvl1pPr marL="0" algn="l" defTabSz="914400" rtl="0" eaLnBrk="1" latinLnBrk="0" hangingPunct="1">
+      <a:defRPr sz="1200" kern="1200">
+        <a:solidFill>
+          <a:schemeClr val="tx1"/>
+        </a:solidFill>
+        <a:latin typeface="+mn-lt"/>
+        <a:ea typeface="+mn-ea"/>
+        <a:cs typeface="+mn-cs"/>
+      </a:defRPr>
+    </a:lvl1pPr>
+    <a:lvl2pPr marL="457200" algn="l" defTabSz="914400" rtl="0" eaLnBrk="1" latinLnBrk="0" hangingPunct="1">
+      <a:defRPr sz="1200" kern="1200">
+        <a:solidFill>
+          <a:schemeClr val="tx1"/>
+        </a:solidFill>
+        <a:latin typeface="+mn-lt"/>
+        <a:ea typeface="+mn-ea"/>
+        <a:cs typeface="+mn-cs"/>
+      </a:defRPr>
+    </a:lvl2pPr>
+    <a:lvl3pPr marL="914400" algn="l" defTabSz="914400" rtl="0" eaLnBrk="1" latinLnBrk="0" hangingPunct="1">
+      <a:defRPr sz="1200" kern="1200">
+        <a:solidFill>
+          <a:schemeClr val="tx1"/>
+        </a:solidFill>
+        <a:latin typeface="+mn-lt"/>
+        <a:ea typeface="+mn-ea"/>
+        <a:cs typeface="+mn-cs"/>
+      </a:defRPr>
+    </a:lvl3pPr>
+    <a:lvl4pPr marL="1371600" algn="l" defTabSz="914400" rtl="0" eaLnBrk="1" latinLnBrk="0" hangingPunct="1">
+      <a:defRPr sz="1200" kern="1200">
+        <a:solidFill>
+          <a:schemeClr val="tx1"/>
+        </a:solidFill>
+        <a:latin typeface="+mn-lt"/>
+        <a:ea typeface="+mn-ea"/>
+        <a:cs typeface="+mn-cs"/>
+      </a:defRPr>
+    </a:lvl4pPr>
+    <a:lvl5pPr marL="1828800" algn="l" defTabSz="914400" rtl="0" eaLnBrk="1" latinLnBrk="0" hangingPunct="1">
+      <a:defRPr sz="1200" kern="1200">
+        <a:solidFill>
+          <a:schemeClr val="tx1"/>
+        </a:solidFill>
+        <a:latin typeface="+mn-lt"/>
+        <a:ea typeface="+mn-ea"/>
+        <a:cs typeface="+mn-cs"/>
+      </a:defRPr>
+    </a:lvl5pPr>
+    <a:lvl6pPr marL="2286000" algn="l" defTabSz="914400" rtl="0" eaLnBrk="1" latinLnBrk="0" hangingPunct="1">
+      <a:defRPr sz="1200" kern="1200">
+        <a:solidFill>
+          <a:schemeClr val="tx1"/>
+        </a:solidFill>
+        <a:latin typeface="+mn-lt"/>
+        <a:ea typeface="+mn-ea"/>
+        <a:cs typeface="+mn-cs"/>
+      </a:defRPr>
+    </a:lvl6pPr>
+    <a:lvl7pPr marL="2743200" algn="l" defTabSz="914400" rtl="0" eaLnBrk="1" latinLnBrk="0" hangingPunct="1">
+      <a:defRPr sz="1200" kern="1200">
+        <a:solidFill>
+          <a:schemeClr val="tx1"/>
+        </a:solidFill>
+        <a:latin typeface="+mn-lt"/>
+        <a:ea typeface="+mn-ea"/>
+        <a:cs typeface="+mn-cs"/>
+      </a:defRPr>
+    </a:lvl7pPr>
+    <a:lvl8pPr marL="3200400" algn="l" defTabSz="914400" rtl="0" eaLnBrk="1" latinLnBrk="0" hangingPunct="1">
+      <a:defRPr sz="1200" kern="1200">
+        <a:solidFill>
+          <a:schemeClr val="tx1"/>
+        </a:solidFill>
+        <a:latin typeface="+mn-lt"/>
+        <a:ea typeface="+mn-ea"/>
+        <a:cs typeface="+mn-cs"/>
+      </a:defRPr>
+    </a:lvl8pPr>
+    <a:lvl9pPr marL="3657600" algn="l" defTabSz="914400" rtl="0" eaLnBrk="1" latinLnBrk="0" hangingPunct="1">
+      <a:defRPr sz="1200" kern="1200">
+        <a:solidFill>
+          <a:schemeClr val="tx1"/>
+        </a:solidFill>
+        <a:latin typeface="+mn-lt"/>
+        <a:ea typeface="+mn-ea"/>
+        <a:cs typeface="+mn-cs"/>
+      </a:defRPr>
+    </a:lvl9pPr>
+  </p:notesStyle>
+</p:notesMaster>
 </file>
 
-<file path=ppt/diagrams/data1.xml><?xml version="1.0" encoding="utf-8"?>
-<dgm:dataModel xmlns:dgm="http://schemas.openxmlformats.org/drawingml/2006/diagram" xmlns:a="http://schemas.openxmlformats.org/drawingml/2006/main">
-  <dgm:ptLst>
-    <dgm:pt modelId="{17BE61B9-4B8B-403D-890C-09ECF8BDA2F8}" type="doc">
-      <dgm:prSet loTypeId="urn:microsoft.com/office/officeart/2018/2/layout/IconVerticalSolidList" loCatId="icon" qsTypeId="urn:microsoft.com/office/officeart/2005/8/quickstyle/simple1" qsCatId="simple" csTypeId="urn:microsoft.com/office/officeart/2018/5/colors/Iconchunking_neutralbg_colorful1" csCatId="colorful" phldr="1"/>
-      <dgm:spPr/>
-      <dgm:t>
-        <a:bodyPr/>
-        <a:lstStyle/>
-        <a:p>
-          <a:endParaRPr lang="en-US"/>
-        </a:p>
-      </dgm:t>
-    </dgm:pt>
-    <dgm:pt modelId="{5C61DDAA-72D3-405F-8D3C-733280EBBEDA}">
-      <dgm:prSet/>
-      <dgm:spPr/>
-      <dgm:t>
-        <a:bodyPr/>
-        <a:lstStyle/>
-        <a:p>
-          <a:r>
-            <a:rPr lang="en-US" b="0" i="0"/>
-            <a:t>1. Use separate models for red and white wine.</a:t>
-          </a:r>
-          <a:endParaRPr lang="en-US"/>
-        </a:p>
-      </dgm:t>
-    </dgm:pt>
-    <dgm:pt modelId="{97945521-8C18-4CEF-8E15-8C18E441814E}" type="parTrans" cxnId="{DF55202F-C3B8-4696-9366-CD2FC3B0A2C7}">
-      <dgm:prSet/>
-      <dgm:spPr/>
-      <dgm:t>
-        <a:bodyPr/>
-        <a:lstStyle/>
-        <a:p>
-          <a:endParaRPr lang="en-US"/>
-        </a:p>
-      </dgm:t>
-    </dgm:pt>
-    <dgm:pt modelId="{4071C7CB-58BD-4DA5-A4C3-3CAC511FD3E7}" type="sibTrans" cxnId="{DF55202F-C3B8-4696-9366-CD2FC3B0A2C7}">
-      <dgm:prSet/>
-      <dgm:spPr/>
-      <dgm:t>
-        <a:bodyPr/>
-        <a:lstStyle/>
-        <a:p>
-          <a:endParaRPr lang="en-US"/>
-        </a:p>
-      </dgm:t>
-    </dgm:pt>
-    <dgm:pt modelId="{0A74470C-6647-467C-A8AC-2FC93CF59613}">
-      <dgm:prSet/>
-      <dgm:spPr/>
-      <dgm:t>
-        <a:bodyPr/>
-        <a:lstStyle/>
-        <a:p>
-          <a:r>
-            <a:rPr lang="en-US" b="0" i="0"/>
-            <a:t>2. Focus on alcohol and sulphate levels for quality.</a:t>
-          </a:r>
-          <a:endParaRPr lang="en-US"/>
-        </a:p>
-      </dgm:t>
-    </dgm:pt>
-    <dgm:pt modelId="{6D56B9BB-BB16-451F-9B98-C329559F9D25}" type="parTrans" cxnId="{FB899A1F-E88E-4194-93F5-D1C1CB265A75}">
-      <dgm:prSet/>
-      <dgm:spPr/>
-      <dgm:t>
-        <a:bodyPr/>
-        <a:lstStyle/>
-        <a:p>
-          <a:endParaRPr lang="en-US"/>
-        </a:p>
-      </dgm:t>
-    </dgm:pt>
-    <dgm:pt modelId="{9EF175B6-E692-400B-ABC4-B58C743108D6}" type="sibTrans" cxnId="{FB899A1F-E88E-4194-93F5-D1C1CB265A75}">
-      <dgm:prSet/>
-      <dgm:spPr/>
-      <dgm:t>
-        <a:bodyPr/>
-        <a:lstStyle/>
-        <a:p>
-          <a:endParaRPr lang="en-US"/>
-        </a:p>
-      </dgm:t>
-    </dgm:pt>
-    <dgm:pt modelId="{1DC53D72-B36E-4046-9260-F13DF621F740}">
-      <dgm:prSet/>
-      <dgm:spPr/>
-      <dgm:t>
-        <a:bodyPr/>
-        <a:lstStyle/>
-        <a:p>
-          <a:r>
-            <a:rPr lang="en-US" b="0" i="0"/>
-            <a:t>3. Use model predictions to guide pricing strategy.</a:t>
-          </a:r>
-          <a:endParaRPr lang="en-US"/>
-        </a:p>
-      </dgm:t>
-    </dgm:pt>
-    <dgm:pt modelId="{542BE487-6FE8-44F6-961C-499704E1E949}" type="parTrans" cxnId="{8CA9AF1D-D727-4EC3-934A-9C359140115A}">
-      <dgm:prSet/>
-      <dgm:spPr/>
-      <dgm:t>
-        <a:bodyPr/>
-        <a:lstStyle/>
-        <a:p>
-          <a:endParaRPr lang="en-US"/>
-        </a:p>
-      </dgm:t>
-    </dgm:pt>
-    <dgm:pt modelId="{96C1D663-0A38-49DA-8924-13997E9AD5ED}" type="sibTrans" cxnId="{8CA9AF1D-D727-4EC3-934A-9C359140115A}">
-      <dgm:prSet/>
-      <dgm:spPr/>
-      <dgm:t>
-        <a:bodyPr/>
-        <a:lstStyle/>
-        <a:p>
-          <a:endParaRPr lang="en-US"/>
-        </a:p>
-      </dgm:t>
-    </dgm:pt>
-    <dgm:pt modelId="{D1F36BBD-2D88-4323-93B7-5A235B908035}" type="pres">
-      <dgm:prSet presAssocID="{17BE61B9-4B8B-403D-890C-09ECF8BDA2F8}" presName="root" presStyleCnt="0">
-        <dgm:presLayoutVars>
-          <dgm:dir/>
-          <dgm:resizeHandles val="exact"/>
-        </dgm:presLayoutVars>
-      </dgm:prSet>
-      <dgm:spPr/>
-    </dgm:pt>
-    <dgm:pt modelId="{08A26295-D8DD-4239-8984-16C6FE82A341}" type="pres">
-      <dgm:prSet presAssocID="{5C61DDAA-72D3-405F-8D3C-733280EBBEDA}" presName="compNode" presStyleCnt="0"/>
-      <dgm:spPr/>
-    </dgm:pt>
-    <dgm:pt modelId="{22CC5D00-29A5-4D3B-8D11-06655DA48F49}" type="pres">
-      <dgm:prSet presAssocID="{5C61DDAA-72D3-405F-8D3C-733280EBBEDA}" presName="bgRect" presStyleLbl="bgShp" presStyleIdx="0" presStyleCnt="3"/>
-      <dgm:spPr/>
-    </dgm:pt>
-    <dgm:pt modelId="{92495BDC-29BB-4D93-A11C-5A539128E36C}" type="pres">
-      <dgm:prSet presAssocID="{5C61DDAA-72D3-405F-8D3C-733280EBBEDA}" presName="iconRect" presStyleLbl="node1" presStyleIdx="0" presStyleCnt="3"/>
-      <dgm:spPr>
-        <a:blipFill>
-          <a:blip xmlns:r="http://schemas.openxmlformats.org/officeDocument/2006/relationships" r:embed="rId1">
-            <a:extLst>
-              <a:ext uri="{28A0092B-C50C-407E-A947-70E740481C1C}">
-                <a14:useLocalDpi xmlns:a14="http://schemas.microsoft.com/office/drawing/2010/main" val="0"/>
-              </a:ext>
-              <a:ext uri="{96DAC541-7B7A-43D3-8B79-37D633B846F1}">
-                <asvg:svgBlip xmlns:asvg="http://schemas.microsoft.com/office/drawing/2016/SVG/main" r:embed="rId2"/>
-              </a:ext>
-            </a:extLst>
-          </a:blip>
-          <a:stretch>
-            <a:fillRect/>
-          </a:stretch>
-        </a:blipFill>
-        <a:ln>
-          <a:noFill/>
-        </a:ln>
-      </dgm:spPr>
-      <dgm:extLst>
-        <a:ext uri="{E40237B7-FDA0-4F09-8148-C483321AD2D9}">
-          <dgm14:cNvPr xmlns:dgm14="http://schemas.microsoft.com/office/drawing/2010/diagram" id="0" name="" descr="Wine"/>
-        </a:ext>
-      </dgm:extLst>
-    </dgm:pt>
-    <dgm:pt modelId="{6703ABAE-2E46-4BFA-904A-98E189DB51BA}" type="pres">
-      <dgm:prSet presAssocID="{5C61DDAA-72D3-405F-8D3C-733280EBBEDA}" presName="spaceRect" presStyleCnt="0"/>
-      <dgm:spPr/>
-    </dgm:pt>
-    <dgm:pt modelId="{9B1DECE0-B36B-4BE3-851B-92F43A2EA012}" type="pres">
-      <dgm:prSet presAssocID="{5C61DDAA-72D3-405F-8D3C-733280EBBEDA}" presName="parTx" presStyleLbl="revTx" presStyleIdx="0" presStyleCnt="3">
-        <dgm:presLayoutVars>
-          <dgm:chMax val="0"/>
-          <dgm:chPref val="0"/>
-        </dgm:presLayoutVars>
-      </dgm:prSet>
-      <dgm:spPr/>
-    </dgm:pt>
-    <dgm:pt modelId="{683AE0FF-3985-43A9-B467-FEA3C530C0BE}" type="pres">
-      <dgm:prSet presAssocID="{4071C7CB-58BD-4DA5-A4C3-3CAC511FD3E7}" presName="sibTrans" presStyleCnt="0"/>
-      <dgm:spPr/>
-    </dgm:pt>
-    <dgm:pt modelId="{456A8F90-92F9-4F8C-BF1C-F51B542E1F59}" type="pres">
-      <dgm:prSet presAssocID="{0A74470C-6647-467C-A8AC-2FC93CF59613}" presName="compNode" presStyleCnt="0"/>
-      <dgm:spPr/>
-    </dgm:pt>
-    <dgm:pt modelId="{55B7A9AA-E26F-46E3-8F02-8B8D05775CA8}" type="pres">
-      <dgm:prSet presAssocID="{0A74470C-6647-467C-A8AC-2FC93CF59613}" presName="bgRect" presStyleLbl="bgShp" presStyleIdx="1" presStyleCnt="3"/>
-      <dgm:spPr/>
-    </dgm:pt>
-    <dgm:pt modelId="{D9D25E98-5052-4273-9EBB-C2D02FE550EC}" type="pres">
-      <dgm:prSet presAssocID="{0A74470C-6647-467C-A8AC-2FC93CF59613}" presName="iconRect" presStyleLbl="node1" presStyleIdx="1" presStyleCnt="3"/>
-      <dgm:spPr>
-        <a:blipFill>
-          <a:blip xmlns:r="http://schemas.openxmlformats.org/officeDocument/2006/relationships" r:embed="rId3">
-            <a:extLst>
-              <a:ext uri="{28A0092B-C50C-407E-A947-70E740481C1C}">
-                <a14:useLocalDpi xmlns:a14="http://schemas.microsoft.com/office/drawing/2010/main" val="0"/>
-              </a:ext>
-              <a:ext uri="{96DAC541-7B7A-43D3-8B79-37D633B846F1}">
-                <asvg:svgBlip xmlns:asvg="http://schemas.microsoft.com/office/drawing/2016/SVG/main" r:embed="rId4"/>
-              </a:ext>
-            </a:extLst>
-          </a:blip>
-          <a:stretch>
-            <a:fillRect/>
-          </a:stretch>
-        </a:blipFill>
-        <a:ln>
-          <a:noFill/>
-        </a:ln>
-      </dgm:spPr>
-      <dgm:extLst>
-        <a:ext uri="{E40237B7-FDA0-4F09-8148-C483321AD2D9}">
-          <dgm14:cNvPr xmlns:dgm14="http://schemas.microsoft.com/office/drawing/2010/diagram" id="0" name="" descr="Scientist"/>
-        </a:ext>
-      </dgm:extLst>
-    </dgm:pt>
-    <dgm:pt modelId="{739EE3B2-A301-4ED9-8BA3-85D5FFAF7DDE}" type="pres">
-      <dgm:prSet presAssocID="{0A74470C-6647-467C-A8AC-2FC93CF59613}" presName="spaceRect" presStyleCnt="0"/>
-      <dgm:spPr/>
-    </dgm:pt>
-    <dgm:pt modelId="{E14F3F9A-408F-46FC-A18F-5E5A81A0DCBE}" type="pres">
-      <dgm:prSet presAssocID="{0A74470C-6647-467C-A8AC-2FC93CF59613}" presName="parTx" presStyleLbl="revTx" presStyleIdx="1" presStyleCnt="3">
-        <dgm:presLayoutVars>
-          <dgm:chMax val="0"/>
-          <dgm:chPref val="0"/>
-        </dgm:presLayoutVars>
-      </dgm:prSet>
-      <dgm:spPr/>
-    </dgm:pt>
-    <dgm:pt modelId="{AB8A40F4-3814-4796-8AF6-C37BBB280E20}" type="pres">
-      <dgm:prSet presAssocID="{9EF175B6-E692-400B-ABC4-B58C743108D6}" presName="sibTrans" presStyleCnt="0"/>
-      <dgm:spPr/>
-    </dgm:pt>
-    <dgm:pt modelId="{8200D693-EF7C-4C50-AD98-050192CD68B2}" type="pres">
-      <dgm:prSet presAssocID="{1DC53D72-B36E-4046-9260-F13DF621F740}" presName="compNode" presStyleCnt="0"/>
-      <dgm:spPr/>
-    </dgm:pt>
-    <dgm:pt modelId="{A1674312-1D37-4912-85EF-6E5CFAF754E4}" type="pres">
-      <dgm:prSet presAssocID="{1DC53D72-B36E-4046-9260-F13DF621F740}" presName="bgRect" presStyleLbl="bgShp" presStyleIdx="2" presStyleCnt="3"/>
-      <dgm:spPr/>
-    </dgm:pt>
-    <dgm:pt modelId="{B38C3845-B729-468B-808E-42DDAFDF3353}" type="pres">
-      <dgm:prSet presAssocID="{1DC53D72-B36E-4046-9260-F13DF621F740}" presName="iconRect" presStyleLbl="node1" presStyleIdx="2" presStyleCnt="3"/>
-      <dgm:spPr>
-        <a:blipFill>
-          <a:blip xmlns:r="http://schemas.openxmlformats.org/officeDocument/2006/relationships" r:embed="rId5">
-            <a:extLst>
-              <a:ext uri="{28A0092B-C50C-407E-A947-70E740481C1C}">
-                <a14:useLocalDpi xmlns:a14="http://schemas.microsoft.com/office/drawing/2010/main" val="0"/>
-              </a:ext>
-              <a:ext uri="{96DAC541-7B7A-43D3-8B79-37D633B846F1}">
-                <asvg:svgBlip xmlns:asvg="http://schemas.microsoft.com/office/drawing/2016/SVG/main" r:embed="rId6"/>
-              </a:ext>
-            </a:extLst>
-          </a:blip>
-          <a:stretch>
-            <a:fillRect/>
-          </a:stretch>
-        </a:blipFill>
-        <a:ln>
-          <a:noFill/>
-        </a:ln>
-      </dgm:spPr>
-      <dgm:extLst>
-        <a:ext uri="{E40237B7-FDA0-4F09-8148-C483321AD2D9}">
-          <dgm14:cNvPr xmlns:dgm14="http://schemas.microsoft.com/office/drawing/2010/diagram" id="0" name="" descr="Dice"/>
-        </a:ext>
-      </dgm:extLst>
-    </dgm:pt>
-    <dgm:pt modelId="{2EB5F250-3621-4B90-A538-B2DED4CD5A4E}" type="pres">
-      <dgm:prSet presAssocID="{1DC53D72-B36E-4046-9260-F13DF621F740}" presName="spaceRect" presStyleCnt="0"/>
-      <dgm:spPr/>
-    </dgm:pt>
-    <dgm:pt modelId="{45B61F5D-1EEF-4046-8B23-31568F8BC7B7}" type="pres">
-      <dgm:prSet presAssocID="{1DC53D72-B36E-4046-9260-F13DF621F740}" presName="parTx" presStyleLbl="revTx" presStyleIdx="2" presStyleCnt="3">
-        <dgm:presLayoutVars>
-          <dgm:chMax val="0"/>
-          <dgm:chPref val="0"/>
-        </dgm:presLayoutVars>
-      </dgm:prSet>
-      <dgm:spPr/>
-    </dgm:pt>
-  </dgm:ptLst>
-  <dgm:cxnLst>
-    <dgm:cxn modelId="{836AAC18-2987-41C3-A308-BF83CBA2D2CF}" type="presOf" srcId="{5C61DDAA-72D3-405F-8D3C-733280EBBEDA}" destId="{9B1DECE0-B36B-4BE3-851B-92F43A2EA012}" srcOrd="0" destOrd="0" presId="urn:microsoft.com/office/officeart/2018/2/layout/IconVerticalSolidList"/>
-    <dgm:cxn modelId="{8CA9AF1D-D727-4EC3-934A-9C359140115A}" srcId="{17BE61B9-4B8B-403D-890C-09ECF8BDA2F8}" destId="{1DC53D72-B36E-4046-9260-F13DF621F740}" srcOrd="2" destOrd="0" parTransId="{542BE487-6FE8-44F6-961C-499704E1E949}" sibTransId="{96C1D663-0A38-49DA-8924-13997E9AD5ED}"/>
-    <dgm:cxn modelId="{FB899A1F-E88E-4194-93F5-D1C1CB265A75}" srcId="{17BE61B9-4B8B-403D-890C-09ECF8BDA2F8}" destId="{0A74470C-6647-467C-A8AC-2FC93CF59613}" srcOrd="1" destOrd="0" parTransId="{6D56B9BB-BB16-451F-9B98-C329559F9D25}" sibTransId="{9EF175B6-E692-400B-ABC4-B58C743108D6}"/>
-    <dgm:cxn modelId="{DF55202F-C3B8-4696-9366-CD2FC3B0A2C7}" srcId="{17BE61B9-4B8B-403D-890C-09ECF8BDA2F8}" destId="{5C61DDAA-72D3-405F-8D3C-733280EBBEDA}" srcOrd="0" destOrd="0" parTransId="{97945521-8C18-4CEF-8E15-8C18E441814E}" sibTransId="{4071C7CB-58BD-4DA5-A4C3-3CAC511FD3E7}"/>
-    <dgm:cxn modelId="{3E02DD35-3540-4DFE-A966-88B33E992C76}" type="presOf" srcId="{1DC53D72-B36E-4046-9260-F13DF621F740}" destId="{45B61F5D-1EEF-4046-8B23-31568F8BC7B7}" srcOrd="0" destOrd="0" presId="urn:microsoft.com/office/officeart/2018/2/layout/IconVerticalSolidList"/>
-    <dgm:cxn modelId="{07103D9B-70A7-486A-AED8-A910268920A5}" type="presOf" srcId="{17BE61B9-4B8B-403D-890C-09ECF8BDA2F8}" destId="{D1F36BBD-2D88-4323-93B7-5A235B908035}" srcOrd="0" destOrd="0" presId="urn:microsoft.com/office/officeart/2018/2/layout/IconVerticalSolidList"/>
-    <dgm:cxn modelId="{E3E1DFE4-8CC7-46F9-9249-F57EF7DEB8B4}" type="presOf" srcId="{0A74470C-6647-467C-A8AC-2FC93CF59613}" destId="{E14F3F9A-408F-46FC-A18F-5E5A81A0DCBE}" srcOrd="0" destOrd="0" presId="urn:microsoft.com/office/officeart/2018/2/layout/IconVerticalSolidList"/>
-    <dgm:cxn modelId="{661C7032-4E29-4D51-997F-FBE558535B7E}" type="presParOf" srcId="{D1F36BBD-2D88-4323-93B7-5A235B908035}" destId="{08A26295-D8DD-4239-8984-16C6FE82A341}" srcOrd="0" destOrd="0" presId="urn:microsoft.com/office/officeart/2018/2/layout/IconVerticalSolidList"/>
-    <dgm:cxn modelId="{2F314078-8786-4942-98AF-DFEEDC4DEAFC}" type="presParOf" srcId="{08A26295-D8DD-4239-8984-16C6FE82A341}" destId="{22CC5D00-29A5-4D3B-8D11-06655DA48F49}" srcOrd="0" destOrd="0" presId="urn:microsoft.com/office/officeart/2018/2/layout/IconVerticalSolidList"/>
-    <dgm:cxn modelId="{0E1FD7B3-1F2F-420D-81F3-8DC027E5B681}" type="presParOf" srcId="{08A26295-D8DD-4239-8984-16C6FE82A341}" destId="{92495BDC-29BB-4D93-A11C-5A539128E36C}" srcOrd="1" destOrd="0" presId="urn:microsoft.com/office/officeart/2018/2/layout/IconVerticalSolidList"/>
-    <dgm:cxn modelId="{3C7AF493-11AA-4965-A87A-016E537B26AB}" type="presParOf" srcId="{08A26295-D8DD-4239-8984-16C6FE82A341}" destId="{6703ABAE-2E46-4BFA-904A-98E189DB51BA}" srcOrd="2" destOrd="0" presId="urn:microsoft.com/office/officeart/2018/2/layout/IconVerticalSolidList"/>
-    <dgm:cxn modelId="{C4542857-664F-49DC-9C0F-7A94E98D9F4C}" type="presParOf" srcId="{08A26295-D8DD-4239-8984-16C6FE82A341}" destId="{9B1DECE0-B36B-4BE3-851B-92F43A2EA012}" srcOrd="3" destOrd="0" presId="urn:microsoft.com/office/officeart/2018/2/layout/IconVerticalSolidList"/>
-    <dgm:cxn modelId="{D8BCA376-8625-4108-BC15-01D1BBF3DB73}" type="presParOf" srcId="{D1F36BBD-2D88-4323-93B7-5A235B908035}" destId="{683AE0FF-3985-43A9-B467-FEA3C530C0BE}" srcOrd="1" destOrd="0" presId="urn:microsoft.com/office/officeart/2018/2/layout/IconVerticalSolidList"/>
-    <dgm:cxn modelId="{5B220E5E-D8FD-4CCF-A5E4-B52FED8CD936}" type="presParOf" srcId="{D1F36BBD-2D88-4323-93B7-5A235B908035}" destId="{456A8F90-92F9-4F8C-BF1C-F51B542E1F59}" srcOrd="2" destOrd="0" presId="urn:microsoft.com/office/officeart/2018/2/layout/IconVerticalSolidList"/>
-    <dgm:cxn modelId="{1507B163-D402-4357-BE5F-890239049E31}" type="presParOf" srcId="{456A8F90-92F9-4F8C-BF1C-F51B542E1F59}" destId="{55B7A9AA-E26F-46E3-8F02-8B8D05775CA8}" srcOrd="0" destOrd="0" presId="urn:microsoft.com/office/officeart/2018/2/layout/IconVerticalSolidList"/>
-    <dgm:cxn modelId="{7870CE0E-85AE-41CF-9458-AD3BEA5C6367}" type="presParOf" srcId="{456A8F90-92F9-4F8C-BF1C-F51B542E1F59}" destId="{D9D25E98-5052-4273-9EBB-C2D02FE550EC}" srcOrd="1" destOrd="0" presId="urn:microsoft.com/office/officeart/2018/2/layout/IconVerticalSolidList"/>
-    <dgm:cxn modelId="{96C6E80D-BCA5-491C-9FEB-B40ACABC022B}" type="presParOf" srcId="{456A8F90-92F9-4F8C-BF1C-F51B542E1F59}" destId="{739EE3B2-A301-4ED9-8BA3-85D5FFAF7DDE}" srcOrd="2" destOrd="0" presId="urn:microsoft.com/office/officeart/2018/2/layout/IconVerticalSolidList"/>
-    <dgm:cxn modelId="{DC5CB27A-37A0-4937-86E2-1AD39DC42F88}" type="presParOf" srcId="{456A8F90-92F9-4F8C-BF1C-F51B542E1F59}" destId="{E14F3F9A-408F-46FC-A18F-5E5A81A0DCBE}" srcOrd="3" destOrd="0" presId="urn:microsoft.com/office/officeart/2018/2/layout/IconVerticalSolidList"/>
-    <dgm:cxn modelId="{B16CA914-F656-4473-BDE2-AD1F583496F8}" type="presParOf" srcId="{D1F36BBD-2D88-4323-93B7-5A235B908035}" destId="{AB8A40F4-3814-4796-8AF6-C37BBB280E20}" srcOrd="3" destOrd="0" presId="urn:microsoft.com/office/officeart/2018/2/layout/IconVerticalSolidList"/>
-    <dgm:cxn modelId="{202E4A45-D91B-4F60-B7AE-F1FDD926087A}" type="presParOf" srcId="{D1F36BBD-2D88-4323-93B7-5A235B908035}" destId="{8200D693-EF7C-4C50-AD98-050192CD68B2}" srcOrd="4" destOrd="0" presId="urn:microsoft.com/office/officeart/2018/2/layout/IconVerticalSolidList"/>
-    <dgm:cxn modelId="{3E73E266-E56C-4AC5-822A-19FA6955C000}" type="presParOf" srcId="{8200D693-EF7C-4C50-AD98-050192CD68B2}" destId="{A1674312-1D37-4912-85EF-6E5CFAF754E4}" srcOrd="0" destOrd="0" presId="urn:microsoft.com/office/officeart/2018/2/layout/IconVerticalSolidList"/>
-    <dgm:cxn modelId="{84C107F0-68F9-4742-B1E0-908D6D027584}" type="presParOf" srcId="{8200D693-EF7C-4C50-AD98-050192CD68B2}" destId="{B38C3845-B729-468B-808E-42DDAFDF3353}" srcOrd="1" destOrd="0" presId="urn:microsoft.com/office/officeart/2018/2/layout/IconVerticalSolidList"/>
-    <dgm:cxn modelId="{802D4137-5BB1-4CA3-A78E-B708C2E34E6B}" type="presParOf" srcId="{8200D693-EF7C-4C50-AD98-050192CD68B2}" destId="{2EB5F250-3621-4B90-A538-B2DED4CD5A4E}" srcOrd="2" destOrd="0" presId="urn:microsoft.com/office/officeart/2018/2/layout/IconVerticalSolidList"/>
-    <dgm:cxn modelId="{5E4986AE-122E-4FEE-8C39-0189D806AE4F}" type="presParOf" srcId="{8200D693-EF7C-4C50-AD98-050192CD68B2}" destId="{45B61F5D-1EEF-4046-8B23-31568F8BC7B7}" srcOrd="3" destOrd="0" presId="urn:microsoft.com/office/officeart/2018/2/layout/IconVerticalSolidList"/>
-  </dgm:cxnLst>
-  <dgm:bg/>
-  <dgm:whole/>
-  <dgm:extLst>
-    <a:ext uri="http://schemas.microsoft.com/office/drawing/2008/diagram">
-      <dsp:dataModelExt xmlns:dsp="http://schemas.microsoft.com/office/drawing/2008/diagram" relId="rId7" minVer="http://schemas.openxmlformats.org/drawingml/2006/diagram"/>
-    </a:ext>
-  </dgm:extLst>
-</dgm:dataModel>
-</file>
-
-<file path=ppt/diagrams/drawing1.xml><?xml version="1.0" encoding="utf-8"?>
-<dsp:drawing xmlns:dgm="http://schemas.openxmlformats.org/drawingml/2006/diagram" xmlns:dsp="http://schemas.microsoft.com/office/drawing/2008/diagram" xmlns:a="http://schemas.openxmlformats.org/drawingml/2006/main">
-  <dsp:spTree>
-    <dsp:nvGrpSpPr>
-      <dsp:cNvPr id="0" name=""/>
-      <dsp:cNvGrpSpPr/>
-    </dsp:nvGrpSpPr>
-    <dsp:grpSpPr/>
-    <dsp:sp modelId="{22CC5D00-29A5-4D3B-8D11-06655DA48F49}">
-      <dsp:nvSpPr>
-        <dsp:cNvPr id="0" name=""/>
-        <dsp:cNvSpPr/>
-      </dsp:nvSpPr>
-      <dsp:spPr>
+<file path=ppt/notesSlides/notesSlide1.xml><?xml version="1.0" encoding="utf-8"?>
+<p:notes xmlns:a="http://schemas.openxmlformats.org/drawingml/2006/main" xmlns:r="http://schemas.openxmlformats.org/officeDocument/2006/relationships" xmlns:p="http://schemas.openxmlformats.org/presentationml/2006/main">
+  <p:cSld>
+    <p:spTree>
+      <p:nvGrpSpPr>
+        <p:cNvPr id="1" name=""/>
+        <p:cNvGrpSpPr/>
+        <p:nvPr/>
+      </p:nvGrpSpPr>
+      <p:grpSpPr>
         <a:xfrm>
-          <a:off x="0" y="495"/>
-          <a:ext cx="7053264" cy="1158698"/>
+          <a:off x="0" y="0"/>
+          <a:ext cx="0" cy="0"/>
+          <a:chOff x="0" y="0"/>
+          <a:chExt cx="0" cy="0"/>
         </a:xfrm>
-        <a:prstGeom prst="roundRect">
-          <a:avLst>
-            <a:gd name="adj" fmla="val 10000"/>
-          </a:avLst>
-        </a:prstGeom>
-        <a:solidFill>
-          <a:schemeClr val="bg1">
-            <a:lumMod val="95000"/>
-            <a:hueOff val="0"/>
-            <a:satOff val="0"/>
-            <a:lumOff val="0"/>
-            <a:alphaOff val="0"/>
-          </a:schemeClr>
-        </a:solidFill>
-        <a:ln>
-          <a:noFill/>
-        </a:ln>
-        <a:effectLst/>
-      </dsp:spPr>
-      <dsp:style>
-        <a:lnRef idx="0">
-          <a:scrgbClr r="0" g="0" b="0"/>
-        </a:lnRef>
-        <a:fillRef idx="1">
-          <a:scrgbClr r="0" g="0" b="0"/>
-        </a:fillRef>
-        <a:effectRef idx="0">
-          <a:scrgbClr r="0" g="0" b="0"/>
-        </a:effectRef>
-        <a:fontRef idx="minor"/>
-      </dsp:style>
-    </dsp:sp>
-    <dsp:sp modelId="{92495BDC-29BB-4D93-A11C-5A539128E36C}">
-      <dsp:nvSpPr>
-        <dsp:cNvPr id="0" name=""/>
-        <dsp:cNvSpPr/>
-      </dsp:nvSpPr>
-      <dsp:spPr>
-        <a:xfrm>
-          <a:off x="350506" y="261202"/>
-          <a:ext cx="637284" cy="637284"/>
-        </a:xfrm>
-        <a:prstGeom prst="rect">
-          <a:avLst/>
-        </a:prstGeom>
-        <a:blipFill>
-          <a:blip xmlns:r="http://schemas.openxmlformats.org/officeDocument/2006/relationships" r:embed="rId1">
-            <a:extLst>
-              <a:ext uri="{28A0092B-C50C-407E-A947-70E740481C1C}">
-                <a14:useLocalDpi xmlns:a14="http://schemas.microsoft.com/office/drawing/2010/main" val="0"/>
-              </a:ext>
-              <a:ext uri="{96DAC541-7B7A-43D3-8B79-37D633B846F1}">
-                <asvg:svgBlip xmlns:asvg="http://schemas.microsoft.com/office/drawing/2016/SVG/main" r:embed="rId2"/>
-              </a:ext>
-            </a:extLst>
-          </a:blip>
-          <a:stretch>
-            <a:fillRect/>
-          </a:stretch>
-        </a:blipFill>
-        <a:ln w="19050" cap="rnd" cmpd="sng" algn="ctr">
-          <a:noFill/>
-          <a:prstDash val="solid"/>
-        </a:ln>
-        <a:effectLst/>
-      </dsp:spPr>
-      <dsp:style>
-        <a:lnRef idx="2">
-          <a:scrgbClr r="0" g="0" b="0"/>
-        </a:lnRef>
-        <a:fillRef idx="1">
-          <a:scrgbClr r="0" g="0" b="0"/>
-        </a:fillRef>
-        <a:effectRef idx="0">
-          <a:scrgbClr r="0" g="0" b="0"/>
-        </a:effectRef>
-        <a:fontRef idx="minor">
-          <a:schemeClr val="lt1"/>
-        </a:fontRef>
-      </dsp:style>
-    </dsp:sp>
-    <dsp:sp modelId="{9B1DECE0-B36B-4BE3-851B-92F43A2EA012}">
-      <dsp:nvSpPr>
-        <dsp:cNvPr id="0" name=""/>
-        <dsp:cNvSpPr/>
-      </dsp:nvSpPr>
-      <dsp:spPr>
-        <a:xfrm>
-          <a:off x="1338296" y="495"/>
-          <a:ext cx="5714967" cy="1158698"/>
-        </a:xfrm>
-        <a:prstGeom prst="rect">
-          <a:avLst/>
-        </a:prstGeom>
-        <a:noFill/>
-        <a:ln>
-          <a:noFill/>
-        </a:ln>
-        <a:effectLst/>
-      </dsp:spPr>
-      <dsp:style>
-        <a:lnRef idx="0">
-          <a:scrgbClr r="0" g="0" b="0"/>
-        </a:lnRef>
-        <a:fillRef idx="0">
-          <a:scrgbClr r="0" g="0" b="0"/>
-        </a:fillRef>
-        <a:effectRef idx="0">
-          <a:scrgbClr r="0" g="0" b="0"/>
-        </a:effectRef>
-        <a:fontRef idx="minor"/>
-      </dsp:style>
-      <dsp:txBody>
-        <a:bodyPr spcFirstLastPara="0" vert="horz" wrap="square" lIns="122629" tIns="122629" rIns="122629" bIns="122629" numCol="1" spcCol="1270" anchor="ctr" anchorCtr="0">
-          <a:noAutofit/>
-        </a:bodyPr>
-        <a:lstStyle/>
-        <a:p>
-          <a:pPr marL="0" lvl="0" indent="0" algn="l" defTabSz="1111250">
-            <a:lnSpc>
-              <a:spcPct val="90000"/>
-            </a:lnSpc>
-            <a:spcBef>
-              <a:spcPct val="0"/>
-            </a:spcBef>
-            <a:spcAft>
-              <a:spcPct val="35000"/>
-            </a:spcAft>
-            <a:buNone/>
-          </a:pPr>
-          <a:r>
-            <a:rPr lang="en-US" sz="2500" b="0" i="0" kern="1200"/>
-            <a:t>1. Use separate models for red and white wine.</a:t>
-          </a:r>
-          <a:endParaRPr lang="en-US" sz="2500" kern="1200"/>
-        </a:p>
-      </dsp:txBody>
-      <dsp:txXfrm>
-        <a:off x="1338296" y="495"/>
-        <a:ext cx="5714967" cy="1158698"/>
-      </dsp:txXfrm>
-    </dsp:sp>
-    <dsp:sp modelId="{55B7A9AA-E26F-46E3-8F02-8B8D05775CA8}">
-      <dsp:nvSpPr>
-        <dsp:cNvPr id="0" name=""/>
-        <dsp:cNvSpPr/>
-      </dsp:nvSpPr>
-      <dsp:spPr>
-        <a:xfrm>
-          <a:off x="0" y="1448867"/>
-          <a:ext cx="7053264" cy="1158698"/>
-        </a:xfrm>
-        <a:prstGeom prst="roundRect">
-          <a:avLst>
-            <a:gd name="adj" fmla="val 10000"/>
-          </a:avLst>
-        </a:prstGeom>
-        <a:solidFill>
-          <a:schemeClr val="bg1">
-            <a:lumMod val="95000"/>
-            <a:hueOff val="0"/>
-            <a:satOff val="0"/>
-            <a:lumOff val="0"/>
-            <a:alphaOff val="0"/>
-          </a:schemeClr>
-        </a:solidFill>
-        <a:ln>
-          <a:noFill/>
-        </a:ln>
-        <a:effectLst/>
-      </dsp:spPr>
-      <dsp:style>
-        <a:lnRef idx="0">
-          <a:scrgbClr r="0" g="0" b="0"/>
-        </a:lnRef>
-        <a:fillRef idx="1">
-          <a:scrgbClr r="0" g="0" b="0"/>
-        </a:fillRef>
-        <a:effectRef idx="0">
-          <a:scrgbClr r="0" g="0" b="0"/>
-        </a:effectRef>
-        <a:fontRef idx="minor"/>
-      </dsp:style>
-    </dsp:sp>
-    <dsp:sp modelId="{D9D25E98-5052-4273-9EBB-C2D02FE550EC}">
-      <dsp:nvSpPr>
-        <dsp:cNvPr id="0" name=""/>
-        <dsp:cNvSpPr/>
-      </dsp:nvSpPr>
-      <dsp:spPr>
-        <a:xfrm>
-          <a:off x="350506" y="1709574"/>
-          <a:ext cx="637284" cy="637284"/>
-        </a:xfrm>
-        <a:prstGeom prst="rect">
-          <a:avLst/>
-        </a:prstGeom>
-        <a:blipFill>
-          <a:blip xmlns:r="http://schemas.openxmlformats.org/officeDocument/2006/relationships" r:embed="rId3">
-            <a:extLst>
-              <a:ext uri="{28A0092B-C50C-407E-A947-70E740481C1C}">
-                <a14:useLocalDpi xmlns:a14="http://schemas.microsoft.com/office/drawing/2010/main" val="0"/>
-              </a:ext>
-              <a:ext uri="{96DAC541-7B7A-43D3-8B79-37D633B846F1}">
-                <asvg:svgBlip xmlns:asvg="http://schemas.microsoft.com/office/drawing/2016/SVG/main" r:embed="rId4"/>
-              </a:ext>
-            </a:extLst>
-          </a:blip>
-          <a:stretch>
-            <a:fillRect/>
-          </a:stretch>
-        </a:blipFill>
-        <a:ln w="19050" cap="rnd" cmpd="sng" algn="ctr">
-          <a:noFill/>
-          <a:prstDash val="solid"/>
-        </a:ln>
-        <a:effectLst/>
-      </dsp:spPr>
-      <dsp:style>
-        <a:lnRef idx="2">
-          <a:scrgbClr r="0" g="0" b="0"/>
-        </a:lnRef>
-        <a:fillRef idx="1">
-          <a:scrgbClr r="0" g="0" b="0"/>
-        </a:fillRef>
-        <a:effectRef idx="0">
-          <a:scrgbClr r="0" g="0" b="0"/>
-        </a:effectRef>
-        <a:fontRef idx="minor">
-          <a:schemeClr val="lt1"/>
-        </a:fontRef>
-      </dsp:style>
-    </dsp:sp>
-    <dsp:sp modelId="{E14F3F9A-408F-46FC-A18F-5E5A81A0DCBE}">
-      <dsp:nvSpPr>
-        <dsp:cNvPr id="0" name=""/>
-        <dsp:cNvSpPr/>
-      </dsp:nvSpPr>
-      <dsp:spPr>
-        <a:xfrm>
-          <a:off x="1338296" y="1448867"/>
-          <a:ext cx="5714967" cy="1158698"/>
-        </a:xfrm>
-        <a:prstGeom prst="rect">
-          <a:avLst/>
-        </a:prstGeom>
-        <a:noFill/>
-        <a:ln>
-          <a:noFill/>
-        </a:ln>
-        <a:effectLst/>
-      </dsp:spPr>
-      <dsp:style>
-        <a:lnRef idx="0">
-          <a:scrgbClr r="0" g="0" b="0"/>
-        </a:lnRef>
-        <a:fillRef idx="0">
-          <a:scrgbClr r="0" g="0" b="0"/>
-        </a:fillRef>
-        <a:effectRef idx="0">
-          <a:scrgbClr r="0" g="0" b="0"/>
-        </a:effectRef>
-        <a:fontRef idx="minor"/>
-      </dsp:style>
-      <dsp:txBody>
-        <a:bodyPr spcFirstLastPara="0" vert="horz" wrap="square" lIns="122629" tIns="122629" rIns="122629" bIns="122629" numCol="1" spcCol="1270" anchor="ctr" anchorCtr="0">
-          <a:noAutofit/>
-        </a:bodyPr>
-        <a:lstStyle/>
-        <a:p>
-          <a:pPr marL="0" lvl="0" indent="0" algn="l" defTabSz="1111250">
-            <a:lnSpc>
-              <a:spcPct val="90000"/>
-            </a:lnSpc>
-            <a:spcBef>
-              <a:spcPct val="0"/>
-            </a:spcBef>
-            <a:spcAft>
-              <a:spcPct val="35000"/>
-            </a:spcAft>
-            <a:buNone/>
-          </a:pPr>
-          <a:r>
-            <a:rPr lang="en-US" sz="2500" b="0" i="0" kern="1200"/>
-            <a:t>2. Focus on alcohol and sulphate levels for quality.</a:t>
-          </a:r>
-          <a:endParaRPr lang="en-US" sz="2500" kern="1200"/>
-        </a:p>
-      </dsp:txBody>
-      <dsp:txXfrm>
-        <a:off x="1338296" y="1448867"/>
-        <a:ext cx="5714967" cy="1158698"/>
-      </dsp:txXfrm>
-    </dsp:sp>
-    <dsp:sp modelId="{A1674312-1D37-4912-85EF-6E5CFAF754E4}">
-      <dsp:nvSpPr>
-        <dsp:cNvPr id="0" name=""/>
-        <dsp:cNvSpPr/>
-      </dsp:nvSpPr>
-      <dsp:spPr>
-        <a:xfrm>
-          <a:off x="0" y="2897240"/>
-          <a:ext cx="7053264" cy="1158698"/>
-        </a:xfrm>
-        <a:prstGeom prst="roundRect">
-          <a:avLst>
-            <a:gd name="adj" fmla="val 10000"/>
-          </a:avLst>
-        </a:prstGeom>
-        <a:solidFill>
-          <a:schemeClr val="bg1">
-            <a:lumMod val="95000"/>
-            <a:hueOff val="0"/>
-            <a:satOff val="0"/>
-            <a:lumOff val="0"/>
-            <a:alphaOff val="0"/>
-          </a:schemeClr>
-        </a:solidFill>
-        <a:ln>
-          <a:noFill/>
-        </a:ln>
-        <a:effectLst/>
-      </dsp:spPr>
-      <dsp:style>
-        <a:lnRef idx="0">
-          <a:scrgbClr r="0" g="0" b="0"/>
-        </a:lnRef>
-        <a:fillRef idx="1">
-          <a:scrgbClr r="0" g="0" b="0"/>
-        </a:fillRef>
-        <a:effectRef idx="0">
-          <a:scrgbClr r="0" g="0" b="0"/>
-        </a:effectRef>
-        <a:fontRef idx="minor"/>
-      </dsp:style>
-    </dsp:sp>
-    <dsp:sp modelId="{B38C3845-B729-468B-808E-42DDAFDF3353}">
-      <dsp:nvSpPr>
-        <dsp:cNvPr id="0" name=""/>
-        <dsp:cNvSpPr/>
-      </dsp:nvSpPr>
-      <dsp:spPr>
-        <a:xfrm>
-          <a:off x="350506" y="3157947"/>
-          <a:ext cx="637284" cy="637284"/>
-        </a:xfrm>
-        <a:prstGeom prst="rect">
-          <a:avLst/>
-        </a:prstGeom>
-        <a:blipFill>
-          <a:blip xmlns:r="http://schemas.openxmlformats.org/officeDocument/2006/relationships" r:embed="rId5">
-            <a:extLst>
-              <a:ext uri="{28A0092B-C50C-407E-A947-70E740481C1C}">
-                <a14:useLocalDpi xmlns:a14="http://schemas.microsoft.com/office/drawing/2010/main" val="0"/>
-              </a:ext>
-              <a:ext uri="{96DAC541-7B7A-43D3-8B79-37D633B846F1}">
-                <asvg:svgBlip xmlns:asvg="http://schemas.microsoft.com/office/drawing/2016/SVG/main" r:embed="rId6"/>
-              </a:ext>
-            </a:extLst>
-          </a:blip>
-          <a:stretch>
-            <a:fillRect/>
-          </a:stretch>
-        </a:blipFill>
-        <a:ln w="19050" cap="rnd" cmpd="sng" algn="ctr">
-          <a:noFill/>
-          <a:prstDash val="solid"/>
-        </a:ln>
-        <a:effectLst/>
-      </dsp:spPr>
-      <dsp:style>
-        <a:lnRef idx="2">
-          <a:scrgbClr r="0" g="0" b="0"/>
-        </a:lnRef>
-        <a:fillRef idx="1">
-          <a:scrgbClr r="0" g="0" b="0"/>
-        </a:fillRef>
-        <a:effectRef idx="0">
-          <a:scrgbClr r="0" g="0" b="0"/>
-        </a:effectRef>
-        <a:fontRef idx="minor">
-          <a:schemeClr val="lt1"/>
-        </a:fontRef>
-      </dsp:style>
-    </dsp:sp>
-    <dsp:sp modelId="{45B61F5D-1EEF-4046-8B23-31568F8BC7B7}">
-      <dsp:nvSpPr>
-        <dsp:cNvPr id="0" name=""/>
-        <dsp:cNvSpPr/>
-      </dsp:nvSpPr>
-      <dsp:spPr>
-        <a:xfrm>
-          <a:off x="1338296" y="2897240"/>
-          <a:ext cx="5714967" cy="1158698"/>
-        </a:xfrm>
-        <a:prstGeom prst="rect">
-          <a:avLst/>
-        </a:prstGeom>
-        <a:noFill/>
-        <a:ln>
-          <a:noFill/>
-        </a:ln>
-        <a:effectLst/>
-      </dsp:spPr>
-      <dsp:style>
-        <a:lnRef idx="0">
-          <a:scrgbClr r="0" g="0" b="0"/>
-        </a:lnRef>
-        <a:fillRef idx="0">
-          <a:scrgbClr r="0" g="0" b="0"/>
-        </a:fillRef>
-        <a:effectRef idx="0">
-          <a:scrgbClr r="0" g="0" b="0"/>
-        </a:effectRef>
-        <a:fontRef idx="minor"/>
-      </dsp:style>
-      <dsp:txBody>
-        <a:bodyPr spcFirstLastPara="0" vert="horz" wrap="square" lIns="122629" tIns="122629" rIns="122629" bIns="122629" numCol="1" spcCol="1270" anchor="ctr" anchorCtr="0">
-          <a:noAutofit/>
-        </a:bodyPr>
-        <a:lstStyle/>
-        <a:p>
-          <a:pPr marL="0" lvl="0" indent="0" algn="l" defTabSz="1111250">
-            <a:lnSpc>
-              <a:spcPct val="90000"/>
-            </a:lnSpc>
-            <a:spcBef>
-              <a:spcPct val="0"/>
-            </a:spcBef>
-            <a:spcAft>
-              <a:spcPct val="35000"/>
-            </a:spcAft>
-            <a:buNone/>
-          </a:pPr>
-          <a:r>
-            <a:rPr lang="en-US" sz="2500" b="0" i="0" kern="1200"/>
-            <a:t>3. Use model predictions to guide pricing strategy.</a:t>
-          </a:r>
-          <a:endParaRPr lang="en-US" sz="2500" kern="1200"/>
-        </a:p>
-      </dsp:txBody>
-      <dsp:txXfrm>
-        <a:off x="1338296" y="2897240"/>
-        <a:ext cx="5714967" cy="1158698"/>
-      </dsp:txXfrm>
-    </dsp:sp>
-  </dsp:spTree>
-</dsp:drawing>
-</file>
-
-<file path=ppt/diagrams/layout1.xml><?xml version="1.0" encoding="utf-8"?>
-<dgm:layoutDef xmlns:dgm="http://schemas.openxmlformats.org/drawingml/2006/diagram" xmlns:a="http://schemas.openxmlformats.org/drawingml/2006/main" uniqueId="urn:microsoft.com/office/officeart/2018/2/layout/IconVerticalSolidList">
-  <dgm:title val="Icon Vertical Solid List"/>
-  <dgm:desc val="Use to show a series of visuals from top to bottom with Level 1 or Level 1 and Level 2 text grouped in a shape. Works best with icons or small pictures with lengthier descriptions."/>
-  <dgm:catLst>
-    <dgm:cat type="icon" pri="500"/>
-  </dgm:catLst>
-  <dgm:sampData useDef="1">
-    <dgm:dataModel>
-      <dgm:ptLst/>
-      <dgm:bg/>
-      <dgm:whole/>
-    </dgm:dataModel>
-  </dgm:sampData>
-  <dgm:styleData useDef="1">
-    <dgm:dataModel>
-      <dgm:ptLst/>
-      <dgm:bg/>
-      <dgm:whole/>
-    </dgm:dataModel>
-  </dgm:styleData>
-  <dgm:clrData useDef="1">
-    <dgm:dataModel>
-      <dgm:ptLst/>
-      <dgm:bg/>
-      <dgm:whole/>
-    </dgm:dataModel>
-  </dgm:clrData>
-  <dgm:layoutNode name="root">
-    <dgm:varLst>
-      <dgm:dir/>
-      <dgm:resizeHandles val="exact"/>
-    </dgm:varLst>
-    <dgm:choose name="Name0">
-      <dgm:if name="Name1" axis="self" func="var" arg="dir" op="equ" val="norm">
-        <dgm:alg type="lin">
-          <dgm:param type="linDir" val="fromT"/>
-          <dgm:param type="nodeHorzAlign" val="l"/>
-        </dgm:alg>
-      </dgm:if>
-      <dgm:else name="Name2">
-        <dgm:alg type="lin">
-          <dgm:param type="linDir" val="fromT"/>
-          <dgm:param type="nodeHorzAlign" val="r"/>
-        </dgm:alg>
-      </dgm:else>
-    </dgm:choose>
-    <dgm:shape xmlns:r="http://schemas.openxmlformats.org/officeDocument/2006/relationships" r:blip="">
-      <dgm:adjLst/>
-    </dgm:shape>
-    <dgm:presOf/>
-    <dgm:choose name="Name3">
-      <dgm:if name="Name4" axis="ch" ptType="node" func="cnt" op="lte" val="3">
-        <dgm:constrLst>
-          <dgm:constr type="h" for="ch" forName="compNode" refType="h" fact="0.3"/>
-          <dgm:constr type="w" for="ch" forName="compNode" refType="w"/>
-          <dgm:constr type="h" for="ch" forName="sibTrans" refType="h" refFor="ch" refForName="compNode" fact="0.25"/>
-          <dgm:constr type="primFontSz" for="des" forName="parTx" val="25"/>
-          <dgm:constr type="primFontSz" for="des" forName="desTx" refType="primFontSz" refFor="des" refForName="parTx" op="lte" fact="0.75"/>
-          <dgm:constr type="h" for="des" forName="compNode" op="equ"/>
-          <dgm:constr type="h" for="des" forName="bgRect" op="equ"/>
-          <dgm:constr type="h" for="des" forName="iconRect" op="equ"/>
-          <dgm:constr type="w" for="des" forName="iconRect" op="equ"/>
-          <dgm:constr type="h" for="des" forName="spaceRect" op="equ"/>
-          <dgm:constr type="h" for="des" forName="parTx" op="equ"/>
-          <dgm:constr type="h" for="des" forName="desTx" op="equ"/>
-        </dgm:constrLst>
-      </dgm:if>
-      <dgm:if name="Name5" axis="ch" ptType="node" func="cnt" op="lte" val="4">
-        <dgm:constrLst>
-          <dgm:constr type="h" for="ch" forName="compNode" refType="h" fact="0.3"/>
-          <dgm:constr type="w" for="ch" forName="compNode" refType="w"/>
-          <dgm:constr type="h" for="ch" forName="sibTrans" refType="h" refFor="ch" refForName="compNode" fact="0.25"/>
-          <dgm:constr type="primFontSz" for="des" forName="parTx" val="22"/>
-          <dgm:constr type="primFontSz" for="des" forName="desTx" refType="primFontSz" refFor="des" refForName="parTx" op="lte" fact="0.75"/>
-          <dgm:constr type="h" for="des" forName="compNode" op="equ"/>
-          <dgm:constr type="h" for="des" forName="bgRect" op="equ"/>
-          <dgm:constr type="h" for="des" forName="iconRect" op="equ"/>
-          <dgm:constr type="w" for="des" forName="iconRect" op="equ"/>
-          <dgm:constr type="h" for="des" forName="spaceRect" op="equ"/>
-          <dgm:constr type="h" for="des" forName="parTx" op="equ"/>
-          <dgm:constr type="h" for="des" forName="desTx" op="equ"/>
-        </dgm:constrLst>
-      </dgm:if>
-      <dgm:if name="Name6" axis="ch" ptType="node" func="cnt" op="lte" val="6">
-        <dgm:constrLst>
-          <dgm:constr type="h" for="ch" forName="compNode" refType="h" fact="0.3"/>
-          <dgm:constr type="w" for="ch" forName="compNode" refType="w"/>
-          <dgm:constr type="h" for="ch" forName="sibTrans" refType="h" refFor="ch" refForName="compNode" fact="0.25"/>
-          <dgm:constr type="primFontSz" for="des" forName="parTx" val="19"/>
-          <dgm:constr type="primFontSz" for="des" forName="desTx" refType="primFontSz" refFor="des" refForName="parTx" op="lte" fact="0.75"/>
-          <dgm:constr type="h" for="des" forName="compNode" op="equ"/>
-          <dgm:constr type="h" for="des" forName="bgRect" op="equ"/>
-          <dgm:constr type="h" for="des" forName="iconRect" op="equ"/>
-          <dgm:constr type="w" for="des" forName="iconRect" op="equ"/>
-          <dgm:constr type="h" for="des" forName="spaceRect" op="equ"/>
-          <dgm:constr type="h" for="des" forName="parTx" op="equ"/>
-          <dgm:constr type="h" for="des" forName="desTx" op="equ"/>
-        </dgm:constrLst>
-      </dgm:if>
-      <dgm:else name="Name7">
-        <dgm:constrLst>
-          <dgm:constr type="h" for="ch" forName="compNode" refType="h" fact="0.3"/>
-          <dgm:constr type="w" for="ch" forName="compNode" refType="w"/>
-          <dgm:constr type="h" for="ch" forName="sibTrans" refType="h" refFor="ch" refForName="compNode" fact="0.25"/>
-          <dgm:constr type="primFontSz" for="des" forName="parTx" val="16"/>
-          <dgm:constr type="primFontSz" for="des" forName="desTx" refType="primFontSz" refFor="des" refForName="parTx" op="lte" fact="0.75"/>
-          <dgm:constr type="h" for="des" forName="compNode" op="equ"/>
-          <dgm:constr type="h" for="des" forName="bgRect" op="equ"/>
-          <dgm:constr type="h" for="des" forName="iconRect" op="equ"/>
-          <dgm:constr type="w" for="des" forName="iconRect" op="equ"/>
-          <dgm:constr type="h" for="des" forName="spaceRect" op="equ"/>
-          <dgm:constr type="h" for="des" forName="parTx" op="equ"/>
-          <dgm:constr type="h" for="des" forName="desTx" op="equ"/>
-        </dgm:constrLst>
-      </dgm:else>
-    </dgm:choose>
-    <dgm:ruleLst>
-      <dgm:rule type="h" for="ch" forName="compNode" val="0" fact="NaN" max="NaN"/>
-    </dgm:ruleLst>
-    <dgm:forEach name="Name8" axis="ch" ptType="node">
-      <dgm:layoutNode name="compNode">
-        <dgm:alg type="composite"/>
-        <dgm:shape xmlns:r="http://schemas.openxmlformats.org/officeDocument/2006/relationships" r:blip="">
-          <dgm:adjLst/>
-        </dgm:shape>
-        <dgm:presOf axis="self"/>
-        <dgm:choose name="Name9">
-          <dgm:if name="Name10" axis="ch" ptType="node" func="cnt" op="gte" val="1">
-            <dgm:constrLst>
-              <dgm:constr type="w" for="ch" forName="bgRect" refType="w"/>
-              <dgm:constr type="h" for="ch" forName="bgRect" refType="h"/>
-              <dgm:constr type="l" for="ch" forName="bgRect"/>
-              <dgm:constr type="t" for="ch" forName="bgRect"/>
-              <dgm:constr type="h" for="ch" forName="iconRect" refType="h" fact="0.55"/>
-              <dgm:constr type="w" for="ch" forName="iconRect" refType="h" refFor="ch" refForName="iconRect"/>
-              <dgm:constr type="l" for="ch" forName="iconRect" refType="h" refFor="ch" refForName="iconRect" fact="0.55"/>
-              <dgm:constr type="ctrY" for="ch" forName="iconRect" refType="ctrY" refFor="ch" refForName="bgRect"/>
-              <dgm:constr type="w" for="ch" forName="spaceRect" refType="l" refFor="ch" refForName="iconRect"/>
-              <dgm:constr type="h" for="ch" forName="spaceRect" refType="h"/>
-              <dgm:constr type="l" for="ch" forName="spaceRect" refType="r" refFor="ch" refForName="iconRect"/>
-              <dgm:constr type="t" for="ch" forName="spaceRect"/>
-              <dgm:constr type="w" for="ch" forName="parTx" refType="w" fact="0.45"/>
-              <dgm:constr type="h" for="ch" forName="parTx" refType="h"/>
-              <dgm:constr type="l" for="ch" forName="parTx" refType="r" refFor="ch" refForName="spaceRect"/>
-              <dgm:constr type="t" for="ch" forName="parTx"/>
-              <dgm:constr type="h" for="ch" forName="desTx" refType="h"/>
-              <dgm:constr type="l" for="ch" forName="desTx" refType="r" refFor="ch" refForName="parTx"/>
-              <dgm:constr type="t" for="ch" forName="desTx"/>
-            </dgm:constrLst>
-          </dgm:if>
-          <dgm:else name="Name11">
-            <dgm:constrLst>
-              <dgm:constr type="w" for="ch" forName="bgRect" refType="w"/>
-              <dgm:constr type="h" for="ch" forName="bgRect" refType="h"/>
-              <dgm:constr type="l" for="ch" forName="bgRect"/>
-              <dgm:constr type="t" for="ch" forName="bgRect"/>
-              <dgm:constr type="h" for="ch" forName="iconRect" refType="h" fact="0.55"/>
-              <dgm:constr type="w" for="ch" forName="iconRect" refType="h" refFor="ch" refForName="iconRect"/>
-              <dgm:constr type="l" for="ch" forName="iconRect" refType="h" refFor="ch" refForName="iconRect" fact="0.55"/>
-              <dgm:constr type="ctrY" for="ch" forName="iconRect" refType="ctrY" refFor="ch" refForName="bgRect"/>
-              <dgm:constr type="w" for="ch" forName="spaceRect" refType="l" refFor="ch" refForName="iconRect"/>
-              <dgm:constr type="h" for="ch" forName="spaceRect" refType="h"/>
-              <dgm:constr type="l" for="ch" forName="spaceRect" refType="r" refFor="ch" refForName="iconRect"/>
-              <dgm:constr type="t" for="ch" forName="spaceRect"/>
-              <dgm:constr type="h" for="ch" forName="parTx" refType="h"/>
-              <dgm:constr type="l" for="ch" forName="parTx" refType="r" refFor="ch" refForName="spaceRect"/>
-              <dgm:constr type="t" for="ch" forName="parTx"/>
-            </dgm:constrLst>
-          </dgm:else>
-        </dgm:choose>
-        <dgm:ruleLst>
-          <dgm:rule type="h" val="INF" fact="NaN" max="NaN"/>
-        </dgm:ruleLst>
-        <dgm:layoutNode name="bgRect" styleLbl="bgShp">
-          <dgm:alg type="sp"/>
-          <dgm:shape xmlns:r="http://schemas.openxmlformats.org/officeDocument/2006/relationships" type="roundRect" r:blip="">
-            <dgm:adjLst>
-              <dgm:adj idx="1" val="0.1"/>
-            </dgm:adjLst>
-          </dgm:shape>
-          <dgm:presOf/>
-          <dgm:constrLst/>
-          <dgm:ruleLst/>
-        </dgm:layoutNode>
-        <dgm:layoutNode name="iconRect" styleLbl="node1">
-          <dgm:alg type="sp"/>
-          <dgm:shape xmlns:r="http://schemas.openxmlformats.org/officeDocument/2006/relationships" type="rect" r:blip="" blipPhldr="1">
-            <dgm:adjLst/>
-          </dgm:shape>
-          <dgm:presOf/>
-          <dgm:constrLst/>
-          <dgm:ruleLst/>
-        </dgm:layoutNode>
-        <dgm:layoutNode name="spaceRect">
-          <dgm:alg type="sp"/>
-          <dgm:shape xmlns:r="http://schemas.openxmlformats.org/officeDocument/2006/relationships" r:blip="">
-            <dgm:adjLst/>
-          </dgm:shape>
-          <dgm:presOf/>
-          <dgm:constrLst/>
-          <dgm:ruleLst/>
-        </dgm:layoutNode>
-        <dgm:layoutNode name="parTx" styleLbl="revTx">
-          <dgm:varLst>
-            <dgm:chMax val="0"/>
-            <dgm:chPref val="0"/>
-          </dgm:varLst>
-          <dgm:alg type="tx">
-            <dgm:param type="txAnchorVert" val="mid"/>
-            <dgm:param type="parTxLTRAlign" val="l"/>
-            <dgm:param type="shpTxLTRAlignCh" val="l"/>
-            <dgm:param type="parTxRTLAlign" val="r"/>
-            <dgm:param type="shpTxRTLAlignCh" val="r"/>
-          </dgm:alg>
-          <dgm:shape xmlns:r="http://schemas.openxmlformats.org/officeDocument/2006/relationships" type="rect" r:blip="">
-            <dgm:adjLst/>
-          </dgm:shape>
-          <dgm:presOf axis="self" ptType="node"/>
-          <dgm:constrLst>
-            <dgm:constr type="lMarg" refType="h" fact="0.3"/>
-            <dgm:constr type="rMarg" refType="h" fact="0.3"/>
-            <dgm:constr type="tMarg" refType="h" fact="0.3"/>
-            <dgm:constr type="bMarg" refType="h" fact="0.3"/>
-          </dgm:constrLst>
-          <dgm:ruleLst>
-            <dgm:rule type="primFontSz" val="14" fact="NaN" max="NaN"/>
-            <dgm:rule type="h" val="INF" fact="NaN" max="NaN"/>
-          </dgm:ruleLst>
-        </dgm:layoutNode>
-        <dgm:choose name="Name12">
-          <dgm:if name="Name13" axis="ch" ptType="node" func="cnt" op="gte" val="1">
-            <dgm:layoutNode name="desTx" styleLbl="revTx">
-              <dgm:varLst/>
-              <dgm:alg type="tx">
-                <dgm:param type="txAnchorVertCh" val="mid"/>
-                <dgm:param type="parTxLTRAlign" val="l"/>
-                <dgm:param type="shpTxLTRAlignCh" val="l"/>
-                <dgm:param type="parTxRTLAlign" val="r"/>
-                <dgm:param type="shpTxRTLAlignCh" val="r"/>
-                <dgm:param type="stBulletLvl" val="0"/>
-              </dgm:alg>
-              <dgm:shape xmlns:r="http://schemas.openxmlformats.org/officeDocument/2006/relationships" type="rect" r:blip="">
-                <dgm:adjLst/>
-              </dgm:shape>
-              <dgm:presOf axis="des" ptType="node"/>
-              <dgm:constrLst>
-                <dgm:constr type="primFontSz" val="18"/>
-                <dgm:constr type="secFontSz" refType="primFontSz"/>
-                <dgm:constr type="lMarg" refType="h" fact="0.3"/>
-                <dgm:constr type="rMarg" refType="h" fact="0.3"/>
-                <dgm:constr type="tMarg" refType="h" fact="0.3"/>
-                <dgm:constr type="bMarg" refType="h" fact="0.3"/>
-              </dgm:constrLst>
-              <dgm:ruleLst>
-                <dgm:rule type="primFontSz" val="11" fact="NaN" max="NaN"/>
-              </dgm:ruleLst>
-            </dgm:layoutNode>
-          </dgm:if>
-          <dgm:else name="Name14"/>
-        </dgm:choose>
-      </dgm:layoutNode>
-      <dgm:forEach name="Name15" axis="followSib" ptType="sibTrans" cnt="1">
-        <dgm:layoutNode name="sibTrans">
-          <dgm:alg type="sp"/>
-          <dgm:shape xmlns:r="http://schemas.openxmlformats.org/officeDocument/2006/relationships" r:blip="">
-            <dgm:adjLst/>
-          </dgm:shape>
-          <dgm:presOf axis="self"/>
-          <dgm:constrLst/>
-          <dgm:ruleLst/>
-        </dgm:layoutNode>
-      </dgm:forEach>
-    </dgm:forEach>
-  </dgm:layoutNode>
-  <dgm:extLst>
-    <a:ext uri="{68A01E43-0DF5-4B5B-8FA6-DAF915123BFB}">
-      <dgm1612:lstStyle xmlns:dgm1612="http://schemas.microsoft.com/office/drawing/2016/12/diagram">
-        <a:lvl1pPr>
-          <a:lnSpc>
-            <a:spcPct val="100000"/>
-          </a:lnSpc>
-        </a:lvl1pPr>
-        <a:lvl2pPr>
-          <a:lnSpc>
-            <a:spcPct val="100000"/>
-          </a:lnSpc>
-        </a:lvl2pPr>
-      </dgm1612:lstStyle>
-    </a:ext>
-  </dgm:extLst>
-</dgm:layoutDef>
-</file>
-
-<file path=ppt/diagrams/quickStyle1.xml><?xml version="1.0" encoding="utf-8"?>
-<dgm:styleDef xmlns:dgm="http://schemas.openxmlformats.org/drawingml/2006/diagram" xmlns:a="http://schemas.openxmlformats.org/drawingml/2006/main" uniqueId="urn:microsoft.com/office/officeart/2005/8/quickstyle/simple1">
-  <dgm:title val=""/>
-  <dgm:desc val=""/>
-  <dgm:catLst>
-    <dgm:cat type="simple" pri="10100"/>
-  </dgm:catLst>
-  <dgm:scene3d>
-    <a:camera prst="orthographicFront"/>
-    <a:lightRig rig="threePt" dir="t"/>
-  </dgm:scene3d>
-  <dgm:styleLbl name="node0">
-    <dgm:scene3d>
-      <a:camera prst="orthographicFront"/>
-      <a:lightRig rig="threePt" dir="t"/>
-    </dgm:scene3d>
-    <dgm:sp3d/>
-    <dgm:txPr/>
-    <dgm:style>
-      <a:lnRef idx="2">
-        <a:scrgbClr r="0" g="0" b="0"/>
-      </a:lnRef>
-      <a:fillRef idx="1">
-        <a:scrgbClr r="0" g="0" b="0"/>
-      </a:fillRef>
-      <a:effectRef idx="0">
-        <a:scrgbClr r="0" g="0" b="0"/>
-      </a:effectRef>
-      <a:fontRef idx="minor">
-        <a:schemeClr val="lt1"/>
-      </a:fontRef>
-    </dgm:style>
-  </dgm:styleLbl>
-  <dgm:styleLbl name="lnNode1">
-    <dgm:scene3d>
-      <a:camera prst="orthographicFront"/>
-      <a:lightRig rig="threePt" dir="t"/>
-    </dgm:scene3d>
-    <dgm:sp3d/>
-    <dgm:txPr/>
-    <dgm:style>
-      <a:lnRef idx="2">
-        <a:scrgbClr r="0" g="0" b="0"/>
-      </a:lnRef>
-      <a:fillRef idx="1">
-        <a:scrgbClr r="0" g="0" b="0"/>
-      </a:fillRef>
-      <a:effectRef idx="0">
-        <a:scrgbClr r="0" g="0" b="0"/>
-      </a:effectRef>
-      <a:fontRef idx="minor">
-        <a:schemeClr val="lt1"/>
-      </a:fontRef>
-    </dgm:style>
-  </dgm:styleLbl>
-  <dgm:styleLbl name="vennNode1">
-    <dgm:scene3d>
-      <a:camera prst="orthographicFront"/>
-      <a:lightRig rig="threePt" dir="t"/>
-    </dgm:scene3d>
-    <dgm:sp3d/>
-    <dgm:txPr/>
-    <dgm:style>
-      <a:lnRef idx="2">
-        <a:scrgbClr r="0" g="0" b="0"/>
-      </a:lnRef>
-      <a:fillRef idx="1">
-        <a:scrgbClr r="0" g="0" b="0"/>
-      </a:fillRef>
-      <a:effectRef idx="0">
-        <a:scrgbClr r="0" g="0" b="0"/>
-      </a:effectRef>
-      <a:fontRef idx="minor">
-        <a:schemeClr val="tx1"/>
-      </a:fontRef>
-    </dgm:style>
-  </dgm:styleLbl>
-  <dgm:styleLbl name="alignNode1">
-    <dgm:scene3d>
-      <a:camera prst="orthographicFront"/>
-      <a:lightRig rig="threePt" dir="t"/>
-    </dgm:scene3d>
-    <dgm:sp3d/>
-    <dgm:txPr/>
-    <dgm:style>
-      <a:lnRef idx="2">
-        <a:scrgbClr r="0" g="0" b="0"/>
-      </a:lnRef>
-      <a:fillRef idx="1">
-        <a:scrgbClr r="0" g="0" b="0"/>
-      </a:fillRef>
-      <a:effectRef idx="0">
-        <a:scrgbClr r="0" g="0" b="0"/>
-      </a:effectRef>
-      <a:fontRef idx="minor">
-        <a:schemeClr val="lt1"/>
-      </a:fontRef>
-    </dgm:style>
-  </dgm:styleLbl>
-  <dgm:styleLbl name="node1">
-    <dgm:scene3d>
-      <a:camera prst="orthographicFront"/>
-      <a:lightRig rig="threePt" dir="t"/>
-    </dgm:scene3d>
-    <dgm:sp3d/>
-    <dgm:txPr/>
-    <dgm:style>
-      <a:lnRef idx="2">
-        <a:scrgbClr r="0" g="0" b="0"/>
-      </a:lnRef>
-      <a:fillRef idx="1">
-        <a:scrgbClr r="0" g="0" b="0"/>
-      </a:fillRef>
-      <a:effectRef idx="0">
-        <a:scrgbClr r="0" g="0" b="0"/>
-      </a:effectRef>
-      <a:fontRef idx="minor">
-        <a:schemeClr val="lt1"/>
-      </a:fontRef>
-    </dgm:style>
-  </dgm:styleLbl>
-  <dgm:styleLbl name="node2">
-    <dgm:scene3d>
-      <a:camera prst="orthographicFront"/>
-      <a:lightRig rig="threePt" dir="t"/>
-    </dgm:scene3d>
-    <dgm:sp3d/>
-    <dgm:txPr/>
-    <dgm:style>
-      <a:lnRef idx="2">
-        <a:scrgbClr r="0" g="0" b="0"/>
-      </a:lnRef>
-      <a:fillRef idx="1">
-        <a:scrgbClr r="0" g="0" b="0"/>
-      </a:fillRef>
-      <a:effectRef idx="0">
-        <a:scrgbClr r="0" g="0" b="0"/>
-      </a:effectRef>
-      <a:fontRef idx="minor">
-        <a:schemeClr val="lt1"/>
-      </a:fontRef>
-    </dgm:style>
-  </dgm:styleLbl>
-  <dgm:styleLbl name="node3">
-    <dgm:scene3d>
-      <a:camera prst="orthographicFront"/>
-      <a:lightRig rig="threePt" dir="t"/>
-    </dgm:scene3d>
-    <dgm:sp3d/>
-    <dgm:txPr/>
-    <dgm:style>
-      <a:lnRef idx="2">
-        <a:scrgbClr r="0" g="0" b="0"/>
-      </a:lnRef>
-      <a:fillRef idx="1">
-        <a:scrgbClr r="0" g="0" b="0"/>
-      </a:fillRef>
-      <a:effectRef idx="0">
-        <a:scrgbClr r="0" g="0" b="0"/>
-      </a:effectRef>
-      <a:fontRef idx="minor">
-        <a:schemeClr val="lt1"/>
-      </a:fontRef>
-    </dgm:style>
-  </dgm:styleLbl>
-  <dgm:styleLbl name="node4">
-    <dgm:scene3d>
-      <a:camera prst="orthographicFront"/>
-      <a:lightRig rig="threePt" dir="t"/>
-    </dgm:scene3d>
-    <dgm:sp3d/>
-    <dgm:txPr/>
-    <dgm:style>
-      <a:lnRef idx="2">
-        <a:scrgbClr r="0" g="0" b="0"/>
-      </a:lnRef>
-      <a:fillRef idx="1">
-        <a:scrgbClr r="0" g="0" b="0"/>
-      </a:fillRef>
-      <a:effectRef idx="0">
-        <a:scrgbClr r="0" g="0" b="0"/>
-      </a:effectRef>
-      <a:fontRef idx="minor">
-        <a:schemeClr val="lt1"/>
-      </a:fontRef>
-    </dgm:style>
-  </dgm:styleLbl>
-  <dgm:styleLbl name="fgImgPlace1">
-    <dgm:scene3d>
-      <a:camera prst="orthographicFront"/>
-      <a:lightRig rig="threePt" dir="t"/>
-    </dgm:scene3d>
-    <dgm:sp3d/>
-    <dgm:txPr/>
-    <dgm:style>
-      <a:lnRef idx="2">
-        <a:scrgbClr r="0" g="0" b="0"/>
-      </a:lnRef>
-      <a:fillRef idx="1">
-        <a:scrgbClr r="0" g="0" b="0"/>
-      </a:fillRef>
-      <a:effectRef idx="0">
-        <a:scrgbClr r="0" g="0" b="0"/>
-      </a:effectRef>
-      <a:fontRef idx="minor"/>
-    </dgm:style>
-  </dgm:styleLbl>
-  <dgm:styleLbl name="alignImgPlace1">
-    <dgm:scene3d>
-      <a:camera prst="orthographicFront"/>
-      <a:lightRig rig="threePt" dir="t"/>
-    </dgm:scene3d>
-    <dgm:sp3d/>
-    <dgm:txPr/>
-    <dgm:style>
-      <a:lnRef idx="2">
-        <a:scrgbClr r="0" g="0" b="0"/>
-      </a:lnRef>
-      <a:fillRef idx="1">
-        <a:scrgbClr r="0" g="0" b="0"/>
-      </a:fillRef>
-      <a:effectRef idx="0">
-        <a:scrgbClr r="0" g="0" b="0"/>
-      </a:effectRef>
-      <a:fontRef idx="minor"/>
-    </dgm:style>
-  </dgm:styleLbl>
-  <dgm:styleLbl name="bgImgPlace1">
-    <dgm:scene3d>
-      <a:camera prst="orthographicFront"/>
-      <a:lightRig rig="threePt" dir="t"/>
-    </dgm:scene3d>
-    <dgm:sp3d/>
-    <dgm:txPr/>
-    <dgm:style>
-      <a:lnRef idx="2">
-        <a:scrgbClr r="0" g="0" b="0"/>
-      </a:lnRef>
-      <a:fillRef idx="1">
-        <a:scrgbClr r="0" g="0" b="0"/>
-      </a:fillRef>
-      <a:effectRef idx="0">
-        <a:scrgbClr r="0" g="0" b="0"/>
-      </a:effectRef>
-      <a:fontRef idx="minor"/>
-    </dgm:style>
-  </dgm:styleLbl>
-  <dgm:styleLbl name="sibTrans2D1">
-    <dgm:scene3d>
-      <a:camera prst="orthographicFront"/>
-      <a:lightRig rig="threePt" dir="t"/>
-    </dgm:scene3d>
-    <dgm:sp3d/>
-    <dgm:txPr/>
-    <dgm:style>
-      <a:lnRef idx="0">
-        <a:scrgbClr r="0" g="0" b="0"/>
-      </a:lnRef>
-      <a:fillRef idx="1">
-        <a:scrgbClr r="0" g="0" b="0"/>
-      </a:fillRef>
-      <a:effectRef idx="0">
-        <a:scrgbClr r="0" g="0" b="0"/>
-      </a:effectRef>
-      <a:fontRef idx="minor">
-        <a:schemeClr val="lt1"/>
-      </a:fontRef>
-    </dgm:style>
-  </dgm:styleLbl>
-  <dgm:styleLbl name="fgSibTrans2D1">
-    <dgm:scene3d>
-      <a:camera prst="orthographicFront"/>
-      <a:lightRig rig="threePt" dir="t"/>
-    </dgm:scene3d>
-    <dgm:sp3d/>
-    <dgm:txPr/>
-    <dgm:style>
-      <a:lnRef idx="0">
-        <a:scrgbClr r="0" g="0" b="0"/>
-      </a:lnRef>
-      <a:fillRef idx="1">
-        <a:scrgbClr r="0" g="0" b="0"/>
-      </a:fillRef>
-      <a:effectRef idx="0">
-        <a:scrgbClr r="0" g="0" b="0"/>
-      </a:effectRef>
-      <a:fontRef idx="minor">
-        <a:schemeClr val="lt1"/>
-      </a:fontRef>
-    </dgm:style>
-  </dgm:styleLbl>
-  <dgm:styleLbl name="bgSibTrans2D1">
-    <dgm:scene3d>
-      <a:camera prst="orthographicFront"/>
-      <a:lightRig rig="threePt" dir="t"/>
-    </dgm:scene3d>
-    <dgm:sp3d/>
-    <dgm:txPr/>
-    <dgm:style>
-      <a:lnRef idx="0">
-        <a:scrgbClr r="0" g="0" b="0"/>
-      </a:lnRef>
-      <a:fillRef idx="1">
-        <a:scrgbClr r="0" g="0" b="0"/>
-      </a:fillRef>
-      <a:effectRef idx="0">
-        <a:scrgbClr r="0" g="0" b="0"/>
-      </a:effectRef>
-      <a:fontRef idx="minor">
-        <a:schemeClr val="lt1"/>
-      </a:fontRef>
-    </dgm:style>
-  </dgm:styleLbl>
-  <dgm:styleLbl name="sibTrans1D1">
-    <dgm:scene3d>
-      <a:camera prst="orthographicFront"/>
-      <a:lightRig rig="threePt" dir="t"/>
-    </dgm:scene3d>
-    <dgm:sp3d/>
-    <dgm:txPr/>
-    <dgm:style>
-      <a:lnRef idx="1">
-        <a:scrgbClr r="0" g="0" b="0"/>
-      </a:lnRef>
-      <a:fillRef idx="0">
-        <a:scrgbClr r="0" g="0" b="0"/>
-      </a:fillRef>
-      <a:effectRef idx="0">
-        <a:scrgbClr r="0" g="0" b="0"/>
-      </a:effectRef>
-      <a:fontRef idx="minor"/>
-    </dgm:style>
-  </dgm:styleLbl>
-  <dgm:styleLbl name="callout">
-    <dgm:scene3d>
-      <a:camera prst="orthographicFront"/>
-      <a:lightRig rig="threePt" dir="t"/>
-    </dgm:scene3d>
-    <dgm:sp3d/>
-    <dgm:txPr/>
-    <dgm:style>
-      <a:lnRef idx="2">
-        <a:scrgbClr r="0" g="0" b="0"/>
-      </a:lnRef>
-      <a:fillRef idx="1">
-        <a:scrgbClr r="0" g="0" b="0"/>
-      </a:fillRef>
-      <a:effectRef idx="0">
-        <a:scrgbClr r="0" g="0" b="0"/>
-      </a:effectRef>
-      <a:fontRef idx="minor"/>
-    </dgm:style>
-  </dgm:styleLbl>
-  <dgm:styleLbl name="asst0">
-    <dgm:scene3d>
-      <a:camera prst="orthographicFront"/>
-      <a:lightRig rig="threePt" dir="t"/>
-    </dgm:scene3d>
-    <dgm:sp3d/>
-    <dgm:txPr/>
-    <dgm:style>
-      <a:lnRef idx="2">
-        <a:scrgbClr r="0" g="0" b="0"/>
-      </a:lnRef>
-      <a:fillRef idx="1">
-        <a:scrgbClr r="0" g="0" b="0"/>
-      </a:fillRef>
-      <a:effectRef idx="0">
-        <a:scrgbClr r="0" g="0" b="0"/>
-      </a:effectRef>
-      <a:fontRef idx="minor">
-        <a:schemeClr val="lt1"/>
-      </a:fontRef>
-    </dgm:style>
-  </dgm:styleLbl>
-  <dgm:styleLbl name="asst1">
-    <dgm:scene3d>
-      <a:camera prst="orthographicFront"/>
-      <a:lightRig rig="threePt" dir="t"/>
-    </dgm:scene3d>
-    <dgm:sp3d/>
-    <dgm:txPr/>
-    <dgm:style>
-      <a:lnRef idx="2">
-        <a:scrgbClr r="0" g="0" b="0"/>
-      </a:lnRef>
-      <a:fillRef idx="1">
-        <a:scrgbClr r="0" g="0" b="0"/>
-      </a:fillRef>
-      <a:effectRef idx="0">
-        <a:scrgbClr r="0" g="0" b="0"/>
-      </a:effectRef>
-      <a:fontRef idx="minor">
-        <a:schemeClr val="lt1"/>
-      </a:fontRef>
-    </dgm:style>
-  </dgm:styleLbl>
-  <dgm:styleLbl name="asst2">
-    <dgm:scene3d>
-      <a:camera prst="orthographicFront"/>
-      <a:lightRig rig="threePt" dir="t"/>
-    </dgm:scene3d>
-    <dgm:sp3d/>
-    <dgm:txPr/>
-    <dgm:style>
-      <a:lnRef idx="2">
-        <a:scrgbClr r="0" g="0" b="0"/>
-      </a:lnRef>
-      <a:fillRef idx="1">
-        <a:scrgbClr r="0" g="0" b="0"/>
-      </a:fillRef>
-      <a:effectRef idx="0">
-        <a:scrgbClr r="0" g="0" b="0"/>
-      </a:effectRef>
-      <a:fontRef idx="minor">
-        <a:schemeClr val="lt1"/>
-      </a:fontRef>
-    </dgm:style>
-  </dgm:styleLbl>
-  <dgm:styleLbl name="asst3">
-    <dgm:scene3d>
-      <a:camera prst="orthographicFront"/>
-      <a:lightRig rig="threePt" dir="t"/>
-    </dgm:scene3d>
-    <dgm:sp3d/>
-    <dgm:txPr/>
-    <dgm:style>
-      <a:lnRef idx="2">
-        <a:scrgbClr r="0" g="0" b="0"/>
-      </a:lnRef>
-      <a:fillRef idx="1">
-        <a:scrgbClr r="0" g="0" b="0"/>
-      </a:fillRef>
-      <a:effectRef idx="0">
-        <a:scrgbClr r="0" g="0" b="0"/>
-      </a:effectRef>
-      <a:fontRef idx="minor">
-        <a:schemeClr val="lt1"/>
-      </a:fontRef>
-    </dgm:style>
-  </dgm:styleLbl>
-  <dgm:styleLbl name="asst4">
-    <dgm:scene3d>
-      <a:camera prst="orthographicFront"/>
-      <a:lightRig rig="threePt" dir="t"/>
-    </dgm:scene3d>
-    <dgm:sp3d/>
-    <dgm:txPr/>
-    <dgm:style>
-      <a:lnRef idx="2">
-        <a:scrgbClr r="0" g="0" b="0"/>
-      </a:lnRef>
-      <a:fillRef idx="1">
-        <a:scrgbClr r="0" g="0" b="0"/>
-      </a:fillRef>
-      <a:effectRef idx="0">
-        <a:scrgbClr r="0" g="0" b="0"/>
-      </a:effectRef>
-      <a:fontRef idx="minor">
-        <a:schemeClr val="lt1"/>
-      </a:fontRef>
-    </dgm:style>
-  </dgm:styleLbl>
-  <dgm:styleLbl name="parChTrans2D1">
-    <dgm:scene3d>
-      <a:camera prst="orthographicFront"/>
-      <a:lightRig rig="threePt" dir="t"/>
-    </dgm:scene3d>
-    <dgm:sp3d/>
-    <dgm:txPr/>
-    <dgm:style>
-      <a:lnRef idx="2">
-        <a:scrgbClr r="0" g="0" b="0"/>
-      </a:lnRef>
-      <a:fillRef idx="1">
-        <a:scrgbClr r="0" g="0" b="0"/>
-      </a:fillRef>
-      <a:effectRef idx="0">
-        <a:scrgbClr r="0" g="0" b="0"/>
-      </a:effectRef>
-      <a:fontRef idx="minor">
-        <a:schemeClr val="lt1"/>
-      </a:fontRef>
-    </dgm:style>
-  </dgm:styleLbl>
-  <dgm:styleLbl name="parChTrans2D2">
-    <dgm:scene3d>
-      <a:camera prst="orthographicFront"/>
-      <a:lightRig rig="threePt" dir="t"/>
-    </dgm:scene3d>
-    <dgm:sp3d/>
-    <dgm:txPr/>
-    <dgm:style>
-      <a:lnRef idx="2">
-        <a:scrgbClr r="0" g="0" b="0"/>
-      </a:lnRef>
-      <a:fillRef idx="1">
-        <a:scrgbClr r="0" g="0" b="0"/>
-      </a:fillRef>
-      <a:effectRef idx="0">
-        <a:scrgbClr r="0" g="0" b="0"/>
-      </a:effectRef>
-      <a:fontRef idx="minor">
-        <a:schemeClr val="lt1"/>
-      </a:fontRef>
-    </dgm:style>
-  </dgm:styleLbl>
-  <dgm:styleLbl name="parChTrans2D3">
-    <dgm:scene3d>
-      <a:camera prst="orthographicFront"/>
-      <a:lightRig rig="threePt" dir="t"/>
-    </dgm:scene3d>
-    <dgm:sp3d/>
-    <dgm:txPr/>
-    <dgm:style>
-      <a:lnRef idx="2">
-        <a:scrgbClr r="0" g="0" b="0"/>
-      </a:lnRef>
-      <a:fillRef idx="1">
-        <a:scrgbClr r="0" g="0" b="0"/>
-      </a:fillRef>
-      <a:effectRef idx="0">
-        <a:scrgbClr r="0" g="0" b="0"/>
-      </a:effectRef>
-      <a:fontRef idx="minor">
-        <a:schemeClr val="lt1"/>
-      </a:fontRef>
-    </dgm:style>
-  </dgm:styleLbl>
-  <dgm:styleLbl name="parChTrans2D4">
-    <dgm:scene3d>
-      <a:camera prst="orthographicFront"/>
-      <a:lightRig rig="threePt" dir="t"/>
-    </dgm:scene3d>
-    <dgm:sp3d/>
-    <dgm:txPr/>
-    <dgm:style>
-      <a:lnRef idx="2">
-        <a:scrgbClr r="0" g="0" b="0"/>
-      </a:lnRef>
-      <a:fillRef idx="1">
-        <a:scrgbClr r="0" g="0" b="0"/>
-      </a:fillRef>
-      <a:effectRef idx="0">
-        <a:scrgbClr r="0" g="0" b="0"/>
-      </a:effectRef>
-      <a:fontRef idx="minor">
-        <a:schemeClr val="lt1"/>
-      </a:fontRef>
-    </dgm:style>
-  </dgm:styleLbl>
-  <dgm:styleLbl name="parChTrans1D1">
-    <dgm:scene3d>
-      <a:camera prst="orthographicFront"/>
-      <a:lightRig rig="threePt" dir="t"/>
-    </dgm:scene3d>
-    <dgm:sp3d/>
-    <dgm:txPr/>
-    <dgm:style>
-      <a:lnRef idx="2">
-        <a:scrgbClr r="0" g="0" b="0"/>
-      </a:lnRef>
-      <a:fillRef idx="0">
-        <a:scrgbClr r="0" g="0" b="0"/>
-      </a:fillRef>
-      <a:effectRef idx="0">
-        <a:scrgbClr r="0" g="0" b="0"/>
-      </a:effectRef>
-      <a:fontRef idx="minor"/>
-    </dgm:style>
-  </dgm:styleLbl>
-  <dgm:styleLbl name="parChTrans1D2">
-    <dgm:scene3d>
-      <a:camera prst="orthographicFront"/>
-      <a:lightRig rig="threePt" dir="t"/>
-    </dgm:scene3d>
-    <dgm:sp3d/>
-    <dgm:txPr/>
-    <dgm:style>
-      <a:lnRef idx="2">
-        <a:scrgbClr r="0" g="0" b="0"/>
-      </a:lnRef>
-      <a:fillRef idx="0">
-        <a:scrgbClr r="0" g="0" b="0"/>
-      </a:fillRef>
-      <a:effectRef idx="0">
-        <a:scrgbClr r="0" g="0" b="0"/>
-      </a:effectRef>
-      <a:fontRef idx="minor"/>
-    </dgm:style>
-  </dgm:styleLbl>
-  <dgm:styleLbl name="parChTrans1D3">
-    <dgm:scene3d>
-      <a:camera prst="orthographicFront"/>
-      <a:lightRig rig="threePt" dir="t"/>
-    </dgm:scene3d>
-    <dgm:sp3d/>
-    <dgm:txPr/>
-    <dgm:style>
-      <a:lnRef idx="2">
-        <a:scrgbClr r="0" g="0" b="0"/>
-      </a:lnRef>
-      <a:fillRef idx="0">
-        <a:scrgbClr r="0" g="0" b="0"/>
-      </a:fillRef>
-      <a:effectRef idx="0">
-        <a:scrgbClr r="0" g="0" b="0"/>
-      </a:effectRef>
-      <a:fontRef idx="minor"/>
-    </dgm:style>
-  </dgm:styleLbl>
-  <dgm:styleLbl name="parChTrans1D4">
-    <dgm:scene3d>
-      <a:camera prst="orthographicFront"/>
-      <a:lightRig rig="threePt" dir="t"/>
-    </dgm:scene3d>
-    <dgm:sp3d/>
-    <dgm:txPr/>
-    <dgm:style>
-      <a:lnRef idx="2">
-        <a:scrgbClr r="0" g="0" b="0"/>
-      </a:lnRef>
-      <a:fillRef idx="0">
-        <a:scrgbClr r="0" g="0" b="0"/>
-      </a:fillRef>
-      <a:effectRef idx="0">
-        <a:scrgbClr r="0" g="0" b="0"/>
-      </a:effectRef>
-      <a:fontRef idx="minor"/>
-    </dgm:style>
-  </dgm:styleLbl>
-  <dgm:styleLbl name="fgAcc1">
-    <dgm:scene3d>
-      <a:camera prst="orthographicFront"/>
-      <a:lightRig rig="threePt" dir="t"/>
-    </dgm:scene3d>
-    <dgm:sp3d/>
-    <dgm:txPr/>
-    <dgm:style>
-      <a:lnRef idx="2">
-        <a:scrgbClr r="0" g="0" b="0"/>
-      </a:lnRef>
-      <a:fillRef idx="1">
-        <a:scrgbClr r="0" g="0" b="0"/>
-      </a:fillRef>
-      <a:effectRef idx="0">
-        <a:scrgbClr r="0" g="0" b="0"/>
-      </a:effectRef>
-      <a:fontRef idx="minor"/>
-    </dgm:style>
-  </dgm:styleLbl>
-  <dgm:styleLbl name="conFgAcc1">
-    <dgm:scene3d>
-      <a:camera prst="orthographicFront"/>
-      <a:lightRig rig="threePt" dir="t"/>
-    </dgm:scene3d>
-    <dgm:sp3d/>
-    <dgm:txPr/>
-    <dgm:style>
-      <a:lnRef idx="2">
-        <a:scrgbClr r="0" g="0" b="0"/>
-      </a:lnRef>
-      <a:fillRef idx="1">
-        <a:scrgbClr r="0" g="0" b="0"/>
-      </a:fillRef>
-      <a:effectRef idx="0">
-        <a:scrgbClr r="0" g="0" b="0"/>
-      </a:effectRef>
-      <a:fontRef idx="minor"/>
-    </dgm:style>
-  </dgm:styleLbl>
-  <dgm:styleLbl name="alignAcc1">
-    <dgm:scene3d>
-      <a:camera prst="orthographicFront"/>
-      <a:lightRig rig="threePt" dir="t"/>
-    </dgm:scene3d>
-    <dgm:sp3d/>
-    <dgm:txPr/>
-    <dgm:style>
-      <a:lnRef idx="2">
-        <a:scrgbClr r="0" g="0" b="0"/>
-      </a:lnRef>
-      <a:fillRef idx="1">
-        <a:scrgbClr r="0" g="0" b="0"/>
-      </a:fillRef>
-      <a:effectRef idx="0">
-        <a:scrgbClr r="0" g="0" b="0"/>
-      </a:effectRef>
-      <a:fontRef idx="minor"/>
-    </dgm:style>
-  </dgm:styleLbl>
-  <dgm:styleLbl name="trAlignAcc1">
-    <dgm:scene3d>
-      <a:camera prst="orthographicFront"/>
-      <a:lightRig rig="threePt" dir="t"/>
-    </dgm:scene3d>
-    <dgm:sp3d/>
-    <dgm:txPr/>
-    <dgm:style>
-      <a:lnRef idx="1">
-        <a:scrgbClr r="0" g="0" b="0"/>
-      </a:lnRef>
-      <a:fillRef idx="1">
-        <a:scrgbClr r="0" g="0" b="0"/>
-      </a:fillRef>
-      <a:effectRef idx="0">
-        <a:scrgbClr r="0" g="0" b="0"/>
-      </a:effectRef>
-      <a:fontRef idx="minor"/>
-    </dgm:style>
-  </dgm:styleLbl>
-  <dgm:styleLbl name="bgAcc1">
-    <dgm:scene3d>
-      <a:camera prst="orthographicFront"/>
-      <a:lightRig rig="threePt" dir="t"/>
-    </dgm:scene3d>
-    <dgm:sp3d/>
-    <dgm:txPr/>
-    <dgm:style>
-      <a:lnRef idx="2">
-        <a:scrgbClr r="0" g="0" b="0"/>
-      </a:lnRef>
-      <a:fillRef idx="1">
-        <a:scrgbClr r="0" g="0" b="0"/>
-      </a:fillRef>
-      <a:effectRef idx="0">
-        <a:scrgbClr r="0" g="0" b="0"/>
-      </a:effectRef>
-      <a:fontRef idx="minor"/>
-    </dgm:style>
-  </dgm:styleLbl>
-  <dgm:styleLbl name="solidFgAcc1">
-    <dgm:scene3d>
-      <a:camera prst="orthographicFront"/>
-      <a:lightRig rig="threePt" dir="t"/>
-    </dgm:scene3d>
-    <dgm:sp3d/>
-    <dgm:txPr/>
-    <dgm:style>
-      <a:lnRef idx="2">
-        <a:scrgbClr r="0" g="0" b="0"/>
-      </a:lnRef>
-      <a:fillRef idx="1">
-        <a:scrgbClr r="0" g="0" b="0"/>
-      </a:fillRef>
-      <a:effectRef idx="0">
-        <a:scrgbClr r="0" g="0" b="0"/>
-      </a:effectRef>
-      <a:fontRef idx="minor"/>
-    </dgm:style>
-  </dgm:styleLbl>
-  <dgm:styleLbl name="solidAlignAcc1">
-    <dgm:scene3d>
-      <a:camera prst="orthographicFront"/>
-      <a:lightRig rig="threePt" dir="t"/>
-    </dgm:scene3d>
-    <dgm:sp3d/>
-    <dgm:txPr/>
-    <dgm:style>
-      <a:lnRef idx="2">
-        <a:scrgbClr r="0" g="0" b="0"/>
-      </a:lnRef>
-      <a:fillRef idx="1">
-        <a:scrgbClr r="0" g="0" b="0"/>
-      </a:fillRef>
-      <a:effectRef idx="0">
-        <a:scrgbClr r="0" g="0" b="0"/>
-      </a:effectRef>
-      <a:fontRef idx="minor"/>
-    </dgm:style>
-  </dgm:styleLbl>
-  <dgm:styleLbl name="solidBgAcc1">
-    <dgm:scene3d>
-      <a:camera prst="orthographicFront"/>
-      <a:lightRig rig="threePt" dir="t"/>
-    </dgm:scene3d>
-    <dgm:sp3d/>
-    <dgm:txPr/>
-    <dgm:style>
-      <a:lnRef idx="2">
-        <a:scrgbClr r="0" g="0" b="0"/>
-      </a:lnRef>
-      <a:fillRef idx="1">
-        <a:scrgbClr r="0" g="0" b="0"/>
-      </a:fillRef>
-      <a:effectRef idx="0">
-        <a:scrgbClr r="0" g="0" b="0"/>
-      </a:effectRef>
-      <a:fontRef idx="minor"/>
-    </dgm:style>
-  </dgm:styleLbl>
-  <dgm:styleLbl name="fgAccFollowNode1">
-    <dgm:scene3d>
-      <a:camera prst="orthographicFront"/>
-      <a:lightRig rig="threePt" dir="t"/>
-    </dgm:scene3d>
-    <dgm:sp3d/>
-    <dgm:txPr/>
-    <dgm:style>
-      <a:lnRef idx="2">
-        <a:scrgbClr r="0" g="0" b="0"/>
-      </a:lnRef>
-      <a:fillRef idx="1">
-        <a:scrgbClr r="0" g="0" b="0"/>
-      </a:fillRef>
-      <a:effectRef idx="0">
-        <a:scrgbClr r="0" g="0" b="0"/>
-      </a:effectRef>
-      <a:fontRef idx="minor"/>
-    </dgm:style>
-  </dgm:styleLbl>
-  <dgm:styleLbl name="alignAccFollowNode1">
-    <dgm:scene3d>
-      <a:camera prst="orthographicFront"/>
-      <a:lightRig rig="threePt" dir="t"/>
-    </dgm:scene3d>
-    <dgm:sp3d/>
-    <dgm:txPr/>
-    <dgm:style>
-      <a:lnRef idx="2">
-        <a:scrgbClr r="0" g="0" b="0"/>
-      </a:lnRef>
-      <a:fillRef idx="1">
-        <a:scrgbClr r="0" g="0" b="0"/>
-      </a:fillRef>
-      <a:effectRef idx="0">
-        <a:scrgbClr r="0" g="0" b="0"/>
-      </a:effectRef>
-      <a:fontRef idx="minor"/>
-    </dgm:style>
-  </dgm:styleLbl>
-  <dgm:styleLbl name="bgAccFollowNode1">
-    <dgm:scene3d>
-      <a:camera prst="orthographicFront"/>
-      <a:lightRig rig="threePt" dir="t"/>
-    </dgm:scene3d>
-    <dgm:sp3d/>
-    <dgm:txPr/>
-    <dgm:style>
-      <a:lnRef idx="2">
-        <a:scrgbClr r="0" g="0" b="0"/>
-      </a:lnRef>
-      <a:fillRef idx="1">
-        <a:scrgbClr r="0" g="0" b="0"/>
-      </a:fillRef>
-      <a:effectRef idx="0">
-        <a:scrgbClr r="0" g="0" b="0"/>
-      </a:effectRef>
-      <a:fontRef idx="minor"/>
-    </dgm:style>
-  </dgm:styleLbl>
-  <dgm:styleLbl name="fgAcc0">
-    <dgm:scene3d>
-      <a:camera prst="orthographicFront"/>
-      <a:lightRig rig="threePt" dir="t"/>
-    </dgm:scene3d>
-    <dgm:sp3d/>
-    <dgm:txPr/>
-    <dgm:style>
-      <a:lnRef idx="2">
-        <a:scrgbClr r="0" g="0" b="0"/>
-      </a:lnRef>
-      <a:fillRef idx="1">
-        <a:scrgbClr r="0" g="0" b="0"/>
-      </a:fillRef>
-      <a:effectRef idx="0">
-        <a:scrgbClr r="0" g="0" b="0"/>
-      </a:effectRef>
-      <a:fontRef idx="minor"/>
-    </dgm:style>
-  </dgm:styleLbl>
-  <dgm:styleLbl name="fgAcc2">
-    <dgm:scene3d>
-      <a:camera prst="orthographicFront"/>
-      <a:lightRig rig="threePt" dir="t"/>
-    </dgm:scene3d>
-    <dgm:sp3d/>
-    <dgm:txPr/>
-    <dgm:style>
-      <a:lnRef idx="2">
-        <a:scrgbClr r="0" g="0" b="0"/>
-      </a:lnRef>
-      <a:fillRef idx="1">
-        <a:scrgbClr r="0" g="0" b="0"/>
-      </a:fillRef>
-      <a:effectRef idx="0">
-        <a:scrgbClr r="0" g="0" b="0"/>
-      </a:effectRef>
-      <a:fontRef idx="minor"/>
-    </dgm:style>
-  </dgm:styleLbl>
-  <dgm:styleLbl name="fgAcc3">
-    <dgm:scene3d>
-      <a:camera prst="orthographicFront"/>
-      <a:lightRig rig="threePt" dir="t"/>
-    </dgm:scene3d>
-    <dgm:sp3d/>
-    <dgm:txPr/>
-    <dgm:style>
-      <a:lnRef idx="2">
-        <a:scrgbClr r="0" g="0" b="0"/>
-      </a:lnRef>
-      <a:fillRef idx="1">
-        <a:scrgbClr r="0" g="0" b="0"/>
-      </a:fillRef>
-      <a:effectRef idx="0">
-        <a:scrgbClr r="0" g="0" b="0"/>
-      </a:effectRef>
-      <a:fontRef idx="minor"/>
-    </dgm:style>
-  </dgm:styleLbl>
-  <dgm:styleLbl name="fgAcc4">
-    <dgm:scene3d>
-      <a:camera prst="orthographicFront"/>
-      <a:lightRig rig="threePt" dir="t"/>
-    </dgm:scene3d>
-    <dgm:sp3d/>
-    <dgm:txPr/>
-    <dgm:style>
-      <a:lnRef idx="2">
-        <a:scrgbClr r="0" g="0" b="0"/>
-      </a:lnRef>
-      <a:fillRef idx="1">
-        <a:scrgbClr r="0" g="0" b="0"/>
-      </a:fillRef>
-      <a:effectRef idx="0">
-        <a:scrgbClr r="0" g="0" b="0"/>
-      </a:effectRef>
-      <a:fontRef idx="minor"/>
-    </dgm:style>
-  </dgm:styleLbl>
-  <dgm:styleLbl name="bgShp">
-    <dgm:scene3d>
-      <a:camera prst="orthographicFront"/>
-      <a:lightRig rig="threePt" dir="t"/>
-    </dgm:scene3d>
-    <dgm:sp3d/>
-    <dgm:txPr/>
-    <dgm:style>
-      <a:lnRef idx="0">
-        <a:scrgbClr r="0" g="0" b="0"/>
-      </a:lnRef>
-      <a:fillRef idx="1">
-        <a:scrgbClr r="0" g="0" b="0"/>
-      </a:fillRef>
-      <a:effectRef idx="0">
-        <a:scrgbClr r="0" g="0" b="0"/>
-      </a:effectRef>
-      <a:fontRef idx="minor"/>
-    </dgm:style>
-  </dgm:styleLbl>
-  <dgm:styleLbl name="dkBgShp">
-    <dgm:scene3d>
-      <a:camera prst="orthographicFront"/>
-      <a:lightRig rig="threePt" dir="t"/>
-    </dgm:scene3d>
-    <dgm:sp3d/>
-    <dgm:txPr/>
-    <dgm:style>
-      <a:lnRef idx="0">
-        <a:scrgbClr r="0" g="0" b="0"/>
-      </a:lnRef>
-      <a:fillRef idx="1">
-        <a:scrgbClr r="0" g="0" b="0"/>
-      </a:fillRef>
-      <a:effectRef idx="0">
-        <a:scrgbClr r="0" g="0" b="0"/>
-      </a:effectRef>
-      <a:fontRef idx="minor"/>
-    </dgm:style>
-  </dgm:styleLbl>
-  <dgm:styleLbl name="trBgShp">
-    <dgm:scene3d>
-      <a:camera prst="orthographicFront"/>
-      <a:lightRig rig="threePt" dir="t"/>
-    </dgm:scene3d>
-    <dgm:sp3d/>
-    <dgm:txPr/>
-    <dgm:style>
-      <a:lnRef idx="0">
-        <a:scrgbClr r="0" g="0" b="0"/>
-      </a:lnRef>
-      <a:fillRef idx="1">
-        <a:scrgbClr r="0" g="0" b="0"/>
-      </a:fillRef>
-      <a:effectRef idx="0">
-        <a:scrgbClr r="0" g="0" b="0"/>
-      </a:effectRef>
-      <a:fontRef idx="minor"/>
-    </dgm:style>
-  </dgm:styleLbl>
-  <dgm:styleLbl name="fgShp">
-    <dgm:scene3d>
-      <a:camera prst="orthographicFront"/>
-      <a:lightRig rig="threePt" dir="t"/>
-    </dgm:scene3d>
-    <dgm:sp3d/>
-    <dgm:txPr/>
-    <dgm:style>
-      <a:lnRef idx="2">
-        <a:scrgbClr r="0" g="0" b="0"/>
-      </a:lnRef>
-      <a:fillRef idx="1">
-        <a:scrgbClr r="0" g="0" b="0"/>
-      </a:fillRef>
-      <a:effectRef idx="0">
-        <a:scrgbClr r="0" g="0" b="0"/>
-      </a:effectRef>
-      <a:fontRef idx="minor"/>
-    </dgm:style>
-  </dgm:styleLbl>
-  <dgm:styleLbl name="revTx">
-    <dgm:scene3d>
-      <a:camera prst="orthographicFront"/>
-      <a:lightRig rig="threePt" dir="t"/>
-    </dgm:scene3d>
-    <dgm:sp3d/>
-    <dgm:txPr/>
-    <dgm:style>
-      <a:lnRef idx="0">
-        <a:scrgbClr r="0" g="0" b="0"/>
-      </a:lnRef>
-      <a:fillRef idx="0">
-        <a:scrgbClr r="0" g="0" b="0"/>
-      </a:fillRef>
-      <a:effectRef idx="0">
-        <a:scrgbClr r="0" g="0" b="0"/>
-      </a:effectRef>
-      <a:fontRef idx="minor"/>
-    </dgm:style>
-  </dgm:styleLbl>
-</dgm:styleDef>
+      </p:grpSpPr>
+      <p:sp>
+        <p:nvSpPr>
+          <p:cNvPr id="2" name="Slide Image Placeholder 1"/>
+          <p:cNvSpPr>
+            <a:spLocks noGrp="1" noRot="1" noChangeAspect="1"/>
+          </p:cNvSpPr>
+          <p:nvPr>
+            <p:ph type="sldImg"/>
+          </p:nvPr>
+        </p:nvSpPr>
+        <p:spPr/>
+      </p:sp>
+      <p:sp>
+        <p:nvSpPr>
+          <p:cNvPr id="3" name="Notes Placeholder 2"/>
+          <p:cNvSpPr>
+            <a:spLocks noGrp="1"/>
+          </p:cNvSpPr>
+          <p:nvPr>
+            <p:ph type="body" idx="1"/>
+          </p:nvPr>
+        </p:nvSpPr>
+        <p:spPr/>
+        <p:txBody>
+          <a:bodyPr/>
+          <a:lstStyle/>
+          <a:p>
+            <a:endParaRPr lang="en-US" dirty="0"/>
+          </a:p>
+        </p:txBody>
+      </p:sp>
+      <p:sp>
+        <p:nvSpPr>
+          <p:cNvPr id="4" name="Slide Number Placeholder 3"/>
+          <p:cNvSpPr>
+            <a:spLocks noGrp="1"/>
+          </p:cNvSpPr>
+          <p:nvPr>
+            <p:ph type="sldNum" sz="quarter" idx="5"/>
+          </p:nvPr>
+        </p:nvSpPr>
+        <p:spPr/>
+        <p:txBody>
+          <a:bodyPr/>
+          <a:lstStyle/>
+          <a:p>
+            <a:fld id="{3548CD8E-B8A6-474A-82BA-24115FF43DF3}" type="slidenum">
+              <a:rPr lang="en-US" smtClean="0"/>
+              <a:t>10</a:t>
+            </a:fld>
+            <a:endParaRPr lang="en-US"/>
+          </a:p>
+        </p:txBody>
+      </p:sp>
+    </p:spTree>
+    <p:extLst>
+      <p:ext uri="{BB962C8B-B14F-4D97-AF65-F5344CB8AC3E}">
+        <p14:creationId xmlns:p14="http://schemas.microsoft.com/office/powerpoint/2010/main" val="365282593"/>
+      </p:ext>
+    </p:extLst>
+  </p:cSld>
+  <p:clrMapOvr>
+    <a:masterClrMapping/>
+  </p:clrMapOvr>
+</p:notes>
 </file>
 
 <file path=ppt/slideLayouts/slideLayout1.xml><?xml version="1.0" encoding="utf-8"?>
@@ -3359,7 +755,7 @@
           <a:p>
             <a:fld id="{5BCAD085-E8A6-8845-BD4E-CB4CCA059FC4}" type="datetimeFigureOut">
               <a:rPr lang="en-US" smtClean="0"/>
-              <a:t>4/11/2025</a:t>
+              <a:t>5/3/2025</a:t>
             </a:fld>
             <a:endParaRPr lang="en-US"/>
           </a:p>
@@ -3634,7 +1030,7 @@
           <a:p>
             <a:fld id="{5BCAD085-E8A6-8845-BD4E-CB4CCA059FC4}" type="datetimeFigureOut">
               <a:rPr lang="en-US" smtClean="0"/>
-              <a:t>4/11/2025</a:t>
+              <a:t>5/3/2025</a:t>
             </a:fld>
             <a:endParaRPr lang="en-US"/>
           </a:p>
@@ -3828,7 +1224,7 @@
           <a:p>
             <a:fld id="{5BCAD085-E8A6-8845-BD4E-CB4CCA059FC4}" type="datetimeFigureOut">
               <a:rPr lang="en-US" smtClean="0"/>
-              <a:t>4/11/2025</a:t>
+              <a:t>5/3/2025</a:t>
             </a:fld>
             <a:endParaRPr lang="en-US"/>
           </a:p>
@@ -4096,7 +1492,7 @@
           <a:p>
             <a:fld id="{5BCAD085-E8A6-8845-BD4E-CB4CCA059FC4}" type="datetimeFigureOut">
               <a:rPr lang="en-US" smtClean="0"/>
-              <a:t>4/11/2025</a:t>
+              <a:t>5/3/2025</a:t>
             </a:fld>
             <a:endParaRPr lang="en-US"/>
           </a:p>
@@ -4428,7 +1824,7 @@
           <a:p>
             <a:fld id="{5BCAD085-E8A6-8845-BD4E-CB4CCA059FC4}" type="datetimeFigureOut">
               <a:rPr lang="en-US" smtClean="0"/>
-              <a:t>4/11/2025</a:t>
+              <a:t>5/3/2025</a:t>
             </a:fld>
             <a:endParaRPr lang="en-US"/>
           </a:p>
@@ -5038,7 +2434,7 @@
           <a:p>
             <a:fld id="{5BCAD085-E8A6-8845-BD4E-CB4CCA059FC4}" type="datetimeFigureOut">
               <a:rPr lang="en-US" smtClean="0"/>
-              <a:t>4/11/2025</a:t>
+              <a:t>5/3/2025</a:t>
             </a:fld>
             <a:endParaRPr lang="en-US"/>
           </a:p>
@@ -5885,7 +3281,7 @@
           <a:p>
             <a:fld id="{5BCAD085-E8A6-8845-BD4E-CB4CCA059FC4}" type="datetimeFigureOut">
               <a:rPr lang="en-US" smtClean="0"/>
-              <a:t>4/11/2025</a:t>
+              <a:t>5/3/2025</a:t>
             </a:fld>
             <a:endParaRPr lang="en-US"/>
           </a:p>
@@ -6055,7 +3451,7 @@
           <a:p>
             <a:fld id="{5BCAD085-E8A6-8845-BD4E-CB4CCA059FC4}" type="datetimeFigureOut">
               <a:rPr lang="en-US" smtClean="0"/>
-              <a:t>4/11/2025</a:t>
+              <a:t>5/3/2025</a:t>
             </a:fld>
             <a:endParaRPr lang="en-US"/>
           </a:p>
@@ -6235,7 +3631,7 @@
           <a:p>
             <a:fld id="{5BCAD085-E8A6-8845-BD4E-CB4CCA059FC4}" type="datetimeFigureOut">
               <a:rPr lang="en-US" smtClean="0"/>
-              <a:t>4/11/2025</a:t>
+              <a:t>5/3/2025</a:t>
             </a:fld>
             <a:endParaRPr lang="en-US"/>
           </a:p>
@@ -6405,7 +3801,7 @@
           <a:p>
             <a:fld id="{5BCAD085-E8A6-8845-BD4E-CB4CCA059FC4}" type="datetimeFigureOut">
               <a:rPr lang="en-US" smtClean="0"/>
-              <a:t>4/11/2025</a:t>
+              <a:t>5/3/2025</a:t>
             </a:fld>
             <a:endParaRPr lang="en-US"/>
           </a:p>
@@ -6649,7 +4045,7 @@
           <a:p>
             <a:fld id="{5BCAD085-E8A6-8845-BD4E-CB4CCA059FC4}" type="datetimeFigureOut">
               <a:rPr lang="en-US" smtClean="0"/>
-              <a:t>4/11/2025</a:t>
+              <a:t>5/3/2025</a:t>
             </a:fld>
             <a:endParaRPr lang="en-US"/>
           </a:p>
@@ -6941,7 +4337,7 @@
           <a:p>
             <a:fld id="{5BCAD085-E8A6-8845-BD4E-CB4CCA059FC4}" type="datetimeFigureOut">
               <a:rPr lang="en-US" smtClean="0"/>
-              <a:t>4/11/2025</a:t>
+              <a:t>5/3/2025</a:t>
             </a:fld>
             <a:endParaRPr lang="en-US"/>
           </a:p>
@@ -7379,7 +4775,7 @@
           <a:p>
             <a:fld id="{5BCAD085-E8A6-8845-BD4E-CB4CCA059FC4}" type="datetimeFigureOut">
               <a:rPr lang="en-US" smtClean="0"/>
-              <a:t>4/11/2025</a:t>
+              <a:t>5/3/2025</a:t>
             </a:fld>
             <a:endParaRPr lang="en-US"/>
           </a:p>
@@ -7497,7 +4893,7 @@
           <a:p>
             <a:fld id="{5BCAD085-E8A6-8845-BD4E-CB4CCA059FC4}" type="datetimeFigureOut">
               <a:rPr lang="en-US" smtClean="0"/>
-              <a:t>4/11/2025</a:t>
+              <a:t>5/3/2025</a:t>
             </a:fld>
             <a:endParaRPr lang="en-US"/>
           </a:p>
@@ -7592,7 +4988,7 @@
           <a:p>
             <a:fld id="{5BCAD085-E8A6-8845-BD4E-CB4CCA059FC4}" type="datetimeFigureOut">
               <a:rPr lang="en-US" smtClean="0"/>
-              <a:t>4/11/2025</a:t>
+              <a:t>5/3/2025</a:t>
             </a:fld>
             <a:endParaRPr lang="en-US"/>
           </a:p>
@@ -7871,7 +5267,7 @@
           <a:p>
             <a:fld id="{5BCAD085-E8A6-8845-BD4E-CB4CCA059FC4}" type="datetimeFigureOut">
               <a:rPr lang="en-US" smtClean="0"/>
-              <a:t>4/11/2025</a:t>
+              <a:t>5/3/2025</a:t>
             </a:fld>
             <a:endParaRPr lang="en-US"/>
           </a:p>
@@ -8146,7 +5542,7 @@
           <a:p>
             <a:fld id="{5BCAD085-E8A6-8845-BD4E-CB4CCA059FC4}" type="datetimeFigureOut">
               <a:rPr lang="en-US" smtClean="0"/>
-              <a:t>4/11/2025</a:t>
+              <a:t>5/3/2025</a:t>
             </a:fld>
             <a:endParaRPr lang="en-US"/>
           </a:p>
@@ -8711,7 +6107,7 @@
           <a:p>
             <a:fld id="{5BCAD085-E8A6-8845-BD4E-CB4CCA059FC4}" type="datetimeFigureOut">
               <a:rPr lang="en-US" smtClean="0"/>
-              <a:t>4/11/2025</a:t>
+              <a:t>5/3/2025</a:t>
             </a:fld>
             <a:endParaRPr lang="en-US"/>
           </a:p>
@@ -9750,6 +7146,723 @@
 <file path=ppt/slides/slide10.xml><?xml version="1.0" encoding="utf-8"?>
 <p:sld xmlns:a="http://schemas.openxmlformats.org/drawingml/2006/main" xmlns:r="http://schemas.openxmlformats.org/officeDocument/2006/relationships" xmlns:p="http://schemas.openxmlformats.org/presentationml/2006/main">
   <p:cSld>
+    <p:spTree>
+      <p:nvGrpSpPr>
+        <p:cNvPr id="1" name=""/>
+        <p:cNvGrpSpPr/>
+        <p:nvPr/>
+      </p:nvGrpSpPr>
+      <p:grpSpPr>
+        <a:xfrm>
+          <a:off x="0" y="0"/>
+          <a:ext cx="0" cy="0"/>
+          <a:chOff x="0" y="0"/>
+          <a:chExt cx="0" cy="0"/>
+        </a:xfrm>
+      </p:grpSpPr>
+      <p:sp>
+        <p:nvSpPr>
+          <p:cNvPr id="4" name="Rectangle 1">
+            <a:extLst>
+              <a:ext uri="{FF2B5EF4-FFF2-40B4-BE49-F238E27FC236}">
+                <a16:creationId xmlns:a16="http://schemas.microsoft.com/office/drawing/2014/main" id="{929111ED-FB3A-56A5-34E6-2C5B0FBED6EC}"/>
+              </a:ext>
+            </a:extLst>
+          </p:cNvPr>
+          <p:cNvSpPr>
+            <a:spLocks noGrp="1" noChangeArrowheads="1"/>
+          </p:cNvSpPr>
+          <p:nvPr>
+            <p:ph idx="1"/>
+          </p:nvPr>
+        </p:nvSpPr>
+        <p:spPr bwMode="auto">
+          <a:xfrm>
+            <a:off x="726100" y="664966"/>
+            <a:ext cx="7160600" cy="3600986"/>
+          </a:xfrm>
+          <a:prstGeom prst="rect">
+            <a:avLst/>
+          </a:prstGeom>
+          <a:noFill/>
+          <a:ln>
+            <a:noFill/>
+          </a:ln>
+          <a:effectLst/>
+          <a:extLst>
+            <a:ext uri="{909E8E84-426E-40DD-AFC4-6F175D3DCCD1}">
+              <a14:hiddenFill xmlns:a14="http://schemas.microsoft.com/office/drawing/2010/main">
+                <a:solidFill>
+                  <a:schemeClr val="accent1"/>
+                </a:solidFill>
+              </a14:hiddenFill>
+            </a:ext>
+            <a:ext uri="{91240B29-F687-4F45-9708-019B960494DF}">
+              <a14:hiddenLine xmlns:a14="http://schemas.microsoft.com/office/drawing/2010/main" w="9525">
+                <a:solidFill>
+                  <a:schemeClr val="tx1"/>
+                </a:solidFill>
+                <a:miter lim="800000"/>
+                <a:headEnd/>
+                <a:tailEnd/>
+              </a14:hiddenLine>
+            </a:ext>
+            <a:ext uri="{AF507438-7753-43E0-B8FC-AC1667EBCBE1}">
+              <a14:hiddenEffects xmlns:a14="http://schemas.microsoft.com/office/drawing/2010/main">
+                <a:effectLst>
+                  <a:outerShdw dist="35921" dir="2700000" algn="ctr" rotWithShape="0">
+                    <a:schemeClr val="bg2"/>
+                  </a:outerShdw>
+                </a:effectLst>
+              </a14:hiddenEffects>
+            </a:ext>
+          </a:extLst>
+        </p:spPr>
+        <p:txBody>
+          <a:bodyPr vert="horz" wrap="square" lIns="91440" tIns="45720" rIns="91440" bIns="45720" numCol="1" anchor="ctr" anchorCtr="0" compatLnSpc="1">
+            <a:prstTxWarp prst="textNoShape">
+              <a:avLst/>
+            </a:prstTxWarp>
+            <a:spAutoFit/>
+          </a:bodyPr>
+          <a:lstStyle/>
+          <a:p>
+            <a:pPr marL="0" marR="0" lvl="0" indent="0" algn="l" defTabSz="914400" rtl="0" eaLnBrk="0" fontAlgn="base" latinLnBrk="0" hangingPunct="0">
+              <a:lnSpc>
+                <a:spcPct val="100000"/>
+              </a:lnSpc>
+              <a:spcBef>
+                <a:spcPct val="0"/>
+              </a:spcBef>
+              <a:spcAft>
+                <a:spcPct val="0"/>
+              </a:spcAft>
+              <a:buClrTx/>
+              <a:buSzTx/>
+              <a:buFontTx/>
+              <a:buNone/>
+              <a:tabLst/>
+            </a:pPr>
+            <a:r>
+              <a:rPr kumimoji="0" lang="en-US" altLang="en-US" sz="1800" b="0" i="0" u="none" strike="noStrike" cap="none" normalizeH="0" baseline="0" dirty="0">
+                <a:ln>
+                  <a:noFill/>
+                </a:ln>
+                <a:solidFill>
+                  <a:schemeClr val="tx1"/>
+                </a:solidFill>
+                <a:effectLst/>
+                <a:latin typeface="Arial" panose="020B0604020202020204" pitchFamily="34" charset="0"/>
+              </a:rPr>
+              <a:t>For </a:t>
+            </a:r>
+            <a:r>
+              <a:rPr kumimoji="0" lang="en-US" altLang="en-US" sz="1800" b="0" i="0" u="none" strike="noStrike" cap="none" normalizeH="0" baseline="0" dirty="0" err="1">
+                <a:ln>
+                  <a:noFill/>
+                </a:ln>
+                <a:solidFill>
+                  <a:schemeClr val="tx1"/>
+                </a:solidFill>
+                <a:effectLst/>
+                <a:latin typeface="Arial" panose="020B0604020202020204" pitchFamily="34" charset="0"/>
+              </a:rPr>
+              <a:t>XGBoost</a:t>
+            </a:r>
+            <a:r>
+              <a:rPr kumimoji="0" lang="en-US" altLang="en-US" sz="1800" b="0" i="0" u="none" strike="noStrike" cap="none" normalizeH="0" baseline="0" dirty="0">
+                <a:ln>
+                  <a:noFill/>
+                </a:ln>
+                <a:solidFill>
+                  <a:schemeClr val="tx1"/>
+                </a:solidFill>
+                <a:effectLst/>
+                <a:latin typeface="Arial" panose="020B0604020202020204" pitchFamily="34" charset="0"/>
+              </a:rPr>
+              <a:t>:</a:t>
+            </a:r>
+            <a:endParaRPr kumimoji="0" lang="en-US" altLang="en-US" sz="1000" b="0" i="0" u="none" strike="noStrike" cap="none" normalizeH="0" baseline="0" dirty="0">
+              <a:ln>
+                <a:noFill/>
+              </a:ln>
+              <a:solidFill>
+                <a:schemeClr val="tx1"/>
+              </a:solidFill>
+              <a:effectLst/>
+              <a:latin typeface="Arial Unicode MS"/>
+            </a:endParaRPr>
+          </a:p>
+          <a:p>
+            <a:pPr marL="0" marR="0" lvl="0" indent="0" algn="l" defTabSz="914400" rtl="0" eaLnBrk="0" fontAlgn="base" latinLnBrk="0" hangingPunct="0">
+              <a:lnSpc>
+                <a:spcPct val="100000"/>
+              </a:lnSpc>
+              <a:spcBef>
+                <a:spcPct val="0"/>
+              </a:spcBef>
+              <a:spcAft>
+                <a:spcPct val="0"/>
+              </a:spcAft>
+              <a:buClrTx/>
+              <a:buSzTx/>
+              <a:buFontTx/>
+              <a:buNone/>
+              <a:tabLst/>
+            </a:pPr>
+            <a:r>
+              <a:rPr kumimoji="0" lang="en-US" altLang="en-US" sz="1800" b="0" i="0" u="none" strike="noStrike" cap="none" normalizeH="0" baseline="0" dirty="0">
+                <a:ln>
+                  <a:noFill/>
+                </a:ln>
+                <a:solidFill>
+                  <a:schemeClr val="tx1"/>
+                </a:solidFill>
+                <a:effectLst/>
+                <a:latin typeface="Arial Unicode MS"/>
+              </a:rPr>
+              <a:t>python</a:t>
+            </a:r>
+          </a:p>
+          <a:p>
+            <a:pPr marL="0" marR="0" lvl="0" indent="0" algn="l" defTabSz="914400" rtl="0" eaLnBrk="0" fontAlgn="base" latinLnBrk="0" hangingPunct="0">
+              <a:lnSpc>
+                <a:spcPct val="100000"/>
+              </a:lnSpc>
+              <a:spcBef>
+                <a:spcPct val="0"/>
+              </a:spcBef>
+              <a:spcAft>
+                <a:spcPct val="0"/>
+              </a:spcAft>
+              <a:buClrTx/>
+              <a:buSzTx/>
+              <a:buFontTx/>
+              <a:buNone/>
+              <a:tabLst/>
+            </a:pPr>
+            <a:r>
+              <a:rPr kumimoji="0" lang="en-US" altLang="en-US" sz="1800" b="0" i="0" u="none" strike="noStrike" cap="none" normalizeH="0" baseline="0" dirty="0">
+                <a:ln>
+                  <a:noFill/>
+                </a:ln>
+                <a:solidFill>
+                  <a:schemeClr val="tx1"/>
+                </a:solidFill>
+                <a:effectLst/>
+                <a:latin typeface="Arial Unicode MS"/>
+              </a:rPr>
+              <a:t>from </a:t>
+            </a:r>
+            <a:r>
+              <a:rPr kumimoji="0" lang="en-US" altLang="en-US" sz="1800" b="0" i="0" u="none" strike="noStrike" cap="none" normalizeH="0" baseline="0" dirty="0" err="1">
+                <a:ln>
+                  <a:noFill/>
+                </a:ln>
+                <a:solidFill>
+                  <a:schemeClr val="tx1"/>
+                </a:solidFill>
+                <a:effectLst/>
+                <a:latin typeface="Arial Unicode MS"/>
+              </a:rPr>
+              <a:t>xgboost</a:t>
+            </a:r>
+            <a:r>
+              <a:rPr kumimoji="0" lang="en-US" altLang="en-US" sz="1800" b="0" i="0" u="none" strike="noStrike" cap="none" normalizeH="0" baseline="0" dirty="0">
+                <a:ln>
+                  <a:noFill/>
+                </a:ln>
+                <a:solidFill>
+                  <a:schemeClr val="tx1"/>
+                </a:solidFill>
+                <a:effectLst/>
+                <a:latin typeface="Arial Unicode MS"/>
+              </a:rPr>
+              <a:t> import </a:t>
+            </a:r>
+            <a:r>
+              <a:rPr kumimoji="0" lang="en-US" altLang="en-US" sz="1800" b="0" i="0" u="none" strike="noStrike" cap="none" normalizeH="0" baseline="0" dirty="0" err="1">
+                <a:ln>
+                  <a:noFill/>
+                </a:ln>
+                <a:solidFill>
+                  <a:schemeClr val="tx1"/>
+                </a:solidFill>
+                <a:effectLst/>
+                <a:latin typeface="Arial Unicode MS"/>
+              </a:rPr>
+              <a:t>XGBClassifier</a:t>
+            </a:r>
+            <a:r>
+              <a:rPr kumimoji="0" lang="en-US" altLang="en-US" sz="1800" b="0" i="0" u="none" strike="noStrike" cap="none" normalizeH="0" baseline="0" dirty="0">
+                <a:ln>
+                  <a:noFill/>
+                </a:ln>
+                <a:solidFill>
+                  <a:schemeClr val="tx1"/>
+                </a:solidFill>
+                <a:effectLst/>
+                <a:latin typeface="Arial Unicode MS"/>
+              </a:rPr>
+              <a:t> model = </a:t>
+            </a:r>
+            <a:r>
+              <a:rPr kumimoji="0" lang="en-US" altLang="en-US" sz="1800" b="0" i="0" u="none" strike="noStrike" cap="none" normalizeH="0" baseline="0" dirty="0" err="1">
+                <a:ln>
+                  <a:noFill/>
+                </a:ln>
+                <a:solidFill>
+                  <a:schemeClr val="tx1"/>
+                </a:solidFill>
+                <a:effectLst/>
+                <a:latin typeface="Arial Unicode MS"/>
+              </a:rPr>
+              <a:t>XGBClassifier</a:t>
+            </a:r>
+            <a:r>
+              <a:rPr kumimoji="0" lang="en-US" altLang="en-US" sz="1800" b="0" i="0" u="none" strike="noStrike" cap="none" normalizeH="0" baseline="0" dirty="0">
+                <a:ln>
+                  <a:noFill/>
+                </a:ln>
+                <a:solidFill>
+                  <a:schemeClr val="tx1"/>
+                </a:solidFill>
+                <a:effectLst/>
+                <a:latin typeface="Arial Unicode MS"/>
+              </a:rPr>
+              <a:t>(</a:t>
+            </a:r>
+            <a:r>
+              <a:rPr kumimoji="0" lang="en-US" altLang="en-US" sz="1800" b="0" i="0" u="none" strike="noStrike" cap="none" normalizeH="0" baseline="0" dirty="0" err="1">
+                <a:ln>
+                  <a:noFill/>
+                </a:ln>
+                <a:solidFill>
+                  <a:schemeClr val="tx1"/>
+                </a:solidFill>
+                <a:effectLst/>
+                <a:latin typeface="Arial Unicode MS"/>
+              </a:rPr>
+              <a:t>scale_pos_weight</a:t>
+            </a:r>
+            <a:r>
+              <a:rPr kumimoji="0" lang="en-US" altLang="en-US" sz="1800" b="0" i="0" u="none" strike="noStrike" cap="none" normalizeH="0" baseline="0" dirty="0">
+                <a:ln>
+                  <a:noFill/>
+                </a:ln>
+                <a:solidFill>
+                  <a:schemeClr val="tx1"/>
+                </a:solidFill>
+                <a:effectLst/>
+                <a:latin typeface="Arial Unicode MS"/>
+              </a:rPr>
+              <a:t>=</a:t>
+            </a:r>
+            <a:r>
+              <a:rPr kumimoji="0" lang="en-US" altLang="en-US" sz="1800" b="0" i="0" u="none" strike="noStrike" cap="none" normalizeH="0" baseline="0" dirty="0" err="1">
+                <a:ln>
+                  <a:noFill/>
+                </a:ln>
+                <a:solidFill>
+                  <a:schemeClr val="tx1"/>
+                </a:solidFill>
+                <a:effectLst/>
+                <a:latin typeface="Arial Unicode MS"/>
+              </a:rPr>
+              <a:t>imbalance_ratio</a:t>
+            </a:r>
+            <a:r>
+              <a:rPr kumimoji="0" lang="en-US" altLang="en-US" sz="1800" b="0" i="0" u="none" strike="noStrike" cap="none" normalizeH="0" baseline="0" dirty="0">
+                <a:ln>
+                  <a:noFill/>
+                </a:ln>
+                <a:solidFill>
+                  <a:schemeClr val="tx1"/>
+                </a:solidFill>
+                <a:effectLst/>
+                <a:latin typeface="Arial Unicode MS"/>
+              </a:rPr>
+              <a:t>, </a:t>
+            </a:r>
+            <a:r>
+              <a:rPr kumimoji="0" lang="en-US" altLang="en-US" sz="1800" b="0" i="0" u="none" strike="noStrike" cap="none" normalizeH="0" baseline="0" dirty="0" err="1">
+                <a:ln>
+                  <a:noFill/>
+                </a:ln>
+                <a:solidFill>
+                  <a:schemeClr val="tx1"/>
+                </a:solidFill>
+                <a:effectLst/>
+                <a:latin typeface="Arial Unicode MS"/>
+              </a:rPr>
+              <a:t>random_state</a:t>
+            </a:r>
+            <a:r>
+              <a:rPr kumimoji="0" lang="en-US" altLang="en-US" sz="1800" b="0" i="0" u="none" strike="noStrike" cap="none" normalizeH="0" baseline="0" dirty="0">
+                <a:ln>
+                  <a:noFill/>
+                </a:ln>
+                <a:solidFill>
+                  <a:schemeClr val="tx1"/>
+                </a:solidFill>
+                <a:effectLst/>
+                <a:latin typeface="Arial Unicode MS"/>
+              </a:rPr>
+              <a:t>=42)</a:t>
+            </a:r>
+          </a:p>
+          <a:p>
+            <a:pPr marL="0" marR="0" lvl="0" indent="0" algn="l" defTabSz="914400" rtl="0" eaLnBrk="0" fontAlgn="base" latinLnBrk="0" hangingPunct="0">
+              <a:lnSpc>
+                <a:spcPct val="100000"/>
+              </a:lnSpc>
+              <a:spcBef>
+                <a:spcPct val="0"/>
+              </a:spcBef>
+              <a:spcAft>
+                <a:spcPct val="0"/>
+              </a:spcAft>
+              <a:buClrTx/>
+              <a:buSzTx/>
+              <a:buFontTx/>
+              <a:buNone/>
+              <a:tabLst/>
+            </a:pPr>
+            <a:endParaRPr kumimoji="0" lang="en-US" altLang="en-US" sz="1800" b="0" i="0" u="none" strike="noStrike" cap="none" normalizeH="0" baseline="0" dirty="0">
+              <a:ln>
+                <a:noFill/>
+              </a:ln>
+              <a:solidFill>
+                <a:schemeClr val="tx1"/>
+              </a:solidFill>
+              <a:effectLst/>
+              <a:latin typeface="Arial" panose="020B0604020202020204" pitchFamily="34" charset="0"/>
+            </a:endParaRPr>
+          </a:p>
+          <a:p>
+            <a:pPr marL="0" marR="0" lvl="0" indent="0" algn="l" defTabSz="914400" rtl="0" eaLnBrk="0" fontAlgn="base" latinLnBrk="0" hangingPunct="0">
+              <a:lnSpc>
+                <a:spcPct val="100000"/>
+              </a:lnSpc>
+              <a:spcBef>
+                <a:spcPct val="0"/>
+              </a:spcBef>
+              <a:spcAft>
+                <a:spcPct val="0"/>
+              </a:spcAft>
+              <a:buClrTx/>
+              <a:buSzTx/>
+              <a:buFontTx/>
+              <a:buNone/>
+              <a:tabLst/>
+            </a:pPr>
+            <a:r>
+              <a:rPr kumimoji="0" lang="en-US" altLang="en-US" sz="1800" b="0" i="0" u="none" strike="noStrike" cap="none" normalizeH="0" baseline="0" dirty="0">
+                <a:ln>
+                  <a:noFill/>
+                </a:ln>
+                <a:solidFill>
+                  <a:schemeClr val="tx1"/>
+                </a:solidFill>
+                <a:effectLst/>
+                <a:latin typeface="Arial" panose="020B0604020202020204" pitchFamily="34" charset="0"/>
+              </a:rPr>
+              <a:t>Evaluation Metrics:</a:t>
+            </a:r>
+          </a:p>
+          <a:p>
+            <a:pPr marL="0" marR="0" lvl="0" indent="0" algn="l" defTabSz="914400" rtl="0" eaLnBrk="0" fontAlgn="base" latinLnBrk="0" hangingPunct="0">
+              <a:lnSpc>
+                <a:spcPct val="100000"/>
+              </a:lnSpc>
+              <a:spcBef>
+                <a:spcPct val="0"/>
+              </a:spcBef>
+              <a:spcAft>
+                <a:spcPct val="0"/>
+              </a:spcAft>
+              <a:buClrTx/>
+              <a:buSzTx/>
+              <a:buFontTx/>
+              <a:buNone/>
+              <a:tabLst/>
+            </a:pPr>
+            <a:r>
+              <a:rPr lang="en-US" altLang="en-US" sz="1800" dirty="0">
+                <a:latin typeface="Arial" panose="020B0604020202020204" pitchFamily="34" charset="0"/>
+              </a:rPr>
+              <a:t>Use metrics like F1 score, Precision-Recall or ROC-AUC </a:t>
+            </a:r>
+            <a:r>
+              <a:rPr lang="en-US" sz="1600" b="1" dirty="0"/>
+              <a:t>per class</a:t>
+            </a:r>
+            <a:r>
+              <a:rPr lang="en-US" sz="1600" dirty="0"/>
+              <a:t> instead of overall accuracy, which is misleading with imbalanced data.</a:t>
+            </a:r>
+          </a:p>
+          <a:p>
+            <a:pPr marL="0" marR="0" lvl="0" indent="0" algn="l" defTabSz="914400" rtl="0" eaLnBrk="0" fontAlgn="base" latinLnBrk="0" hangingPunct="0">
+              <a:lnSpc>
+                <a:spcPct val="100000"/>
+              </a:lnSpc>
+              <a:spcBef>
+                <a:spcPct val="0"/>
+              </a:spcBef>
+              <a:spcAft>
+                <a:spcPct val="0"/>
+              </a:spcAft>
+              <a:buClrTx/>
+              <a:buSzTx/>
+              <a:buFontTx/>
+              <a:buNone/>
+              <a:tabLst/>
+            </a:pPr>
+            <a:endParaRPr kumimoji="0" lang="en-US" altLang="en-US" sz="1600" b="0" i="0" u="none" strike="noStrike" cap="none" normalizeH="0" baseline="0" dirty="0">
+              <a:ln>
+                <a:noFill/>
+              </a:ln>
+              <a:solidFill>
+                <a:schemeClr val="tx1"/>
+              </a:solidFill>
+              <a:effectLst/>
+              <a:latin typeface="Arial" panose="020B0604020202020204" pitchFamily="34" charset="0"/>
+            </a:endParaRPr>
+          </a:p>
+          <a:p>
+            <a:pPr marL="0" marR="0" lvl="0" indent="0" algn="l" defTabSz="914400" rtl="0" eaLnBrk="0" fontAlgn="base" latinLnBrk="0" hangingPunct="0">
+              <a:lnSpc>
+                <a:spcPct val="100000"/>
+              </a:lnSpc>
+              <a:spcBef>
+                <a:spcPct val="0"/>
+              </a:spcBef>
+              <a:spcAft>
+                <a:spcPct val="0"/>
+              </a:spcAft>
+              <a:buClrTx/>
+              <a:buSzTx/>
+              <a:buFontTx/>
+              <a:buNone/>
+              <a:tabLst/>
+            </a:pPr>
+            <a:r>
+              <a:rPr kumimoji="0" lang="en-US" altLang="en-US" sz="1800" b="0" i="0" u="none" strike="noStrike" cap="none" normalizeH="0" baseline="0" dirty="0">
+                <a:ln>
+                  <a:noFill/>
+                </a:ln>
+                <a:solidFill>
+                  <a:schemeClr val="tx1"/>
+                </a:solidFill>
+                <a:effectLst/>
+                <a:latin typeface="Arial" panose="020B0604020202020204" pitchFamily="34" charset="0"/>
+              </a:rPr>
+              <a:t>from </a:t>
+            </a:r>
+            <a:r>
+              <a:rPr kumimoji="0" lang="en-US" altLang="en-US" sz="1800" b="0" i="0" u="none" strike="noStrike" cap="none" normalizeH="0" baseline="0" dirty="0" err="1">
+                <a:ln>
+                  <a:noFill/>
+                </a:ln>
+                <a:solidFill>
+                  <a:schemeClr val="tx1"/>
+                </a:solidFill>
+                <a:effectLst/>
+                <a:latin typeface="Arial" panose="020B0604020202020204" pitchFamily="34" charset="0"/>
+              </a:rPr>
+              <a:t>sklearn.metrics</a:t>
+            </a:r>
+            <a:r>
+              <a:rPr kumimoji="0" lang="en-US" altLang="en-US" sz="1800" b="0" i="0" u="none" strike="noStrike" cap="none" normalizeH="0" baseline="0" dirty="0">
+                <a:ln>
+                  <a:noFill/>
+                </a:ln>
+                <a:solidFill>
+                  <a:schemeClr val="tx1"/>
+                </a:solidFill>
+                <a:effectLst/>
+                <a:latin typeface="Arial" panose="020B0604020202020204" pitchFamily="34" charset="0"/>
+              </a:rPr>
+              <a:t> import </a:t>
+            </a:r>
+            <a:r>
+              <a:rPr kumimoji="0" lang="en-US" altLang="en-US" sz="1800" b="0" i="0" u="none" strike="noStrike" cap="none" normalizeH="0" baseline="0" dirty="0" err="1">
+                <a:ln>
+                  <a:noFill/>
+                </a:ln>
+                <a:solidFill>
+                  <a:schemeClr val="tx1"/>
+                </a:solidFill>
+                <a:effectLst/>
+                <a:latin typeface="Arial" panose="020B0604020202020204" pitchFamily="34" charset="0"/>
+              </a:rPr>
+              <a:t>classification_report</a:t>
+            </a:r>
+            <a:endParaRPr kumimoji="0" lang="en-US" altLang="en-US" sz="1800" b="0" i="0" u="none" strike="noStrike" cap="none" normalizeH="0" baseline="0" dirty="0">
+              <a:ln>
+                <a:noFill/>
+              </a:ln>
+              <a:solidFill>
+                <a:schemeClr val="tx1"/>
+              </a:solidFill>
+              <a:effectLst/>
+              <a:latin typeface="Arial" panose="020B0604020202020204" pitchFamily="34" charset="0"/>
+            </a:endParaRPr>
+          </a:p>
+          <a:p>
+            <a:pPr marL="0" marR="0" lvl="0" indent="0" algn="l" defTabSz="914400" rtl="0" eaLnBrk="0" fontAlgn="base" latinLnBrk="0" hangingPunct="0">
+              <a:lnSpc>
+                <a:spcPct val="100000"/>
+              </a:lnSpc>
+              <a:spcBef>
+                <a:spcPct val="0"/>
+              </a:spcBef>
+              <a:spcAft>
+                <a:spcPct val="0"/>
+              </a:spcAft>
+              <a:buClrTx/>
+              <a:buSzTx/>
+              <a:buFontTx/>
+              <a:buNone/>
+              <a:tabLst/>
+            </a:pPr>
+            <a:r>
+              <a:rPr kumimoji="0" lang="en-US" altLang="en-US" sz="1800" b="0" i="0" u="none" strike="noStrike" cap="none" normalizeH="0" baseline="0" dirty="0">
+                <a:ln>
+                  <a:noFill/>
+                </a:ln>
+                <a:solidFill>
+                  <a:schemeClr val="tx1"/>
+                </a:solidFill>
+                <a:effectLst/>
+                <a:latin typeface="Arial" panose="020B0604020202020204" pitchFamily="34" charset="0"/>
+              </a:rPr>
+              <a:t>print(</a:t>
+            </a:r>
+            <a:r>
+              <a:rPr kumimoji="0" lang="en-US" altLang="en-US" sz="1800" b="0" i="0" u="none" strike="noStrike" cap="none" normalizeH="0" baseline="0" dirty="0" err="1">
+                <a:ln>
+                  <a:noFill/>
+                </a:ln>
+                <a:solidFill>
+                  <a:schemeClr val="tx1"/>
+                </a:solidFill>
+                <a:effectLst/>
+                <a:latin typeface="Arial" panose="020B0604020202020204" pitchFamily="34" charset="0"/>
+              </a:rPr>
+              <a:t>classification_report</a:t>
+            </a:r>
+            <a:r>
+              <a:rPr kumimoji="0" lang="en-US" altLang="en-US" sz="1800" b="0" i="0" u="none" strike="noStrike" cap="none" normalizeH="0" baseline="0" dirty="0">
+                <a:ln>
+                  <a:noFill/>
+                </a:ln>
+                <a:solidFill>
+                  <a:schemeClr val="tx1"/>
+                </a:solidFill>
+                <a:effectLst/>
+                <a:latin typeface="Arial" panose="020B0604020202020204" pitchFamily="34" charset="0"/>
+              </a:rPr>
+              <a:t>(</a:t>
+            </a:r>
+            <a:r>
+              <a:rPr kumimoji="0" lang="en-US" altLang="en-US" sz="1800" b="0" i="0" u="none" strike="noStrike" cap="none" normalizeH="0" baseline="0" dirty="0" err="1">
+                <a:ln>
+                  <a:noFill/>
+                </a:ln>
+                <a:solidFill>
+                  <a:schemeClr val="tx1"/>
+                </a:solidFill>
+                <a:effectLst/>
+                <a:latin typeface="Arial" panose="020B0604020202020204" pitchFamily="34" charset="0"/>
+              </a:rPr>
+              <a:t>y_test</a:t>
+            </a:r>
+            <a:r>
+              <a:rPr kumimoji="0" lang="en-US" altLang="en-US" sz="1800" b="0" i="0" u="none" strike="noStrike" cap="none" normalizeH="0" baseline="0" dirty="0">
+                <a:ln>
+                  <a:noFill/>
+                </a:ln>
+                <a:solidFill>
+                  <a:schemeClr val="tx1"/>
+                </a:solidFill>
+                <a:effectLst/>
+                <a:latin typeface="Arial" panose="020B0604020202020204" pitchFamily="34" charset="0"/>
+              </a:rPr>
+              <a:t>, </a:t>
+            </a:r>
+            <a:r>
+              <a:rPr kumimoji="0" lang="en-US" altLang="en-US" sz="1800" b="0" i="0" u="none" strike="noStrike" cap="none" normalizeH="0" baseline="0" dirty="0" err="1">
+                <a:ln>
+                  <a:noFill/>
+                </a:ln>
+                <a:solidFill>
+                  <a:schemeClr val="tx1"/>
+                </a:solidFill>
+                <a:effectLst/>
+                <a:latin typeface="Arial" panose="020B0604020202020204" pitchFamily="34" charset="0"/>
+              </a:rPr>
+              <a:t>model.predict</a:t>
+            </a:r>
+            <a:r>
+              <a:rPr kumimoji="0" lang="en-US" altLang="en-US" sz="1800" b="0" i="0" u="none" strike="noStrike" cap="none" normalizeH="0" baseline="0" dirty="0">
+                <a:ln>
+                  <a:noFill/>
+                </a:ln>
+                <a:solidFill>
+                  <a:schemeClr val="tx1"/>
+                </a:solidFill>
+                <a:effectLst/>
+                <a:latin typeface="Arial" panose="020B0604020202020204" pitchFamily="34" charset="0"/>
+              </a:rPr>
+              <a:t>(</a:t>
+            </a:r>
+            <a:r>
+              <a:rPr kumimoji="0" lang="en-US" altLang="en-US" sz="1800" b="0" i="0" u="none" strike="noStrike" cap="none" normalizeH="0" baseline="0" dirty="0" err="1">
+                <a:ln>
+                  <a:noFill/>
+                </a:ln>
+                <a:solidFill>
+                  <a:schemeClr val="tx1"/>
+                </a:solidFill>
+                <a:effectLst/>
+                <a:latin typeface="Arial" panose="020B0604020202020204" pitchFamily="34" charset="0"/>
+              </a:rPr>
+              <a:t>X_test</a:t>
+            </a:r>
+            <a:r>
+              <a:rPr kumimoji="0" lang="en-US" altLang="en-US" sz="1800" b="0" i="0" u="none" strike="noStrike" cap="none" normalizeH="0" baseline="0" dirty="0">
+                <a:ln>
+                  <a:noFill/>
+                </a:ln>
+                <a:solidFill>
+                  <a:schemeClr val="tx1"/>
+                </a:solidFill>
+                <a:effectLst/>
+                <a:latin typeface="Arial" panose="020B0604020202020204" pitchFamily="34" charset="0"/>
+              </a:rPr>
+              <a:t>)))</a:t>
+            </a:r>
+          </a:p>
+        </p:txBody>
+      </p:sp>
+    </p:spTree>
+    <p:extLst>
+      <p:ext uri="{BB962C8B-B14F-4D97-AF65-F5344CB8AC3E}">
+        <p14:creationId xmlns:p14="http://schemas.microsoft.com/office/powerpoint/2010/main" val="2466033497"/>
+      </p:ext>
+    </p:extLst>
+  </p:cSld>
+  <p:clrMapOvr>
+    <a:masterClrMapping/>
+  </p:clrMapOvr>
+</p:sld>
+</file>
+
+<file path=ppt/slides/slide11.xml><?xml version="1.0" encoding="utf-8"?>
+<p:sld xmlns:a="http://schemas.openxmlformats.org/drawingml/2006/main" xmlns:r="http://schemas.openxmlformats.org/officeDocument/2006/relationships" xmlns:p="http://schemas.openxmlformats.org/presentationml/2006/main">
+  <p:cSld>
     <p:bg>
       <p:bgPr>
         <a:blipFill rotWithShape="1">
@@ -9811,6 +7924,716 @@
           <a:lstStyle/>
           <a:p>
             <a:r>
+              <a:t>Model Evaluation</a:t>
+            </a:r>
+          </a:p>
+        </p:txBody>
+      </p:sp>
+      <p:pic>
+        <p:nvPicPr>
+          <p:cNvPr id="5" name="Picture 4" descr="White percentage symbol on red background">
+            <a:extLst>
+              <a:ext uri="{FF2B5EF4-FFF2-40B4-BE49-F238E27FC236}">
+                <a16:creationId xmlns:a16="http://schemas.microsoft.com/office/drawing/2014/main" id="{3001F798-CD77-509A-AF1D-6B65EA595CB7}"/>
+              </a:ext>
+            </a:extLst>
+          </p:cNvPr>
+          <p:cNvPicPr>
+            <a:picLocks noChangeAspect="1"/>
+          </p:cNvPicPr>
+          <p:nvPr/>
+        </p:nvPicPr>
+        <p:blipFill>
+          <a:blip r:embed="rId3"/>
+          <a:srcRect l="53107" r="17263" b="-1"/>
+          <a:stretch/>
+        </p:blipFill>
+        <p:spPr>
+          <a:xfrm>
+            <a:off x="20" y="10"/>
+            <a:ext cx="3044191" cy="6857990"/>
+          </a:xfrm>
+          <a:prstGeom prst="rect">
+            <a:avLst/>
+          </a:prstGeom>
+        </p:spPr>
+      </p:pic>
+      <p:sp>
+        <p:nvSpPr>
+          <p:cNvPr id="3" name="Content Placeholder 2"/>
+          <p:cNvSpPr>
+            <a:spLocks noGrp="1"/>
+          </p:cNvSpPr>
+          <p:nvPr>
+            <p:ph idx="1"/>
+          </p:nvPr>
+        </p:nvSpPr>
+        <p:spPr>
+          <a:xfrm>
+            <a:off x="3529986" y="2438400"/>
+            <a:ext cx="4007403" cy="3809999"/>
+          </a:xfrm>
+        </p:spPr>
+        <p:txBody>
+          <a:bodyPr>
+            <a:normAutofit/>
+          </a:bodyPr>
+          <a:lstStyle/>
+          <a:p>
+            <a:pPr marL="0" indent="0">
+              <a:buNone/>
+            </a:pPr>
+            <a:r>
+              <a:rPr dirty="0"/>
+              <a:t>• Accuracy: 83%</a:t>
+            </a:r>
+          </a:p>
+          <a:p>
+            <a:pPr marL="0" indent="0">
+              <a:buNone/>
+            </a:pPr>
+            <a:r>
+              <a:rPr dirty="0"/>
+              <a:t>• Precision: 81%</a:t>
+            </a:r>
+          </a:p>
+          <a:p>
+            <a:pPr marL="0" indent="0">
+              <a:buNone/>
+            </a:pPr>
+            <a:r>
+              <a:rPr dirty="0"/>
+              <a:t>• Recall: 80%</a:t>
+            </a:r>
+          </a:p>
+          <a:p>
+            <a:pPr marL="0" indent="0">
+              <a:buNone/>
+            </a:pPr>
+            <a:r>
+              <a:rPr dirty="0"/>
+              <a:t>• F1 Score: 0.805</a:t>
+            </a:r>
+          </a:p>
+        </p:txBody>
+      </p:sp>
+    </p:spTree>
+  </p:cSld>
+  <p:clrMapOvr>
+    <a:masterClrMapping/>
+  </p:clrMapOvr>
+</p:sld>
+</file>
+
+<file path=ppt/slides/slide12.xml><?xml version="1.0" encoding="utf-8"?>
+<p:sld xmlns:a="http://schemas.openxmlformats.org/drawingml/2006/main" xmlns:r="http://schemas.openxmlformats.org/officeDocument/2006/relationships" xmlns:p="http://schemas.openxmlformats.org/presentationml/2006/main">
+  <p:cSld>
+    <p:spTree>
+      <p:nvGrpSpPr>
+        <p:cNvPr id="1" name=""/>
+        <p:cNvGrpSpPr/>
+        <p:nvPr/>
+      </p:nvGrpSpPr>
+      <p:grpSpPr>
+        <a:xfrm>
+          <a:off x="0" y="0"/>
+          <a:ext cx="0" cy="0"/>
+          <a:chOff x="0" y="0"/>
+          <a:chExt cx="0" cy="0"/>
+        </a:xfrm>
+      </p:grpSpPr>
+      <p:sp>
+        <p:nvSpPr>
+          <p:cNvPr id="4" name="Rectangle 1">
+            <a:extLst>
+              <a:ext uri="{FF2B5EF4-FFF2-40B4-BE49-F238E27FC236}">
+                <a16:creationId xmlns:a16="http://schemas.microsoft.com/office/drawing/2014/main" id="{77321499-7C36-B184-2184-A388E755AAD2}"/>
+              </a:ext>
+            </a:extLst>
+          </p:cNvPr>
+          <p:cNvSpPr>
+            <a:spLocks noChangeArrowheads="1"/>
+          </p:cNvSpPr>
+          <p:nvPr/>
+        </p:nvSpPr>
+        <p:spPr bwMode="auto">
+          <a:xfrm>
+            <a:off x="1" y="20851"/>
+            <a:ext cx="6362700" cy="415498"/>
+          </a:xfrm>
+          <a:prstGeom prst="rect">
+            <a:avLst/>
+          </a:prstGeom>
+          <a:noFill/>
+          <a:ln>
+            <a:noFill/>
+          </a:ln>
+          <a:effectLst/>
+          <a:extLst>
+            <a:ext uri="{909E8E84-426E-40DD-AFC4-6F175D3DCCD1}">
+              <a14:hiddenFill xmlns:a14="http://schemas.microsoft.com/office/drawing/2010/main">
+                <a:solidFill>
+                  <a:schemeClr val="accent1"/>
+                </a:solidFill>
+              </a14:hiddenFill>
+            </a:ext>
+            <a:ext uri="{91240B29-F687-4F45-9708-019B960494DF}">
+              <a14:hiddenLine xmlns:a14="http://schemas.microsoft.com/office/drawing/2010/main" w="9525">
+                <a:solidFill>
+                  <a:schemeClr val="tx1"/>
+                </a:solidFill>
+                <a:miter lim="800000"/>
+                <a:headEnd/>
+                <a:tailEnd/>
+              </a14:hiddenLine>
+            </a:ext>
+            <a:ext uri="{AF507438-7753-43E0-B8FC-AC1667EBCBE1}">
+              <a14:hiddenEffects xmlns:a14="http://schemas.microsoft.com/office/drawing/2010/main">
+                <a:effectLst>
+                  <a:outerShdw dist="35921" dir="2700000" algn="ctr" rotWithShape="0">
+                    <a:schemeClr val="bg2"/>
+                  </a:outerShdw>
+                </a:effectLst>
+              </a14:hiddenEffects>
+            </a:ext>
+          </a:extLst>
+        </p:spPr>
+        <p:txBody>
+          <a:bodyPr vert="horz" wrap="square" lIns="0" tIns="0" rIns="0" bIns="0" numCol="1" anchor="ctr" anchorCtr="0" compatLnSpc="1">
+            <a:prstTxWarp prst="textNoShape">
+              <a:avLst/>
+            </a:prstTxWarp>
+            <a:spAutoFit/>
+          </a:bodyPr>
+          <a:lstStyle/>
+          <a:p>
+            <a:pPr marL="0" marR="0" lvl="0" indent="0" algn="l" defTabSz="914400" rtl="0" eaLnBrk="0" fontAlgn="base" latinLnBrk="0" hangingPunct="0">
+              <a:lnSpc>
+                <a:spcPct val="100000"/>
+              </a:lnSpc>
+              <a:spcBef>
+                <a:spcPct val="0"/>
+              </a:spcBef>
+              <a:spcAft>
+                <a:spcPct val="0"/>
+              </a:spcAft>
+              <a:buClrTx/>
+              <a:buSzTx/>
+              <a:buFontTx/>
+              <a:buNone/>
+              <a:tabLst/>
+            </a:pPr>
+            <a:r>
+              <a:rPr kumimoji="0" lang="en-US" altLang="en-US" sz="900" b="0" i="0" u="none" strike="noStrike" cap="none" normalizeH="0" baseline="0" dirty="0">
+                <a:ln>
+                  <a:noFill/>
+                </a:ln>
+                <a:solidFill>
+                  <a:srgbClr val="616161"/>
+                </a:solidFill>
+                <a:effectLst/>
+                <a:latin typeface="menlo"/>
+              </a:rPr>
+              <a:t>[ ]:</a:t>
+            </a:r>
+            <a:endParaRPr kumimoji="0" lang="en-US" altLang="en-US" sz="800" b="0" i="0" u="none" strike="noStrike" cap="none" normalizeH="0" baseline="0" dirty="0">
+              <a:ln>
+                <a:noFill/>
+              </a:ln>
+              <a:solidFill>
+                <a:schemeClr val="tx1"/>
+              </a:solidFill>
+              <a:effectLst/>
+            </a:endParaRPr>
+          </a:p>
+          <a:p>
+            <a:pPr marL="0" marR="0" lvl="0" indent="0" algn="l" defTabSz="914400" rtl="0" eaLnBrk="0" fontAlgn="base" latinLnBrk="0" hangingPunct="0">
+              <a:lnSpc>
+                <a:spcPct val="100000"/>
+              </a:lnSpc>
+              <a:spcBef>
+                <a:spcPct val="0"/>
+              </a:spcBef>
+              <a:spcAft>
+                <a:spcPct val="0"/>
+              </a:spcAft>
+              <a:buClrTx/>
+              <a:buSzTx/>
+              <a:buFontTx/>
+              <a:buNone/>
+              <a:tabLst/>
+            </a:pPr>
+            <a:endParaRPr kumimoji="0" lang="en-US" altLang="en-US" sz="1800" b="0" i="0" u="none" strike="noStrike" cap="none" normalizeH="0" baseline="0" dirty="0">
+              <a:ln>
+                <a:noFill/>
+              </a:ln>
+              <a:solidFill>
+                <a:schemeClr val="tx1"/>
+              </a:solidFill>
+              <a:effectLst/>
+              <a:latin typeface="Arial" panose="020B0604020202020204" pitchFamily="34" charset="0"/>
+            </a:endParaRPr>
+          </a:p>
+        </p:txBody>
+      </p:sp>
+      <p:sp>
+        <p:nvSpPr>
+          <p:cNvPr id="5" name="Rectangle 2">
+            <a:extLst>
+              <a:ext uri="{FF2B5EF4-FFF2-40B4-BE49-F238E27FC236}">
+                <a16:creationId xmlns:a16="http://schemas.microsoft.com/office/drawing/2014/main" id="{E21B2740-EF1E-A4B7-710C-5117A872E4D0}"/>
+              </a:ext>
+            </a:extLst>
+          </p:cNvPr>
+          <p:cNvSpPr>
+            <a:spLocks noChangeArrowheads="1"/>
+          </p:cNvSpPr>
+          <p:nvPr/>
+        </p:nvSpPr>
+        <p:spPr bwMode="auto">
+          <a:xfrm>
+            <a:off x="0" y="0"/>
+            <a:ext cx="7812088" cy="0"/>
+          </a:xfrm>
+          <a:prstGeom prst="rect">
+            <a:avLst/>
+          </a:prstGeom>
+          <a:noFill/>
+          <a:ln>
+            <a:noFill/>
+          </a:ln>
+          <a:effectLst/>
+          <a:extLst>
+            <a:ext uri="{909E8E84-426E-40DD-AFC4-6F175D3DCCD1}">
+              <a14:hiddenFill xmlns:a14="http://schemas.microsoft.com/office/drawing/2010/main">
+                <a:solidFill>
+                  <a:schemeClr val="accent1"/>
+                </a:solidFill>
+              </a14:hiddenFill>
+            </a:ext>
+            <a:ext uri="{91240B29-F687-4F45-9708-019B960494DF}">
+              <a14:hiddenLine xmlns:a14="http://schemas.microsoft.com/office/drawing/2010/main" w="9525">
+                <a:solidFill>
+                  <a:schemeClr val="tx1"/>
+                </a:solidFill>
+                <a:miter lim="800000"/>
+                <a:headEnd/>
+                <a:tailEnd/>
+              </a14:hiddenLine>
+            </a:ext>
+            <a:ext uri="{AF507438-7753-43E0-B8FC-AC1667EBCBE1}">
+              <a14:hiddenEffects xmlns:a14="http://schemas.microsoft.com/office/drawing/2010/main">
+                <a:effectLst>
+                  <a:outerShdw dist="35921" dir="2700000" algn="ctr" rotWithShape="0">
+                    <a:schemeClr val="bg2"/>
+                  </a:outerShdw>
+                </a:effectLst>
+              </a14:hiddenEffects>
+            </a:ext>
+          </a:extLst>
+        </p:spPr>
+        <p:txBody>
+          <a:bodyPr vert="horz" wrap="none" lIns="91440" tIns="45720" rIns="91440" bIns="45720" numCol="1" anchor="ctr" anchorCtr="0" compatLnSpc="1">
+            <a:prstTxWarp prst="textNoShape">
+              <a:avLst/>
+            </a:prstTxWarp>
+            <a:spAutoFit/>
+          </a:bodyPr>
+          <a:lstStyle/>
+          <a:p>
+            <a:pPr marL="0" marR="0" lvl="0" indent="0" algn="l" defTabSz="914400" rtl="0" eaLnBrk="0" fontAlgn="base" latinLnBrk="0" hangingPunct="0">
+              <a:lnSpc>
+                <a:spcPct val="100000"/>
+              </a:lnSpc>
+              <a:spcBef>
+                <a:spcPct val="0"/>
+              </a:spcBef>
+              <a:spcAft>
+                <a:spcPct val="0"/>
+              </a:spcAft>
+              <a:buClrTx/>
+              <a:buSzTx/>
+              <a:buFontTx/>
+              <a:buNone/>
+              <a:tabLst/>
+            </a:pPr>
+            <a:br>
+              <a:rPr kumimoji="0" lang="en-US" altLang="en-US" sz="900" b="0" i="0" u="none" strike="noStrike" cap="none" normalizeH="0" baseline="0">
+                <a:ln>
+                  <a:noFill/>
+                </a:ln>
+                <a:solidFill>
+                  <a:schemeClr val="tx1"/>
+                </a:solidFill>
+                <a:effectLst/>
+                <a:latin typeface="inherit"/>
+              </a:rPr>
+            </a:br>
+            <a:endParaRPr kumimoji="0" lang="en-US" altLang="en-US" sz="1800" b="0" i="0" u="none" strike="noStrike" cap="none" normalizeH="0" baseline="0">
+              <a:ln>
+                <a:noFill/>
+              </a:ln>
+              <a:solidFill>
+                <a:schemeClr val="tx1"/>
+              </a:solidFill>
+              <a:effectLst/>
+              <a:latin typeface="Arial" panose="020B0604020202020204" pitchFamily="34" charset="0"/>
+            </a:endParaRPr>
+          </a:p>
+        </p:txBody>
+      </p:sp>
+      <p:pic>
+        <p:nvPicPr>
+          <p:cNvPr id="17" name="Content Placeholder 16">
+            <a:extLst>
+              <a:ext uri="{FF2B5EF4-FFF2-40B4-BE49-F238E27FC236}">
+                <a16:creationId xmlns:a16="http://schemas.microsoft.com/office/drawing/2014/main" id="{AB19FF94-A08B-9BD1-C932-450D62B25E16}"/>
+              </a:ext>
+            </a:extLst>
+          </p:cNvPr>
+          <p:cNvPicPr>
+            <a:picLocks noGrp="1" noChangeAspect="1"/>
+          </p:cNvPicPr>
+          <p:nvPr>
+            <p:ph idx="1"/>
+          </p:nvPr>
+        </p:nvPicPr>
+        <p:blipFill>
+          <a:blip r:embed="rId2"/>
+          <a:stretch>
+            <a:fillRect/>
+          </a:stretch>
+        </p:blipFill>
+        <p:spPr>
+          <a:xfrm>
+            <a:off x="1401375" y="969102"/>
+            <a:ext cx="5563376" cy="952633"/>
+          </a:xfrm>
+        </p:spPr>
+      </p:pic>
+      <p:sp>
+        <p:nvSpPr>
+          <p:cNvPr id="19" name="Rectangle 11">
+            <a:extLst>
+              <a:ext uri="{FF2B5EF4-FFF2-40B4-BE49-F238E27FC236}">
+                <a16:creationId xmlns:a16="http://schemas.microsoft.com/office/drawing/2014/main" id="{FA299260-8EF1-D0DD-0015-D312F8A756A0}"/>
+              </a:ext>
+            </a:extLst>
+          </p:cNvPr>
+          <p:cNvSpPr>
+            <a:spLocks noChangeArrowheads="1"/>
+          </p:cNvSpPr>
+          <p:nvPr/>
+        </p:nvSpPr>
+        <p:spPr bwMode="auto">
+          <a:xfrm>
+            <a:off x="419101" y="2185708"/>
+            <a:ext cx="7975600" cy="1815882"/>
+          </a:xfrm>
+          <a:prstGeom prst="rect">
+            <a:avLst/>
+          </a:prstGeom>
+          <a:noFill/>
+          <a:ln>
+            <a:noFill/>
+          </a:ln>
+          <a:effectLst/>
+          <a:extLst>
+            <a:ext uri="{909E8E84-426E-40DD-AFC4-6F175D3DCCD1}">
+              <a14:hiddenFill xmlns:a14="http://schemas.microsoft.com/office/drawing/2010/main">
+                <a:solidFill>
+                  <a:schemeClr val="accent1"/>
+                </a:solidFill>
+              </a14:hiddenFill>
+            </a:ext>
+            <a:ext uri="{91240B29-F687-4F45-9708-019B960494DF}">
+              <a14:hiddenLine xmlns:a14="http://schemas.microsoft.com/office/drawing/2010/main" w="9525">
+                <a:solidFill>
+                  <a:schemeClr val="tx1"/>
+                </a:solidFill>
+                <a:miter lim="800000"/>
+                <a:headEnd/>
+                <a:tailEnd/>
+              </a14:hiddenLine>
+            </a:ext>
+            <a:ext uri="{AF507438-7753-43E0-B8FC-AC1667EBCBE1}">
+              <a14:hiddenEffects xmlns:a14="http://schemas.microsoft.com/office/drawing/2010/main">
+                <a:effectLst>
+                  <a:outerShdw dist="35921" dir="2700000" algn="ctr" rotWithShape="0">
+                    <a:schemeClr val="bg2"/>
+                  </a:outerShdw>
+                </a:effectLst>
+              </a14:hiddenEffects>
+            </a:ext>
+          </a:extLst>
+        </p:spPr>
+        <p:txBody>
+          <a:bodyPr vert="horz" wrap="square" lIns="91440" tIns="45720" rIns="91440" bIns="45720" numCol="1" anchor="ctr" anchorCtr="0" compatLnSpc="1">
+            <a:prstTxWarp prst="textNoShape">
+              <a:avLst/>
+            </a:prstTxWarp>
+            <a:spAutoFit/>
+          </a:bodyPr>
+          <a:lstStyle/>
+          <a:p>
+            <a:pPr marL="0" marR="0" lvl="0" indent="0" algn="l" defTabSz="914400" rtl="0" eaLnBrk="0" fontAlgn="base" latinLnBrk="0" hangingPunct="0">
+              <a:lnSpc>
+                <a:spcPct val="100000"/>
+              </a:lnSpc>
+              <a:spcBef>
+                <a:spcPct val="0"/>
+              </a:spcBef>
+              <a:spcAft>
+                <a:spcPct val="0"/>
+              </a:spcAft>
+              <a:buClrTx/>
+              <a:buSzTx/>
+              <a:buFontTx/>
+              <a:buChar char="•"/>
+              <a:tabLst/>
+            </a:pPr>
+            <a:r>
+              <a:rPr kumimoji="0" lang="en-US" altLang="en-US" sz="1600" b="1" i="0" u="none" strike="noStrike" cap="none" normalizeH="0" baseline="0" dirty="0">
+                <a:ln>
+                  <a:noFill/>
+                </a:ln>
+                <a:solidFill>
+                  <a:schemeClr val="bg1"/>
+                </a:solidFill>
+                <a:effectLst/>
+                <a:latin typeface="Arial" panose="020B0604020202020204" pitchFamily="34" charset="0"/>
+              </a:rPr>
+              <a:t>Random Forest performs the best overall</a:t>
+            </a:r>
+            <a:r>
+              <a:rPr kumimoji="0" lang="en-US" altLang="en-US" sz="1600" b="0" i="0" u="none" strike="noStrike" cap="none" normalizeH="0" baseline="0" dirty="0">
+                <a:ln>
+                  <a:noFill/>
+                </a:ln>
+                <a:solidFill>
+                  <a:schemeClr val="bg1"/>
+                </a:solidFill>
+                <a:effectLst/>
+                <a:latin typeface="Arial" panose="020B0604020202020204" pitchFamily="34" charset="0"/>
+              </a:rPr>
+              <a:t>, particularly in F1 Score and Precision, indicating a better balance between precision and recall across classes.</a:t>
+            </a:r>
+          </a:p>
+          <a:p>
+            <a:pPr marL="0" marR="0" lvl="0" indent="0" algn="l" defTabSz="914400" rtl="0" eaLnBrk="0" fontAlgn="base" latinLnBrk="0" hangingPunct="0">
+              <a:lnSpc>
+                <a:spcPct val="100000"/>
+              </a:lnSpc>
+              <a:spcBef>
+                <a:spcPct val="0"/>
+              </a:spcBef>
+              <a:spcAft>
+                <a:spcPct val="0"/>
+              </a:spcAft>
+              <a:buClrTx/>
+              <a:buSzTx/>
+              <a:buFontTx/>
+              <a:buChar char="•"/>
+              <a:tabLst/>
+            </a:pPr>
+            <a:r>
+              <a:rPr kumimoji="0" lang="en-US" altLang="en-US" sz="1600" b="1" i="0" u="none" strike="noStrike" cap="none" normalizeH="0" baseline="0" dirty="0" err="1">
+                <a:ln>
+                  <a:noFill/>
+                </a:ln>
+                <a:solidFill>
+                  <a:schemeClr val="bg1"/>
+                </a:solidFill>
+                <a:effectLst/>
+                <a:latin typeface="Arial" panose="020B0604020202020204" pitchFamily="34" charset="0"/>
+              </a:rPr>
+              <a:t>XGBoost</a:t>
+            </a:r>
+            <a:r>
+              <a:rPr kumimoji="0" lang="en-US" altLang="en-US" sz="1600" b="1" i="0" u="none" strike="noStrike" cap="none" normalizeH="0" baseline="0" dirty="0">
+                <a:ln>
+                  <a:noFill/>
+                </a:ln>
+                <a:solidFill>
+                  <a:schemeClr val="bg1"/>
+                </a:solidFill>
+                <a:effectLst/>
+                <a:latin typeface="Arial" panose="020B0604020202020204" pitchFamily="34" charset="0"/>
+              </a:rPr>
+              <a:t> is close</a:t>
+            </a:r>
+            <a:r>
+              <a:rPr kumimoji="0" lang="en-US" altLang="en-US" sz="1600" b="0" i="0" u="none" strike="noStrike" cap="none" normalizeH="0" baseline="0" dirty="0">
+                <a:ln>
+                  <a:noFill/>
+                </a:ln>
+                <a:solidFill>
+                  <a:schemeClr val="bg1"/>
+                </a:solidFill>
+                <a:effectLst/>
+                <a:latin typeface="Arial" panose="020B0604020202020204" pitchFamily="34" charset="0"/>
+              </a:rPr>
+              <a:t>, and may benefit from hyperparameter tuning or better handling of class imbalance (e.g., </a:t>
+            </a:r>
+            <a:r>
+              <a:rPr kumimoji="0" lang="en-US" altLang="en-US" sz="1600" b="0" i="0" u="none" strike="noStrike" cap="none" normalizeH="0" baseline="0" dirty="0" err="1">
+                <a:ln>
+                  <a:noFill/>
+                </a:ln>
+                <a:solidFill>
+                  <a:schemeClr val="bg1"/>
+                </a:solidFill>
+                <a:effectLst/>
+                <a:latin typeface="Arial Unicode MS"/>
+              </a:rPr>
+              <a:t>scale_pos_weight</a:t>
+            </a:r>
+            <a:r>
+              <a:rPr kumimoji="0" lang="en-US" altLang="en-US" sz="1600" b="0" i="0" u="none" strike="noStrike" cap="none" normalizeH="0" baseline="0" dirty="0">
+                <a:ln>
+                  <a:noFill/>
+                </a:ln>
+                <a:solidFill>
+                  <a:schemeClr val="bg1"/>
+                </a:solidFill>
+                <a:effectLst/>
+              </a:rPr>
+              <a:t>).</a:t>
+            </a:r>
+            <a:endParaRPr kumimoji="0" lang="en-US" altLang="en-US" sz="1600" b="0" i="0" u="none" strike="noStrike" cap="none" normalizeH="0" baseline="0" dirty="0">
+              <a:ln>
+                <a:noFill/>
+              </a:ln>
+              <a:solidFill>
+                <a:schemeClr val="bg1"/>
+              </a:solidFill>
+              <a:effectLst/>
+              <a:latin typeface="Arial" panose="020B0604020202020204" pitchFamily="34" charset="0"/>
+            </a:endParaRPr>
+          </a:p>
+          <a:p>
+            <a:pPr marL="0" marR="0" lvl="0" indent="0" algn="l" defTabSz="914400" rtl="0" eaLnBrk="0" fontAlgn="base" latinLnBrk="0" hangingPunct="0">
+              <a:lnSpc>
+                <a:spcPct val="100000"/>
+              </a:lnSpc>
+              <a:spcBef>
+                <a:spcPct val="0"/>
+              </a:spcBef>
+              <a:spcAft>
+                <a:spcPct val="0"/>
+              </a:spcAft>
+              <a:buClrTx/>
+              <a:buSzTx/>
+              <a:buFontTx/>
+              <a:buChar char="•"/>
+              <a:tabLst/>
+            </a:pPr>
+            <a:r>
+              <a:rPr kumimoji="0" lang="en-US" altLang="en-US" sz="1600" b="1" i="0" u="none" strike="noStrike" cap="none" normalizeH="0" baseline="0" dirty="0">
+                <a:ln>
+                  <a:noFill/>
+                </a:ln>
+                <a:solidFill>
+                  <a:schemeClr val="bg1"/>
+                </a:solidFill>
+                <a:effectLst/>
+                <a:latin typeface="Arial" panose="020B0604020202020204" pitchFamily="34" charset="0"/>
+              </a:rPr>
+              <a:t>Logistic Regression struggles significantly</a:t>
+            </a:r>
+            <a:r>
+              <a:rPr kumimoji="0" lang="en-US" altLang="en-US" sz="1600" b="0" i="0" u="none" strike="noStrike" cap="none" normalizeH="0" baseline="0" dirty="0">
+                <a:ln>
+                  <a:noFill/>
+                </a:ln>
+                <a:solidFill>
+                  <a:schemeClr val="bg1"/>
+                </a:solidFill>
+                <a:effectLst/>
+                <a:latin typeface="Arial" panose="020B0604020202020204" pitchFamily="34" charset="0"/>
+              </a:rPr>
+              <a:t>, likely due to the non-linear and imbalanced nature of the data. It may not be ideal unless used as a baseline or with dimensionality reduction.</a:t>
+            </a:r>
+          </a:p>
+        </p:txBody>
+      </p:sp>
+    </p:spTree>
+    <p:extLst>
+      <p:ext uri="{BB962C8B-B14F-4D97-AF65-F5344CB8AC3E}">
+        <p14:creationId xmlns:p14="http://schemas.microsoft.com/office/powerpoint/2010/main" val="200823420"/>
+      </p:ext>
+    </p:extLst>
+  </p:cSld>
+  <p:clrMapOvr>
+    <a:masterClrMapping/>
+  </p:clrMapOvr>
+</p:sld>
+</file>
+
+<file path=ppt/slides/slide13.xml><?xml version="1.0" encoding="utf-8"?>
+<p:sld xmlns:a="http://schemas.openxmlformats.org/drawingml/2006/main" xmlns:r="http://schemas.openxmlformats.org/officeDocument/2006/relationships" xmlns:p="http://schemas.openxmlformats.org/presentationml/2006/main">
+  <p:cSld>
+    <p:bg>
+      <p:bgPr>
+        <a:blipFill rotWithShape="1">
+          <a:blip r:embed="rId2">
+            <a:duotone>
+              <a:schemeClr val="bg2">
+                <a:shade val="62000"/>
+                <a:hueMod val="108000"/>
+                <a:satMod val="164000"/>
+                <a:lumMod val="69000"/>
+              </a:schemeClr>
+              <a:schemeClr val="bg2">
+                <a:tint val="96000"/>
+                <a:hueMod val="90000"/>
+                <a:satMod val="130000"/>
+                <a:lumMod val="134000"/>
+              </a:schemeClr>
+            </a:duotone>
+          </a:blip>
+          <a:stretch/>
+        </a:blipFill>
+        <a:effectLst/>
+      </p:bgPr>
+    </p:bg>
+    <p:spTree>
+      <p:nvGrpSpPr>
+        <p:cNvPr id="1" name=""/>
+        <p:cNvGrpSpPr/>
+        <p:nvPr/>
+      </p:nvGrpSpPr>
+      <p:grpSpPr>
+        <a:xfrm>
+          <a:off x="0" y="0"/>
+          <a:ext cx="0" cy="0"/>
+          <a:chOff x="0" y="0"/>
+          <a:chExt cx="0" cy="0"/>
+        </a:xfrm>
+      </p:grpSpPr>
+      <p:sp>
+        <p:nvSpPr>
+          <p:cNvPr id="2" name="Title 1"/>
+          <p:cNvSpPr>
+            <a:spLocks noGrp="1"/>
+          </p:cNvSpPr>
+          <p:nvPr>
+            <p:ph type="title"/>
+          </p:nvPr>
+        </p:nvSpPr>
+        <p:spPr>
+          <a:xfrm>
+            <a:off x="3529986" y="629266"/>
+            <a:ext cx="4007403" cy="1641986"/>
+          </a:xfrm>
+        </p:spPr>
+        <p:txBody>
+          <a:bodyPr>
+            <a:normAutofit/>
+          </a:bodyPr>
+          <a:lstStyle/>
+          <a:p>
+            <a:r>
               <a:t>Limitations &amp; Future Work</a:t>
             </a:r>
           </a:p>
@@ -9908,7 +8731,7 @@
 </p:sld>
 </file>
 
-<file path=ppt/slides/slide11.xml><?xml version="1.0" encoding="utf-8"?>
+<file path=ppt/slides/slide14.xml><?xml version="1.0" encoding="utf-8"?>
 <p:sld xmlns:a="http://schemas.openxmlformats.org/drawingml/2006/main" xmlns:r="http://schemas.openxmlformats.org/officeDocument/2006/relationships" xmlns:p="http://schemas.openxmlformats.org/presentationml/2006/main">
   <p:cSld>
     <p:spTree>
@@ -10033,8 +8856,8 @@
         </p:nvSpPr>
         <p:spPr>
           <a:xfrm>
-            <a:off x="3529986" y="629266"/>
-            <a:ext cx="4007403" cy="1641986"/>
+            <a:off x="3044211" y="223823"/>
+            <a:ext cx="5055080" cy="1641986"/>
           </a:xfrm>
         </p:spPr>
         <p:txBody>
@@ -10044,6 +8867,7 @@
           <a:lstStyle/>
           <a:p>
             <a:r>
+              <a:rPr sz="3200" dirty="0"/>
               <a:t>Problem Statement</a:t>
             </a:r>
           </a:p>
@@ -10090,41 +8914,58 @@
         </p:nvSpPr>
         <p:spPr>
           <a:xfrm>
-            <a:off x="3529986" y="2438400"/>
-            <a:ext cx="4007403" cy="3809999"/>
+            <a:off x="3044211" y="897147"/>
+            <a:ext cx="5624423" cy="4692769"/>
           </a:xfrm>
         </p:spPr>
         <p:txBody>
           <a:bodyPr>
-            <a:normAutofit/>
+            <a:noAutofit/>
           </a:bodyPr>
           <a:lstStyle/>
           <a:p>
+            <a:pPr>
+              <a:buNone/>
+            </a:pPr>
+            <a:r>
+              <a:rPr lang="en-US" sz="1400" dirty="0"/>
+              <a:t>In the heart of Portugal’s scenic Douro Valley, nestled between sun-drenched vineyards and centuries-old wineries, a seasoned winemaker named Luís faces a growing challenge. As demand for high-quality Vinho Verde wines rises globally, Luís’s small team of expert tasters is stretched thin, relying on their senses and years of experience to assess the quality of each batch. But human evaluation, though nuanced and rich, is inherently subjective. One taster's “exceptional” may be another's “acceptable.”</a:t>
+            </a:r>
+          </a:p>
+          <a:p>
+            <a:pPr>
+              <a:buNone/>
+            </a:pPr>
+            <a:r>
+              <a:rPr lang="en-US" sz="1400" dirty="0"/>
+              <a:t>Meanwhile, modern wineries around the world are adopting data-driven tools to stay competitive—streamlining production, enhancing consistency, and cutting costs. Luís wonders: </a:t>
+            </a:r>
+            <a:r>
+              <a:rPr lang="en-US" sz="1400" i="1" dirty="0"/>
+              <a:t>Can technology support tradition rather than replace it?</a:t>
+            </a:r>
+            <a:endParaRPr lang="en-US" sz="1400" dirty="0"/>
+          </a:p>
+          <a:p>
+            <a:pPr>
+              <a:buNone/>
+            </a:pPr>
+            <a:r>
+              <a:rPr lang="en-US" sz="1400" dirty="0"/>
+              <a:t>Armed with years of physicochemical data—acidity, sugar content, pH, alcohol levels—Luís partners with a data science team to build a solution. Their goal: create a machine learning model that mirrors the intuition of an expert, predicting wine quality accurately, consistently, and efficiently. If successful, this model could free up valuable time, ensure consistent standards, and even help improve future vintages.</a:t>
+            </a:r>
+          </a:p>
+          <a:p>
+            <a:r>
+              <a:rPr lang="en-US" sz="1400" dirty="0"/>
+              <a:t>Thus begins a journey to blend the art of winemaking with the science of machine learning.</a:t>
+            </a:r>
+          </a:p>
+          <a:p>
             <a:pPr marL="0" indent="0">
               <a:buNone/>
             </a:pPr>
-            <a:r>
-              <a:rPr dirty="0"/>
-              <a:t>• Can we predict wine quality using chemical properties?</a:t>
-            </a:r>
-          </a:p>
-          <a:p>
-            <a:pPr marL="0" indent="0">
-              <a:buNone/>
-            </a:pPr>
-            <a:r>
-              <a:rPr dirty="0"/>
-              <a:t>• Helps winemakers improve quality control &amp; decision-making.</a:t>
-            </a:r>
-          </a:p>
-          <a:p>
-            <a:pPr marL="0" indent="0">
-              <a:buNone/>
-            </a:pPr>
-            <a:r>
-              <a:rPr dirty="0"/>
-              <a:t>• Supports data-driven production and marketing strategies.</a:t>
-            </a:r>
+            <a:endParaRPr sz="1400" dirty="0"/>
           </a:p>
         </p:txBody>
       </p:sp>
@@ -10189,8 +9030,719 @@
         </p:nvSpPr>
         <p:spPr>
           <a:xfrm>
-            <a:off x="3529986" y="629266"/>
-            <a:ext cx="4007403" cy="1641986"/>
+            <a:off x="476417" y="629266"/>
+            <a:ext cx="2337517" cy="5594554"/>
+          </a:xfrm>
+        </p:spPr>
+        <p:txBody>
+          <a:bodyPr anchor="ctr">
+            <a:normAutofit/>
+          </a:bodyPr>
+          <a:lstStyle/>
+          <a:p>
+            <a:r>
+              <a:t>The Dataset</a:t>
+            </a:r>
+          </a:p>
+        </p:txBody>
+      </p:sp>
+      <p:sp>
+        <p:nvSpPr>
+          <p:cNvPr id="1033" name="Freeform 7">
+            <a:extLst>
+              <a:ext uri="{FF2B5EF4-FFF2-40B4-BE49-F238E27FC236}">
+                <a16:creationId xmlns:a16="http://schemas.microsoft.com/office/drawing/2014/main" id="{A89F1728-E5A8-4BD0-B9CA-EEF2932EF7FF}"/>
+              </a:ext>
+              <a:ext uri="{C183D7F6-B498-43B3-948B-1728B52AA6E4}">
+                <adec:decorative xmlns:adec="http://schemas.microsoft.com/office/drawing/2017/decorative" val="1"/>
+              </a:ext>
+            </a:extLst>
+          </p:cNvPr>
+          <p:cNvSpPr>
+            <a:spLocks noGrp="1" noRot="1" noChangeAspect="1" noMove="1" noResize="1" noEditPoints="1" noAdjustHandles="1" noChangeArrowheads="1" noChangeShapeType="1" noTextEdit="1"/>
+          </p:cNvSpPr>
+          <p:nvPr>
+            <p:extLst>
+              <p:ext uri="{386F3935-93C4-4BCD-93E2-E3B085C9AB24}">
+                <p16:designElem xmlns:p16="http://schemas.microsoft.com/office/powerpoint/2015/main" val="1"/>
+              </p:ext>
+            </p:extLst>
+          </p:nvPr>
+        </p:nvSpPr>
+        <p:spPr>
+          <a:xfrm>
+            <a:off x="2961082" y="-1"/>
+            <a:ext cx="419604" cy="3709642"/>
+          </a:xfrm>
+          <a:custGeom>
+            <a:avLst/>
+            <a:gdLst>
+              <a:gd name="connsiteX0" fmla="*/ 0 w 559472"/>
+              <a:gd name="connsiteY0" fmla="*/ 0 h 3709642"/>
+              <a:gd name="connsiteX1" fmla="*/ 473952 w 559472"/>
+              <a:gd name="connsiteY1" fmla="*/ 0 h 3709642"/>
+              <a:gd name="connsiteX2" fmla="*/ 485840 w 559472"/>
+              <a:gd name="connsiteY2" fmla="*/ 161194 h 3709642"/>
+              <a:gd name="connsiteX3" fmla="*/ 523949 w 559472"/>
+              <a:gd name="connsiteY3" fmla="*/ 3672197 h 3709642"/>
+              <a:gd name="connsiteX4" fmla="*/ 454748 w 559472"/>
+              <a:gd name="connsiteY4" fmla="*/ 3709642 h 3709642"/>
+              <a:gd name="connsiteX5" fmla="*/ 448224 w 559472"/>
+              <a:gd name="connsiteY5" fmla="*/ 3510471 h 3709642"/>
+              <a:gd name="connsiteX6" fmla="*/ 443564 w 559472"/>
+              <a:gd name="connsiteY6" fmla="*/ 3408563 h 3709642"/>
+              <a:gd name="connsiteX7" fmla="*/ 438902 w 559472"/>
+              <a:gd name="connsiteY7" fmla="*/ 3304407 h 3709642"/>
+              <a:gd name="connsiteX8" fmla="*/ 433941 w 559472"/>
+              <a:gd name="connsiteY8" fmla="*/ 3198777 h 3709642"/>
+              <a:gd name="connsiteX9" fmla="*/ 427584 w 559472"/>
+              <a:gd name="connsiteY9" fmla="*/ 3092510 h 3709642"/>
+              <a:gd name="connsiteX10" fmla="*/ 420988 w 559472"/>
+              <a:gd name="connsiteY10" fmla="*/ 2984390 h 3709642"/>
+              <a:gd name="connsiteX11" fmla="*/ 414330 w 559472"/>
+              <a:gd name="connsiteY11" fmla="*/ 2874401 h 3709642"/>
+              <a:gd name="connsiteX12" fmla="*/ 406840 w 559472"/>
+              <a:gd name="connsiteY12" fmla="*/ 2762980 h 3709642"/>
+              <a:gd name="connsiteX13" fmla="*/ 397745 w 559472"/>
+              <a:gd name="connsiteY13" fmla="*/ 2650566 h 3709642"/>
+              <a:gd name="connsiteX14" fmla="*/ 389154 w 559472"/>
+              <a:gd name="connsiteY14" fmla="*/ 2536612 h 3709642"/>
+              <a:gd name="connsiteX15" fmla="*/ 379225 w 559472"/>
+              <a:gd name="connsiteY15" fmla="*/ 2421642 h 3709642"/>
+              <a:gd name="connsiteX16" fmla="*/ 368316 w 559472"/>
+              <a:gd name="connsiteY16" fmla="*/ 2305627 h 3709642"/>
+              <a:gd name="connsiteX17" fmla="*/ 357466 w 559472"/>
+              <a:gd name="connsiteY17" fmla="*/ 2189233 h 3709642"/>
+              <a:gd name="connsiteX18" fmla="*/ 344982 w 559472"/>
+              <a:gd name="connsiteY18" fmla="*/ 2071473 h 3709642"/>
+              <a:gd name="connsiteX19" fmla="*/ 332466 w 559472"/>
+              <a:gd name="connsiteY19" fmla="*/ 1952216 h 3709642"/>
+              <a:gd name="connsiteX20" fmla="*/ 319121 w 559472"/>
+              <a:gd name="connsiteY20" fmla="*/ 1833776 h 3709642"/>
+              <a:gd name="connsiteX21" fmla="*/ 304408 w 559472"/>
+              <a:gd name="connsiteY21" fmla="*/ 1713948 h 3709642"/>
+              <a:gd name="connsiteX22" fmla="*/ 288685 w 559472"/>
+              <a:gd name="connsiteY22" fmla="*/ 1592703 h 3709642"/>
+              <a:gd name="connsiteX23" fmla="*/ 273050 w 559472"/>
+              <a:gd name="connsiteY23" fmla="*/ 1471451 h 3709642"/>
+              <a:gd name="connsiteX24" fmla="*/ 255813 w 559472"/>
+              <a:gd name="connsiteY24" fmla="*/ 1350328 h 3709642"/>
+              <a:gd name="connsiteX25" fmla="*/ 237060 w 559472"/>
+              <a:gd name="connsiteY25" fmla="*/ 1227080 h 3709642"/>
+              <a:gd name="connsiteX26" fmla="*/ 218488 w 559472"/>
+              <a:gd name="connsiteY26" fmla="*/ 1106065 h 3709642"/>
+              <a:gd name="connsiteX27" fmla="*/ 198221 w 559472"/>
+              <a:gd name="connsiteY27" fmla="*/ 982940 h 3709642"/>
+              <a:gd name="connsiteX28" fmla="*/ 177152 w 559472"/>
+              <a:gd name="connsiteY28" fmla="*/ 858755 h 3709642"/>
+              <a:gd name="connsiteX29" fmla="*/ 155551 w 559472"/>
+              <a:gd name="connsiteY29" fmla="*/ 736861 h 3709642"/>
+              <a:gd name="connsiteX30" fmla="*/ 131782 w 559472"/>
+              <a:gd name="connsiteY30" fmla="*/ 613645 h 3709642"/>
+              <a:gd name="connsiteX31" fmla="*/ 107123 w 559472"/>
+              <a:gd name="connsiteY31" fmla="*/ 490500 h 3709642"/>
+              <a:gd name="connsiteX32" fmla="*/ 82552 w 559472"/>
+              <a:gd name="connsiteY32" fmla="*/ 367348 h 3709642"/>
+              <a:gd name="connsiteX33" fmla="*/ 55608 w 559472"/>
+              <a:gd name="connsiteY33" fmla="*/ 244762 h 3709642"/>
+              <a:gd name="connsiteX34" fmla="*/ 28130 w 559472"/>
+              <a:gd name="connsiteY34" fmla="*/ 122220 h 3709642"/>
+              <a:gd name="connsiteX35" fmla="*/ 0 w 559472"/>
+              <a:gd name="connsiteY35" fmla="*/ 0 h 3709642"/>
+            </a:gdLst>
+            <a:ahLst/>
+            <a:cxnLst>
+              <a:cxn ang="0">
+                <a:pos x="connsiteX0" y="connsiteY0"/>
+              </a:cxn>
+              <a:cxn ang="0">
+                <a:pos x="connsiteX1" y="connsiteY1"/>
+              </a:cxn>
+              <a:cxn ang="0">
+                <a:pos x="connsiteX2" y="connsiteY2"/>
+              </a:cxn>
+              <a:cxn ang="0">
+                <a:pos x="connsiteX3" y="connsiteY3"/>
+              </a:cxn>
+              <a:cxn ang="0">
+                <a:pos x="connsiteX4" y="connsiteY4"/>
+              </a:cxn>
+              <a:cxn ang="0">
+                <a:pos x="connsiteX5" y="connsiteY5"/>
+              </a:cxn>
+              <a:cxn ang="0">
+                <a:pos x="connsiteX6" y="connsiteY6"/>
+              </a:cxn>
+              <a:cxn ang="0">
+                <a:pos x="connsiteX7" y="connsiteY7"/>
+              </a:cxn>
+              <a:cxn ang="0">
+                <a:pos x="connsiteX8" y="connsiteY8"/>
+              </a:cxn>
+              <a:cxn ang="0">
+                <a:pos x="connsiteX9" y="connsiteY9"/>
+              </a:cxn>
+              <a:cxn ang="0">
+                <a:pos x="connsiteX10" y="connsiteY10"/>
+              </a:cxn>
+              <a:cxn ang="0">
+                <a:pos x="connsiteX11" y="connsiteY11"/>
+              </a:cxn>
+              <a:cxn ang="0">
+                <a:pos x="connsiteX12" y="connsiteY12"/>
+              </a:cxn>
+              <a:cxn ang="0">
+                <a:pos x="connsiteX13" y="connsiteY13"/>
+              </a:cxn>
+              <a:cxn ang="0">
+                <a:pos x="connsiteX14" y="connsiteY14"/>
+              </a:cxn>
+              <a:cxn ang="0">
+                <a:pos x="connsiteX15" y="connsiteY15"/>
+              </a:cxn>
+              <a:cxn ang="0">
+                <a:pos x="connsiteX16" y="connsiteY16"/>
+              </a:cxn>
+              <a:cxn ang="0">
+                <a:pos x="connsiteX17" y="connsiteY17"/>
+              </a:cxn>
+              <a:cxn ang="0">
+                <a:pos x="connsiteX18" y="connsiteY18"/>
+              </a:cxn>
+              <a:cxn ang="0">
+                <a:pos x="connsiteX19" y="connsiteY19"/>
+              </a:cxn>
+              <a:cxn ang="0">
+                <a:pos x="connsiteX20" y="connsiteY20"/>
+              </a:cxn>
+              <a:cxn ang="0">
+                <a:pos x="connsiteX21" y="connsiteY21"/>
+              </a:cxn>
+              <a:cxn ang="0">
+                <a:pos x="connsiteX22" y="connsiteY22"/>
+              </a:cxn>
+              <a:cxn ang="0">
+                <a:pos x="connsiteX23" y="connsiteY23"/>
+              </a:cxn>
+              <a:cxn ang="0">
+                <a:pos x="connsiteX24" y="connsiteY24"/>
+              </a:cxn>
+              <a:cxn ang="0">
+                <a:pos x="connsiteX25" y="connsiteY25"/>
+              </a:cxn>
+              <a:cxn ang="0">
+                <a:pos x="connsiteX26" y="connsiteY26"/>
+              </a:cxn>
+              <a:cxn ang="0">
+                <a:pos x="connsiteX27" y="connsiteY27"/>
+              </a:cxn>
+              <a:cxn ang="0">
+                <a:pos x="connsiteX28" y="connsiteY28"/>
+              </a:cxn>
+              <a:cxn ang="0">
+                <a:pos x="connsiteX29" y="connsiteY29"/>
+              </a:cxn>
+              <a:cxn ang="0">
+                <a:pos x="connsiteX30" y="connsiteY30"/>
+              </a:cxn>
+              <a:cxn ang="0">
+                <a:pos x="connsiteX31" y="connsiteY31"/>
+              </a:cxn>
+              <a:cxn ang="0">
+                <a:pos x="connsiteX32" y="connsiteY32"/>
+              </a:cxn>
+              <a:cxn ang="0">
+                <a:pos x="connsiteX33" y="connsiteY33"/>
+              </a:cxn>
+              <a:cxn ang="0">
+                <a:pos x="connsiteX34" y="connsiteY34"/>
+              </a:cxn>
+              <a:cxn ang="0">
+                <a:pos x="connsiteX35" y="connsiteY35"/>
+              </a:cxn>
+            </a:cxnLst>
+            <a:rect l="l" t="t" r="r" b="b"/>
+            <a:pathLst>
+              <a:path w="559472" h="3709642">
+                <a:moveTo>
+                  <a:pt x="0" y="0"/>
+                </a:moveTo>
+                <a:lnTo>
+                  <a:pt x="473952" y="0"/>
+                </a:lnTo>
+                <a:lnTo>
+                  <a:pt x="485840" y="161194"/>
+                </a:lnTo>
+                <a:cubicBezTo>
+                  <a:pt x="552063" y="1147770"/>
+                  <a:pt x="592441" y="3086737"/>
+                  <a:pt x="523949" y="3672197"/>
+                </a:cubicBezTo>
+                <a:cubicBezTo>
+                  <a:pt x="500842" y="3684557"/>
+                  <a:pt x="477855" y="3697282"/>
+                  <a:pt x="454748" y="3709642"/>
+                </a:cubicBezTo>
+                <a:lnTo>
+                  <a:pt x="448224" y="3510471"/>
+                </a:lnTo>
+                <a:lnTo>
+                  <a:pt x="443564" y="3408563"/>
+                </a:lnTo>
+                <a:lnTo>
+                  <a:pt x="438902" y="3304407"/>
+                </a:lnTo>
+                <a:lnTo>
+                  <a:pt x="433941" y="3198777"/>
+                </a:lnTo>
+                <a:lnTo>
+                  <a:pt x="427584" y="3092510"/>
+                </a:lnTo>
+                <a:lnTo>
+                  <a:pt x="420988" y="2984390"/>
+                </a:lnTo>
+                <a:lnTo>
+                  <a:pt x="414330" y="2874401"/>
+                </a:lnTo>
+                <a:lnTo>
+                  <a:pt x="406840" y="2762980"/>
+                </a:lnTo>
+                <a:lnTo>
+                  <a:pt x="397745" y="2650566"/>
+                </a:lnTo>
+                <a:lnTo>
+                  <a:pt x="389154" y="2536612"/>
+                </a:lnTo>
+                <a:lnTo>
+                  <a:pt x="379225" y="2421642"/>
+                </a:lnTo>
+                <a:lnTo>
+                  <a:pt x="368316" y="2305627"/>
+                </a:lnTo>
+                <a:lnTo>
+                  <a:pt x="357466" y="2189233"/>
+                </a:lnTo>
+                <a:lnTo>
+                  <a:pt x="344982" y="2071473"/>
+                </a:lnTo>
+                <a:lnTo>
+                  <a:pt x="332466" y="1952216"/>
+                </a:lnTo>
+                <a:lnTo>
+                  <a:pt x="319121" y="1833776"/>
+                </a:lnTo>
+                <a:lnTo>
+                  <a:pt x="304408" y="1713948"/>
+                </a:lnTo>
+                <a:lnTo>
+                  <a:pt x="288685" y="1592703"/>
+                </a:lnTo>
+                <a:lnTo>
+                  <a:pt x="273050" y="1471451"/>
+                </a:lnTo>
+                <a:lnTo>
+                  <a:pt x="255813" y="1350328"/>
+                </a:lnTo>
+                <a:lnTo>
+                  <a:pt x="237060" y="1227080"/>
+                </a:lnTo>
+                <a:lnTo>
+                  <a:pt x="218488" y="1106065"/>
+                </a:lnTo>
+                <a:lnTo>
+                  <a:pt x="198221" y="982940"/>
+                </a:lnTo>
+                <a:lnTo>
+                  <a:pt x="177152" y="858755"/>
+                </a:lnTo>
+                <a:lnTo>
+                  <a:pt x="155551" y="736861"/>
+                </a:lnTo>
+                <a:lnTo>
+                  <a:pt x="131782" y="613645"/>
+                </a:lnTo>
+                <a:lnTo>
+                  <a:pt x="107123" y="490500"/>
+                </a:lnTo>
+                <a:lnTo>
+                  <a:pt x="82552" y="367348"/>
+                </a:lnTo>
+                <a:lnTo>
+                  <a:pt x="55608" y="244762"/>
+                </a:lnTo>
+                <a:lnTo>
+                  <a:pt x="28130" y="122220"/>
+                </a:lnTo>
+                <a:lnTo>
+                  <a:pt x="0" y="0"/>
+                </a:lnTo>
+                <a:close/>
+              </a:path>
+            </a:pathLst>
+          </a:custGeom>
+          <a:solidFill>
+            <a:schemeClr val="tx1">
+              <a:alpha val="20000"/>
+            </a:schemeClr>
+          </a:solidFill>
+          <a:ln>
+            <a:noFill/>
+          </a:ln>
+        </p:spPr>
+        <p:txBody>
+          <a:bodyPr rtlCol="0" anchor="ctr"/>
+          <a:lstStyle/>
+          <a:p>
+            <a:pPr algn="ctr"/>
+            <a:endParaRPr lang="en-US"/>
+          </a:p>
+        </p:txBody>
+      </p:sp>
+      <p:sp>
+        <p:nvSpPr>
+          <p:cNvPr id="1035" name="Rectangle 1034">
+            <a:extLst>
+              <a:ext uri="{FF2B5EF4-FFF2-40B4-BE49-F238E27FC236}">
+                <a16:creationId xmlns:a16="http://schemas.microsoft.com/office/drawing/2014/main" id="{BB9D57DE-38E5-4D79-A639-6C94A39EFA81}"/>
+              </a:ext>
+              <a:ext uri="{C183D7F6-B498-43B3-948B-1728B52AA6E4}">
+                <adec:decorative xmlns:adec="http://schemas.microsoft.com/office/drawing/2017/decorative" val="1"/>
+              </a:ext>
+            </a:extLst>
+          </p:cNvPr>
+          <p:cNvSpPr>
+            <a:spLocks noGrp="1" noRot="1" noChangeAspect="1" noMove="1" noResize="1" noEditPoints="1" noAdjustHandles="1" noChangeArrowheads="1" noChangeShapeType="1" noTextEdit="1"/>
+          </p:cNvSpPr>
+          <p:nvPr>
+            <p:extLst>
+              <p:ext uri="{386F3935-93C4-4BCD-93E2-E3B085C9AB24}">
+                <p16:designElem xmlns:p16="http://schemas.microsoft.com/office/powerpoint/2015/main" val="1"/>
+              </p:ext>
+            </p:extLst>
+          </p:nvPr>
+        </p:nvSpPr>
+        <p:spPr>
+          <a:xfrm>
+            <a:off x="3479292" y="0"/>
+            <a:ext cx="5664708" cy="6858000"/>
+          </a:xfrm>
+          <a:prstGeom prst="rect">
+            <a:avLst/>
+          </a:prstGeom>
+          <a:solidFill>
+            <a:srgbClr val="FFFFFF"/>
+          </a:solidFill>
+          <a:ln>
+            <a:noFill/>
+          </a:ln>
+        </p:spPr>
+        <p:style>
+          <a:lnRef idx="2">
+            <a:schemeClr val="accent1">
+              <a:shade val="50000"/>
+            </a:schemeClr>
+          </a:lnRef>
+          <a:fillRef idx="1">
+            <a:schemeClr val="accent1"/>
+          </a:fillRef>
+          <a:effectRef idx="0">
+            <a:schemeClr val="accent1"/>
+          </a:effectRef>
+          <a:fontRef idx="minor">
+            <a:schemeClr val="lt1"/>
+          </a:fontRef>
+        </p:style>
+        <p:txBody>
+          <a:bodyPr rtlCol="0" anchor="ctr"/>
+          <a:lstStyle/>
+          <a:p>
+            <a:pPr algn="ctr"/>
+            <a:endParaRPr lang="en-US"/>
+          </a:p>
+        </p:txBody>
+      </p:sp>
+      <p:sp>
+        <p:nvSpPr>
+          <p:cNvPr id="1037" name="Freeform 5">
+            <a:extLst>
+              <a:ext uri="{FF2B5EF4-FFF2-40B4-BE49-F238E27FC236}">
+                <a16:creationId xmlns:a16="http://schemas.microsoft.com/office/drawing/2014/main" id="{60C18FE5-FC12-4EB1-8FE4-487733A2F68C}"/>
+              </a:ext>
+              <a:ext uri="{C183D7F6-B498-43B3-948B-1728B52AA6E4}">
+                <adec:decorative xmlns:adec="http://schemas.microsoft.com/office/drawing/2017/decorative" val="1"/>
+              </a:ext>
+            </a:extLst>
+          </p:cNvPr>
+          <p:cNvSpPr>
+            <a:spLocks noGrp="1" noRot="1" noChangeAspect="1" noMove="1" noResize="1" noEditPoints="1" noAdjustHandles="1" noChangeArrowheads="1" noChangeShapeType="1" noTextEdit="1"/>
+          </p:cNvSpPr>
+          <p:nvPr>
+            <p:extLst>
+              <p:ext uri="{386F3935-93C4-4BCD-93E2-E3B085C9AB24}">
+                <p16:designElem xmlns:p16="http://schemas.microsoft.com/office/powerpoint/2015/main" val="1"/>
+              </p:ext>
+            </p:extLst>
+          </p:nvPr>
+        </p:nvSpPr>
+        <p:spPr bwMode="gray">
+          <a:xfrm rot="16200000">
+            <a:off x="196250" y="2924731"/>
+            <a:ext cx="6858000" cy="1008536"/>
+          </a:xfrm>
+          <a:custGeom>
+            <a:avLst/>
+            <a:gdLst/>
+            <a:ahLst/>
+            <a:cxnLst/>
+            <a:rect l="l" t="t" r="r" b="b"/>
+            <a:pathLst>
+              <a:path w="10000" h="8000">
+                <a:moveTo>
+                  <a:pt x="0" y="0"/>
+                </a:moveTo>
+                <a:lnTo>
+                  <a:pt x="0" y="7970"/>
+                </a:lnTo>
+                <a:lnTo>
+                  <a:pt x="10000" y="8000"/>
+                </a:lnTo>
+                <a:lnTo>
+                  <a:pt x="10000" y="7"/>
+                </a:lnTo>
+                <a:lnTo>
+                  <a:pt x="10000" y="7"/>
+                </a:lnTo>
+                <a:lnTo>
+                  <a:pt x="9773" y="156"/>
+                </a:lnTo>
+                <a:lnTo>
+                  <a:pt x="9547" y="298"/>
+                </a:lnTo>
+                <a:lnTo>
+                  <a:pt x="9320" y="437"/>
+                </a:lnTo>
+                <a:lnTo>
+                  <a:pt x="9092" y="556"/>
+                </a:lnTo>
+                <a:lnTo>
+                  <a:pt x="8865" y="676"/>
+                </a:lnTo>
+                <a:lnTo>
+                  <a:pt x="8637" y="788"/>
+                </a:lnTo>
+                <a:lnTo>
+                  <a:pt x="8412" y="884"/>
+                </a:lnTo>
+                <a:lnTo>
+                  <a:pt x="8184" y="975"/>
+                </a:lnTo>
+                <a:lnTo>
+                  <a:pt x="7957" y="1058"/>
+                </a:lnTo>
+                <a:lnTo>
+                  <a:pt x="7734" y="1130"/>
+                </a:lnTo>
+                <a:lnTo>
+                  <a:pt x="7508" y="1202"/>
+                </a:lnTo>
+                <a:lnTo>
+                  <a:pt x="7285" y="1262"/>
+                </a:lnTo>
+                <a:lnTo>
+                  <a:pt x="7062" y="1309"/>
+                </a:lnTo>
+                <a:lnTo>
+                  <a:pt x="6840" y="1358"/>
+                </a:lnTo>
+                <a:lnTo>
+                  <a:pt x="6620" y="1399"/>
+                </a:lnTo>
+                <a:lnTo>
+                  <a:pt x="6402" y="1428"/>
+                </a:lnTo>
+                <a:lnTo>
+                  <a:pt x="6184" y="1453"/>
+                </a:lnTo>
+                <a:lnTo>
+                  <a:pt x="5968" y="1477"/>
+                </a:lnTo>
+                <a:lnTo>
+                  <a:pt x="5755" y="1488"/>
+                </a:lnTo>
+                <a:lnTo>
+                  <a:pt x="5542" y="1500"/>
+                </a:lnTo>
+                <a:lnTo>
+                  <a:pt x="5332" y="1506"/>
+                </a:lnTo>
+                <a:lnTo>
+                  <a:pt x="5124" y="1500"/>
+                </a:lnTo>
+                <a:lnTo>
+                  <a:pt x="4918" y="1500"/>
+                </a:lnTo>
+                <a:lnTo>
+                  <a:pt x="4714" y="1488"/>
+                </a:lnTo>
+                <a:lnTo>
+                  <a:pt x="4514" y="1470"/>
+                </a:lnTo>
+                <a:lnTo>
+                  <a:pt x="4316" y="1453"/>
+                </a:lnTo>
+                <a:lnTo>
+                  <a:pt x="4122" y="1434"/>
+                </a:lnTo>
+                <a:lnTo>
+                  <a:pt x="3929" y="1405"/>
+                </a:lnTo>
+                <a:lnTo>
+                  <a:pt x="3739" y="1374"/>
+                </a:lnTo>
+                <a:lnTo>
+                  <a:pt x="3553" y="1346"/>
+                </a:lnTo>
+                <a:lnTo>
+                  <a:pt x="3190" y="1267"/>
+                </a:lnTo>
+                <a:lnTo>
+                  <a:pt x="2842" y="1183"/>
+                </a:lnTo>
+                <a:lnTo>
+                  <a:pt x="2508" y="1095"/>
+                </a:lnTo>
+                <a:lnTo>
+                  <a:pt x="2192" y="998"/>
+                </a:lnTo>
+                <a:lnTo>
+                  <a:pt x="1890" y="897"/>
+                </a:lnTo>
+                <a:lnTo>
+                  <a:pt x="1610" y="788"/>
+                </a:lnTo>
+                <a:lnTo>
+                  <a:pt x="1347" y="681"/>
+                </a:lnTo>
+                <a:lnTo>
+                  <a:pt x="1105" y="574"/>
+                </a:lnTo>
+                <a:lnTo>
+                  <a:pt x="883" y="473"/>
+                </a:lnTo>
+                <a:lnTo>
+                  <a:pt x="686" y="377"/>
+                </a:lnTo>
+                <a:lnTo>
+                  <a:pt x="508" y="286"/>
+                </a:lnTo>
+                <a:lnTo>
+                  <a:pt x="358" y="210"/>
+                </a:lnTo>
+                <a:lnTo>
+                  <a:pt x="232" y="138"/>
+                </a:lnTo>
+                <a:lnTo>
+                  <a:pt x="59" y="35"/>
+                </a:lnTo>
+                <a:lnTo>
+                  <a:pt x="0" y="0"/>
+                </a:lnTo>
+                <a:lnTo>
+                  <a:pt x="0" y="0"/>
+                </a:lnTo>
+                <a:close/>
+              </a:path>
+            </a:pathLst>
+          </a:custGeom>
+          <a:solidFill>
+            <a:srgbClr val="FFFFFF"/>
+          </a:solidFill>
+          <a:ln>
+            <a:noFill/>
+          </a:ln>
+        </p:spPr>
+        <p:txBody>
+          <a:bodyPr/>
+          <a:lstStyle/>
+          <a:p>
+            <a:endParaRPr lang="en-US"/>
+          </a:p>
+        </p:txBody>
+      </p:sp>
+      <p:sp>
+        <p:nvSpPr>
+          <p:cNvPr id="1039" name="Rectangle 1038">
+            <a:extLst>
+              <a:ext uri="{FF2B5EF4-FFF2-40B4-BE49-F238E27FC236}">
+                <a16:creationId xmlns:a16="http://schemas.microsoft.com/office/drawing/2014/main" id="{D169092A-AB26-44D5-B7AB-FCEF25A5A7F0}"/>
+              </a:ext>
+              <a:ext uri="{C183D7F6-B498-43B3-948B-1728B52AA6E4}">
+                <adec:decorative xmlns:adec="http://schemas.microsoft.com/office/drawing/2017/decorative" val="1"/>
+              </a:ext>
+            </a:extLst>
+          </p:cNvPr>
+          <p:cNvSpPr>
+            <a:spLocks noGrp="1" noRot="1" noChangeAspect="1" noMove="1" noResize="1" noEditPoints="1" noAdjustHandles="1" noChangeArrowheads="1" noChangeShapeType="1" noTextEdit="1"/>
+          </p:cNvSpPr>
+          <p:nvPr>
+            <p:extLst>
+              <p:ext uri="{386F3935-93C4-4BCD-93E2-E3B085C9AB24}">
+                <p16:designElem xmlns:p16="http://schemas.microsoft.com/office/powerpoint/2015/main" val="1"/>
+              </p:ext>
+            </p:extLst>
+          </p:nvPr>
+        </p:nvSpPr>
+        <p:spPr>
+          <a:xfrm>
+            <a:off x="7828359" y="0"/>
+            <a:ext cx="514350" cy="1143000"/>
+          </a:xfrm>
+          <a:prstGeom prst="rect">
+            <a:avLst/>
+          </a:prstGeom>
+          <a:solidFill>
+            <a:schemeClr val="accent1"/>
+          </a:solidFill>
+          <a:ln>
+            <a:noFill/>
+          </a:ln>
+        </p:spPr>
+        <p:style>
+          <a:lnRef idx="1">
+            <a:schemeClr val="accent1"/>
+          </a:lnRef>
+          <a:fillRef idx="3">
+            <a:schemeClr val="accent1"/>
+          </a:fillRef>
+          <a:effectRef idx="2">
+            <a:schemeClr val="accent1"/>
+          </a:effectRef>
+          <a:fontRef idx="minor">
+            <a:schemeClr val="lt1"/>
+          </a:fontRef>
+        </p:style>
+        <p:txBody>
+          <a:bodyPr/>
+          <a:lstStyle/>
+          <a:p>
+            <a:endParaRPr lang="en-US"/>
+          </a:p>
+        </p:txBody>
+      </p:sp>
+      <p:sp>
+        <p:nvSpPr>
+          <p:cNvPr id="3" name="Content Placeholder 2"/>
+          <p:cNvSpPr>
+            <a:spLocks noGrp="1"/>
+          </p:cNvSpPr>
+          <p:nvPr>
+            <p:ph idx="1"/>
+          </p:nvPr>
+        </p:nvSpPr>
+        <p:spPr>
+          <a:xfrm>
+            <a:off x="3786339" y="1410459"/>
+            <a:ext cx="4871885" cy="1885146"/>
           </a:xfrm>
         </p:spPr>
         <p:txBody>
@@ -10199,97 +9751,258 @@
           </a:bodyPr>
           <a:lstStyle/>
           <a:p>
-            <a:r>
-              <a:t>The Dataset</a:t>
-            </a:r>
+            <a:pPr marL="0" indent="0">
+              <a:buNone/>
+            </a:pPr>
+            <a:r>
+              <a:rPr lang="en-US" sz="1900">
+                <a:solidFill>
+                  <a:schemeClr val="bg1"/>
+                </a:solidFill>
+              </a:rPr>
+              <a:t>• Source: UCI Wine Quality Dataset</a:t>
+            </a:r>
+          </a:p>
+          <a:p>
+            <a:pPr marL="0" indent="0">
+              <a:buNone/>
+            </a:pPr>
+            <a:r>
+              <a:rPr lang="en-US" sz="1900">
+                <a:solidFill>
+                  <a:schemeClr val="bg1"/>
+                </a:solidFill>
+              </a:rPr>
+              <a:t>• Two datasets: Red and White wine</a:t>
+            </a:r>
+          </a:p>
+          <a:p>
+            <a:pPr marL="0" indent="0">
+              <a:buNone/>
+            </a:pPr>
+            <a:r>
+              <a:rPr lang="en-US" sz="1900">
+                <a:solidFill>
+                  <a:schemeClr val="bg1"/>
+                </a:solidFill>
+              </a:rPr>
+              <a:t>• Target: Wine quality score (0–10 scale)</a:t>
+            </a:r>
+          </a:p>
+          <a:p>
+            <a:pPr marL="0" indent="0">
+              <a:buNone/>
+            </a:pPr>
+            <a:r>
+              <a:rPr lang="en-US" sz="1900">
+                <a:solidFill>
+                  <a:schemeClr val="bg1"/>
+                </a:solidFill>
+              </a:rPr>
+              <a:t>• ~6,500 records with 11 features each</a:t>
+            </a:r>
+          </a:p>
+          <a:p>
+            <a:pPr marL="0" indent="0">
+              <a:buNone/>
+            </a:pPr>
+            <a:endParaRPr lang="en-US" sz="1900">
+              <a:solidFill>
+                <a:schemeClr val="bg1"/>
+              </a:solidFill>
+            </a:endParaRPr>
           </a:p>
         </p:txBody>
       </p:sp>
       <p:pic>
         <p:nvPicPr>
-          <p:cNvPr id="5" name="Picture 4" descr="Medicine bottles on shelf">
+          <p:cNvPr id="1028" name="Picture 4" descr="Output image">
             <a:extLst>
               <a:ext uri="{FF2B5EF4-FFF2-40B4-BE49-F238E27FC236}">
-                <a16:creationId xmlns:a16="http://schemas.microsoft.com/office/drawing/2014/main" id="{C2106DC1-61DB-7A64-E502-EEDAD497D3AF}"/>
+                <a16:creationId xmlns:a16="http://schemas.microsoft.com/office/drawing/2014/main" id="{6A1CDA10-37F9-8941-7DB1-3C371D957F28}"/>
               </a:ext>
             </a:extLst>
           </p:cNvPr>
           <p:cNvPicPr>
-            <a:picLocks noChangeAspect="1"/>
+            <a:picLocks noChangeAspect="1" noChangeArrowheads="1"/>
           </p:cNvPicPr>
           <p:nvPr/>
         </p:nvPicPr>
         <p:blipFill>
-          <a:blip r:embed="rId3"/>
-          <a:srcRect l="35225" r="35145" b="-1"/>
-          <a:stretch/>
+          <a:blip r:embed="rId3">
+            <a:extLst>
+              <a:ext uri="{28A0092B-C50C-407E-A947-70E740481C1C}">
+                <a14:useLocalDpi xmlns:a14="http://schemas.microsoft.com/office/drawing/2010/main" val="0"/>
+              </a:ext>
+            </a:extLst>
+          </a:blip>
+          <a:stretch>
+            <a:fillRect/>
+          </a:stretch>
         </p:blipFill>
-        <p:spPr>
+        <p:spPr bwMode="auto">
           <a:xfrm>
-            <a:off x="20" y="10"/>
-            <a:ext cx="3044191" cy="6857990"/>
+            <a:off x="3786339" y="3562395"/>
+            <a:ext cx="4871885" cy="2070551"/>
           </a:xfrm>
           <a:prstGeom prst="rect">
             <a:avLst/>
           </a:prstGeom>
+          <a:noFill/>
+          <a:effectLst/>
+          <a:extLst>
+            <a:ext uri="{909E8E84-426E-40DD-AFC4-6F175D3DCCD1}">
+              <a14:hiddenFill xmlns:a14="http://schemas.microsoft.com/office/drawing/2010/main">
+                <a:solidFill>
+                  <a:srgbClr val="FFFFFF"/>
+                </a:solidFill>
+              </a14:hiddenFill>
+            </a:ext>
+          </a:extLst>
         </p:spPr>
       </p:pic>
       <p:sp>
         <p:nvSpPr>
-          <p:cNvPr id="3" name="Content Placeholder 2"/>
-          <p:cNvSpPr>
-            <a:spLocks noGrp="1"/>
-          </p:cNvSpPr>
-          <p:nvPr>
-            <p:ph idx="1"/>
-          </p:nvPr>
-        </p:nvSpPr>
-        <p:spPr>
+          <p:cNvPr id="6" name="Rectangle 3">
+            <a:extLst>
+              <a:ext uri="{FF2B5EF4-FFF2-40B4-BE49-F238E27FC236}">
+                <a16:creationId xmlns:a16="http://schemas.microsoft.com/office/drawing/2014/main" id="{E97AFDB7-494E-7B8F-773D-DA189F4E1CAC}"/>
+              </a:ext>
+            </a:extLst>
+          </p:cNvPr>
+          <p:cNvSpPr>
+            <a:spLocks noChangeArrowheads="1"/>
+          </p:cNvSpPr>
+          <p:nvPr/>
+        </p:nvSpPr>
+        <p:spPr bwMode="auto">
           <a:xfrm>
-            <a:off x="3529986" y="2438400"/>
-            <a:ext cx="4007403" cy="3809999"/>
+            <a:off x="0" y="-5670783"/>
+            <a:ext cx="28067299" cy="11341566"/>
           </a:xfrm>
+          <a:prstGeom prst="rect">
+            <a:avLst/>
+          </a:prstGeom>
+          <a:noFill/>
+          <a:ln>
+            <a:noFill/>
+          </a:ln>
+          <a:effectLst/>
+          <a:extLst>
+            <a:ext uri="{909E8E84-426E-40DD-AFC4-6F175D3DCCD1}">
+              <a14:hiddenFill xmlns:a14="http://schemas.microsoft.com/office/drawing/2010/main">
+                <a:solidFill>
+                  <a:schemeClr val="accent1"/>
+                </a:solidFill>
+              </a14:hiddenFill>
+            </a:ext>
+            <a:ext uri="{91240B29-F687-4F45-9708-019B960494DF}">
+              <a14:hiddenLine xmlns:a14="http://schemas.microsoft.com/office/drawing/2010/main" w="9525">
+                <a:solidFill>
+                  <a:schemeClr val="tx1"/>
+                </a:solidFill>
+                <a:miter lim="800000"/>
+                <a:headEnd/>
+                <a:tailEnd/>
+              </a14:hiddenLine>
+            </a:ext>
+            <a:ext uri="{AF507438-7753-43E0-B8FC-AC1667EBCBE1}">
+              <a14:hiddenEffects xmlns:a14="http://schemas.microsoft.com/office/drawing/2010/main">
+                <a:effectLst>
+                  <a:outerShdw dist="35921" dir="2700000" algn="ctr" rotWithShape="0">
+                    <a:schemeClr val="bg2"/>
+                  </a:outerShdw>
+                </a:effectLst>
+              </a14:hiddenEffects>
+            </a:ext>
+          </a:extLst>
         </p:spPr>
         <p:txBody>
-          <a:bodyPr>
-            <a:normAutofit/>
+          <a:bodyPr vert="horz" wrap="none" lIns="91440" tIns="45720" rIns="91440" bIns="45720" numCol="1" anchor="ctr" anchorCtr="0" compatLnSpc="1">
+            <a:prstTxWarp prst="textNoShape">
+              <a:avLst/>
+            </a:prstTxWarp>
+            <a:spAutoFit/>
           </a:bodyPr>
           <a:lstStyle/>
           <a:p>
-            <a:pPr marL="0" indent="0">
-              <a:buNone/>
+            <a:pPr marL="0" marR="0" lvl="0" indent="0" algn="l" defTabSz="914400" rtl="0" eaLnBrk="0" fontAlgn="base" latinLnBrk="0" hangingPunct="0">
+              <a:spcBef>
+                <a:spcPct val="0"/>
+              </a:spcBef>
+              <a:spcAft>
+                <a:spcPts val="600"/>
+              </a:spcAft>
+              <a:buClrTx/>
+              <a:buSzTx/>
+              <a:buFontTx/>
+              <a:buNone/>
+              <a:tabLst/>
             </a:pPr>
             <a:r>
-              <a:rPr dirty="0"/>
-              <a:t>• Source: UCI Wine Quality Dataset</a:t>
-            </a:r>
-          </a:p>
-          <a:p>
-            <a:pPr marL="0" indent="0">
-              <a:buNone/>
+              <a:rPr kumimoji="0" lang="en-US" altLang="en-US" sz="1800" b="0" i="0" u="none" strike="noStrike" cap="none" normalizeH="0" baseline="0">
+                <a:ln>
+                  <a:noFill/>
+                </a:ln>
+                <a:solidFill>
+                  <a:schemeClr val="tx1"/>
+                </a:solidFill>
+                <a:effectLst/>
+                <a:latin typeface="Arial" panose="020B0604020202020204" pitchFamily="34" charset="0"/>
+              </a:rPr>
+              <a:t>Top 10 Important Features (Random Forest)</a:t>
+            </a:r>
+          </a:p>
+          <a:p>
+            <a:pPr marL="0" marR="0" lvl="0" indent="0" algn="l" defTabSz="914400" rtl="0" eaLnBrk="0" fontAlgn="base" latinLnBrk="0" hangingPunct="0">
+              <a:spcBef>
+                <a:spcPct val="0"/>
+              </a:spcBef>
+              <a:spcAft>
+                <a:spcPts val="600"/>
+              </a:spcAft>
+              <a:buClrTx/>
+              <a:buSzTx/>
+              <a:buFontTx/>
+              <a:buNone/>
+              <a:tabLst/>
             </a:pPr>
             <a:r>
-              <a:rPr dirty="0"/>
-              <a:t>• Two datasets: Red and White wine</a:t>
-            </a:r>
-          </a:p>
-          <a:p>
-            <a:pPr marL="0" indent="0">
-              <a:buNone/>
-            </a:pPr>
-            <a:r>
-              <a:rPr dirty="0"/>
-              <a:t>• Target: Wine quality score (0–10 scale)</a:t>
-            </a:r>
-          </a:p>
-          <a:p>
-            <a:pPr marL="0" indent="0">
-              <a:buNone/>
-            </a:pPr>
-            <a:r>
-              <a:rPr dirty="0"/>
-              <a:t>• ~6,500 records with 11 features each</a:t>
-            </a:r>
+              <a:rPr kumimoji="0" lang="en-US" altLang="en-US" sz="1800" b="0" i="0" u="none" strike="noStrike" cap="none" normalizeH="0" baseline="0">
+                <a:ln>
+                  <a:noFill/>
+                </a:ln>
+                <a:solidFill>
+                  <a:schemeClr val="tx1"/>
+                </a:solidFill>
+                <a:effectLst/>
+                <a:latin typeface="Arial" panose="020B0604020202020204" pitchFamily="34" charset="0"/>
+              </a:rPr>
+              <a:t>  </a:t>
+            </a:r>
+            <a:r>
+              <a:rPr kumimoji="0" lang="en-US" altLang="en-US" sz="70800" b="0" i="0" u="none" strike="noStrike" cap="none" normalizeH="0" baseline="0">
+                <a:ln>
+                  <a:noFill/>
+                </a:ln>
+                <a:solidFill>
+                  <a:schemeClr val="tx1"/>
+                </a:solidFill>
+                <a:effectLst/>
+                <a:latin typeface="Arial" panose="020B0604020202020204" pitchFamily="34" charset="0"/>
+              </a:rPr>
+              <a:t>           </a:t>
+            </a:r>
+            <a:endParaRPr kumimoji="0" lang="en-US" altLang="en-US" sz="1800" b="0" i="0" u="none" strike="noStrike" cap="none" normalizeH="0" baseline="0">
+              <a:ln>
+                <a:noFill/>
+              </a:ln>
+              <a:solidFill>
+                <a:schemeClr val="tx1"/>
+              </a:solidFill>
+              <a:effectLst/>
+              <a:latin typeface="Arial" panose="020B0604020202020204" pitchFamily="34" charset="0"/>
+            </a:endParaRPr>
           </a:p>
         </p:txBody>
       </p:sp>
@@ -10342,46 +10055,12 @@
           <a:chExt cx="0" cy="0"/>
         </a:xfrm>
       </p:grpSpPr>
-      <p:sp>
-        <p:nvSpPr>
-          <p:cNvPr id="2" name="Title 1"/>
-          <p:cNvSpPr>
-            <a:spLocks noGrp="1"/>
-          </p:cNvSpPr>
-          <p:nvPr>
-            <p:ph type="title"/>
-          </p:nvPr>
-        </p:nvSpPr>
-        <p:spPr>
-          <a:xfrm>
-            <a:off x="3529986" y="629266"/>
-            <a:ext cx="4007403" cy="1641986"/>
-          </a:xfrm>
-        </p:spPr>
-        <p:txBody>
-          <a:bodyPr>
-            <a:normAutofit/>
-          </a:bodyPr>
-          <a:lstStyle/>
-          <a:p>
-            <a:pPr>
-              <a:lnSpc>
-                <a:spcPct val="90000"/>
-              </a:lnSpc>
-            </a:pPr>
-            <a:r>
-              <a:rPr lang="en-US" sz="3600"/>
-              <a:t>Exploratory Data Analysis (EDA)</a:t>
-            </a:r>
-          </a:p>
-        </p:txBody>
-      </p:sp>
       <p:pic>
         <p:nvPicPr>
-          <p:cNvPr id="5" name="Picture 4" descr="Row of florence flasks with green liquid and yellow background">
+          <p:cNvPr id="6" name="Picture 5" descr="Laid wine bottles, glass and grapes">
             <a:extLst>
               <a:ext uri="{FF2B5EF4-FFF2-40B4-BE49-F238E27FC236}">
-                <a16:creationId xmlns:a16="http://schemas.microsoft.com/office/drawing/2014/main" id="{1630E77B-BF4F-3443-8864-FF3D45E3E519}"/>
+                <a16:creationId xmlns:a16="http://schemas.microsoft.com/office/drawing/2014/main" id="{316C283A-28D1-6F42-6144-F4056F867A97}"/>
               </a:ext>
             </a:extLst>
           </p:cNvPr>
@@ -10392,13 +10071,13 @@
         </p:nvPicPr>
         <p:blipFill>
           <a:blip r:embed="rId3"/>
-          <a:srcRect l="33754" r="34508"/>
+          <a:srcRect r="66167" b="-1"/>
           <a:stretch/>
         </p:blipFill>
         <p:spPr>
           <a:xfrm>
             <a:off x="20" y="10"/>
-            <a:ext cx="3044191" cy="6857990"/>
+            <a:ext cx="3475989" cy="6857990"/>
           </a:xfrm>
           <a:prstGeom prst="rect">
             <a:avLst/>
@@ -10407,55 +10086,537 @@
       </p:pic>
       <p:sp>
         <p:nvSpPr>
-          <p:cNvPr id="3" name="Content Placeholder 2"/>
-          <p:cNvSpPr>
-            <a:spLocks noGrp="1"/>
+          <p:cNvPr id="4" name="Rectangle 1">
+            <a:extLst>
+              <a:ext uri="{FF2B5EF4-FFF2-40B4-BE49-F238E27FC236}">
+                <a16:creationId xmlns:a16="http://schemas.microsoft.com/office/drawing/2014/main" id="{96D2CB17-EC28-2711-7398-BA6D022CA474}"/>
+              </a:ext>
+            </a:extLst>
+          </p:cNvPr>
+          <p:cNvSpPr>
+            <a:spLocks noGrp="1" noChangeArrowheads="1"/>
           </p:cNvSpPr>
           <p:nvPr>
             <p:ph idx="1"/>
           </p:nvPr>
         </p:nvSpPr>
-        <p:spPr>
+        <p:spPr bwMode="auto">
           <a:xfrm>
-            <a:off x="3529986" y="2438400"/>
-            <a:ext cx="4007403" cy="3809999"/>
+            <a:off x="3656985" y="1041400"/>
+            <a:ext cx="3575604" cy="3809999"/>
           </a:xfrm>
+          <a:prstGeom prst="rect">
+            <a:avLst/>
+          </a:prstGeom>
+          <a:extLst>
+            <a:ext uri="{909E8E84-426E-40DD-AFC4-6F175D3DCCD1}">
+              <a14:hiddenFill xmlns:a14="http://schemas.microsoft.com/office/drawing/2010/main">
+                <a:solidFill>
+                  <a:schemeClr val="accent1"/>
+                </a:solidFill>
+              </a14:hiddenFill>
+            </a:ext>
+            <a:ext uri="{91240B29-F687-4F45-9708-019B960494DF}">
+              <a14:hiddenLine xmlns:a14="http://schemas.microsoft.com/office/drawing/2010/main" w="9525">
+                <a:solidFill>
+                  <a:schemeClr val="tx1"/>
+                </a:solidFill>
+                <a:miter lim="800000"/>
+                <a:headEnd/>
+                <a:tailEnd/>
+              </a14:hiddenLine>
+            </a:ext>
+            <a:ext uri="{AF507438-7753-43E0-B8FC-AC1667EBCBE1}">
+              <a14:hiddenEffects xmlns:a14="http://schemas.microsoft.com/office/drawing/2010/main">
+                <a:effectLst>
+                  <a:outerShdw dist="35921" dir="2700000" algn="ctr" rotWithShape="0">
+                    <a:schemeClr val="bg2"/>
+                  </a:outerShdw>
+                </a:effectLst>
+              </a14:hiddenEffects>
+            </a:ext>
+          </a:extLst>
         </p:spPr>
         <p:txBody>
-          <a:bodyPr>
-            <a:normAutofit/>
+          <a:bodyPr vert="horz" lIns="91440" tIns="45720" rIns="91440" bIns="45720" numCol="1" anchorCtr="0" compatLnSpc="1">
+            <a:prstTxWarp prst="textNoShape">
+              <a:avLst/>
+            </a:prstTxWarp>
+            <a:normAutofit lnSpcReduction="10000"/>
           </a:bodyPr>
           <a:lstStyle/>
           <a:p>
-            <a:pPr marL="0" indent="0">
-              <a:buNone/>
+            <a:pPr marL="0" marR="0" lvl="0" indent="0" defTabSz="914400" rtl="0" eaLnBrk="0" fontAlgn="base" latinLnBrk="0" hangingPunct="0">
+              <a:lnSpc>
+                <a:spcPct val="90000"/>
+              </a:lnSpc>
+              <a:spcBef>
+                <a:spcPct val="0"/>
+              </a:spcBef>
+              <a:spcAft>
+                <a:spcPts val="600"/>
+              </a:spcAft>
+              <a:buClrTx/>
+              <a:buSzTx/>
+              <a:buFontTx/>
+              <a:buChar char="•"/>
+              <a:tabLst/>
             </a:pPr>
             <a:r>
-              <a:rPr dirty="0"/>
-              <a:t>• Alcohol and sulphates positively correlated with quality</a:t>
-            </a:r>
-          </a:p>
-          <a:p>
-            <a:pPr marL="0" indent="0">
-              <a:buNone/>
+              <a:rPr kumimoji="0" lang="en-US" altLang="en-US" sz="1100" b="1" i="0" u="none" strike="noStrike" cap="none" normalizeH="0" baseline="0" dirty="0">
+                <a:ln>
+                  <a:noFill/>
+                </a:ln>
+                <a:effectLst/>
+                <a:latin typeface="Arial" panose="020B0604020202020204" pitchFamily="34" charset="0"/>
+              </a:rPr>
+              <a:t>Class Imbalance</a:t>
+            </a:r>
+            <a:r>
+              <a:rPr kumimoji="0" lang="en-US" altLang="en-US" sz="1100" b="0" i="0" u="none" strike="noStrike" cap="none" normalizeH="0" baseline="0" dirty="0">
+                <a:ln>
+                  <a:noFill/>
+                </a:ln>
+                <a:effectLst/>
+                <a:latin typeface="Arial" panose="020B0604020202020204" pitchFamily="34" charset="0"/>
+              </a:rPr>
+              <a:t>: The wine quality scores are clearly imbalanced. </a:t>
+            </a:r>
+          </a:p>
+          <a:p>
+            <a:pPr marL="0" marR="0" lvl="0" indent="0" defTabSz="914400" rtl="0" eaLnBrk="0" fontAlgn="base" latinLnBrk="0" hangingPunct="0">
+              <a:lnSpc>
+                <a:spcPct val="90000"/>
+              </a:lnSpc>
+              <a:spcBef>
+                <a:spcPct val="0"/>
+              </a:spcBef>
+              <a:spcAft>
+                <a:spcPts val="600"/>
+              </a:spcAft>
+              <a:buClrTx/>
+              <a:buSzTx/>
+              <a:buFontTx/>
+              <a:buChar char="•"/>
+              <a:tabLst/>
             </a:pPr>
             <a:r>
-              <a:rPr dirty="0"/>
-              <a:t>• Volatile acidity negatively correlated</a:t>
-            </a:r>
-          </a:p>
-          <a:p>
-            <a:pPr marL="0" indent="0">
-              <a:buNone/>
+              <a:rPr kumimoji="0" lang="en-US" altLang="en-US" sz="1100" b="0" i="0" u="none" strike="noStrike" cap="none" normalizeH="0" baseline="0" dirty="0">
+                <a:ln>
+                  <a:noFill/>
+                </a:ln>
+                <a:effectLst/>
+                <a:latin typeface="Arial" panose="020B0604020202020204" pitchFamily="34" charset="0"/>
+              </a:rPr>
+              <a:t>Most wines are rated between 5 and 6, while very few are </a:t>
+            </a:r>
+          </a:p>
+          <a:p>
+            <a:pPr marL="0" marR="0" lvl="0" indent="0" defTabSz="914400" rtl="0" eaLnBrk="0" fontAlgn="base" latinLnBrk="0" hangingPunct="0">
+              <a:lnSpc>
+                <a:spcPct val="90000"/>
+              </a:lnSpc>
+              <a:spcBef>
+                <a:spcPct val="0"/>
+              </a:spcBef>
+              <a:spcAft>
+                <a:spcPts val="600"/>
+              </a:spcAft>
+              <a:buClrTx/>
+              <a:buSzTx/>
+              <a:buNone/>
+              <a:tabLst/>
             </a:pPr>
             <a:r>
-              <a:rPr dirty="0"/>
-              <a:t>• Class imbalance: most wines are rated 5-6</a:t>
-            </a:r>
+              <a:rPr kumimoji="0" lang="en-US" altLang="en-US" sz="1100" b="0" i="0" u="none" strike="noStrike" cap="none" normalizeH="0" baseline="0" dirty="0">
+                <a:ln>
+                  <a:noFill/>
+                </a:ln>
+                <a:effectLst/>
+                <a:latin typeface="Arial" panose="020B0604020202020204" pitchFamily="34" charset="0"/>
+              </a:rPr>
+              <a:t>rated as 3, 4, 8, or 9. </a:t>
+            </a:r>
+          </a:p>
+          <a:p>
+            <a:pPr marL="0" marR="0" lvl="0" indent="0" defTabSz="914400" rtl="0" eaLnBrk="0" fontAlgn="base" latinLnBrk="0" hangingPunct="0">
+              <a:lnSpc>
+                <a:spcPct val="90000"/>
+              </a:lnSpc>
+              <a:spcBef>
+                <a:spcPct val="0"/>
+              </a:spcBef>
+              <a:spcAft>
+                <a:spcPts val="600"/>
+              </a:spcAft>
+              <a:buClrTx/>
+              <a:buSzTx/>
+              <a:buFontTx/>
+              <a:buChar char="•"/>
+              <a:tabLst/>
+            </a:pPr>
+            <a:r>
+              <a:rPr kumimoji="0" lang="en-US" altLang="en-US" sz="1100" b="0" i="0" u="none" strike="noStrike" cap="none" normalizeH="0" baseline="0" dirty="0">
+                <a:ln>
+                  <a:noFill/>
+                </a:ln>
+                <a:effectLst/>
+                <a:latin typeface="Arial" panose="020B0604020202020204" pitchFamily="34" charset="0"/>
+              </a:rPr>
+              <a:t>This imbalance can negatively impact model performance, especially for underrepresented classes.</a:t>
+            </a:r>
+          </a:p>
+          <a:p>
+            <a:pPr marL="0" marR="0" lvl="0" indent="0" defTabSz="914400" rtl="0" eaLnBrk="0" fontAlgn="base" latinLnBrk="0" hangingPunct="0">
+              <a:lnSpc>
+                <a:spcPct val="90000"/>
+              </a:lnSpc>
+              <a:spcBef>
+                <a:spcPct val="0"/>
+              </a:spcBef>
+              <a:spcAft>
+                <a:spcPts val="600"/>
+              </a:spcAft>
+              <a:buClrTx/>
+              <a:buSzTx/>
+              <a:buFontTx/>
+              <a:buChar char="•"/>
+              <a:tabLst/>
+            </a:pPr>
+            <a:r>
+              <a:rPr kumimoji="0" lang="en-US" altLang="en-US" sz="1100" b="1" i="0" u="none" strike="noStrike" cap="none" normalizeH="0" baseline="0" dirty="0">
+                <a:ln>
+                  <a:noFill/>
+                </a:ln>
+                <a:effectLst/>
+                <a:latin typeface="Arial" panose="020B0604020202020204" pitchFamily="34" charset="0"/>
+              </a:rPr>
+              <a:t>Top 10 Features</a:t>
+            </a:r>
+            <a:r>
+              <a:rPr kumimoji="0" lang="en-US" altLang="en-US" sz="1100" b="0" i="0" u="none" strike="noStrike" cap="none" normalizeH="0" baseline="0" dirty="0">
+                <a:ln>
+                  <a:noFill/>
+                </a:ln>
+                <a:effectLst/>
+                <a:latin typeface="Arial" panose="020B0604020202020204" pitchFamily="34" charset="0"/>
+              </a:rPr>
+              <a:t> (by importance from Random Forest):</a:t>
+            </a:r>
+          </a:p>
+          <a:p>
+            <a:pPr marL="0" marR="0" lvl="0" indent="0" defTabSz="914400" rtl="0" eaLnBrk="0" fontAlgn="base" latinLnBrk="0" hangingPunct="0">
+              <a:lnSpc>
+                <a:spcPct val="90000"/>
+              </a:lnSpc>
+              <a:spcBef>
+                <a:spcPct val="0"/>
+              </a:spcBef>
+              <a:spcAft>
+                <a:spcPts val="600"/>
+              </a:spcAft>
+              <a:buClrTx/>
+              <a:buSzTx/>
+              <a:buFontTx/>
+              <a:buAutoNum type="arabicPeriod"/>
+              <a:tabLst/>
+            </a:pPr>
+            <a:r>
+              <a:rPr kumimoji="0" lang="en-US" altLang="en-US" sz="1100" b="0" i="0" u="none" strike="noStrike" cap="none" normalizeH="0" baseline="0" dirty="0">
+                <a:ln>
+                  <a:noFill/>
+                </a:ln>
+                <a:effectLst/>
+                <a:latin typeface="Arial" panose="020B0604020202020204" pitchFamily="34" charset="0"/>
+              </a:rPr>
+              <a:t>Alcohol</a:t>
+            </a:r>
+          </a:p>
+          <a:p>
+            <a:pPr marL="0" marR="0" lvl="0" indent="0" defTabSz="914400" rtl="0" eaLnBrk="0" fontAlgn="base" latinLnBrk="0" hangingPunct="0">
+              <a:lnSpc>
+                <a:spcPct val="90000"/>
+              </a:lnSpc>
+              <a:spcBef>
+                <a:spcPct val="0"/>
+              </a:spcBef>
+              <a:spcAft>
+                <a:spcPts val="600"/>
+              </a:spcAft>
+              <a:buClrTx/>
+              <a:buSzTx/>
+              <a:buFontTx/>
+              <a:buAutoNum type="arabicPeriod" startAt="2"/>
+              <a:tabLst/>
+            </a:pPr>
+            <a:r>
+              <a:rPr kumimoji="0" lang="en-US" altLang="en-US" sz="1100" b="0" i="0" u="none" strike="noStrike" cap="none" normalizeH="0" baseline="0" dirty="0">
+                <a:ln>
+                  <a:noFill/>
+                </a:ln>
+                <a:effectLst/>
+                <a:latin typeface="Arial" panose="020B0604020202020204" pitchFamily="34" charset="0"/>
+              </a:rPr>
+              <a:t>Volatile acidity</a:t>
+            </a:r>
+          </a:p>
+          <a:p>
+            <a:pPr marL="0" marR="0" lvl="0" indent="0" defTabSz="914400" rtl="0" eaLnBrk="0" fontAlgn="base" latinLnBrk="0" hangingPunct="0">
+              <a:lnSpc>
+                <a:spcPct val="90000"/>
+              </a:lnSpc>
+              <a:spcBef>
+                <a:spcPct val="0"/>
+              </a:spcBef>
+              <a:spcAft>
+                <a:spcPts val="600"/>
+              </a:spcAft>
+              <a:buClrTx/>
+              <a:buSzTx/>
+              <a:buFontTx/>
+              <a:buAutoNum type="arabicPeriod" startAt="3"/>
+              <a:tabLst/>
+            </a:pPr>
+            <a:r>
+              <a:rPr kumimoji="0" lang="en-US" altLang="en-US" sz="1100" b="0" i="0" u="none" strike="noStrike" cap="none" normalizeH="0" baseline="0" dirty="0">
+                <a:ln>
+                  <a:noFill/>
+                </a:ln>
+                <a:effectLst/>
+                <a:latin typeface="Arial" panose="020B0604020202020204" pitchFamily="34" charset="0"/>
+              </a:rPr>
+              <a:t>Sulphates</a:t>
+            </a:r>
+          </a:p>
+          <a:p>
+            <a:pPr marL="0" marR="0" lvl="0" indent="0" defTabSz="914400" rtl="0" eaLnBrk="0" fontAlgn="base" latinLnBrk="0" hangingPunct="0">
+              <a:lnSpc>
+                <a:spcPct val="90000"/>
+              </a:lnSpc>
+              <a:spcBef>
+                <a:spcPct val="0"/>
+              </a:spcBef>
+              <a:spcAft>
+                <a:spcPts val="600"/>
+              </a:spcAft>
+              <a:buClrTx/>
+              <a:buSzTx/>
+              <a:buFontTx/>
+              <a:buAutoNum type="arabicPeriod" startAt="4"/>
+              <a:tabLst/>
+            </a:pPr>
+            <a:r>
+              <a:rPr kumimoji="0" lang="en-US" altLang="en-US" sz="1100" b="0" i="0" u="none" strike="noStrike" cap="none" normalizeH="0" baseline="0" dirty="0">
+                <a:ln>
+                  <a:noFill/>
+                </a:ln>
+                <a:effectLst/>
+                <a:latin typeface="Arial" panose="020B0604020202020204" pitchFamily="34" charset="0"/>
+              </a:rPr>
+              <a:t>Density</a:t>
+            </a:r>
+          </a:p>
+          <a:p>
+            <a:pPr marL="0" marR="0" lvl="0" indent="0" defTabSz="914400" rtl="0" eaLnBrk="0" fontAlgn="base" latinLnBrk="0" hangingPunct="0">
+              <a:lnSpc>
+                <a:spcPct val="90000"/>
+              </a:lnSpc>
+              <a:spcBef>
+                <a:spcPct val="0"/>
+              </a:spcBef>
+              <a:spcAft>
+                <a:spcPts val="600"/>
+              </a:spcAft>
+              <a:buClrTx/>
+              <a:buSzTx/>
+              <a:buFontTx/>
+              <a:buAutoNum type="arabicPeriod" startAt="5"/>
+              <a:tabLst/>
+            </a:pPr>
+            <a:r>
+              <a:rPr kumimoji="0" lang="en-US" altLang="en-US" sz="1100" b="0" i="0" u="none" strike="noStrike" cap="none" normalizeH="0" baseline="0" dirty="0">
+                <a:ln>
+                  <a:noFill/>
+                </a:ln>
+                <a:effectLst/>
+                <a:latin typeface="Arial" panose="020B0604020202020204" pitchFamily="34" charset="0"/>
+              </a:rPr>
+              <a:t>Total sulfur dioxide</a:t>
+            </a:r>
+          </a:p>
+          <a:p>
+            <a:pPr marL="0" marR="0" lvl="0" indent="0" defTabSz="914400" rtl="0" eaLnBrk="0" fontAlgn="base" latinLnBrk="0" hangingPunct="0">
+              <a:lnSpc>
+                <a:spcPct val="90000"/>
+              </a:lnSpc>
+              <a:spcBef>
+                <a:spcPct val="0"/>
+              </a:spcBef>
+              <a:spcAft>
+                <a:spcPts val="600"/>
+              </a:spcAft>
+              <a:buClrTx/>
+              <a:buSzTx/>
+              <a:buFontTx/>
+              <a:buAutoNum type="arabicPeriod" startAt="6"/>
+              <a:tabLst/>
+            </a:pPr>
+            <a:r>
+              <a:rPr kumimoji="0" lang="en-US" altLang="en-US" sz="1100" b="0" i="0" u="none" strike="noStrike" cap="none" normalizeH="0" baseline="0" dirty="0">
+                <a:ln>
+                  <a:noFill/>
+                </a:ln>
+                <a:effectLst/>
+                <a:latin typeface="Arial" panose="020B0604020202020204" pitchFamily="34" charset="0"/>
+              </a:rPr>
+              <a:t>Fixed acidity</a:t>
+            </a:r>
+          </a:p>
+          <a:p>
+            <a:pPr marL="0" marR="0" lvl="0" indent="0" defTabSz="914400" rtl="0" eaLnBrk="0" fontAlgn="base" latinLnBrk="0" hangingPunct="0">
+              <a:lnSpc>
+                <a:spcPct val="90000"/>
+              </a:lnSpc>
+              <a:spcBef>
+                <a:spcPct val="0"/>
+              </a:spcBef>
+              <a:spcAft>
+                <a:spcPts val="600"/>
+              </a:spcAft>
+              <a:buClrTx/>
+              <a:buSzTx/>
+              <a:buFontTx/>
+              <a:buAutoNum type="arabicPeriod" startAt="7"/>
+              <a:tabLst/>
+            </a:pPr>
+            <a:r>
+              <a:rPr kumimoji="0" lang="en-US" altLang="en-US" sz="1100" b="0" i="0" u="none" strike="noStrike" cap="none" normalizeH="0" baseline="0" dirty="0">
+                <a:ln>
+                  <a:noFill/>
+                </a:ln>
+                <a:effectLst/>
+                <a:latin typeface="Arial" panose="020B0604020202020204" pitchFamily="34" charset="0"/>
+              </a:rPr>
+              <a:t>Citric acid</a:t>
+            </a:r>
+          </a:p>
+          <a:p>
+            <a:pPr marL="0" marR="0" lvl="0" indent="0" defTabSz="914400" rtl="0" eaLnBrk="0" fontAlgn="base" latinLnBrk="0" hangingPunct="0">
+              <a:lnSpc>
+                <a:spcPct val="90000"/>
+              </a:lnSpc>
+              <a:spcBef>
+                <a:spcPct val="0"/>
+              </a:spcBef>
+              <a:spcAft>
+                <a:spcPts val="600"/>
+              </a:spcAft>
+              <a:buClrTx/>
+              <a:buSzTx/>
+              <a:buFontTx/>
+              <a:buAutoNum type="arabicPeriod" startAt="8"/>
+              <a:tabLst/>
+            </a:pPr>
+            <a:r>
+              <a:rPr kumimoji="0" lang="en-US" altLang="en-US" sz="1100" b="0" i="0" u="none" strike="noStrike" cap="none" normalizeH="0" baseline="0" dirty="0">
+                <a:ln>
+                  <a:noFill/>
+                </a:ln>
+                <a:effectLst/>
+                <a:latin typeface="Arial" panose="020B0604020202020204" pitchFamily="34" charset="0"/>
+              </a:rPr>
+              <a:t>Free sulfur dioxide</a:t>
+            </a:r>
+          </a:p>
+          <a:p>
+            <a:pPr marL="0" marR="0" lvl="0" indent="0" defTabSz="914400" rtl="0" eaLnBrk="0" fontAlgn="base" latinLnBrk="0" hangingPunct="0">
+              <a:lnSpc>
+                <a:spcPct val="90000"/>
+              </a:lnSpc>
+              <a:spcBef>
+                <a:spcPct val="0"/>
+              </a:spcBef>
+              <a:spcAft>
+                <a:spcPts val="600"/>
+              </a:spcAft>
+              <a:buClrTx/>
+              <a:buSzTx/>
+              <a:buFontTx/>
+              <a:buAutoNum type="arabicPeriod" startAt="9"/>
+              <a:tabLst/>
+            </a:pPr>
+            <a:r>
+              <a:rPr kumimoji="0" lang="en-US" altLang="en-US" sz="1100" b="0" i="0" u="none" strike="noStrike" cap="none" normalizeH="0" baseline="0" dirty="0">
+                <a:ln>
+                  <a:noFill/>
+                </a:ln>
+                <a:effectLst/>
+                <a:latin typeface="Arial" panose="020B0604020202020204" pitchFamily="34" charset="0"/>
+              </a:rPr>
+              <a:t>pH</a:t>
+            </a:r>
+          </a:p>
+          <a:p>
+            <a:pPr marL="0" marR="0" lvl="0" indent="0" defTabSz="914400" rtl="0" eaLnBrk="0" fontAlgn="base" latinLnBrk="0" hangingPunct="0">
+              <a:lnSpc>
+                <a:spcPct val="90000"/>
+              </a:lnSpc>
+              <a:spcBef>
+                <a:spcPct val="0"/>
+              </a:spcBef>
+              <a:spcAft>
+                <a:spcPts val="600"/>
+              </a:spcAft>
+              <a:buClrTx/>
+              <a:buSzTx/>
+              <a:buFontTx/>
+              <a:buAutoNum type="arabicPeriod" startAt="10"/>
+              <a:tabLst/>
+            </a:pPr>
+            <a:r>
+              <a:rPr kumimoji="0" lang="en-US" altLang="en-US" sz="1100" b="0" i="0" u="none" strike="noStrike" cap="none" normalizeH="0" baseline="0" dirty="0">
+                <a:ln>
+                  <a:noFill/>
+                </a:ln>
+                <a:effectLst/>
+                <a:latin typeface="Arial" panose="020B0604020202020204" pitchFamily="34" charset="0"/>
+              </a:rPr>
+              <a:t>Chlorides</a:t>
+            </a:r>
+          </a:p>
+          <a:p>
+            <a:pPr marL="0" marR="0" lvl="0" indent="0" defTabSz="914400" rtl="0" eaLnBrk="0" fontAlgn="base" latinLnBrk="0" hangingPunct="0">
+              <a:lnSpc>
+                <a:spcPct val="90000"/>
+              </a:lnSpc>
+              <a:spcBef>
+                <a:spcPct val="0"/>
+              </a:spcBef>
+              <a:spcAft>
+                <a:spcPts val="600"/>
+              </a:spcAft>
+              <a:buClrTx/>
+              <a:buSzTx/>
+              <a:buFontTx/>
+              <a:buNone/>
+              <a:tabLst/>
+            </a:pPr>
+            <a:endParaRPr kumimoji="0" lang="en-US" altLang="en-US" sz="1000" b="0" i="0" u="none" strike="noStrike" cap="none" normalizeH="0" baseline="0" dirty="0">
+              <a:ln>
+                <a:noFill/>
+              </a:ln>
+              <a:effectLst/>
+              <a:latin typeface="Arial" panose="020B0604020202020204" pitchFamily="34" charset="0"/>
+            </a:endParaRPr>
           </a:p>
         </p:txBody>
       </p:sp>
     </p:spTree>
+    <p:extLst>
+      <p:ext uri="{BB962C8B-B14F-4D97-AF65-F5344CB8AC3E}">
+        <p14:creationId xmlns:p14="http://schemas.microsoft.com/office/powerpoint/2010/main" val="163384544"/>
+      </p:ext>
+    </p:extLst>
   </p:cSld>
   <p:clrMapOvr>
     <a:masterClrMapping/>
@@ -10516,8 +10677,8 @@
         </p:nvSpPr>
         <p:spPr>
           <a:xfrm>
-            <a:off x="3529986" y="629266"/>
-            <a:ext cx="4007403" cy="1641986"/>
+            <a:off x="3961785" y="629266"/>
+            <a:ext cx="3575604" cy="1641986"/>
           </a:xfrm>
         </p:spPr>
         <p:txBody>
@@ -10527,17 +10688,17 @@
           <a:lstStyle/>
           <a:p>
             <a:r>
-              <a:t>Data Preparation</a:t>
+              <a:t>Feature Importance</a:t>
             </a:r>
           </a:p>
         </p:txBody>
       </p:sp>
       <p:pic>
         <p:nvPicPr>
-          <p:cNvPr id="5" name="Picture 4" descr="Blood in a test tube">
+          <p:cNvPr id="5" name="Picture 4" descr="Row of florence flasks with green liquid and yellow background">
             <a:extLst>
               <a:ext uri="{FF2B5EF4-FFF2-40B4-BE49-F238E27FC236}">
-                <a16:creationId xmlns:a16="http://schemas.microsoft.com/office/drawing/2014/main" id="{4B7DC730-0139-EAEF-3FC9-35B569BCA1B8}"/>
+                <a16:creationId xmlns:a16="http://schemas.microsoft.com/office/drawing/2014/main" id="{5830537E-AB1F-02A5-73C6-C44C3285BF04}"/>
               </a:ext>
             </a:extLst>
           </p:cNvPr>
@@ -10548,13 +10709,13 @@
         </p:nvPicPr>
         <p:blipFill>
           <a:blip r:embed="rId3"/>
-          <a:srcRect l="45023" r="25347" b="-1"/>
+          <a:srcRect l="31503" r="32257"/>
           <a:stretch/>
         </p:blipFill>
         <p:spPr>
           <a:xfrm>
             <a:off x="20" y="10"/>
-            <a:ext cx="3044191" cy="6857990"/>
+            <a:ext cx="3475989" cy="6857990"/>
           </a:xfrm>
           <a:prstGeom prst="rect">
             <a:avLst/>
@@ -10573,8 +10734,8 @@
         </p:nvSpPr>
         <p:spPr>
           <a:xfrm>
-            <a:off x="3529986" y="2438400"/>
-            <a:ext cx="4007403" cy="3809999"/>
+            <a:off x="3961785" y="2438400"/>
+            <a:ext cx="3575604" cy="3809999"/>
           </a:xfrm>
         </p:spPr>
         <p:txBody>
@@ -10588,7 +10749,7 @@
             </a:pPr>
             <a:r>
               <a:rPr dirty="0"/>
-              <a:t>• Combined red and white wine datasets</a:t>
+              <a:t>• Top features influencing quality:</a:t>
             </a:r>
           </a:p>
           <a:p>
@@ -10597,15 +10758,16 @@
             </a:pPr>
             <a:r>
               <a:rPr dirty="0"/>
-              <a:t>• Added '</a:t>
-            </a:r>
-            <a:r>
-              <a:rPr dirty="0" err="1"/>
-              <a:t>wine_type</a:t>
-            </a:r>
+              <a:t>   - Alcohol</a:t>
+            </a:r>
+          </a:p>
+          <a:p>
+            <a:pPr marL="0" indent="0">
+              <a:buNone/>
+            </a:pPr>
             <a:r>
               <a:rPr dirty="0"/>
-              <a:t>' feature (one-hot encoded)</a:t>
+              <a:t> - Sulphates</a:t>
             </a:r>
           </a:p>
           <a:p>
@@ -10614,7 +10776,7 @@
             </a:pPr>
             <a:r>
               <a:rPr dirty="0"/>
-              <a:t>• Standardized numerical features</a:t>
+              <a:t> - Volatile Acidity</a:t>
             </a:r>
           </a:p>
           <a:p>
@@ -10623,7 +10785,7 @@
             </a:pPr>
             <a:r>
               <a:rPr dirty="0"/>
-              <a:t>• Train-test split (80/20)</a:t>
+              <a:t>• Alcohol is the most predictive feature</a:t>
             </a:r>
           </a:p>
         </p:txBody>
@@ -10699,18 +10861,24 @@
           </a:bodyPr>
           <a:lstStyle/>
           <a:p>
-            <a:r>
-              <a:t>Modeling Approach</a:t>
+            <a:pPr>
+              <a:lnSpc>
+                <a:spcPct val="90000"/>
+              </a:lnSpc>
+            </a:pPr>
+            <a:r>
+              <a:rPr lang="en-US" sz="3600"/>
+              <a:t>Exploratory Data Analysis (EDA)</a:t>
             </a:r>
           </a:p>
         </p:txBody>
       </p:sp>
       <p:pic>
         <p:nvPicPr>
-          <p:cNvPr id="5" name="Picture 4" descr="Vibrant multicolor checkered floor design">
+          <p:cNvPr id="5" name="Picture 4" descr="Row of florence flasks with green liquid and yellow background">
             <a:extLst>
               <a:ext uri="{FF2B5EF4-FFF2-40B4-BE49-F238E27FC236}">
-                <a16:creationId xmlns:a16="http://schemas.microsoft.com/office/drawing/2014/main" id="{4660028A-F683-9D13-7206-E5625675F5BD}"/>
+                <a16:creationId xmlns:a16="http://schemas.microsoft.com/office/drawing/2014/main" id="{1630E77B-BF4F-3443-8864-FF3D45E3E519}"/>
               </a:ext>
             </a:extLst>
           </p:cNvPr>
@@ -10721,7 +10889,7 @@
         </p:nvPicPr>
         <p:blipFill>
           <a:blip r:embed="rId3"/>
-          <a:srcRect l="35031" r="35007"/>
+          <a:srcRect l="33754" r="34508"/>
           <a:stretch/>
         </p:blipFill>
         <p:spPr>
@@ -10761,7 +10929,7 @@
             </a:pPr>
             <a:r>
               <a:rPr dirty="0"/>
-              <a:t>• Algorithm: Random Forest Classifier</a:t>
+              <a:t>• Alcohol and sulphates positively correlated with quality</a:t>
             </a:r>
           </a:p>
           <a:p>
@@ -10770,7 +10938,7 @@
             </a:pPr>
             <a:r>
               <a:rPr dirty="0"/>
-              <a:t>• Handles feature importance and non-linear patterns</a:t>
+              <a:t>• Volatile acidity negatively correlated</a:t>
             </a:r>
           </a:p>
           <a:p>
@@ -10779,7 +10947,7 @@
             </a:pPr>
             <a:r>
               <a:rPr dirty="0"/>
-              <a:t>• Hyperparameter tuning: 100 estimators, max depth 10</a:t>
+              <a:t>• Class imbalance: most wines are rated 5-6</a:t>
             </a:r>
           </a:p>
         </p:txBody>
@@ -10856,17 +11024,17 @@
           <a:lstStyle/>
           <a:p>
             <a:r>
-              <a:t>Model Evaluation</a:t>
+              <a:t>Data Preparation</a:t>
             </a:r>
           </a:p>
         </p:txBody>
       </p:sp>
       <p:pic>
         <p:nvPicPr>
-          <p:cNvPr id="5" name="Picture 4" descr="White percentage symbol on red background">
+          <p:cNvPr id="5" name="Picture 4" descr="Blood in a test tube">
             <a:extLst>
               <a:ext uri="{FF2B5EF4-FFF2-40B4-BE49-F238E27FC236}">
-                <a16:creationId xmlns:a16="http://schemas.microsoft.com/office/drawing/2014/main" id="{3001F798-CD77-509A-AF1D-6B65EA595CB7}"/>
+                <a16:creationId xmlns:a16="http://schemas.microsoft.com/office/drawing/2014/main" id="{4B7DC730-0139-EAEF-3FC9-35B569BCA1B8}"/>
               </a:ext>
             </a:extLst>
           </p:cNvPr>
@@ -10877,7 +11045,7 @@
         </p:nvPicPr>
         <p:blipFill>
           <a:blip r:embed="rId3"/>
-          <a:srcRect l="53107" r="17263" b="-1"/>
+          <a:srcRect l="45023" r="25347" b="-1"/>
           <a:stretch/>
         </p:blipFill>
         <p:spPr>
@@ -10917,7 +11085,7 @@
             </a:pPr>
             <a:r>
               <a:rPr dirty="0"/>
-              <a:t>• Accuracy: 83%</a:t>
+              <a:t>• Combined red and white wine datasets</a:t>
             </a:r>
           </a:p>
           <a:p>
@@ -10926,7 +11094,15 @@
             </a:pPr>
             <a:r>
               <a:rPr dirty="0"/>
-              <a:t>• Precision: 81%</a:t>
+              <a:t>• Added '</a:t>
+            </a:r>
+            <a:r>
+              <a:rPr dirty="0" err="1"/>
+              <a:t>wine_type</a:t>
+            </a:r>
+            <a:r>
+              <a:rPr dirty="0"/>
+              <a:t>' feature (one-hot encoded)</a:t>
             </a:r>
           </a:p>
           <a:p>
@@ -10935,7 +11111,7 @@
             </a:pPr>
             <a:r>
               <a:rPr dirty="0"/>
-              <a:t>• Recall: 80%</a:t>
+              <a:t>• Standardized numerical features</a:t>
             </a:r>
           </a:p>
           <a:p>
@@ -10944,7 +11120,7 @@
             </a:pPr>
             <a:r>
               <a:rPr dirty="0"/>
-              <a:t>• F1 Score: 0.805</a:t>
+              <a:t>• Train-test split (80/20)</a:t>
             </a:r>
           </a:p>
         </p:txBody>
@@ -11010,8 +11186,8 @@
         </p:nvSpPr>
         <p:spPr>
           <a:xfrm>
-            <a:off x="3961785" y="629266"/>
-            <a:ext cx="3575604" cy="1641986"/>
+            <a:off x="3529986" y="629266"/>
+            <a:ext cx="4007403" cy="1641986"/>
           </a:xfrm>
         </p:spPr>
         <p:txBody>
@@ -11021,17 +11197,17 @@
           <a:lstStyle/>
           <a:p>
             <a:r>
-              <a:t>Feature Importance</a:t>
+              <a:t>Modeling Approach</a:t>
             </a:r>
           </a:p>
         </p:txBody>
       </p:sp>
       <p:pic>
         <p:nvPicPr>
-          <p:cNvPr id="5" name="Picture 4" descr="Row of florence flasks with green liquid and yellow background">
+          <p:cNvPr id="5" name="Picture 4" descr="Vibrant multicolor checkered floor design">
             <a:extLst>
               <a:ext uri="{FF2B5EF4-FFF2-40B4-BE49-F238E27FC236}">
-                <a16:creationId xmlns:a16="http://schemas.microsoft.com/office/drawing/2014/main" id="{5830537E-AB1F-02A5-73C6-C44C3285BF04}"/>
+                <a16:creationId xmlns:a16="http://schemas.microsoft.com/office/drawing/2014/main" id="{4660028A-F683-9D13-7206-E5625675F5BD}"/>
               </a:ext>
             </a:extLst>
           </p:cNvPr>
@@ -11042,13 +11218,13 @@
         </p:nvPicPr>
         <p:blipFill>
           <a:blip r:embed="rId3"/>
-          <a:srcRect l="31503" r="32257"/>
+          <a:srcRect l="35031" r="35007"/>
           <a:stretch/>
         </p:blipFill>
         <p:spPr>
           <a:xfrm>
             <a:off x="20" y="10"/>
-            <a:ext cx="3475989" cy="6857990"/>
+            <a:ext cx="3044191" cy="6857990"/>
           </a:xfrm>
           <a:prstGeom prst="rect">
             <a:avLst/>
@@ -11067,8 +11243,8 @@
         </p:nvSpPr>
         <p:spPr>
           <a:xfrm>
-            <a:off x="3961785" y="2438400"/>
-            <a:ext cx="3575604" cy="3809999"/>
+            <a:off x="3529986" y="2438400"/>
+            <a:ext cx="4007403" cy="3809999"/>
           </a:xfrm>
         </p:spPr>
         <p:txBody>
@@ -11082,7 +11258,7 @@
             </a:pPr>
             <a:r>
               <a:rPr dirty="0"/>
-              <a:t>• Top features influencing quality:</a:t>
+              <a:t>• Algorithm: Random Forest Classifier</a:t>
             </a:r>
           </a:p>
           <a:p>
@@ -11091,7 +11267,7 @@
             </a:pPr>
             <a:r>
               <a:rPr dirty="0"/>
-              <a:t>   - Alcohol</a:t>
+              <a:t>• Handles feature importance and non-linear patterns</a:t>
             </a:r>
           </a:p>
           <a:p>
@@ -11100,25 +11276,7 @@
             </a:pPr>
             <a:r>
               <a:rPr dirty="0"/>
-              <a:t> - Sulphates</a:t>
-            </a:r>
-          </a:p>
-          <a:p>
-            <a:pPr marL="0" indent="0">
-              <a:buNone/>
-            </a:pPr>
-            <a:r>
-              <a:rPr dirty="0"/>
-              <a:t> - Volatile Acidity</a:t>
-            </a:r>
-          </a:p>
-          <a:p>
-            <a:pPr marL="0" indent="0">
-              <a:buNone/>
-            </a:pPr>
-            <a:r>
-              <a:rPr dirty="0"/>
-              <a:t>• Alcohol is the most predictive feature</a:t>
+              <a:t>• Hyperparameter tuning: 100 estimators, max depth 10</a:t>
             </a:r>
           </a:p>
         </p:txBody>
@@ -11136,25 +11294,9 @@
   <p:cSld>
     <p:bg>
       <p:bgPr>
-        <a:blipFill rotWithShape="1">
-          <a:blip r:embed="rId2">
-            <a:duotone>
-              <a:schemeClr val="bg2">
-                <a:shade val="62000"/>
-                <a:hueMod val="108000"/>
-                <a:satMod val="164000"/>
-                <a:lumMod val="69000"/>
-              </a:schemeClr>
-              <a:schemeClr val="bg2">
-                <a:tint val="96000"/>
-                <a:hueMod val="90000"/>
-                <a:satMod val="130000"/>
-                <a:lumMod val="134000"/>
-              </a:schemeClr>
-            </a:duotone>
-          </a:blip>
-          <a:stretch/>
-        </a:blipFill>
+        <a:solidFill>
+          <a:schemeClr val="bg1"/>
+        </a:solidFill>
         <a:effectLst/>
       </p:bgPr>
     </p:bg>
@@ -11174,67 +11316,1391 @@
       </p:grpSpPr>
       <p:sp>
         <p:nvSpPr>
-          <p:cNvPr id="2" name="Title 1"/>
-          <p:cNvSpPr>
-            <a:spLocks noGrp="1"/>
-          </p:cNvSpPr>
-          <p:nvPr>
-            <p:ph type="title"/>
+          <p:cNvPr id="37" name="Rectangle 36">
+            <a:extLst>
+              <a:ext uri="{FF2B5EF4-FFF2-40B4-BE49-F238E27FC236}">
+                <a16:creationId xmlns:a16="http://schemas.microsoft.com/office/drawing/2014/main" id="{74CD14DB-BB81-479F-A1FC-1C75640E9F84}"/>
+              </a:ext>
+              <a:ext uri="{C183D7F6-B498-43B3-948B-1728B52AA6E4}">
+                <adec:decorative xmlns:adec="http://schemas.microsoft.com/office/drawing/2017/decorative" val="1"/>
+              </a:ext>
+            </a:extLst>
+          </p:cNvPr>
+          <p:cNvSpPr>
+            <a:spLocks noGrp="1" noRot="1" noChangeAspect="1" noMove="1" noResize="1" noEditPoints="1" noAdjustHandles="1" noChangeArrowheads="1" noChangeShapeType="1" noTextEdit="1"/>
+          </p:cNvSpPr>
+          <p:nvPr>
+            <p:extLst>
+              <p:ext uri="{386F3935-93C4-4BCD-93E2-E3B085C9AB24}">
+                <p16:designElem xmlns:p16="http://schemas.microsoft.com/office/powerpoint/2015/main" val="1"/>
+              </p:ext>
+            </p:extLst>
           </p:nvPr>
         </p:nvSpPr>
         <p:spPr>
           <a:xfrm>
-            <a:off x="484583" y="452718"/>
-            <a:ext cx="7053542" cy="1400530"/>
+            <a:off x="0" y="0"/>
+            <a:ext cx="9144000" cy="6858000"/>
           </a:xfrm>
+          <a:prstGeom prst="rect">
+            <a:avLst/>
+          </a:prstGeom>
+          <a:ln>
+            <a:noFill/>
+          </a:ln>
         </p:spPr>
-        <p:txBody>
-          <a:bodyPr>
+        <p:style>
+          <a:lnRef idx="2">
+            <a:schemeClr val="accent1">
+              <a:shade val="50000"/>
+            </a:schemeClr>
+          </a:lnRef>
+          <a:fillRef idx="1003">
+            <a:schemeClr val="dk2"/>
+          </a:fillRef>
+          <a:effectRef idx="0">
+            <a:schemeClr val="accent1"/>
+          </a:effectRef>
+          <a:fontRef idx="minor">
+            <a:schemeClr val="lt1"/>
+          </a:fontRef>
+        </p:style>
+        <p:txBody>
+          <a:bodyPr rtlCol="0" anchor="ctr"/>
+          <a:lstStyle/>
+          <a:p>
+            <a:pPr marL="0" marR="0" lvl="0" indent="0" algn="ctr" defTabSz="914400" rtl="0" eaLnBrk="1" fontAlgn="auto" latinLnBrk="0" hangingPunct="1">
+              <a:lnSpc>
+                <a:spcPct val="100000"/>
+              </a:lnSpc>
+              <a:spcBef>
+                <a:spcPts val="0"/>
+              </a:spcBef>
+              <a:spcAft>
+                <a:spcPts val="0"/>
+              </a:spcAft>
+              <a:buClrTx/>
+              <a:buSzTx/>
+              <a:buFontTx/>
+              <a:buNone/>
+              <a:tabLst/>
+              <a:defRPr/>
+            </a:pPr>
+            <a:endParaRPr kumimoji="0" lang="en-US" sz="1800" b="0" i="0" u="none" strike="noStrike" kern="1200" cap="none" spc="0" normalizeH="0" baseline="0" noProof="0">
+              <a:ln>
+                <a:noFill/>
+              </a:ln>
+              <a:solidFill>
+                <a:prstClr val="white"/>
+              </a:solidFill>
+              <a:effectLst/>
+              <a:uLnTx/>
+              <a:uFillTx/>
+              <a:latin typeface="Century Gothic" panose="020B0502020202020204"/>
+              <a:ea typeface="+mn-ea"/>
+              <a:cs typeface="+mn-cs"/>
+            </a:endParaRPr>
+          </a:p>
+        </p:txBody>
+      </p:sp>
+      <p:sp>
+        <p:nvSpPr>
+          <p:cNvPr id="39" name="Rectangle 38">
+            <a:extLst>
+              <a:ext uri="{FF2B5EF4-FFF2-40B4-BE49-F238E27FC236}">
+                <a16:creationId xmlns:a16="http://schemas.microsoft.com/office/drawing/2014/main" id="{C943A91B-7CA7-4592-A975-73B1BF8C4C74}"/>
+              </a:ext>
+              <a:ext uri="{C183D7F6-B498-43B3-948B-1728B52AA6E4}">
+                <adec:decorative xmlns:adec="http://schemas.microsoft.com/office/drawing/2017/decorative" val="1"/>
+              </a:ext>
+            </a:extLst>
+          </p:cNvPr>
+          <p:cNvSpPr>
+            <a:spLocks noGrp="1" noRot="1" noChangeAspect="1" noMove="1" noResize="1" noEditPoints="1" noAdjustHandles="1" noChangeArrowheads="1" noChangeShapeType="1" noTextEdit="1"/>
+          </p:cNvSpPr>
+          <p:nvPr>
+            <p:extLst>
+              <p:ext uri="{386F3935-93C4-4BCD-93E2-E3B085C9AB24}">
+                <p16:designElem xmlns:p16="http://schemas.microsoft.com/office/powerpoint/2015/main" val="1"/>
+              </p:ext>
+            </p:extLst>
+          </p:nvPr>
+        </p:nvSpPr>
+        <p:spPr>
+          <a:xfrm>
+            <a:off x="7828359" y="0"/>
+            <a:ext cx="514350" cy="1143000"/>
+          </a:xfrm>
+          <a:prstGeom prst="rect">
+            <a:avLst/>
+          </a:prstGeom>
+          <a:solidFill>
+            <a:schemeClr val="accent1"/>
+          </a:solidFill>
+          <a:ln>
+            <a:noFill/>
+          </a:ln>
+        </p:spPr>
+        <p:style>
+          <a:lnRef idx="1">
+            <a:schemeClr val="accent1"/>
+          </a:lnRef>
+          <a:fillRef idx="3">
+            <a:schemeClr val="accent1"/>
+          </a:fillRef>
+          <a:effectRef idx="2">
+            <a:schemeClr val="accent1"/>
+          </a:effectRef>
+          <a:fontRef idx="minor">
+            <a:schemeClr val="lt1"/>
+          </a:fontRef>
+        </p:style>
+        <p:txBody>
+          <a:bodyPr/>
+          <a:lstStyle/>
+          <a:p>
+            <a:endParaRPr lang="en-US"/>
+          </a:p>
+        </p:txBody>
+      </p:sp>
+      <p:sp>
+        <p:nvSpPr>
+          <p:cNvPr id="41" name="Freeform 7">
+            <a:extLst>
+              <a:ext uri="{FF2B5EF4-FFF2-40B4-BE49-F238E27FC236}">
+                <a16:creationId xmlns:a16="http://schemas.microsoft.com/office/drawing/2014/main" id="{EC471314-E46A-414B-8D91-74880E84F187}"/>
+              </a:ext>
+              <a:ext uri="{C183D7F6-B498-43B3-948B-1728B52AA6E4}">
+                <adec:decorative xmlns:adec="http://schemas.microsoft.com/office/drawing/2017/decorative" val="1"/>
+              </a:ext>
+            </a:extLst>
+          </p:cNvPr>
+          <p:cNvSpPr>
+            <a:spLocks noGrp="1" noRot="1" noChangeAspect="1" noMove="1" noResize="1" noEditPoints="1" noAdjustHandles="1" noChangeArrowheads="1" noChangeShapeType="1" noTextEdit="1"/>
+          </p:cNvSpPr>
+          <p:nvPr>
+            <p:extLst>
+              <p:ext uri="{386F3935-93C4-4BCD-93E2-E3B085C9AB24}">
+                <p16:designElem xmlns:p16="http://schemas.microsoft.com/office/powerpoint/2015/main" val="1"/>
+              </p:ext>
+            </p:extLst>
+          </p:nvPr>
+        </p:nvSpPr>
+        <p:spPr>
+          <a:xfrm>
+            <a:off x="6539954" y="1460230"/>
+            <a:ext cx="2604045" cy="825932"/>
+          </a:xfrm>
+          <a:custGeom>
+            <a:avLst/>
+            <a:gdLst>
+              <a:gd name="connsiteX0" fmla="*/ 3470310 w 3472060"/>
+              <a:gd name="connsiteY0" fmla="*/ 0 h 825932"/>
+              <a:gd name="connsiteX1" fmla="*/ 3472060 w 3472060"/>
+              <a:gd name="connsiteY1" fmla="*/ 12850 h 825932"/>
+              <a:gd name="connsiteX2" fmla="*/ 3472060 w 3472060"/>
+              <a:gd name="connsiteY2" fmla="*/ 480529 h 825932"/>
+              <a:gd name="connsiteX3" fmla="*/ 3363699 w 3472060"/>
+              <a:gd name="connsiteY3" fmla="*/ 498471 h 825932"/>
+              <a:gd name="connsiteX4" fmla="*/ 42060 w 3472060"/>
+              <a:gd name="connsiteY4" fmla="*/ 824486 h 825932"/>
+              <a:gd name="connsiteX5" fmla="*/ 0 w 3472060"/>
+              <a:gd name="connsiteY5" fmla="*/ 758452 h 825932"/>
+              <a:gd name="connsiteX6" fmla="*/ 188014 w 3472060"/>
+              <a:gd name="connsiteY6" fmla="*/ 735602 h 825932"/>
+              <a:gd name="connsiteX7" fmla="*/ 284087 w 3472060"/>
+              <a:gd name="connsiteY7" fmla="*/ 722590 h 825932"/>
+              <a:gd name="connsiteX8" fmla="*/ 382288 w 3472060"/>
+              <a:gd name="connsiteY8" fmla="*/ 709392 h 825932"/>
+              <a:gd name="connsiteX9" fmla="*/ 481858 w 3472060"/>
+              <a:gd name="connsiteY9" fmla="*/ 695774 h 825932"/>
+              <a:gd name="connsiteX10" fmla="*/ 581897 w 3472060"/>
+              <a:gd name="connsiteY10" fmla="*/ 680711 h 825932"/>
+              <a:gd name="connsiteX11" fmla="*/ 683670 w 3472060"/>
+              <a:gd name="connsiteY11" fmla="*/ 665256 h 825932"/>
+              <a:gd name="connsiteX12" fmla="*/ 787206 w 3472060"/>
+              <a:gd name="connsiteY12" fmla="*/ 649587 h 825932"/>
+              <a:gd name="connsiteX13" fmla="*/ 892019 w 3472060"/>
+              <a:gd name="connsiteY13" fmla="*/ 632968 h 825932"/>
+              <a:gd name="connsiteX14" fmla="*/ 997620 w 3472060"/>
+              <a:gd name="connsiteY14" fmla="*/ 614667 h 825932"/>
+              <a:gd name="connsiteX15" fmla="*/ 1104727 w 3472060"/>
+              <a:gd name="connsiteY15" fmla="*/ 596741 h 825932"/>
+              <a:gd name="connsiteX16" fmla="*/ 1212669 w 3472060"/>
+              <a:gd name="connsiteY16" fmla="*/ 577397 h 825932"/>
+              <a:gd name="connsiteX17" fmla="*/ 1321506 w 3472060"/>
+              <a:gd name="connsiteY17" fmla="*/ 556988 h 825932"/>
+              <a:gd name="connsiteX18" fmla="*/ 1430709 w 3472060"/>
+              <a:gd name="connsiteY18" fmla="*/ 536607 h 825932"/>
+              <a:gd name="connsiteX19" fmla="*/ 1541050 w 3472060"/>
+              <a:gd name="connsiteY19" fmla="*/ 514481 h 825932"/>
+              <a:gd name="connsiteX20" fmla="*/ 1652805 w 3472060"/>
+              <a:gd name="connsiteY20" fmla="*/ 492202 h 825932"/>
+              <a:gd name="connsiteX21" fmla="*/ 1763708 w 3472060"/>
+              <a:gd name="connsiteY21" fmla="*/ 469161 h 825932"/>
+              <a:gd name="connsiteX22" fmla="*/ 1875795 w 3472060"/>
+              <a:gd name="connsiteY22" fmla="*/ 444641 h 825932"/>
+              <a:gd name="connsiteX23" fmla="*/ 1989128 w 3472060"/>
+              <a:gd name="connsiteY23" fmla="*/ 418995 h 825932"/>
+              <a:gd name="connsiteX24" fmla="*/ 2102476 w 3472060"/>
+              <a:gd name="connsiteY24" fmla="*/ 393438 h 825932"/>
+              <a:gd name="connsiteX25" fmla="*/ 2215549 w 3472060"/>
+              <a:gd name="connsiteY25" fmla="*/ 366291 h 825932"/>
+              <a:gd name="connsiteX26" fmla="*/ 2330490 w 3472060"/>
+              <a:gd name="connsiteY26" fmla="*/ 337455 h 825932"/>
+              <a:gd name="connsiteX27" fmla="*/ 2443333 w 3472060"/>
+              <a:gd name="connsiteY27" fmla="*/ 308983 h 825932"/>
+              <a:gd name="connsiteX28" fmla="*/ 2558014 w 3472060"/>
+              <a:gd name="connsiteY28" fmla="*/ 278646 h 825932"/>
+              <a:gd name="connsiteX29" fmla="*/ 2673621 w 3472060"/>
+              <a:gd name="connsiteY29" fmla="*/ 247421 h 825932"/>
+              <a:gd name="connsiteX30" fmla="*/ 2787008 w 3472060"/>
+              <a:gd name="connsiteY30" fmla="*/ 215853 h 825932"/>
+              <a:gd name="connsiteX31" fmla="*/ 2901442 w 3472060"/>
+              <a:gd name="connsiteY31" fmla="*/ 182011 h 825932"/>
+              <a:gd name="connsiteX32" fmla="*/ 3015722 w 3472060"/>
+              <a:gd name="connsiteY32" fmla="*/ 147286 h 825932"/>
+              <a:gd name="connsiteX33" fmla="*/ 3130018 w 3472060"/>
+              <a:gd name="connsiteY33" fmla="*/ 112649 h 825932"/>
+              <a:gd name="connsiteX34" fmla="*/ 3243551 w 3472060"/>
+              <a:gd name="connsiteY34" fmla="*/ 75688 h 825932"/>
+              <a:gd name="connsiteX35" fmla="*/ 3356992 w 3472060"/>
+              <a:gd name="connsiteY35" fmla="*/ 38197 h 825932"/>
+              <a:gd name="connsiteX36" fmla="*/ 3470310 w 3472060"/>
+              <a:gd name="connsiteY36" fmla="*/ 0 h 825932"/>
+            </a:gdLst>
+            <a:ahLst/>
+            <a:cxnLst>
+              <a:cxn ang="0">
+                <a:pos x="connsiteX0" y="connsiteY0"/>
+              </a:cxn>
+              <a:cxn ang="0">
+                <a:pos x="connsiteX1" y="connsiteY1"/>
+              </a:cxn>
+              <a:cxn ang="0">
+                <a:pos x="connsiteX2" y="connsiteY2"/>
+              </a:cxn>
+              <a:cxn ang="0">
+                <a:pos x="connsiteX3" y="connsiteY3"/>
+              </a:cxn>
+              <a:cxn ang="0">
+                <a:pos x="connsiteX4" y="connsiteY4"/>
+              </a:cxn>
+              <a:cxn ang="0">
+                <a:pos x="connsiteX5" y="connsiteY5"/>
+              </a:cxn>
+              <a:cxn ang="0">
+                <a:pos x="connsiteX6" y="connsiteY6"/>
+              </a:cxn>
+              <a:cxn ang="0">
+                <a:pos x="connsiteX7" y="connsiteY7"/>
+              </a:cxn>
+              <a:cxn ang="0">
+                <a:pos x="connsiteX8" y="connsiteY8"/>
+              </a:cxn>
+              <a:cxn ang="0">
+                <a:pos x="connsiteX9" y="connsiteY9"/>
+              </a:cxn>
+              <a:cxn ang="0">
+                <a:pos x="connsiteX10" y="connsiteY10"/>
+              </a:cxn>
+              <a:cxn ang="0">
+                <a:pos x="connsiteX11" y="connsiteY11"/>
+              </a:cxn>
+              <a:cxn ang="0">
+                <a:pos x="connsiteX12" y="connsiteY12"/>
+              </a:cxn>
+              <a:cxn ang="0">
+                <a:pos x="connsiteX13" y="connsiteY13"/>
+              </a:cxn>
+              <a:cxn ang="0">
+                <a:pos x="connsiteX14" y="connsiteY14"/>
+              </a:cxn>
+              <a:cxn ang="0">
+                <a:pos x="connsiteX15" y="connsiteY15"/>
+              </a:cxn>
+              <a:cxn ang="0">
+                <a:pos x="connsiteX16" y="connsiteY16"/>
+              </a:cxn>
+              <a:cxn ang="0">
+                <a:pos x="connsiteX17" y="connsiteY17"/>
+              </a:cxn>
+              <a:cxn ang="0">
+                <a:pos x="connsiteX18" y="connsiteY18"/>
+              </a:cxn>
+              <a:cxn ang="0">
+                <a:pos x="connsiteX19" y="connsiteY19"/>
+              </a:cxn>
+              <a:cxn ang="0">
+                <a:pos x="connsiteX20" y="connsiteY20"/>
+              </a:cxn>
+              <a:cxn ang="0">
+                <a:pos x="connsiteX21" y="connsiteY21"/>
+              </a:cxn>
+              <a:cxn ang="0">
+                <a:pos x="connsiteX22" y="connsiteY22"/>
+              </a:cxn>
+              <a:cxn ang="0">
+                <a:pos x="connsiteX23" y="connsiteY23"/>
+              </a:cxn>
+              <a:cxn ang="0">
+                <a:pos x="connsiteX24" y="connsiteY24"/>
+              </a:cxn>
+              <a:cxn ang="0">
+                <a:pos x="connsiteX25" y="connsiteY25"/>
+              </a:cxn>
+              <a:cxn ang="0">
+                <a:pos x="connsiteX26" y="connsiteY26"/>
+              </a:cxn>
+              <a:cxn ang="0">
+                <a:pos x="connsiteX27" y="connsiteY27"/>
+              </a:cxn>
+              <a:cxn ang="0">
+                <a:pos x="connsiteX28" y="connsiteY28"/>
+              </a:cxn>
+              <a:cxn ang="0">
+                <a:pos x="connsiteX29" y="connsiteY29"/>
+              </a:cxn>
+              <a:cxn ang="0">
+                <a:pos x="connsiteX30" y="connsiteY30"/>
+              </a:cxn>
+              <a:cxn ang="0">
+                <a:pos x="connsiteX31" y="connsiteY31"/>
+              </a:cxn>
+              <a:cxn ang="0">
+                <a:pos x="connsiteX32" y="connsiteY32"/>
+              </a:cxn>
+              <a:cxn ang="0">
+                <a:pos x="connsiteX33" y="connsiteY33"/>
+              </a:cxn>
+              <a:cxn ang="0">
+                <a:pos x="connsiteX34" y="connsiteY34"/>
+              </a:cxn>
+              <a:cxn ang="0">
+                <a:pos x="connsiteX35" y="connsiteY35"/>
+              </a:cxn>
+              <a:cxn ang="0">
+                <a:pos x="connsiteX36" y="connsiteY36"/>
+              </a:cxn>
+            </a:cxnLst>
+            <a:rect l="l" t="t" r="r" b="b"/>
+            <a:pathLst>
+              <a:path w="3472060" h="825932">
+                <a:moveTo>
+                  <a:pt x="3470310" y="0"/>
+                </a:moveTo>
+                <a:lnTo>
+                  <a:pt x="3472060" y="12850"/>
+                </a:lnTo>
+                <a:lnTo>
+                  <a:pt x="3472060" y="480529"/>
+                </a:lnTo>
+                <a:lnTo>
+                  <a:pt x="3363699" y="498471"/>
+                </a:lnTo>
+                <a:cubicBezTo>
+                  <a:pt x="2435623" y="645518"/>
+                  <a:pt x="603076" y="844866"/>
+                  <a:pt x="42060" y="824486"/>
+                </a:cubicBezTo>
+                <a:cubicBezTo>
+                  <a:pt x="28151" y="802425"/>
+                  <a:pt x="13909" y="780513"/>
+                  <a:pt x="0" y="758452"/>
+                </a:cubicBezTo>
+                <a:lnTo>
+                  <a:pt x="188014" y="735602"/>
+                </a:lnTo>
+                <a:lnTo>
+                  <a:pt x="284087" y="722590"/>
+                </a:lnTo>
+                <a:lnTo>
+                  <a:pt x="382288" y="709392"/>
+                </a:lnTo>
+                <a:lnTo>
+                  <a:pt x="481858" y="695774"/>
+                </a:lnTo>
+                <a:lnTo>
+                  <a:pt x="581897" y="680711"/>
+                </a:lnTo>
+                <a:lnTo>
+                  <a:pt x="683670" y="665256"/>
+                </a:lnTo>
+                <a:lnTo>
+                  <a:pt x="787206" y="649587"/>
+                </a:lnTo>
+                <a:lnTo>
+                  <a:pt x="892019" y="632968"/>
+                </a:lnTo>
+                <a:lnTo>
+                  <a:pt x="997620" y="614667"/>
+                </a:lnTo>
+                <a:lnTo>
+                  <a:pt x="1104727" y="596741"/>
+                </a:lnTo>
+                <a:lnTo>
+                  <a:pt x="1212669" y="577397"/>
+                </a:lnTo>
+                <a:lnTo>
+                  <a:pt x="1321506" y="556988"/>
+                </a:lnTo>
+                <a:lnTo>
+                  <a:pt x="1430709" y="536607"/>
+                </a:lnTo>
+                <a:lnTo>
+                  <a:pt x="1541050" y="514481"/>
+                </a:lnTo>
+                <a:lnTo>
+                  <a:pt x="1652805" y="492202"/>
+                </a:lnTo>
+                <a:lnTo>
+                  <a:pt x="1763708" y="469161"/>
+                </a:lnTo>
+                <a:lnTo>
+                  <a:pt x="1875795" y="444641"/>
+                </a:lnTo>
+                <a:lnTo>
+                  <a:pt x="1989128" y="418995"/>
+                </a:lnTo>
+                <a:lnTo>
+                  <a:pt x="2102476" y="393438"/>
+                </a:lnTo>
+                <a:lnTo>
+                  <a:pt x="2215549" y="366291"/>
+                </a:lnTo>
+                <a:lnTo>
+                  <a:pt x="2330490" y="337455"/>
+                </a:lnTo>
+                <a:lnTo>
+                  <a:pt x="2443333" y="308983"/>
+                </a:lnTo>
+                <a:lnTo>
+                  <a:pt x="2558014" y="278646"/>
+                </a:lnTo>
+                <a:lnTo>
+                  <a:pt x="2673621" y="247421"/>
+                </a:lnTo>
+                <a:lnTo>
+                  <a:pt x="2787008" y="215853"/>
+                </a:lnTo>
+                <a:lnTo>
+                  <a:pt x="2901442" y="182011"/>
+                </a:lnTo>
+                <a:lnTo>
+                  <a:pt x="3015722" y="147286"/>
+                </a:lnTo>
+                <a:lnTo>
+                  <a:pt x="3130018" y="112649"/>
+                </a:lnTo>
+                <a:lnTo>
+                  <a:pt x="3243551" y="75688"/>
+                </a:lnTo>
+                <a:lnTo>
+                  <a:pt x="3356992" y="38197"/>
+                </a:lnTo>
+                <a:lnTo>
+                  <a:pt x="3470310" y="0"/>
+                </a:lnTo>
+                <a:close/>
+              </a:path>
+            </a:pathLst>
+          </a:custGeom>
+          <a:solidFill>
+            <a:schemeClr val="bg1">
+              <a:alpha val="20000"/>
+            </a:schemeClr>
+          </a:solidFill>
+          <a:ln>
+            <a:noFill/>
+          </a:ln>
+        </p:spPr>
+        <p:txBody>
+          <a:bodyPr rtlCol="0" anchor="ctr"/>
+          <a:lstStyle/>
+          <a:p>
+            <a:pPr marL="0" marR="0" lvl="0" indent="0" algn="ctr" defTabSz="914400" rtl="0" eaLnBrk="1" fontAlgn="auto" latinLnBrk="0" hangingPunct="1">
+              <a:lnSpc>
+                <a:spcPct val="100000"/>
+              </a:lnSpc>
+              <a:spcBef>
+                <a:spcPts val="0"/>
+              </a:spcBef>
+              <a:spcAft>
+                <a:spcPts val="0"/>
+              </a:spcAft>
+              <a:buClrTx/>
+              <a:buSzTx/>
+              <a:buFontTx/>
+              <a:buNone/>
+              <a:tabLst/>
+              <a:defRPr/>
+            </a:pPr>
+            <a:endParaRPr kumimoji="0" lang="en-US" sz="1800" b="0" i="0" u="none" strike="noStrike" kern="1200" cap="none" spc="0" normalizeH="0" baseline="0" noProof="0">
+              <a:ln>
+                <a:noFill/>
+              </a:ln>
+              <a:solidFill>
+                <a:prstClr val="black"/>
+              </a:solidFill>
+              <a:effectLst/>
+              <a:uLnTx/>
+              <a:uFillTx/>
+              <a:latin typeface="Century Gothic" panose="020B0502020202020204"/>
+              <a:ea typeface="+mn-ea"/>
+              <a:cs typeface="+mn-cs"/>
+            </a:endParaRPr>
+          </a:p>
+        </p:txBody>
+      </p:sp>
+      <p:sp useBgFill="1">
+        <p:nvSpPr>
+          <p:cNvPr id="43" name="Freeform: Shape 42">
+            <a:extLst>
+              <a:ext uri="{FF2B5EF4-FFF2-40B4-BE49-F238E27FC236}">
+                <a16:creationId xmlns:a16="http://schemas.microsoft.com/office/drawing/2014/main" id="{6A681326-1C9D-44A3-A627-3871BDAE4127}"/>
+              </a:ext>
+              <a:ext uri="{C183D7F6-B498-43B3-948B-1728B52AA6E4}">
+                <adec:decorative xmlns:adec="http://schemas.microsoft.com/office/drawing/2017/decorative" val="1"/>
+              </a:ext>
+            </a:extLst>
+          </p:cNvPr>
+          <p:cNvSpPr>
+            <a:spLocks noGrp="1" noRot="1" noChangeAspect="1" noMove="1" noResize="1" noEditPoints="1" noAdjustHandles="1" noChangeArrowheads="1" noChangeShapeType="1" noTextEdit="1"/>
+          </p:cNvSpPr>
+          <p:nvPr>
+            <p:extLst>
+              <p:ext uri="{386F3935-93C4-4BCD-93E2-E3B085C9AB24}">
+                <p16:designElem xmlns:p16="http://schemas.microsoft.com/office/powerpoint/2015/main" val="1"/>
+              </p:ext>
+            </p:extLst>
+          </p:nvPr>
+        </p:nvSpPr>
+        <p:spPr bwMode="gray">
+          <a:xfrm>
+            <a:off x="0" y="1762067"/>
+            <a:ext cx="9144313" cy="5095933"/>
+          </a:xfrm>
+          <a:custGeom>
+            <a:avLst/>
+            <a:gdLst>
+              <a:gd name="connsiteX0" fmla="*/ 0 w 12192417"/>
+              <a:gd name="connsiteY0" fmla="*/ 0 h 5095933"/>
+              <a:gd name="connsiteX1" fmla="*/ 71931 w 12192417"/>
+              <a:gd name="connsiteY1" fmla="*/ 12261 h 5095933"/>
+              <a:gd name="connsiteX2" fmla="*/ 282848 w 12192417"/>
+              <a:gd name="connsiteY2" fmla="*/ 48343 h 5095933"/>
+              <a:gd name="connsiteX3" fmla="*/ 436463 w 12192417"/>
+              <a:gd name="connsiteY3" fmla="*/ 73565 h 5095933"/>
+              <a:gd name="connsiteX4" fmla="*/ 619338 w 12192417"/>
+              <a:gd name="connsiteY4" fmla="*/ 100188 h 5095933"/>
+              <a:gd name="connsiteX5" fmla="*/ 836350 w 12192417"/>
+              <a:gd name="connsiteY5" fmla="*/ 132066 h 5095933"/>
+              <a:gd name="connsiteX6" fmla="*/ 1076527 w 12192417"/>
+              <a:gd name="connsiteY6" fmla="*/ 165696 h 5095933"/>
+              <a:gd name="connsiteX7" fmla="*/ 1347183 w 12192417"/>
+              <a:gd name="connsiteY7" fmla="*/ 201077 h 5095933"/>
+              <a:gd name="connsiteX8" fmla="*/ 1642222 w 12192417"/>
+              <a:gd name="connsiteY8" fmla="*/ 238560 h 5095933"/>
+              <a:gd name="connsiteX9" fmla="*/ 1962863 w 12192417"/>
+              <a:gd name="connsiteY9" fmla="*/ 276043 h 5095933"/>
+              <a:gd name="connsiteX10" fmla="*/ 2304231 w 12192417"/>
+              <a:gd name="connsiteY10" fmla="*/ 314227 h 5095933"/>
+              <a:gd name="connsiteX11" fmla="*/ 2672420 w 12192417"/>
+              <a:gd name="connsiteY11" fmla="*/ 349608 h 5095933"/>
+              <a:gd name="connsiteX12" fmla="*/ 3057677 w 12192417"/>
+              <a:gd name="connsiteY12" fmla="*/ 383588 h 5095933"/>
+              <a:gd name="connsiteX13" fmla="*/ 3464880 w 12192417"/>
+              <a:gd name="connsiteY13" fmla="*/ 414415 h 5095933"/>
+              <a:gd name="connsiteX14" fmla="*/ 3889151 w 12192417"/>
+              <a:gd name="connsiteY14" fmla="*/ 443841 h 5095933"/>
+              <a:gd name="connsiteX15" fmla="*/ 4331709 w 12192417"/>
+              <a:gd name="connsiteY15" fmla="*/ 471515 h 5095933"/>
+              <a:gd name="connsiteX16" fmla="*/ 4558475 w 12192417"/>
+              <a:gd name="connsiteY16" fmla="*/ 481324 h 5095933"/>
+              <a:gd name="connsiteX17" fmla="*/ 4790117 w 12192417"/>
+              <a:gd name="connsiteY17" fmla="*/ 492183 h 5095933"/>
+              <a:gd name="connsiteX18" fmla="*/ 5025417 w 12192417"/>
+              <a:gd name="connsiteY18" fmla="*/ 502342 h 5095933"/>
+              <a:gd name="connsiteX19" fmla="*/ 5261936 w 12192417"/>
+              <a:gd name="connsiteY19" fmla="*/ 508998 h 5095933"/>
+              <a:gd name="connsiteX20" fmla="*/ 5503331 w 12192417"/>
+              <a:gd name="connsiteY20" fmla="*/ 514953 h 5095933"/>
+              <a:gd name="connsiteX21" fmla="*/ 5747166 w 12192417"/>
+              <a:gd name="connsiteY21" fmla="*/ 521259 h 5095933"/>
+              <a:gd name="connsiteX22" fmla="*/ 5995876 w 12192417"/>
+              <a:gd name="connsiteY22" fmla="*/ 525463 h 5095933"/>
+              <a:gd name="connsiteX23" fmla="*/ 6247025 w 12192417"/>
+              <a:gd name="connsiteY23" fmla="*/ 525463 h 5095933"/>
+              <a:gd name="connsiteX24" fmla="*/ 6500612 w 12192417"/>
+              <a:gd name="connsiteY24" fmla="*/ 527565 h 5095933"/>
+              <a:gd name="connsiteX25" fmla="*/ 6756638 w 12192417"/>
+              <a:gd name="connsiteY25" fmla="*/ 525463 h 5095933"/>
+              <a:gd name="connsiteX26" fmla="*/ 7016321 w 12192417"/>
+              <a:gd name="connsiteY26" fmla="*/ 521259 h 5095933"/>
+              <a:gd name="connsiteX27" fmla="*/ 7276004 w 12192417"/>
+              <a:gd name="connsiteY27" fmla="*/ 517406 h 5095933"/>
+              <a:gd name="connsiteX28" fmla="*/ 7539344 w 12192417"/>
+              <a:gd name="connsiteY28" fmla="*/ 508998 h 5095933"/>
+              <a:gd name="connsiteX29" fmla="*/ 7805123 w 12192417"/>
+              <a:gd name="connsiteY29" fmla="*/ 500241 h 5095933"/>
+              <a:gd name="connsiteX30" fmla="*/ 8070902 w 12192417"/>
+              <a:gd name="connsiteY30" fmla="*/ 490082 h 5095933"/>
+              <a:gd name="connsiteX31" fmla="*/ 8339120 w 12192417"/>
+              <a:gd name="connsiteY31" fmla="*/ 475719 h 5095933"/>
+              <a:gd name="connsiteX32" fmla="*/ 8609775 w 12192417"/>
+              <a:gd name="connsiteY32" fmla="*/ 458554 h 5095933"/>
+              <a:gd name="connsiteX33" fmla="*/ 8881650 w 12192417"/>
+              <a:gd name="connsiteY33" fmla="*/ 442089 h 5095933"/>
+              <a:gd name="connsiteX34" fmla="*/ 9153525 w 12192417"/>
+              <a:gd name="connsiteY34" fmla="*/ 421071 h 5095933"/>
+              <a:gd name="connsiteX35" fmla="*/ 9429057 w 12192417"/>
+              <a:gd name="connsiteY35" fmla="*/ 395849 h 5095933"/>
+              <a:gd name="connsiteX36" fmla="*/ 9700932 w 12192417"/>
+              <a:gd name="connsiteY36" fmla="*/ 370626 h 5095933"/>
+              <a:gd name="connsiteX37" fmla="*/ 9977683 w 12192417"/>
+              <a:gd name="connsiteY37" fmla="*/ 341551 h 5095933"/>
+              <a:gd name="connsiteX38" fmla="*/ 10255654 w 12192417"/>
+              <a:gd name="connsiteY38" fmla="*/ 309673 h 5095933"/>
+              <a:gd name="connsiteX39" fmla="*/ 10529967 w 12192417"/>
+              <a:gd name="connsiteY39" fmla="*/ 276043 h 5095933"/>
+              <a:gd name="connsiteX40" fmla="*/ 10807938 w 12192417"/>
+              <a:gd name="connsiteY40" fmla="*/ 236809 h 5095933"/>
+              <a:gd name="connsiteX41" fmla="*/ 11084689 w 12192417"/>
+              <a:gd name="connsiteY41" fmla="*/ 194772 h 5095933"/>
+              <a:gd name="connsiteX42" fmla="*/ 11362660 w 12192417"/>
+              <a:gd name="connsiteY42" fmla="*/ 153085 h 5095933"/>
+              <a:gd name="connsiteX43" fmla="*/ 11639411 w 12192417"/>
+              <a:gd name="connsiteY43" fmla="*/ 104392 h 5095933"/>
+              <a:gd name="connsiteX44" fmla="*/ 11914944 w 12192417"/>
+              <a:gd name="connsiteY44" fmla="*/ 54648 h 5095933"/>
+              <a:gd name="connsiteX45" fmla="*/ 12191695 w 12192417"/>
+              <a:gd name="connsiteY45" fmla="*/ 2452 h 5095933"/>
+              <a:gd name="connsiteX46" fmla="*/ 12191695 w 12192417"/>
+              <a:gd name="connsiteY46" fmla="*/ 2162231 h 5095933"/>
+              <a:gd name="connsiteX47" fmla="*/ 12192417 w 12192417"/>
+              <a:gd name="connsiteY47" fmla="*/ 2162231 h 5095933"/>
+              <a:gd name="connsiteX48" fmla="*/ 12192417 w 12192417"/>
+              <a:gd name="connsiteY48" fmla="*/ 5095933 h 5095933"/>
+              <a:gd name="connsiteX49" fmla="*/ 0 w 12192417"/>
+              <a:gd name="connsiteY49" fmla="*/ 5095933 h 5095933"/>
+              <a:gd name="connsiteX50" fmla="*/ 0 w 12192417"/>
+              <a:gd name="connsiteY50" fmla="*/ 2791958 h 5095933"/>
+              <a:gd name="connsiteX51" fmla="*/ 0 w 12192417"/>
+              <a:gd name="connsiteY51" fmla="*/ 2162231 h 5095933"/>
+            </a:gdLst>
+            <a:ahLst/>
+            <a:cxnLst>
+              <a:cxn ang="0">
+                <a:pos x="connsiteX0" y="connsiteY0"/>
+              </a:cxn>
+              <a:cxn ang="0">
+                <a:pos x="connsiteX1" y="connsiteY1"/>
+              </a:cxn>
+              <a:cxn ang="0">
+                <a:pos x="connsiteX2" y="connsiteY2"/>
+              </a:cxn>
+              <a:cxn ang="0">
+                <a:pos x="connsiteX3" y="connsiteY3"/>
+              </a:cxn>
+              <a:cxn ang="0">
+                <a:pos x="connsiteX4" y="connsiteY4"/>
+              </a:cxn>
+              <a:cxn ang="0">
+                <a:pos x="connsiteX5" y="connsiteY5"/>
+              </a:cxn>
+              <a:cxn ang="0">
+                <a:pos x="connsiteX6" y="connsiteY6"/>
+              </a:cxn>
+              <a:cxn ang="0">
+                <a:pos x="connsiteX7" y="connsiteY7"/>
+              </a:cxn>
+              <a:cxn ang="0">
+                <a:pos x="connsiteX8" y="connsiteY8"/>
+              </a:cxn>
+              <a:cxn ang="0">
+                <a:pos x="connsiteX9" y="connsiteY9"/>
+              </a:cxn>
+              <a:cxn ang="0">
+                <a:pos x="connsiteX10" y="connsiteY10"/>
+              </a:cxn>
+              <a:cxn ang="0">
+                <a:pos x="connsiteX11" y="connsiteY11"/>
+              </a:cxn>
+              <a:cxn ang="0">
+                <a:pos x="connsiteX12" y="connsiteY12"/>
+              </a:cxn>
+              <a:cxn ang="0">
+                <a:pos x="connsiteX13" y="connsiteY13"/>
+              </a:cxn>
+              <a:cxn ang="0">
+                <a:pos x="connsiteX14" y="connsiteY14"/>
+              </a:cxn>
+              <a:cxn ang="0">
+                <a:pos x="connsiteX15" y="connsiteY15"/>
+              </a:cxn>
+              <a:cxn ang="0">
+                <a:pos x="connsiteX16" y="connsiteY16"/>
+              </a:cxn>
+              <a:cxn ang="0">
+                <a:pos x="connsiteX17" y="connsiteY17"/>
+              </a:cxn>
+              <a:cxn ang="0">
+                <a:pos x="connsiteX18" y="connsiteY18"/>
+              </a:cxn>
+              <a:cxn ang="0">
+                <a:pos x="connsiteX19" y="connsiteY19"/>
+              </a:cxn>
+              <a:cxn ang="0">
+                <a:pos x="connsiteX20" y="connsiteY20"/>
+              </a:cxn>
+              <a:cxn ang="0">
+                <a:pos x="connsiteX21" y="connsiteY21"/>
+              </a:cxn>
+              <a:cxn ang="0">
+                <a:pos x="connsiteX22" y="connsiteY22"/>
+              </a:cxn>
+              <a:cxn ang="0">
+                <a:pos x="connsiteX23" y="connsiteY23"/>
+              </a:cxn>
+              <a:cxn ang="0">
+                <a:pos x="connsiteX24" y="connsiteY24"/>
+              </a:cxn>
+              <a:cxn ang="0">
+                <a:pos x="connsiteX25" y="connsiteY25"/>
+              </a:cxn>
+              <a:cxn ang="0">
+                <a:pos x="connsiteX26" y="connsiteY26"/>
+              </a:cxn>
+              <a:cxn ang="0">
+                <a:pos x="connsiteX27" y="connsiteY27"/>
+              </a:cxn>
+              <a:cxn ang="0">
+                <a:pos x="connsiteX28" y="connsiteY28"/>
+              </a:cxn>
+              <a:cxn ang="0">
+                <a:pos x="connsiteX29" y="connsiteY29"/>
+              </a:cxn>
+              <a:cxn ang="0">
+                <a:pos x="connsiteX30" y="connsiteY30"/>
+              </a:cxn>
+              <a:cxn ang="0">
+                <a:pos x="connsiteX31" y="connsiteY31"/>
+              </a:cxn>
+              <a:cxn ang="0">
+                <a:pos x="connsiteX32" y="connsiteY32"/>
+              </a:cxn>
+              <a:cxn ang="0">
+                <a:pos x="connsiteX33" y="connsiteY33"/>
+              </a:cxn>
+              <a:cxn ang="0">
+                <a:pos x="connsiteX34" y="connsiteY34"/>
+              </a:cxn>
+              <a:cxn ang="0">
+                <a:pos x="connsiteX35" y="connsiteY35"/>
+              </a:cxn>
+              <a:cxn ang="0">
+                <a:pos x="connsiteX36" y="connsiteY36"/>
+              </a:cxn>
+              <a:cxn ang="0">
+                <a:pos x="connsiteX37" y="connsiteY37"/>
+              </a:cxn>
+              <a:cxn ang="0">
+                <a:pos x="connsiteX38" y="connsiteY38"/>
+              </a:cxn>
+              <a:cxn ang="0">
+                <a:pos x="connsiteX39" y="connsiteY39"/>
+              </a:cxn>
+              <a:cxn ang="0">
+                <a:pos x="connsiteX40" y="connsiteY40"/>
+              </a:cxn>
+              <a:cxn ang="0">
+                <a:pos x="connsiteX41" y="connsiteY41"/>
+              </a:cxn>
+              <a:cxn ang="0">
+                <a:pos x="connsiteX42" y="connsiteY42"/>
+              </a:cxn>
+              <a:cxn ang="0">
+                <a:pos x="connsiteX43" y="connsiteY43"/>
+              </a:cxn>
+              <a:cxn ang="0">
+                <a:pos x="connsiteX44" y="connsiteY44"/>
+              </a:cxn>
+              <a:cxn ang="0">
+                <a:pos x="connsiteX45" y="connsiteY45"/>
+              </a:cxn>
+              <a:cxn ang="0">
+                <a:pos x="connsiteX46" y="connsiteY46"/>
+              </a:cxn>
+              <a:cxn ang="0">
+                <a:pos x="connsiteX47" y="connsiteY47"/>
+              </a:cxn>
+              <a:cxn ang="0">
+                <a:pos x="connsiteX48" y="connsiteY48"/>
+              </a:cxn>
+              <a:cxn ang="0">
+                <a:pos x="connsiteX49" y="connsiteY49"/>
+              </a:cxn>
+              <a:cxn ang="0">
+                <a:pos x="connsiteX50" y="connsiteY50"/>
+              </a:cxn>
+              <a:cxn ang="0">
+                <a:pos x="connsiteX51" y="connsiteY51"/>
+              </a:cxn>
+            </a:cxnLst>
+            <a:rect l="l" t="t" r="r" b="b"/>
+            <a:pathLst>
+              <a:path w="12192417" h="5095933">
+                <a:moveTo>
+                  <a:pt x="0" y="0"/>
+                </a:moveTo>
+                <a:lnTo>
+                  <a:pt x="71931" y="12261"/>
+                </a:lnTo>
+                <a:lnTo>
+                  <a:pt x="282848" y="48343"/>
+                </a:lnTo>
+                <a:lnTo>
+                  <a:pt x="436463" y="73565"/>
+                </a:lnTo>
+                <a:lnTo>
+                  <a:pt x="619338" y="100188"/>
+                </a:lnTo>
+                <a:lnTo>
+                  <a:pt x="836350" y="132066"/>
+                </a:lnTo>
+                <a:lnTo>
+                  <a:pt x="1076527" y="165696"/>
+                </a:lnTo>
+                <a:lnTo>
+                  <a:pt x="1347183" y="201077"/>
+                </a:lnTo>
+                <a:lnTo>
+                  <a:pt x="1642222" y="238560"/>
+                </a:lnTo>
+                <a:lnTo>
+                  <a:pt x="1962863" y="276043"/>
+                </a:lnTo>
+                <a:lnTo>
+                  <a:pt x="2304231" y="314227"/>
+                </a:lnTo>
+                <a:lnTo>
+                  <a:pt x="2672420" y="349608"/>
+                </a:lnTo>
+                <a:lnTo>
+                  <a:pt x="3057677" y="383588"/>
+                </a:lnTo>
+                <a:lnTo>
+                  <a:pt x="3464880" y="414415"/>
+                </a:lnTo>
+                <a:lnTo>
+                  <a:pt x="3889151" y="443841"/>
+                </a:lnTo>
+                <a:lnTo>
+                  <a:pt x="4331709" y="471515"/>
+                </a:lnTo>
+                <a:lnTo>
+                  <a:pt x="4558475" y="481324"/>
+                </a:lnTo>
+                <a:lnTo>
+                  <a:pt x="4790117" y="492183"/>
+                </a:lnTo>
+                <a:lnTo>
+                  <a:pt x="5025417" y="502342"/>
+                </a:lnTo>
+                <a:lnTo>
+                  <a:pt x="5261936" y="508998"/>
+                </a:lnTo>
+                <a:lnTo>
+                  <a:pt x="5503331" y="514953"/>
+                </a:lnTo>
+                <a:lnTo>
+                  <a:pt x="5747166" y="521259"/>
+                </a:lnTo>
+                <a:lnTo>
+                  <a:pt x="5995876" y="525463"/>
+                </a:lnTo>
+                <a:lnTo>
+                  <a:pt x="6247025" y="525463"/>
+                </a:lnTo>
+                <a:lnTo>
+                  <a:pt x="6500612" y="527565"/>
+                </a:lnTo>
+                <a:lnTo>
+                  <a:pt x="6756638" y="525463"/>
+                </a:lnTo>
+                <a:lnTo>
+                  <a:pt x="7016321" y="521259"/>
+                </a:lnTo>
+                <a:lnTo>
+                  <a:pt x="7276004" y="517406"/>
+                </a:lnTo>
+                <a:lnTo>
+                  <a:pt x="7539344" y="508998"/>
+                </a:lnTo>
+                <a:lnTo>
+                  <a:pt x="7805123" y="500241"/>
+                </a:lnTo>
+                <a:lnTo>
+                  <a:pt x="8070902" y="490082"/>
+                </a:lnTo>
+                <a:lnTo>
+                  <a:pt x="8339120" y="475719"/>
+                </a:lnTo>
+                <a:lnTo>
+                  <a:pt x="8609775" y="458554"/>
+                </a:lnTo>
+                <a:lnTo>
+                  <a:pt x="8881650" y="442089"/>
+                </a:lnTo>
+                <a:lnTo>
+                  <a:pt x="9153525" y="421071"/>
+                </a:lnTo>
+                <a:lnTo>
+                  <a:pt x="9429057" y="395849"/>
+                </a:lnTo>
+                <a:lnTo>
+                  <a:pt x="9700932" y="370626"/>
+                </a:lnTo>
+                <a:lnTo>
+                  <a:pt x="9977683" y="341551"/>
+                </a:lnTo>
+                <a:lnTo>
+                  <a:pt x="10255654" y="309673"/>
+                </a:lnTo>
+                <a:lnTo>
+                  <a:pt x="10529967" y="276043"/>
+                </a:lnTo>
+                <a:lnTo>
+                  <a:pt x="10807938" y="236809"/>
+                </a:lnTo>
+                <a:lnTo>
+                  <a:pt x="11084689" y="194772"/>
+                </a:lnTo>
+                <a:lnTo>
+                  <a:pt x="11362660" y="153085"/>
+                </a:lnTo>
+                <a:lnTo>
+                  <a:pt x="11639411" y="104392"/>
+                </a:lnTo>
+                <a:lnTo>
+                  <a:pt x="11914944" y="54648"/>
+                </a:lnTo>
+                <a:lnTo>
+                  <a:pt x="12191695" y="2452"/>
+                </a:lnTo>
+                <a:lnTo>
+                  <a:pt x="12191695" y="2162231"/>
+                </a:lnTo>
+                <a:lnTo>
+                  <a:pt x="12192417" y="2162231"/>
+                </a:lnTo>
+                <a:lnTo>
+                  <a:pt x="12192417" y="5095933"/>
+                </a:lnTo>
+                <a:lnTo>
+                  <a:pt x="0" y="5095933"/>
+                </a:lnTo>
+                <a:lnTo>
+                  <a:pt x="0" y="2791958"/>
+                </a:lnTo>
+                <a:lnTo>
+                  <a:pt x="0" y="2162231"/>
+                </a:lnTo>
+                <a:close/>
+              </a:path>
+            </a:pathLst>
+          </a:custGeom>
+          <a:ln>
+            <a:noFill/>
+          </a:ln>
+        </p:spPr>
+        <p:txBody>
+          <a:bodyPr/>
+          <a:lstStyle/>
+          <a:p>
+            <a:endParaRPr lang="en-US"/>
+          </a:p>
+        </p:txBody>
+      </p:sp>
+      <p:sp>
+        <p:nvSpPr>
+          <p:cNvPr id="10" name="Rectangle 7">
+            <a:extLst>
+              <a:ext uri="{FF2B5EF4-FFF2-40B4-BE49-F238E27FC236}">
+                <a16:creationId xmlns:a16="http://schemas.microsoft.com/office/drawing/2014/main" id="{843D99AC-9B8F-22F4-F101-0CFA5E4D9E54}"/>
+              </a:ext>
+            </a:extLst>
+          </p:cNvPr>
+          <p:cNvSpPr>
+            <a:spLocks noGrp="1" noChangeArrowheads="1"/>
+          </p:cNvSpPr>
+          <p:nvPr>
+            <p:ph idx="1"/>
+          </p:nvPr>
+        </p:nvSpPr>
+        <p:spPr bwMode="auto">
+          <a:xfrm>
+            <a:off x="827484" y="2763520"/>
+            <a:ext cx="6709905" cy="3484879"/>
+          </a:xfrm>
+          <a:prstGeom prst="rect">
+            <a:avLst/>
+          </a:prstGeom>
+          <a:extLst>
+            <a:ext uri="{909E8E84-426E-40DD-AFC4-6F175D3DCCD1}">
+              <a14:hiddenFill xmlns:a14="http://schemas.microsoft.com/office/drawing/2010/main">
+                <a:solidFill>
+                  <a:schemeClr val="accent1"/>
+                </a:solidFill>
+              </a14:hiddenFill>
+            </a:ext>
+            <a:ext uri="{91240B29-F687-4F45-9708-019B960494DF}">
+              <a14:hiddenLine xmlns:a14="http://schemas.microsoft.com/office/drawing/2010/main" w="9525">
+                <a:solidFill>
+                  <a:schemeClr val="tx1"/>
+                </a:solidFill>
+                <a:miter lim="800000"/>
+                <a:headEnd/>
+                <a:tailEnd/>
+              </a14:hiddenLine>
+            </a:ext>
+            <a:ext uri="{AF507438-7753-43E0-B8FC-AC1667EBCBE1}">
+              <a14:hiddenEffects xmlns:a14="http://schemas.microsoft.com/office/drawing/2010/main">
+                <a:effectLst>
+                  <a:outerShdw dist="35921" dir="2700000" algn="ctr" rotWithShape="0">
+                    <a:schemeClr val="bg2"/>
+                  </a:outerShdw>
+                </a:effectLst>
+              </a14:hiddenEffects>
+            </a:ext>
+          </a:extLst>
+        </p:spPr>
+        <p:txBody>
+          <a:bodyPr vert="horz" lIns="91440" tIns="45720" rIns="91440" bIns="45720" numCol="1" anchorCtr="0" compatLnSpc="1">
+            <a:prstTxWarp prst="textNoShape">
+              <a:avLst/>
+            </a:prstTxWarp>
             <a:normAutofit/>
           </a:bodyPr>
           <a:lstStyle/>
           <a:p>
-            <a:r>
-              <a:t>Key Recommendations</a:t>
-            </a:r>
-          </a:p>
-        </p:txBody>
-      </p:sp>
-      <p:graphicFrame>
-        <p:nvGraphicFramePr>
-          <p:cNvPr id="5" name="Content Placeholder 2">
-            <a:extLst>
-              <a:ext uri="{FF2B5EF4-FFF2-40B4-BE49-F238E27FC236}">
-                <a16:creationId xmlns:a16="http://schemas.microsoft.com/office/drawing/2014/main" id="{8E1E0519-A9D9-7940-369A-AE18E132DAE1}"/>
-              </a:ext>
-            </a:extLst>
-          </p:cNvPr>
-          <p:cNvGraphicFramePr>
-            <a:graphicFrameLocks noGrp="1"/>
-          </p:cNvGraphicFramePr>
-          <p:nvPr>
-            <p:ph idx="1"/>
-            <p:extLst>
-              <p:ext uri="{D42A27DB-BD31-4B8C-83A1-F6EECF244321}">
-                <p14:modId xmlns:p14="http://schemas.microsoft.com/office/powerpoint/2010/main" val="2786380933"/>
-              </p:ext>
-            </p:extLst>
-          </p:nvPr>
-        </p:nvGraphicFramePr>
-        <p:xfrm>
-          <a:off x="484583" y="2140085"/>
-          <a:ext cx="7053264" cy="4056434"/>
-        </p:xfrm>
-        <a:graphic>
-          <a:graphicData uri="http://schemas.openxmlformats.org/drawingml/2006/diagram">
-            <dgm:relIds xmlns:dgm="http://schemas.openxmlformats.org/drawingml/2006/diagram" xmlns:r="http://schemas.openxmlformats.org/officeDocument/2006/relationships" r:dm="rId3" r:lo="rId4" r:qs="rId5" r:cs="rId6"/>
-          </a:graphicData>
-        </a:graphic>
-      </p:graphicFrame>
+            <a:pPr marL="0" marR="0" lvl="0" indent="0" defTabSz="914400" rtl="0" eaLnBrk="0" fontAlgn="base" latinLnBrk="0" hangingPunct="0">
+              <a:spcBef>
+                <a:spcPct val="0"/>
+              </a:spcBef>
+              <a:spcAft>
+                <a:spcPts val="600"/>
+              </a:spcAft>
+              <a:buClrTx/>
+              <a:buSzTx/>
+              <a:buFontTx/>
+              <a:buNone/>
+              <a:tabLst/>
+            </a:pPr>
+            <a:r>
+              <a:rPr kumimoji="0" lang="en-US" altLang="en-US" b="1" i="0" u="none" strike="noStrike" cap="none" normalizeH="0" baseline="0" dirty="0">
+                <a:ln>
+                  <a:noFill/>
+                </a:ln>
+                <a:effectLst/>
+                <a:latin typeface="Arial" panose="020B0604020202020204" pitchFamily="34" charset="0"/>
+              </a:rPr>
+              <a:t>Class Weights (Model-Level Strategy)</a:t>
+            </a:r>
+          </a:p>
+          <a:p>
+            <a:pPr marL="0" marR="0" lvl="0" indent="0" defTabSz="914400" rtl="0" eaLnBrk="0" fontAlgn="base" latinLnBrk="0" hangingPunct="0">
+              <a:spcBef>
+                <a:spcPct val="0"/>
+              </a:spcBef>
+              <a:spcAft>
+                <a:spcPts val="600"/>
+              </a:spcAft>
+              <a:buClrTx/>
+              <a:buSzTx/>
+              <a:buFontTx/>
+              <a:buChar char="•"/>
+              <a:tabLst/>
+            </a:pPr>
+            <a:r>
+              <a:rPr kumimoji="0" lang="en-US" altLang="en-US" b="0" i="0" u="none" strike="noStrike" cap="none" normalizeH="0" baseline="0" dirty="0">
+                <a:ln>
+                  <a:noFill/>
+                </a:ln>
+                <a:effectLst/>
+                <a:latin typeface="Arial" panose="020B0604020202020204" pitchFamily="34" charset="0"/>
+              </a:rPr>
+              <a:t>Assign higher weights to minority classes during training.</a:t>
+            </a:r>
+          </a:p>
+          <a:p>
+            <a:pPr marL="0" marR="0" lvl="0" indent="0" defTabSz="914400" rtl="0" eaLnBrk="0" fontAlgn="base" latinLnBrk="0" hangingPunct="0">
+              <a:spcBef>
+                <a:spcPct val="0"/>
+              </a:spcBef>
+              <a:spcAft>
+                <a:spcPts val="600"/>
+              </a:spcAft>
+              <a:buClrTx/>
+              <a:buSzTx/>
+              <a:buFontTx/>
+              <a:buChar char="•"/>
+              <a:tabLst/>
+            </a:pPr>
+            <a:r>
+              <a:rPr kumimoji="0" lang="en-US" altLang="en-US" b="0" i="0" u="none" strike="noStrike" cap="none" normalizeH="0" baseline="0" dirty="0">
+                <a:ln>
+                  <a:noFill/>
+                </a:ln>
+                <a:effectLst/>
+                <a:latin typeface="Arial" panose="020B0604020202020204" pitchFamily="34" charset="0"/>
+              </a:rPr>
+              <a:t>Works well with models like Logistic Regression, Random Forest, or </a:t>
+            </a:r>
+            <a:r>
+              <a:rPr kumimoji="0" lang="en-US" altLang="en-US" b="0" i="0" u="none" strike="noStrike" cap="none" normalizeH="0" baseline="0" dirty="0" err="1">
+                <a:ln>
+                  <a:noFill/>
+                </a:ln>
+                <a:effectLst/>
+                <a:latin typeface="Arial" panose="020B0604020202020204" pitchFamily="34" charset="0"/>
+              </a:rPr>
+              <a:t>XGBoost</a:t>
+            </a:r>
+            <a:r>
+              <a:rPr kumimoji="0" lang="en-US" altLang="en-US" b="0" i="0" u="none" strike="noStrike" cap="none" normalizeH="0" baseline="0" dirty="0">
+                <a:ln>
+                  <a:noFill/>
+                </a:ln>
+                <a:effectLst/>
+                <a:latin typeface="Arial" panose="020B0604020202020204" pitchFamily="34" charset="0"/>
+              </a:rPr>
+              <a:t>.</a:t>
+            </a:r>
+          </a:p>
+          <a:p>
+            <a:pPr marL="0" marR="0" lvl="0" indent="0" defTabSz="914400" rtl="0" eaLnBrk="0" fontAlgn="base" latinLnBrk="0" hangingPunct="0">
+              <a:spcBef>
+                <a:spcPct val="0"/>
+              </a:spcBef>
+              <a:spcAft>
+                <a:spcPts val="600"/>
+              </a:spcAft>
+              <a:buClrTx/>
+              <a:buSzTx/>
+              <a:buFontTx/>
+              <a:buNone/>
+              <a:tabLst/>
+            </a:pPr>
+            <a:r>
+              <a:rPr kumimoji="0" lang="en-US" altLang="en-US" b="0" i="0" u="none" strike="noStrike" cap="none" normalizeH="0" baseline="0" dirty="0">
+                <a:ln>
+                  <a:noFill/>
+                </a:ln>
+                <a:effectLst/>
+                <a:latin typeface="Arial Unicode MS"/>
+              </a:rPr>
+              <a:t>python</a:t>
+            </a:r>
+          </a:p>
+          <a:p>
+            <a:pPr marL="0" marR="0" lvl="0" indent="0" defTabSz="914400" rtl="0" eaLnBrk="0" fontAlgn="base" latinLnBrk="0" hangingPunct="0">
+              <a:spcBef>
+                <a:spcPct val="0"/>
+              </a:spcBef>
+              <a:spcAft>
+                <a:spcPts val="600"/>
+              </a:spcAft>
+              <a:buClrTx/>
+              <a:buSzTx/>
+              <a:buFontTx/>
+              <a:buNone/>
+              <a:tabLst/>
+            </a:pPr>
+            <a:r>
+              <a:rPr kumimoji="0" lang="en-US" altLang="en-US" b="0" i="0" u="none" strike="noStrike" cap="none" normalizeH="0" baseline="0" dirty="0">
+                <a:ln>
+                  <a:noFill/>
+                </a:ln>
+                <a:effectLst/>
+                <a:latin typeface="Arial Unicode MS"/>
+              </a:rPr>
+              <a:t>from </a:t>
+            </a:r>
+            <a:r>
+              <a:rPr kumimoji="0" lang="en-US" altLang="en-US" b="0" i="0" u="none" strike="noStrike" cap="none" normalizeH="0" baseline="0" dirty="0" err="1">
+                <a:ln>
+                  <a:noFill/>
+                </a:ln>
+                <a:effectLst/>
+                <a:latin typeface="Arial Unicode MS"/>
+              </a:rPr>
+              <a:t>sklearn.ensemble</a:t>
+            </a:r>
+            <a:r>
+              <a:rPr kumimoji="0" lang="en-US" altLang="en-US" b="0" i="0" u="none" strike="noStrike" cap="none" normalizeH="0" baseline="0" dirty="0">
+                <a:ln>
+                  <a:noFill/>
+                </a:ln>
+                <a:effectLst/>
+                <a:latin typeface="Arial Unicode MS"/>
+              </a:rPr>
+              <a:t> import </a:t>
+            </a:r>
+            <a:r>
+              <a:rPr kumimoji="0" lang="en-US" altLang="en-US" b="0" i="0" u="none" strike="noStrike" cap="none" normalizeH="0" baseline="0" dirty="0" err="1">
+                <a:ln>
+                  <a:noFill/>
+                </a:ln>
+                <a:effectLst/>
+                <a:latin typeface="Arial Unicode MS"/>
+              </a:rPr>
+              <a:t>RandomForestClassifier</a:t>
+            </a:r>
+            <a:r>
+              <a:rPr kumimoji="0" lang="en-US" altLang="en-US" b="0" i="0" u="none" strike="noStrike" cap="none" normalizeH="0" baseline="0" dirty="0">
+                <a:ln>
+                  <a:noFill/>
+                </a:ln>
+                <a:effectLst/>
+                <a:latin typeface="Arial Unicode MS"/>
+              </a:rPr>
+              <a:t> model = </a:t>
+            </a:r>
+            <a:r>
+              <a:rPr kumimoji="0" lang="en-US" altLang="en-US" b="0" i="0" u="none" strike="noStrike" cap="none" normalizeH="0" baseline="0" dirty="0" err="1">
+                <a:ln>
+                  <a:noFill/>
+                </a:ln>
+                <a:effectLst/>
+                <a:latin typeface="Arial Unicode MS"/>
+              </a:rPr>
+              <a:t>RandomForestClassifier</a:t>
+            </a:r>
+            <a:r>
+              <a:rPr kumimoji="0" lang="en-US" altLang="en-US" b="0" i="0" u="none" strike="noStrike" cap="none" normalizeH="0" baseline="0" dirty="0">
+                <a:ln>
+                  <a:noFill/>
+                </a:ln>
+                <a:effectLst/>
+                <a:latin typeface="Arial Unicode MS"/>
+              </a:rPr>
+              <a:t>(</a:t>
+            </a:r>
+            <a:r>
+              <a:rPr kumimoji="0" lang="en-US" altLang="en-US" b="0" i="0" u="none" strike="noStrike" cap="none" normalizeH="0" baseline="0" dirty="0" err="1">
+                <a:ln>
+                  <a:noFill/>
+                </a:ln>
+                <a:effectLst/>
+                <a:latin typeface="Arial Unicode MS"/>
+              </a:rPr>
+              <a:t>class_weight</a:t>
+            </a:r>
+            <a:r>
+              <a:rPr kumimoji="0" lang="en-US" altLang="en-US" b="0" i="0" u="none" strike="noStrike" cap="none" normalizeH="0" baseline="0" dirty="0">
+                <a:ln>
+                  <a:noFill/>
+                </a:ln>
+                <a:effectLst/>
+                <a:latin typeface="Arial Unicode MS"/>
+              </a:rPr>
+              <a:t>='balanced', </a:t>
+            </a:r>
+            <a:r>
+              <a:rPr kumimoji="0" lang="en-US" altLang="en-US" b="0" i="0" u="none" strike="noStrike" cap="none" normalizeH="0" baseline="0" dirty="0" err="1">
+                <a:ln>
+                  <a:noFill/>
+                </a:ln>
+                <a:effectLst/>
+                <a:latin typeface="Arial Unicode MS"/>
+              </a:rPr>
+              <a:t>random_state</a:t>
+            </a:r>
+            <a:r>
+              <a:rPr kumimoji="0" lang="en-US" altLang="en-US" b="0" i="0" u="none" strike="noStrike" cap="none" normalizeH="0" baseline="0" dirty="0">
+                <a:ln>
+                  <a:noFill/>
+                </a:ln>
+                <a:effectLst/>
+                <a:latin typeface="Arial Unicode MS"/>
+              </a:rPr>
+              <a:t>=42) </a:t>
+            </a:r>
+            <a:r>
+              <a:rPr kumimoji="0" lang="en-US" altLang="en-US" b="0" i="0" u="none" strike="noStrike" cap="none" normalizeH="0" baseline="0" dirty="0" err="1">
+                <a:ln>
+                  <a:noFill/>
+                </a:ln>
+                <a:effectLst/>
+                <a:latin typeface="Arial Unicode MS"/>
+              </a:rPr>
+              <a:t>model.fit</a:t>
+            </a:r>
+            <a:r>
+              <a:rPr kumimoji="0" lang="en-US" altLang="en-US" b="0" i="0" u="none" strike="noStrike" cap="none" normalizeH="0" baseline="0" dirty="0">
+                <a:ln>
+                  <a:noFill/>
+                </a:ln>
+                <a:effectLst/>
+                <a:latin typeface="Arial Unicode MS"/>
+              </a:rPr>
+              <a:t>(X_train, </a:t>
+            </a:r>
+            <a:r>
+              <a:rPr kumimoji="0" lang="en-US" altLang="en-US" b="0" i="0" u="none" strike="noStrike" cap="none" normalizeH="0" baseline="0" dirty="0" err="1">
+                <a:ln>
+                  <a:noFill/>
+                </a:ln>
+                <a:effectLst/>
+                <a:latin typeface="Arial Unicode MS"/>
+              </a:rPr>
+              <a:t>y_train</a:t>
+            </a:r>
+            <a:r>
+              <a:rPr kumimoji="0" lang="en-US" altLang="en-US" b="0" i="0" u="none" strike="noStrike" cap="none" normalizeH="0" baseline="0" dirty="0">
+                <a:ln>
+                  <a:noFill/>
+                </a:ln>
+                <a:effectLst/>
+                <a:latin typeface="Arial Unicode MS"/>
+              </a:rPr>
+              <a:t>)</a:t>
+            </a:r>
+          </a:p>
+          <a:p>
+            <a:pPr marL="0" marR="0" lvl="0" indent="0" defTabSz="914400" rtl="0" eaLnBrk="0" fontAlgn="base" latinLnBrk="0" hangingPunct="0">
+              <a:spcBef>
+                <a:spcPct val="0"/>
+              </a:spcBef>
+              <a:spcAft>
+                <a:spcPts val="600"/>
+              </a:spcAft>
+              <a:buClrTx/>
+              <a:buSzTx/>
+              <a:buFontTx/>
+              <a:buNone/>
+              <a:tabLst/>
+            </a:pPr>
+            <a:endParaRPr kumimoji="0" lang="en-US" altLang="en-US" b="0" i="0" u="none" strike="noStrike" cap="none" normalizeH="0" baseline="0" dirty="0">
+              <a:ln>
+                <a:noFill/>
+              </a:ln>
+              <a:effectLst/>
+              <a:latin typeface="Arial" panose="020B0604020202020204" pitchFamily="34" charset="0"/>
+            </a:endParaRPr>
+          </a:p>
+        </p:txBody>
+      </p:sp>
     </p:spTree>
+    <p:extLst>
+      <p:ext uri="{BB962C8B-B14F-4D97-AF65-F5344CB8AC3E}">
+        <p14:creationId xmlns:p14="http://schemas.microsoft.com/office/powerpoint/2010/main" val="3033230719"/>
+      </p:ext>
+    </p:extLst>
   </p:cSld>
   <p:clrMapOvr>
-    <a:masterClrMapping/>
+    <a:overrideClrMapping bg1="lt1" tx1="dk1" bg2="lt2" tx2="dk2" accent1="accent1" accent2="accent2" accent3="accent3" accent4="accent4" accent5="accent5" accent6="accent6" hlink="hlink" folHlink="folHlink"/>
   </p:clrMapOvr>
 </p:sld>
 </file>
@@ -11503,4 +12969,319 @@
     </a:ext>
   </a:extLst>
 </a:theme>
+</file>
+
+<file path=ppt/theme/theme2.xml><?xml version="1.0" encoding="utf-8"?>
+<a:theme xmlns:a="http://schemas.openxmlformats.org/drawingml/2006/main" name="Office Theme">
+  <a:themeElements>
+    <a:clrScheme name="Office">
+      <a:dk1>
+        <a:sysClr val="windowText" lastClr="000000"/>
+      </a:dk1>
+      <a:lt1>
+        <a:sysClr val="window" lastClr="FFFFFF"/>
+      </a:lt1>
+      <a:dk2>
+        <a:srgbClr val="0E2841"/>
+      </a:dk2>
+      <a:lt2>
+        <a:srgbClr val="E8E8E8"/>
+      </a:lt2>
+      <a:accent1>
+        <a:srgbClr val="156082"/>
+      </a:accent1>
+      <a:accent2>
+        <a:srgbClr val="E97132"/>
+      </a:accent2>
+      <a:accent3>
+        <a:srgbClr val="196B24"/>
+      </a:accent3>
+      <a:accent4>
+        <a:srgbClr val="0F9ED5"/>
+      </a:accent4>
+      <a:accent5>
+        <a:srgbClr val="A02B93"/>
+      </a:accent5>
+      <a:accent6>
+        <a:srgbClr val="4EA72E"/>
+      </a:accent6>
+      <a:hlink>
+        <a:srgbClr val="467886"/>
+      </a:hlink>
+      <a:folHlink>
+        <a:srgbClr val="96607D"/>
+      </a:folHlink>
+    </a:clrScheme>
+    <a:fontScheme name="Office">
+      <a:majorFont>
+        <a:latin typeface="Aptos Display" panose="02110004020202020204"/>
+        <a:ea typeface=""/>
+        <a:cs typeface=""/>
+        <a:font script="Jpan" typeface="游ゴシック Light"/>
+        <a:font script="Hang" typeface="맑은 고딕"/>
+        <a:font script="Hans" typeface="等线 Light"/>
+        <a:font script="Hant" typeface="新細明體"/>
+        <a:font script="Arab" typeface="Times New Roman"/>
+        <a:font script="Hebr" typeface="Times New Roman"/>
+        <a:font script="Thai" typeface="Angsana New"/>
+        <a:font script="Ethi" typeface="Nyala"/>
+        <a:font script="Beng" typeface="Vrinda"/>
+        <a:font script="Gujr" typeface="Shruti"/>
+        <a:font script="Khmr" typeface="MoolBoran"/>
+        <a:font script="Knda" typeface="Tunga"/>
+        <a:font script="Guru" typeface="Raavi"/>
+        <a:font script="Cans" typeface="Euphemia"/>
+        <a:font script="Cher" typeface="Plantagenet Cherokee"/>
+        <a:font script="Yiii" typeface="Microsoft Yi Baiti"/>
+        <a:font script="Tibt" typeface="Microsoft Himalaya"/>
+        <a:font script="Thaa" typeface="MV Boli"/>
+        <a:font script="Deva" typeface="Mangal"/>
+        <a:font script="Telu" typeface="Gautami"/>
+        <a:font script="Taml" typeface="Latha"/>
+        <a:font script="Syrc" typeface="Estrangelo Edessa"/>
+        <a:font script="Orya" typeface="Kalinga"/>
+        <a:font script="Mlym" typeface="Kartika"/>
+        <a:font script="Laoo" typeface="DokChampa"/>
+        <a:font script="Sinh" typeface="Iskoola Pota"/>
+        <a:font script="Mong" typeface="Mongolian Baiti"/>
+        <a:font script="Viet" typeface="Times New Roman"/>
+        <a:font script="Uigh" typeface="Microsoft Uighur"/>
+        <a:font script="Geor" typeface="Sylfaen"/>
+        <a:font script="Armn" typeface="Arial"/>
+        <a:font script="Bugi" typeface="Leelawadee UI"/>
+        <a:font script="Bopo" typeface="Microsoft JhengHei"/>
+        <a:font script="Java" typeface="Javanese Text"/>
+        <a:font script="Lisu" typeface="Segoe UI"/>
+        <a:font script="Mymr" typeface="Myanmar Text"/>
+        <a:font script="Nkoo" typeface="Ebrima"/>
+        <a:font script="Olck" typeface="Nirmala UI"/>
+        <a:font script="Osma" typeface="Ebrima"/>
+        <a:font script="Phag" typeface="Phagspa"/>
+        <a:font script="Syrn" typeface="Estrangelo Edessa"/>
+        <a:font script="Syrj" typeface="Estrangelo Edessa"/>
+        <a:font script="Syre" typeface="Estrangelo Edessa"/>
+        <a:font script="Sora" typeface="Nirmala UI"/>
+        <a:font script="Tale" typeface="Microsoft Tai Le"/>
+        <a:font script="Talu" typeface="Microsoft New Tai Lue"/>
+        <a:font script="Tfng" typeface="Ebrima"/>
+      </a:majorFont>
+      <a:minorFont>
+        <a:latin typeface="Aptos" panose="02110004020202020204"/>
+        <a:ea typeface=""/>
+        <a:cs typeface=""/>
+        <a:font script="Jpan" typeface="游ゴシック"/>
+        <a:font script="Hang" typeface="맑은 고딕"/>
+        <a:font script="Hans" typeface="等线"/>
+        <a:font script="Hant" typeface="新細明體"/>
+        <a:font script="Arab" typeface="Arial"/>
+        <a:font script="Hebr" typeface="Arial"/>
+        <a:font script="Thai" typeface="Cordia New"/>
+        <a:font script="Ethi" typeface="Nyala"/>
+        <a:font script="Beng" typeface="Vrinda"/>
+        <a:font script="Gujr" typeface="Shruti"/>
+        <a:font script="Khmr" typeface="DaunPenh"/>
+        <a:font script="Knda" typeface="Tunga"/>
+        <a:font script="Guru" typeface="Raavi"/>
+        <a:font script="Cans" typeface="Euphemia"/>
+        <a:font script="Cher" typeface="Plantagenet Cherokee"/>
+        <a:font script="Yiii" typeface="Microsoft Yi Baiti"/>
+        <a:font script="Tibt" typeface="Microsoft Himalaya"/>
+        <a:font script="Thaa" typeface="MV Boli"/>
+        <a:font script="Deva" typeface="Mangal"/>
+        <a:font script="Telu" typeface="Gautami"/>
+        <a:font script="Taml" typeface="Latha"/>
+        <a:font script="Syrc" typeface="Estrangelo Edessa"/>
+        <a:font script="Orya" typeface="Kalinga"/>
+        <a:font script="Mlym" typeface="Kartika"/>
+        <a:font script="Laoo" typeface="DokChampa"/>
+        <a:font script="Sinh" typeface="Iskoola Pota"/>
+        <a:font script="Mong" typeface="Mongolian Baiti"/>
+        <a:font script="Viet" typeface="Arial"/>
+        <a:font script="Uigh" typeface="Microsoft Uighur"/>
+        <a:font script="Geor" typeface="Sylfaen"/>
+        <a:font script="Armn" typeface="Arial"/>
+        <a:font script="Bugi" typeface="Leelawadee UI"/>
+        <a:font script="Bopo" typeface="Microsoft JhengHei"/>
+        <a:font script="Java" typeface="Javanese Text"/>
+        <a:font script="Lisu" typeface="Segoe UI"/>
+        <a:font script="Mymr" typeface="Myanmar Text"/>
+        <a:font script="Nkoo" typeface="Ebrima"/>
+        <a:font script="Olck" typeface="Nirmala UI"/>
+        <a:font script="Osma" typeface="Ebrima"/>
+        <a:font script="Phag" typeface="Phagspa"/>
+        <a:font script="Syrn" typeface="Estrangelo Edessa"/>
+        <a:font script="Syrj" typeface="Estrangelo Edessa"/>
+        <a:font script="Syre" typeface="Estrangelo Edessa"/>
+        <a:font script="Sora" typeface="Nirmala UI"/>
+        <a:font script="Tale" typeface="Microsoft Tai Le"/>
+        <a:font script="Talu" typeface="Microsoft New Tai Lue"/>
+        <a:font script="Tfng" typeface="Ebrima"/>
+      </a:minorFont>
+    </a:fontScheme>
+    <a:fmtScheme name="Office">
+      <a:fillStyleLst>
+        <a:solidFill>
+          <a:schemeClr val="phClr"/>
+        </a:solidFill>
+        <a:gradFill rotWithShape="1">
+          <a:gsLst>
+            <a:gs pos="0">
+              <a:schemeClr val="phClr">
+                <a:lumMod val="110000"/>
+                <a:satMod val="105000"/>
+                <a:tint val="67000"/>
+              </a:schemeClr>
+            </a:gs>
+            <a:gs pos="50000">
+              <a:schemeClr val="phClr">
+                <a:lumMod val="105000"/>
+                <a:satMod val="103000"/>
+                <a:tint val="73000"/>
+              </a:schemeClr>
+            </a:gs>
+            <a:gs pos="100000">
+              <a:schemeClr val="phClr">
+                <a:lumMod val="105000"/>
+                <a:satMod val="109000"/>
+                <a:tint val="81000"/>
+              </a:schemeClr>
+            </a:gs>
+          </a:gsLst>
+          <a:lin ang="5400000" scaled="0"/>
+        </a:gradFill>
+        <a:gradFill rotWithShape="1">
+          <a:gsLst>
+            <a:gs pos="0">
+              <a:schemeClr val="phClr">
+                <a:satMod val="103000"/>
+                <a:lumMod val="102000"/>
+                <a:tint val="94000"/>
+              </a:schemeClr>
+            </a:gs>
+            <a:gs pos="50000">
+              <a:schemeClr val="phClr">
+                <a:satMod val="110000"/>
+                <a:lumMod val="100000"/>
+                <a:shade val="100000"/>
+              </a:schemeClr>
+            </a:gs>
+            <a:gs pos="100000">
+              <a:schemeClr val="phClr">
+                <a:lumMod val="99000"/>
+                <a:satMod val="120000"/>
+                <a:shade val="78000"/>
+              </a:schemeClr>
+            </a:gs>
+          </a:gsLst>
+          <a:lin ang="5400000" scaled="0"/>
+        </a:gradFill>
+      </a:fillStyleLst>
+      <a:lnStyleLst>
+        <a:ln w="12700" cap="flat" cmpd="sng" algn="ctr">
+          <a:solidFill>
+            <a:schemeClr val="phClr"/>
+          </a:solidFill>
+          <a:prstDash val="solid"/>
+          <a:miter lim="800000"/>
+        </a:ln>
+        <a:ln w="19050" cap="flat" cmpd="sng" algn="ctr">
+          <a:solidFill>
+            <a:schemeClr val="phClr"/>
+          </a:solidFill>
+          <a:prstDash val="solid"/>
+          <a:miter lim="800000"/>
+        </a:ln>
+        <a:ln w="25400" cap="flat" cmpd="sng" algn="ctr">
+          <a:solidFill>
+            <a:schemeClr val="phClr"/>
+          </a:solidFill>
+          <a:prstDash val="solid"/>
+          <a:miter lim="800000"/>
+        </a:ln>
+      </a:lnStyleLst>
+      <a:effectStyleLst>
+        <a:effectStyle>
+          <a:effectLst/>
+        </a:effectStyle>
+        <a:effectStyle>
+          <a:effectLst/>
+        </a:effectStyle>
+        <a:effectStyle>
+          <a:effectLst>
+            <a:outerShdw blurRad="57150" dist="19050" dir="5400000" algn="ctr" rotWithShape="0">
+              <a:srgbClr val="000000">
+                <a:alpha val="63000"/>
+              </a:srgbClr>
+            </a:outerShdw>
+          </a:effectLst>
+        </a:effectStyle>
+      </a:effectStyleLst>
+      <a:bgFillStyleLst>
+        <a:solidFill>
+          <a:schemeClr val="phClr"/>
+        </a:solidFill>
+        <a:solidFill>
+          <a:schemeClr val="phClr">
+            <a:tint val="95000"/>
+            <a:satMod val="170000"/>
+          </a:schemeClr>
+        </a:solidFill>
+        <a:gradFill rotWithShape="1">
+          <a:gsLst>
+            <a:gs pos="0">
+              <a:schemeClr val="phClr">
+                <a:tint val="93000"/>
+                <a:satMod val="150000"/>
+                <a:shade val="98000"/>
+                <a:lumMod val="102000"/>
+              </a:schemeClr>
+            </a:gs>
+            <a:gs pos="50000">
+              <a:schemeClr val="phClr">
+                <a:tint val="98000"/>
+                <a:satMod val="130000"/>
+                <a:shade val="90000"/>
+                <a:lumMod val="103000"/>
+              </a:schemeClr>
+            </a:gs>
+            <a:gs pos="100000">
+              <a:schemeClr val="phClr">
+                <a:shade val="63000"/>
+                <a:satMod val="120000"/>
+              </a:schemeClr>
+            </a:gs>
+          </a:gsLst>
+          <a:lin ang="5400000" scaled="0"/>
+        </a:gradFill>
+      </a:bgFillStyleLst>
+    </a:fmtScheme>
+  </a:themeElements>
+  <a:objectDefaults>
+    <a:lnDef>
+      <a:spPr/>
+      <a:bodyPr/>
+      <a:lstStyle/>
+      <a:style>
+        <a:lnRef idx="2">
+          <a:schemeClr val="accent1"/>
+        </a:lnRef>
+        <a:fillRef idx="0">
+          <a:schemeClr val="accent1"/>
+        </a:fillRef>
+        <a:effectRef idx="1">
+          <a:schemeClr val="accent1"/>
+        </a:effectRef>
+        <a:fontRef idx="minor">
+          <a:schemeClr val="tx1"/>
+        </a:fontRef>
+      </a:style>
+    </a:lnDef>
+  </a:objectDefaults>
+  <a:extraClrSchemeLst/>
+  <a:extLst>
+    <a:ext uri="{05A4C25C-085E-4340-85A3-A5531E510DB2}">
+      <thm15:themeFamily xmlns:thm15="http://schemas.microsoft.com/office/thememl/2012/main" name="Office Theme" id="{2E142A2C-CD16-42D6-873A-C26D2A0506FA}" vid="{1BDDFF52-6CD6-40A5-AB3C-68EB2F1E4D0A}"/>
+    </a:ext>
+  </a:extLst>
+</a:theme>
 </file>